--- a/Session-03/Session-03-if-else-and-loops-Python.pptx
+++ b/Session-03/Session-03-if-else-and-loops-Python.pptx
@@ -5,7 +5,7 @@
     <p:sldMasterId id="2147483660" r:id="rId1"/>
   </p:sldMasterIdLst>
   <p:notesMasterIdLst>
-    <p:notesMasterId r:id="rId23"/>
+    <p:notesMasterId r:id="rId26"/>
   </p:notesMasterIdLst>
   <p:sldIdLst>
     <p:sldId id="256" r:id="rId2"/>
@@ -24,11 +24,14 @@
     <p:sldId id="279" r:id="rId15"/>
     <p:sldId id="280" r:id="rId16"/>
     <p:sldId id="281" r:id="rId17"/>
-    <p:sldId id="282" r:id="rId18"/>
-    <p:sldId id="283" r:id="rId19"/>
-    <p:sldId id="284" r:id="rId20"/>
-    <p:sldId id="285" r:id="rId21"/>
-    <p:sldId id="266" r:id="rId22"/>
+    <p:sldId id="288" r:id="rId18"/>
+    <p:sldId id="282" r:id="rId19"/>
+    <p:sldId id="287" r:id="rId20"/>
+    <p:sldId id="286" r:id="rId21"/>
+    <p:sldId id="283" r:id="rId22"/>
+    <p:sldId id="284" r:id="rId23"/>
+    <p:sldId id="285" r:id="rId24"/>
+    <p:sldId id="266" r:id="rId25"/>
   </p:sldIdLst>
   <p:sldSz cx="9144000" cy="6858000" type="screen4x3"/>
   <p:notesSz cx="6858000" cy="9144000"/>
@@ -217,7 +220,7 @@
           <a:p>
             <a:fld id="{E1BDF935-9821-4834-9D99-7DEFA719F44D}" type="datetimeFigureOut">
               <a:rPr lang="en-US" smtClean="0"/>
-              <a:t>7/13/2023</a:t>
+              <a:t>7/14/2023</a:t>
             </a:fld>
             <a:endParaRPr lang="en-US"/>
           </a:p>
@@ -1507,6 +1510,585 @@
 </p:sldLayout>
 </file>
 
+<file path=ppt/slideLayouts/slideLayout4.xml><?xml version="1.0" encoding="utf-8"?>
+<p:sldLayout xmlns:a="http://schemas.openxmlformats.org/drawingml/2006/main" xmlns:r="http://schemas.openxmlformats.org/officeDocument/2006/relationships" xmlns:p="http://schemas.openxmlformats.org/presentationml/2006/main" preserve="1" userDrawn="1">
+  <p:cSld name="4_Title Slide">
+    <p:spTree>
+      <p:nvGrpSpPr>
+        <p:cNvPr id="1" name=""/>
+        <p:cNvGrpSpPr/>
+        <p:nvPr/>
+      </p:nvGrpSpPr>
+      <p:grpSpPr>
+        <a:xfrm>
+          <a:off x="0" y="0"/>
+          <a:ext cx="0" cy="0"/>
+          <a:chOff x="0" y="0"/>
+          <a:chExt cx="0" cy="0"/>
+        </a:xfrm>
+      </p:grpSpPr>
+      <p:sp>
+        <p:nvSpPr>
+          <p:cNvPr id="7" name="Rectangle 6"/>
+          <p:cNvSpPr/>
+          <p:nvPr userDrawn="1"/>
+        </p:nvSpPr>
+        <p:spPr>
+          <a:xfrm>
+            <a:off x="0" y="2"/>
+            <a:ext cx="9144000" cy="669849"/>
+          </a:xfrm>
+          <a:prstGeom prst="rect">
+            <a:avLst/>
+          </a:prstGeom>
+          <a:gradFill flip="none" rotWithShape="1">
+            <a:gsLst>
+              <a:gs pos="15000">
+                <a:srgbClr val="67C7DF"/>
+              </a:gs>
+              <a:gs pos="100000">
+                <a:srgbClr val="5EB130"/>
+              </a:gs>
+            </a:gsLst>
+            <a:lin ang="0" scaled="1"/>
+            <a:tileRect/>
+          </a:gradFill>
+          <a:ln>
+            <a:noFill/>
+          </a:ln>
+        </p:spPr>
+        <p:style>
+          <a:lnRef idx="2">
+            <a:schemeClr val="accent1">
+              <a:shade val="50000"/>
+            </a:schemeClr>
+          </a:lnRef>
+          <a:fillRef idx="1">
+            <a:schemeClr val="accent1"/>
+          </a:fillRef>
+          <a:effectRef idx="0">
+            <a:schemeClr val="accent1"/>
+          </a:effectRef>
+          <a:fontRef idx="minor">
+            <a:schemeClr val="lt1"/>
+          </a:fontRef>
+        </p:style>
+        <p:txBody>
+          <a:bodyPr rtlCol="0" anchor="ctr"/>
+          <a:lstStyle/>
+          <a:p>
+            <a:pPr algn="ctr"/>
+            <a:endParaRPr lang="en-US" sz="1800"/>
+          </a:p>
+        </p:txBody>
+      </p:sp>
+      <p:sp>
+        <p:nvSpPr>
+          <p:cNvPr id="8" name="Rectangle 7"/>
+          <p:cNvSpPr/>
+          <p:nvPr userDrawn="1"/>
+        </p:nvSpPr>
+        <p:spPr>
+          <a:xfrm>
+            <a:off x="0" y="6648450"/>
+            <a:ext cx="9144000" cy="209550"/>
+          </a:xfrm>
+          <a:prstGeom prst="rect">
+            <a:avLst/>
+          </a:prstGeom>
+          <a:gradFill flip="none" rotWithShape="1">
+            <a:gsLst>
+              <a:gs pos="15000">
+                <a:srgbClr val="67C7DF"/>
+              </a:gs>
+              <a:gs pos="100000">
+                <a:srgbClr val="5EB130"/>
+              </a:gs>
+            </a:gsLst>
+            <a:lin ang="0" scaled="1"/>
+            <a:tileRect/>
+          </a:gradFill>
+          <a:ln>
+            <a:noFill/>
+          </a:ln>
+        </p:spPr>
+        <p:style>
+          <a:lnRef idx="2">
+            <a:schemeClr val="accent1">
+              <a:shade val="50000"/>
+            </a:schemeClr>
+          </a:lnRef>
+          <a:fillRef idx="1">
+            <a:schemeClr val="accent1"/>
+          </a:fillRef>
+          <a:effectRef idx="0">
+            <a:schemeClr val="accent1"/>
+          </a:effectRef>
+          <a:fontRef idx="minor">
+            <a:schemeClr val="lt1"/>
+          </a:fontRef>
+        </p:style>
+        <p:txBody>
+          <a:bodyPr rtlCol="0" anchor="ctr"/>
+          <a:lstStyle/>
+          <a:p>
+            <a:pPr algn="ctr"/>
+            <a:endParaRPr lang="en-US" sz="1800"/>
+          </a:p>
+        </p:txBody>
+      </p:sp>
+      <p:sp>
+        <p:nvSpPr>
+          <p:cNvPr id="6" name="Slide Number Placeholder 5"/>
+          <p:cNvSpPr>
+            <a:spLocks noGrp="1"/>
+          </p:cNvSpPr>
+          <p:nvPr>
+            <p:ph type="sldNum" sz="quarter" idx="12"/>
+          </p:nvPr>
+        </p:nvSpPr>
+        <p:spPr>
+          <a:xfrm>
+            <a:off x="7919049" y="6648451"/>
+            <a:ext cx="837841" cy="209551"/>
+          </a:xfrm>
+        </p:spPr>
+        <p:txBody>
+          <a:bodyPr/>
+          <a:lstStyle>
+            <a:lvl1pPr>
+              <a:defRPr>
+                <a:solidFill>
+                  <a:schemeClr val="bg1"/>
+                </a:solidFill>
+              </a:defRPr>
+            </a:lvl1pPr>
+          </a:lstStyle>
+          <a:p>
+            <a:fld id="{7D9EC917-02A2-4152-9EE3-DFE2775A77C7}" type="slidenum">
+              <a:rPr lang="en-US" smtClean="0"/>
+              <a:pPr/>
+              <a:t>‹#›</a:t>
+            </a:fld>
+            <a:endParaRPr lang="en-US"/>
+          </a:p>
+        </p:txBody>
+      </p:sp>
+      <p:pic>
+        <p:nvPicPr>
+          <p:cNvPr id="10" name="Picture 9"/>
+          <p:cNvPicPr>
+            <a:picLocks noChangeAspect="1"/>
+          </p:cNvPicPr>
+          <p:nvPr userDrawn="1"/>
+        </p:nvPicPr>
+        <p:blipFill>
+          <a:blip r:embed="rId2">
+            <a:extLst>
+              <a:ext uri="{28A0092B-C50C-407E-A947-70E740481C1C}">
+                <a14:useLocalDpi xmlns:a14="http://schemas.microsoft.com/office/drawing/2010/main" val="0"/>
+              </a:ext>
+            </a:extLst>
+          </a:blip>
+          <a:stretch>
+            <a:fillRect/>
+          </a:stretch>
+        </p:blipFill>
+        <p:spPr>
+          <a:xfrm>
+            <a:off x="6524626" y="-1"/>
+            <a:ext cx="2619375" cy="361950"/>
+          </a:xfrm>
+          <a:prstGeom prst="rect">
+            <a:avLst/>
+          </a:prstGeom>
+        </p:spPr>
+      </p:pic>
+      <p:sp>
+        <p:nvSpPr>
+          <p:cNvPr id="12" name="TextBox 11"/>
+          <p:cNvSpPr txBox="1"/>
+          <p:nvPr userDrawn="1"/>
+        </p:nvSpPr>
+        <p:spPr>
+          <a:xfrm>
+            <a:off x="5169831" y="134871"/>
+            <a:ext cx="3662060" cy="400110"/>
+          </a:xfrm>
+          <a:prstGeom prst="rect">
+            <a:avLst/>
+          </a:prstGeom>
+          <a:noFill/>
+        </p:spPr>
+        <p:txBody>
+          <a:bodyPr wrap="square" rtlCol="0">
+            <a:spAutoFit/>
+          </a:bodyPr>
+          <a:lstStyle/>
+          <a:p>
+            <a:r>
+              <a:rPr lang="en-US" sz="2000" b="1" dirty="0" smtClean="0">
+                <a:solidFill>
+                  <a:schemeClr val="bg1"/>
+                </a:solidFill>
+                <a:latin typeface="+mj-lt"/>
+                <a:ea typeface="Roboto" pitchFamily="2" charset="0"/>
+                <a:cs typeface="Arial" panose="020B0604020202020204" pitchFamily="34" charset="0"/>
+              </a:rPr>
+              <a:t>Học</a:t>
+            </a:r>
+            <a:r>
+              <a:rPr lang="en-US" sz="2000" b="1" baseline="0" dirty="0" smtClean="0">
+                <a:solidFill>
+                  <a:schemeClr val="bg1"/>
+                </a:solidFill>
+                <a:latin typeface="+mj-lt"/>
+                <a:ea typeface="Roboto" pitchFamily="2" charset="0"/>
+                <a:cs typeface="Arial" panose="020B0604020202020204" pitchFamily="34" charset="0"/>
+              </a:rPr>
+              <a:t> l</a:t>
+            </a:r>
+            <a:r>
+              <a:rPr lang="en-US" sz="2000" b="1" dirty="0" smtClean="0">
+                <a:solidFill>
+                  <a:schemeClr val="bg1"/>
+                </a:solidFill>
+                <a:latin typeface="+mj-lt"/>
+                <a:ea typeface="Roboto" pitchFamily="2" charset="0"/>
+                <a:cs typeface="Arial" panose="020B0604020202020204" pitchFamily="34" charset="0"/>
+              </a:rPr>
+              <a:t>ập</a:t>
+            </a:r>
+            <a:r>
+              <a:rPr lang="en-US" sz="2000" b="1" baseline="0" dirty="0" smtClean="0">
+                <a:solidFill>
+                  <a:schemeClr val="bg1"/>
+                </a:solidFill>
+                <a:latin typeface="+mj-lt"/>
+                <a:ea typeface="Roboto" pitchFamily="2" charset="0"/>
+                <a:cs typeface="Arial" panose="020B0604020202020204" pitchFamily="34" charset="0"/>
+              </a:rPr>
+              <a:t> </a:t>
+            </a:r>
+            <a:r>
+              <a:rPr lang="en-US" sz="2000" b="1" baseline="0" dirty="0" err="1" smtClean="0">
+                <a:solidFill>
+                  <a:schemeClr val="bg1"/>
+                </a:solidFill>
+                <a:latin typeface="+mj-lt"/>
+                <a:ea typeface="Roboto" pitchFamily="2" charset="0"/>
+                <a:cs typeface="Arial" panose="020B0604020202020204" pitchFamily="34" charset="0"/>
+              </a:rPr>
+              <a:t>trình</a:t>
+            </a:r>
+            <a:r>
+              <a:rPr lang="en-US" sz="2000" b="1" baseline="0" dirty="0" smtClean="0">
+                <a:solidFill>
+                  <a:schemeClr val="bg1"/>
+                </a:solidFill>
+                <a:latin typeface="+mj-lt"/>
+                <a:ea typeface="Roboto" pitchFamily="2" charset="0"/>
+                <a:cs typeface="Arial" panose="020B0604020202020204" pitchFamily="34" charset="0"/>
+              </a:rPr>
+              <a:t> Python </a:t>
+            </a:r>
+            <a:r>
+              <a:rPr lang="en-US" sz="2000" b="1" baseline="0" dirty="0" err="1" smtClean="0">
+                <a:solidFill>
+                  <a:schemeClr val="bg1"/>
+                </a:solidFill>
+                <a:latin typeface="+mj-lt"/>
+                <a:ea typeface="Roboto" pitchFamily="2" charset="0"/>
+                <a:cs typeface="Arial" panose="020B0604020202020204" pitchFamily="34" charset="0"/>
+              </a:rPr>
+              <a:t>Cơ</a:t>
+            </a:r>
+            <a:r>
+              <a:rPr lang="en-US" sz="2000" b="1" baseline="0" dirty="0" smtClean="0">
+                <a:solidFill>
+                  <a:schemeClr val="bg1"/>
+                </a:solidFill>
+                <a:latin typeface="+mj-lt"/>
+                <a:ea typeface="Roboto" pitchFamily="2" charset="0"/>
+                <a:cs typeface="Arial" panose="020B0604020202020204" pitchFamily="34" charset="0"/>
+              </a:rPr>
+              <a:t> </a:t>
+            </a:r>
+            <a:r>
+              <a:rPr lang="en-US" sz="2000" b="1" baseline="0" dirty="0" err="1" smtClean="0">
+                <a:solidFill>
+                  <a:schemeClr val="bg1"/>
+                </a:solidFill>
+                <a:latin typeface="+mj-lt"/>
+                <a:ea typeface="Roboto" pitchFamily="2" charset="0"/>
+                <a:cs typeface="Arial" panose="020B0604020202020204" pitchFamily="34" charset="0"/>
+              </a:rPr>
+              <a:t>Bản</a:t>
+            </a:r>
+            <a:endParaRPr lang="en-US" sz="2000" b="1" dirty="0">
+              <a:solidFill>
+                <a:schemeClr val="bg1"/>
+              </a:solidFill>
+              <a:latin typeface="+mj-lt"/>
+              <a:ea typeface="Roboto" pitchFamily="2" charset="0"/>
+              <a:cs typeface="Arial" panose="020B0604020202020204" pitchFamily="34" charset="0"/>
+            </a:endParaRPr>
+          </a:p>
+        </p:txBody>
+      </p:sp>
+      <p:sp>
+        <p:nvSpPr>
+          <p:cNvPr id="9" name="Rectangle 8"/>
+          <p:cNvSpPr/>
+          <p:nvPr userDrawn="1"/>
+        </p:nvSpPr>
+        <p:spPr>
+          <a:xfrm>
+            <a:off x="301925" y="1290010"/>
+            <a:ext cx="8454964" cy="27432"/>
+          </a:xfrm>
+          <a:prstGeom prst="rect">
+            <a:avLst/>
+          </a:prstGeom>
+          <a:gradFill flip="none" rotWithShape="1">
+            <a:gsLst>
+              <a:gs pos="15000">
+                <a:srgbClr val="67C7DF"/>
+              </a:gs>
+              <a:gs pos="100000">
+                <a:srgbClr val="5EB130"/>
+              </a:gs>
+            </a:gsLst>
+            <a:lin ang="0" scaled="1"/>
+            <a:tileRect/>
+          </a:gradFill>
+          <a:ln>
+            <a:noFill/>
+          </a:ln>
+        </p:spPr>
+        <p:style>
+          <a:lnRef idx="2">
+            <a:schemeClr val="accent1">
+              <a:shade val="50000"/>
+            </a:schemeClr>
+          </a:lnRef>
+          <a:fillRef idx="1">
+            <a:schemeClr val="accent1"/>
+          </a:fillRef>
+          <a:effectRef idx="0">
+            <a:schemeClr val="accent1"/>
+          </a:effectRef>
+          <a:fontRef idx="minor">
+            <a:schemeClr val="lt1"/>
+          </a:fontRef>
+        </p:style>
+        <p:txBody>
+          <a:bodyPr rtlCol="0" anchor="ctr"/>
+          <a:lstStyle/>
+          <a:p>
+            <a:pPr algn="ctr"/>
+            <a:endParaRPr lang="en-US"/>
+          </a:p>
+        </p:txBody>
+      </p:sp>
+      <p:sp>
+        <p:nvSpPr>
+          <p:cNvPr id="3" name="Text Placeholder 2"/>
+          <p:cNvSpPr>
+            <a:spLocks noGrp="1"/>
+          </p:cNvSpPr>
+          <p:nvPr>
+            <p:ph type="body" sz="quarter" idx="13" hasCustomPrompt="1"/>
+          </p:nvPr>
+        </p:nvSpPr>
+        <p:spPr>
+          <a:xfrm>
+            <a:off x="301925" y="851289"/>
+            <a:ext cx="8454964" cy="424732"/>
+          </a:xfrm>
+          <a:noFill/>
+        </p:spPr>
+        <p:txBody>
+          <a:bodyPr wrap="square" rtlCol="0">
+            <a:spAutoFit/>
+          </a:bodyPr>
+          <a:lstStyle>
+            <a:lvl1pPr marL="0" indent="0">
+              <a:buNone/>
+              <a:defRPr lang="en-US" sz="2400" b="1" dirty="0" smtClean="0">
+                <a:solidFill>
+                  <a:srgbClr val="64C7E9"/>
+                </a:solidFill>
+                <a:ea typeface="Roboto" pitchFamily="2" charset="0"/>
+              </a:defRPr>
+            </a:lvl1pPr>
+          </a:lstStyle>
+          <a:p>
+            <a:pPr marL="0" lvl="0"/>
+            <a:r>
+              <a:rPr lang="en-US" dirty="0" smtClean="0"/>
+              <a:t>Tittle</a:t>
+            </a:r>
+          </a:p>
+        </p:txBody>
+      </p:sp>
+      <p:grpSp>
+        <p:nvGrpSpPr>
+          <p:cNvPr id="4" name="Group 3"/>
+          <p:cNvGrpSpPr/>
+          <p:nvPr userDrawn="1"/>
+        </p:nvGrpSpPr>
+        <p:grpSpPr>
+          <a:xfrm>
+            <a:off x="-1" y="0"/>
+            <a:ext cx="4016198" cy="669849"/>
+            <a:chOff x="-1" y="0"/>
+            <a:chExt cx="4016198" cy="669849"/>
+          </a:xfrm>
+        </p:grpSpPr>
+        <p:sp>
+          <p:nvSpPr>
+            <p:cNvPr id="11" name="Rectangle 10"/>
+            <p:cNvSpPr/>
+            <p:nvPr userDrawn="1"/>
+          </p:nvSpPr>
+          <p:spPr>
+            <a:xfrm>
+              <a:off x="-1" y="0"/>
+              <a:ext cx="3346347" cy="669849"/>
+            </a:xfrm>
+            <a:prstGeom prst="rect">
+              <a:avLst/>
+            </a:prstGeom>
+            <a:solidFill>
+              <a:schemeClr val="bg1"/>
+            </a:solidFill>
+            <a:ln>
+              <a:noFill/>
+            </a:ln>
+          </p:spPr>
+          <p:style>
+            <a:lnRef idx="2">
+              <a:schemeClr val="accent1">
+                <a:shade val="50000"/>
+              </a:schemeClr>
+            </a:lnRef>
+            <a:fillRef idx="1">
+              <a:schemeClr val="accent1"/>
+            </a:fillRef>
+            <a:effectRef idx="0">
+              <a:schemeClr val="accent1"/>
+            </a:effectRef>
+            <a:fontRef idx="minor">
+              <a:schemeClr val="lt1"/>
+            </a:fontRef>
+          </p:style>
+          <p:txBody>
+            <a:bodyPr rtlCol="0" anchor="ctr"/>
+            <a:lstStyle/>
+            <a:p>
+              <a:pPr algn="ctr"/>
+              <a:endParaRPr lang="en-US" sz="1800" dirty="0"/>
+            </a:p>
+          </p:txBody>
+        </p:sp>
+        <p:sp>
+          <p:nvSpPr>
+            <p:cNvPr id="2" name="Right Triangle 1"/>
+            <p:cNvSpPr/>
+            <p:nvPr userDrawn="1"/>
+          </p:nvSpPr>
+          <p:spPr>
+            <a:xfrm>
+              <a:off x="3346348" y="0"/>
+              <a:ext cx="669849" cy="669849"/>
+            </a:xfrm>
+            <a:prstGeom prst="rtTriangle">
+              <a:avLst/>
+            </a:prstGeom>
+            <a:solidFill>
+              <a:schemeClr val="bg1"/>
+            </a:solidFill>
+            <a:ln>
+              <a:noFill/>
+            </a:ln>
+          </p:spPr>
+          <p:style>
+            <a:lnRef idx="2">
+              <a:schemeClr val="accent1">
+                <a:shade val="50000"/>
+              </a:schemeClr>
+            </a:lnRef>
+            <a:fillRef idx="1">
+              <a:schemeClr val="accent1"/>
+            </a:fillRef>
+            <a:effectRef idx="0">
+              <a:schemeClr val="accent1"/>
+            </a:effectRef>
+            <a:fontRef idx="minor">
+              <a:schemeClr val="lt1"/>
+            </a:fontRef>
+          </p:style>
+          <p:txBody>
+            <a:bodyPr rtlCol="0" anchor="ctr"/>
+            <a:lstStyle/>
+            <a:p>
+              <a:pPr algn="ctr"/>
+              <a:endParaRPr lang="en-US"/>
+            </a:p>
+          </p:txBody>
+        </p:sp>
+      </p:grpSp>
+      <p:pic>
+        <p:nvPicPr>
+          <p:cNvPr id="5" name="Picture 4"/>
+          <p:cNvPicPr>
+            <a:picLocks noChangeAspect="1"/>
+          </p:cNvPicPr>
+          <p:nvPr userDrawn="1"/>
+        </p:nvPicPr>
+        <p:blipFill>
+          <a:blip r:embed="rId3">
+            <a:extLst>
+              <a:ext uri="{28A0092B-C50C-407E-A947-70E740481C1C}">
+                <a14:useLocalDpi xmlns:a14="http://schemas.microsoft.com/office/drawing/2010/main" val="0"/>
+              </a:ext>
+            </a:extLst>
+          </a:blip>
+          <a:stretch>
+            <a:fillRect/>
+          </a:stretch>
+        </p:blipFill>
+        <p:spPr>
+          <a:xfrm>
+            <a:off x="337517" y="134871"/>
+            <a:ext cx="2696722" cy="534978"/>
+          </a:xfrm>
+          <a:prstGeom prst="rect">
+            <a:avLst/>
+          </a:prstGeom>
+        </p:spPr>
+      </p:pic>
+    </p:spTree>
+    <p:extLst>
+      <p:ext uri="{BB962C8B-B14F-4D97-AF65-F5344CB8AC3E}">
+        <p14:creationId xmlns:p14="http://schemas.microsoft.com/office/powerpoint/2010/main" val="3014288838"/>
+      </p:ext>
+    </p:extLst>
+  </p:cSld>
+  <p:clrMapOvr>
+    <a:masterClrMapping/>
+  </p:clrMapOvr>
+  <p:timing>
+    <p:tnLst>
+      <p:par>
+        <p:cTn id="1" dur="indefinite" restart="never" nodeType="tmRoot"/>
+      </p:par>
+    </p:tnLst>
+  </p:timing>
+</p:sldLayout>
+</file>
+
 <file path=ppt/slideMasters/slideMaster1.xml><?xml version="1.0" encoding="utf-8"?>
 <p:sldMaster xmlns:a="http://schemas.openxmlformats.org/drawingml/2006/main" xmlns:r="http://schemas.openxmlformats.org/officeDocument/2006/relationships" xmlns:p="http://schemas.openxmlformats.org/presentationml/2006/main">
   <p:cSld>
@@ -1751,6 +2333,7 @@
     <p:sldLayoutId id="2147483661" r:id="rId1"/>
     <p:sldLayoutId id="2147483673" r:id="rId2"/>
     <p:sldLayoutId id="2147483674" r:id="rId3"/>
+    <p:sldLayoutId id="2147483675" r:id="rId4"/>
   </p:sldLayoutIdLst>
   <p:timing>
     <p:tnLst>
@@ -8569,15 +9152,7 @@
                   <a:srgbClr val="FF0000"/>
                 </a:solidFill>
               </a:rPr>
-              <a:t>thực thi khi điều kiện </a:t>
-            </a:r>
-            <a:r>
-              <a:rPr lang="en-US" sz="2400" b="1" dirty="0" smtClean="0">
-                <a:solidFill>
-                  <a:srgbClr val="FF0000"/>
-                </a:solidFill>
-              </a:rPr>
-              <a:t>sai&gt;</a:t>
+              <a:t>thực thi khi điều kiện sai&gt;</a:t>
             </a:r>
             <a:endParaRPr lang="en-US" sz="2400" b="1" dirty="0">
               <a:solidFill>
@@ -10839,30 +11414,6 @@
       </p:grpSpPr>
       <p:sp>
         <p:nvSpPr>
-          <p:cNvPr id="2" name="Slide Number Placeholder 1"/>
-          <p:cNvSpPr>
-            <a:spLocks noGrp="1"/>
-          </p:cNvSpPr>
-          <p:nvPr>
-            <p:ph type="sldNum" sz="quarter" idx="12"/>
-          </p:nvPr>
-        </p:nvSpPr>
-        <p:spPr/>
-        <p:txBody>
-          <a:bodyPr/>
-          <a:lstStyle/>
-          <a:p>
-            <a:fld id="{7D9EC917-02A2-4152-9EE3-DFE2775A77C7}" type="slidenum">
-              <a:rPr lang="en-US" smtClean="0"/>
-              <a:pPr/>
-              <a:t>17</a:t>
-            </a:fld>
-            <a:endParaRPr lang="en-US"/>
-          </a:p>
-        </p:txBody>
-      </p:sp>
-      <p:sp>
-        <p:nvSpPr>
           <p:cNvPr id="3" name="Text Placeholder 2"/>
           <p:cNvSpPr>
             <a:spLocks noGrp="1"/>
@@ -10878,31 +11429,27 @@
           <a:p>
             <a:r>
               <a:rPr lang="en-US" dirty="0" smtClean="0"/>
-              <a:t>3.4 </a:t>
-            </a:r>
-            <a:r>
-              <a:rPr lang="en-US" dirty="0" err="1" smtClean="0"/>
-              <a:t>Vòng</a:t>
-            </a:r>
-            <a:r>
-              <a:rPr lang="en-US" dirty="0" smtClean="0"/>
-              <a:t> </a:t>
-            </a:r>
-            <a:r>
-              <a:rPr lang="en-US" dirty="0" err="1" smtClean="0"/>
-              <a:t>lặp</a:t>
-            </a:r>
-            <a:r>
-              <a:rPr lang="en-US" dirty="0" smtClean="0"/>
-              <a:t> </a:t>
-            </a:r>
-            <a:r>
-              <a:rPr lang="en-US" dirty="0" err="1" smtClean="0"/>
-              <a:t>trong</a:t>
-            </a:r>
-            <a:r>
-              <a:rPr lang="en-US" dirty="0" smtClean="0"/>
-              <a:t> Python</a:t>
+              <a:t>3.3 </a:t>
+            </a:r>
+            <a:r>
+              <a:rPr lang="en-US" dirty="0" err="1" smtClean="0"/>
+              <a:t>Câu</a:t>
+            </a:r>
+            <a:r>
+              <a:rPr lang="en-US" dirty="0" smtClean="0"/>
+              <a:t> </a:t>
+            </a:r>
+            <a:r>
+              <a:rPr lang="en-US" dirty="0" err="1" smtClean="0"/>
+              <a:t>lệnh</a:t>
+            </a:r>
+            <a:r>
+              <a:rPr lang="en-US" dirty="0" smtClean="0"/>
+              <a:t> if, else, </a:t>
+            </a:r>
+            <a:r>
+              <a:rPr lang="en-US" dirty="0" err="1" smtClean="0"/>
+              <a:t>elif</a:t>
             </a:r>
             <a:endParaRPr lang="en-US" dirty="0"/>
           </a:p>
@@ -10973,7 +11520,7 @@
           <a:p>
             <a:r>
               <a:rPr lang="en-US" b="1" dirty="0" err="1" smtClean="0"/>
-              <a:t>Vòng</a:t>
+              <a:t>Câu</a:t>
             </a:r>
             <a:r>
               <a:rPr lang="en-US" b="1" dirty="0" smtClean="0"/>
@@ -10981,11 +11528,19 @@
             </a:r>
             <a:r>
               <a:rPr lang="en-US" b="1" dirty="0" err="1" smtClean="0"/>
-              <a:t>lặp</a:t>
+              <a:t>lệnh</a:t>
             </a:r>
             <a:r>
               <a:rPr lang="en-US" b="1" dirty="0" smtClean="0"/>
-              <a:t> for</a:t>
+              <a:t> pass </a:t>
+            </a:r>
+            <a:r>
+              <a:rPr lang="en-US" b="1" dirty="0" err="1" smtClean="0"/>
+              <a:t>trong</a:t>
+            </a:r>
+            <a:r>
+              <a:rPr lang="en-US" b="1" dirty="0" smtClean="0"/>
+              <a:t> Python</a:t>
             </a:r>
             <a:endParaRPr lang="en-US" b="1" dirty="0"/>
           </a:p>
@@ -10993,14 +11548,14 @@
       </p:sp>
       <p:sp>
         <p:nvSpPr>
-          <p:cNvPr id="6" name="TextBox 5"/>
+          <p:cNvPr id="11" name="TextBox 10"/>
           <p:cNvSpPr txBox="1"/>
           <p:nvPr/>
         </p:nvSpPr>
         <p:spPr>
           <a:xfrm>
             <a:off x="548981" y="1961567"/>
-            <a:ext cx="8333421" cy="923330"/>
+            <a:ext cx="8333421" cy="1200329"/>
           </a:xfrm>
           <a:prstGeom prst="rect">
             <a:avLst/>
@@ -11014,16 +11569,36 @@
           <a:lstStyle/>
           <a:p>
             <a:r>
+              <a:rPr lang="en-US" dirty="0" err="1" smtClean="0"/>
+              <a:t>Từ</a:t>
+            </a:r>
+            <a:r>
+              <a:rPr lang="en-US" dirty="0" smtClean="0"/>
+              <a:t> </a:t>
+            </a:r>
+            <a:r>
+              <a:rPr lang="en-US" dirty="0" err="1" smtClean="0"/>
+              <a:t>khóa</a:t>
+            </a:r>
+            <a:r>
+              <a:rPr lang="en-US" dirty="0" smtClean="0"/>
+              <a:t> </a:t>
+            </a:r>
+            <a:r>
+              <a:rPr lang="en-US" b="1" dirty="0" smtClean="0"/>
+              <a:t>pass</a:t>
+            </a:r>
+            <a:r>
+              <a:rPr lang="en-US" dirty="0" smtClean="0"/>
+              <a:t> </a:t>
+            </a:r>
+            <a:r>
+              <a:rPr lang="vi-VN" dirty="0" smtClean="0"/>
+              <a:t>được </a:t>
+            </a:r>
+            <a:r>
               <a:rPr lang="vi-VN" dirty="0"/>
-              <a:t>Vòng lặp "for" được sử dụng để </a:t>
-            </a:r>
-            <a:r>
-              <a:rPr lang="vi-VN" b="1" dirty="0"/>
-              <a:t>lặp</a:t>
-            </a:r>
-            <a:r>
-              <a:rPr lang="vi-VN" dirty="0"/>
-              <a:t> qua một tập hợp các phần tử (như danh sách, chuỗi, tuple) và thực thi một khối mã cho mỗi phần tử trong tập hợp đó. Cú pháp của vòng lặp "for" như sau:</a:t>
+              <a:t>sử dụng để đánh dấu một khối mã rỗng hoặc tạm thời không có nội dung. Nó không làm gì cả và được sử dụng để bỏ qua một phần của mã trong trường hợp bạn không muốn thực hiện bất kỳ hành động nào tại thời điểm đó, nhưng cú pháp yêu cầu phải có một khối mã</a:t>
             </a:r>
             <a:endParaRPr lang="en-US" b="1" dirty="0"/>
           </a:p>
@@ -11031,348 +11606,14 @@
       </p:sp>
       <p:sp>
         <p:nvSpPr>
-          <p:cNvPr id="7" name="TextBox 6"/>
-          <p:cNvSpPr txBox="1"/>
-          <p:nvPr/>
-        </p:nvSpPr>
-        <p:spPr>
-          <a:xfrm>
-            <a:off x="581918" y="2980447"/>
-            <a:ext cx="7988963" cy="830997"/>
-          </a:xfrm>
-          <a:prstGeom prst="rect">
-            <a:avLst/>
-          </a:prstGeom>
-          <a:noFill/>
-        </p:spPr>
-        <p:txBody>
-          <a:bodyPr wrap="square" rtlCol="0">
-            <a:spAutoFit/>
-          </a:bodyPr>
-          <a:lstStyle/>
-          <a:p>
-            <a:r>
-              <a:rPr lang="en-US" sz="2400" b="1" dirty="0"/>
-              <a:t>for </a:t>
-            </a:r>
-            <a:r>
-              <a:rPr lang="en-US" sz="2400" b="1" dirty="0">
-                <a:solidFill>
-                  <a:schemeClr val="accent2">
-                    <a:lumMod val="75000"/>
-                  </a:schemeClr>
-                </a:solidFill>
-              </a:rPr>
-              <a:t>element</a:t>
-            </a:r>
-            <a:r>
-              <a:rPr lang="en-US" sz="2400" b="1" dirty="0"/>
-              <a:t> in </a:t>
-            </a:r>
-            <a:r>
-              <a:rPr lang="en-US" sz="2400" b="1" dirty="0" err="1">
-                <a:solidFill>
-                  <a:schemeClr val="accent2">
-                    <a:lumMod val="75000"/>
-                  </a:schemeClr>
-                </a:solidFill>
-              </a:rPr>
-              <a:t>iterable</a:t>
-            </a:r>
-            <a:r>
-              <a:rPr lang="en-US" sz="2400" b="1" dirty="0" smtClean="0"/>
-              <a:t>:</a:t>
-            </a:r>
-          </a:p>
-          <a:p>
-            <a:r>
-              <a:rPr lang="en-US" sz="2400" b="1" dirty="0">
-                <a:solidFill>
-                  <a:srgbClr val="FF0000"/>
-                </a:solidFill>
-              </a:rPr>
-              <a:t> </a:t>
-            </a:r>
-            <a:r>
-              <a:rPr lang="en-US" sz="2400" b="1" dirty="0" smtClean="0">
-                <a:solidFill>
-                  <a:srgbClr val="FF0000"/>
-                </a:solidFill>
-              </a:rPr>
-              <a:t>   </a:t>
-            </a:r>
-            <a:r>
-              <a:rPr lang="en-US" sz="2400" b="1" dirty="0">
-                <a:solidFill>
-                  <a:schemeClr val="accent6">
-                    <a:lumMod val="50000"/>
-                  </a:schemeClr>
-                </a:solidFill>
-              </a:rPr>
-              <a:t># </a:t>
-            </a:r>
-            <a:r>
-              <a:rPr lang="en-US" sz="2400" b="1" dirty="0" err="1">
-                <a:solidFill>
-                  <a:schemeClr val="accent6">
-                    <a:lumMod val="50000"/>
-                  </a:schemeClr>
-                </a:solidFill>
-              </a:rPr>
-              <a:t>Các</a:t>
-            </a:r>
-            <a:r>
-              <a:rPr lang="en-US" sz="2400" b="1" dirty="0">
-                <a:solidFill>
-                  <a:schemeClr val="accent6">
-                    <a:lumMod val="50000"/>
-                  </a:schemeClr>
-                </a:solidFill>
-              </a:rPr>
-              <a:t> </a:t>
-            </a:r>
-            <a:r>
-              <a:rPr lang="en-US" sz="2400" b="1" dirty="0" err="1">
-                <a:solidFill>
-                  <a:schemeClr val="accent6">
-                    <a:lumMod val="50000"/>
-                  </a:schemeClr>
-                </a:solidFill>
-              </a:rPr>
-              <a:t>câu</a:t>
-            </a:r>
-            <a:r>
-              <a:rPr lang="en-US" sz="2400" b="1" dirty="0">
-                <a:solidFill>
-                  <a:schemeClr val="accent6">
-                    <a:lumMod val="50000"/>
-                  </a:schemeClr>
-                </a:solidFill>
-              </a:rPr>
-              <a:t> </a:t>
-            </a:r>
-            <a:r>
-              <a:rPr lang="en-US" sz="2400" b="1" dirty="0" err="1">
-                <a:solidFill>
-                  <a:schemeClr val="accent6">
-                    <a:lumMod val="50000"/>
-                  </a:schemeClr>
-                </a:solidFill>
-              </a:rPr>
-              <a:t>lệnh</a:t>
-            </a:r>
-            <a:r>
-              <a:rPr lang="en-US" sz="2400" b="1" dirty="0">
-                <a:solidFill>
-                  <a:schemeClr val="accent6">
-                    <a:lumMod val="50000"/>
-                  </a:schemeClr>
-                </a:solidFill>
-              </a:rPr>
-              <a:t> </a:t>
-            </a:r>
-            <a:r>
-              <a:rPr lang="en-US" sz="2400" b="1" dirty="0" err="1">
-                <a:solidFill>
-                  <a:schemeClr val="accent6">
-                    <a:lumMod val="50000"/>
-                  </a:schemeClr>
-                </a:solidFill>
-              </a:rPr>
-              <a:t>thực</a:t>
-            </a:r>
-            <a:r>
-              <a:rPr lang="en-US" sz="2400" b="1" dirty="0">
-                <a:solidFill>
-                  <a:schemeClr val="accent6">
-                    <a:lumMod val="50000"/>
-                  </a:schemeClr>
-                </a:solidFill>
-              </a:rPr>
-              <a:t> </a:t>
-            </a:r>
-            <a:r>
-              <a:rPr lang="en-US" sz="2400" b="1" dirty="0" err="1">
-                <a:solidFill>
-                  <a:schemeClr val="accent6">
-                    <a:lumMod val="50000"/>
-                  </a:schemeClr>
-                </a:solidFill>
-              </a:rPr>
-              <a:t>thi</a:t>
-            </a:r>
-            <a:r>
-              <a:rPr lang="en-US" sz="2400" b="1" dirty="0">
-                <a:solidFill>
-                  <a:schemeClr val="accent6">
-                    <a:lumMod val="50000"/>
-                  </a:schemeClr>
-                </a:solidFill>
-              </a:rPr>
-              <a:t> </a:t>
-            </a:r>
-            <a:r>
-              <a:rPr lang="en-US" sz="2400" b="1" dirty="0" err="1">
-                <a:solidFill>
-                  <a:schemeClr val="accent6">
-                    <a:lumMod val="50000"/>
-                  </a:schemeClr>
-                </a:solidFill>
-              </a:rPr>
-              <a:t>cho</a:t>
-            </a:r>
-            <a:r>
-              <a:rPr lang="en-US" sz="2400" b="1" dirty="0">
-                <a:solidFill>
-                  <a:schemeClr val="accent6">
-                    <a:lumMod val="50000"/>
-                  </a:schemeClr>
-                </a:solidFill>
-              </a:rPr>
-              <a:t> </a:t>
-            </a:r>
-            <a:r>
-              <a:rPr lang="en-US" sz="2400" b="1" dirty="0" err="1">
-                <a:solidFill>
-                  <a:schemeClr val="accent6">
-                    <a:lumMod val="50000"/>
-                  </a:schemeClr>
-                </a:solidFill>
-              </a:rPr>
-              <a:t>mỗi</a:t>
-            </a:r>
-            <a:r>
-              <a:rPr lang="en-US" sz="2400" b="1" dirty="0">
-                <a:solidFill>
-                  <a:schemeClr val="accent6">
-                    <a:lumMod val="50000"/>
-                  </a:schemeClr>
-                </a:solidFill>
-              </a:rPr>
-              <a:t> </a:t>
-            </a:r>
-            <a:r>
-              <a:rPr lang="en-US" sz="2400" b="1" dirty="0" err="1">
-                <a:solidFill>
-                  <a:schemeClr val="accent6">
-                    <a:lumMod val="50000"/>
-                  </a:schemeClr>
-                </a:solidFill>
-              </a:rPr>
-              <a:t>phần</a:t>
-            </a:r>
-            <a:r>
-              <a:rPr lang="en-US" sz="2400" b="1" dirty="0">
-                <a:solidFill>
-                  <a:schemeClr val="accent6">
-                    <a:lumMod val="50000"/>
-                  </a:schemeClr>
-                </a:solidFill>
-              </a:rPr>
-              <a:t> </a:t>
-            </a:r>
-            <a:r>
-              <a:rPr lang="en-US" sz="2400" b="1" dirty="0" err="1">
-                <a:solidFill>
-                  <a:schemeClr val="accent6">
-                    <a:lumMod val="50000"/>
-                  </a:schemeClr>
-                </a:solidFill>
-              </a:rPr>
-              <a:t>tử</a:t>
-            </a:r>
-            <a:endParaRPr lang="en-US" sz="2400" b="1" dirty="0">
-              <a:solidFill>
-                <a:schemeClr val="accent6">
-                  <a:lumMod val="50000"/>
-                </a:schemeClr>
-              </a:solidFill>
-            </a:endParaRPr>
-          </a:p>
-        </p:txBody>
-      </p:sp>
-      <p:sp>
-        <p:nvSpPr>
-          <p:cNvPr id="8" name="TextBox 7"/>
-          <p:cNvSpPr txBox="1"/>
-          <p:nvPr/>
-        </p:nvSpPr>
-        <p:spPr>
-          <a:xfrm>
-            <a:off x="548981" y="4420803"/>
-            <a:ext cx="8333421" cy="646331"/>
-          </a:xfrm>
-          <a:prstGeom prst="rect">
-            <a:avLst/>
-          </a:prstGeom>
-          <a:noFill/>
-        </p:spPr>
-        <p:txBody>
-          <a:bodyPr wrap="square" rtlCol="0">
-            <a:spAutoFit/>
-          </a:bodyPr>
-          <a:lstStyle/>
-          <a:p>
-            <a:r>
-              <a:rPr lang="en-US" b="1" dirty="0" err="1"/>
-              <a:t>iterable</a:t>
-            </a:r>
-            <a:r>
-              <a:rPr lang="en-US" b="1" dirty="0"/>
-              <a:t>: </a:t>
-            </a:r>
-            <a:r>
-              <a:rPr lang="vi-VN" dirty="0"/>
-              <a:t>là một tập hợp có thể lặp qua, chẳng hạn như danh sách, chuỗi, hoặc tuple</a:t>
-            </a:r>
-            <a:endParaRPr lang="en-US" b="1" dirty="0"/>
-          </a:p>
-        </p:txBody>
-      </p:sp>
-      <p:sp>
-        <p:nvSpPr>
-          <p:cNvPr id="9" name="TextBox 8"/>
-          <p:cNvSpPr txBox="1"/>
-          <p:nvPr/>
-        </p:nvSpPr>
-        <p:spPr>
-          <a:xfrm>
-            <a:off x="548981" y="4026004"/>
-            <a:ext cx="8333421" cy="369332"/>
-          </a:xfrm>
-          <a:prstGeom prst="rect">
-            <a:avLst/>
-          </a:prstGeom>
-          <a:noFill/>
-        </p:spPr>
-        <p:txBody>
-          <a:bodyPr wrap="square" rtlCol="0">
-            <a:spAutoFit/>
-          </a:bodyPr>
-          <a:lstStyle/>
-          <a:p>
-            <a:r>
-              <a:rPr lang="en-US" b="1" dirty="0" smtClean="0"/>
-              <a:t>element: </a:t>
-            </a:r>
-            <a:r>
-              <a:rPr lang="vi-VN" dirty="0"/>
-              <a:t>là biến lưu trữ giá trị của phần tử trong mỗi lần lặp</a:t>
-            </a:r>
-            <a:endParaRPr lang="en-US" b="1" dirty="0"/>
-          </a:p>
-        </p:txBody>
-      </p:sp>
-      <p:sp>
-        <p:nvSpPr>
-          <p:cNvPr id="10" name="Rectangle 9"/>
+          <p:cNvPr id="7" name="Rectangle 6"/>
           <p:cNvSpPr/>
           <p:nvPr/>
         </p:nvSpPr>
         <p:spPr>
           <a:xfrm>
-            <a:off x="548981" y="5200449"/>
-            <a:ext cx="7988963" cy="1170505"/>
+            <a:off x="548981" y="3293444"/>
+            <a:ext cx="7988963" cy="3086091"/>
           </a:xfrm>
           <a:prstGeom prst="rect">
             <a:avLst/>
@@ -11414,14 +11655,14 @@
       </p:sp>
       <p:sp>
         <p:nvSpPr>
-          <p:cNvPr id="11" name="TextBox 10"/>
+          <p:cNvPr id="8" name="TextBox 7"/>
           <p:cNvSpPr txBox="1"/>
           <p:nvPr/>
         </p:nvSpPr>
         <p:spPr>
           <a:xfrm>
-            <a:off x="749165" y="5293362"/>
-            <a:ext cx="5226333" cy="923330"/>
+            <a:off x="749166" y="3386357"/>
+            <a:ext cx="7214620" cy="646331"/>
           </a:xfrm>
           <a:prstGeom prst="rect">
             <a:avLst/>
@@ -11435,119 +11676,626 @@
           <a:lstStyle/>
           <a:p>
             <a:r>
+              <a:rPr lang="en-US" dirty="0" smtClean="0">
+                <a:solidFill>
+                  <a:srgbClr val="00B0F0"/>
+                </a:solidFill>
+              </a:rPr>
+              <a:t>if</a:t>
+            </a:r>
+            <a:r>
+              <a:rPr lang="en-US" dirty="0" smtClean="0">
+                <a:solidFill>
+                  <a:schemeClr val="bg1"/>
+                </a:solidFill>
+              </a:rPr>
+              <a:t> </a:t>
+            </a:r>
+            <a:r>
+              <a:rPr lang="en-US" dirty="0" smtClean="0">
+                <a:solidFill>
+                  <a:schemeClr val="bg1"/>
+                </a:solidFill>
+              </a:rPr>
+              <a:t>x &lt; </a:t>
+            </a:r>
+            <a:r>
               <a:rPr lang="en-US" dirty="0">
                 <a:solidFill>
-                  <a:schemeClr val="bg1"/>
-                </a:solidFill>
-              </a:rPr>
-              <a:t>fruits </a:t>
-            </a:r>
+                  <a:schemeClr val="accent6">
+                    <a:lumMod val="60000"/>
+                    <a:lumOff val="40000"/>
+                  </a:schemeClr>
+                </a:solidFill>
+              </a:rPr>
+              <a:t>5</a:t>
+            </a:r>
+            <a:r>
+              <a:rPr lang="en-US" dirty="0" smtClean="0">
+                <a:solidFill>
+                  <a:schemeClr val="bg1"/>
+                </a:solidFill>
+              </a:rPr>
+              <a:t>:</a:t>
+            </a:r>
+          </a:p>
+          <a:p>
             <a:r>
               <a:rPr lang="en-US" dirty="0">
                 <a:solidFill>
-                  <a:schemeClr val="accent2">
+                  <a:schemeClr val="bg1"/>
+                </a:solidFill>
+              </a:rPr>
+              <a:t> </a:t>
+            </a:r>
+            <a:r>
+              <a:rPr lang="en-US" dirty="0" smtClean="0">
+                <a:solidFill>
+                  <a:schemeClr val="bg1"/>
+                </a:solidFill>
+              </a:rPr>
+              <a:t>   </a:t>
+            </a:r>
+            <a:r>
+              <a:rPr lang="en-US" dirty="0" smtClean="0">
+                <a:solidFill>
+                  <a:srgbClr val="00B0F0"/>
+                </a:solidFill>
+              </a:rPr>
+              <a:t>pass </a:t>
+            </a:r>
+            <a:r>
+              <a:rPr lang="en-US" dirty="0" smtClean="0">
+                <a:solidFill>
+                  <a:schemeClr val="accent6">
                     <a:lumMod val="75000"/>
                   </a:schemeClr>
                 </a:solidFill>
               </a:rPr>
-              <a:t>= </a:t>
-            </a:r>
-            <a:r>
-              <a:rPr lang="en-US" dirty="0">
-                <a:solidFill>
-                  <a:srgbClr val="FFC000"/>
-                </a:solidFill>
-              </a:rPr>
-              <a:t>[</a:t>
-            </a:r>
-            <a:r>
-              <a:rPr lang="en-US" dirty="0">
-                <a:solidFill>
-                  <a:schemeClr val="accent2">
+              <a:t>#</a:t>
+            </a:r>
+            <a:r>
+              <a:rPr lang="en-US" dirty="0" err="1" smtClean="0">
+                <a:solidFill>
+                  <a:schemeClr val="accent6">
                     <a:lumMod val="75000"/>
                   </a:schemeClr>
                 </a:solidFill>
               </a:rPr>
-              <a:t>"apple"</a:t>
-            </a:r>
-            <a:r>
-              <a:rPr lang="en-US" dirty="0">
-                <a:solidFill>
-                  <a:schemeClr val="bg1"/>
-                </a:solidFill>
-              </a:rPr>
-              <a:t>,</a:t>
-            </a:r>
-            <a:r>
-              <a:rPr lang="en-US" dirty="0">
-                <a:solidFill>
-                  <a:schemeClr val="accent2">
+              <a:t>Không</a:t>
+            </a:r>
+            <a:r>
+              <a:rPr lang="en-US" dirty="0" smtClean="0">
+                <a:solidFill>
+                  <a:schemeClr val="accent6">
                     <a:lumMod val="75000"/>
                   </a:schemeClr>
                 </a:solidFill>
               </a:rPr>
-              <a:t> "banana"</a:t>
-            </a:r>
-            <a:r>
-              <a:rPr lang="en-US" dirty="0">
-                <a:solidFill>
-                  <a:schemeClr val="bg1"/>
-                </a:solidFill>
-              </a:rPr>
-              <a:t>,</a:t>
-            </a:r>
-            <a:r>
-              <a:rPr lang="en-US" dirty="0">
-                <a:solidFill>
-                  <a:schemeClr val="accent2">
+              <a:t> </a:t>
+            </a:r>
+            <a:r>
+              <a:rPr lang="en-US" dirty="0" err="1" smtClean="0">
+                <a:solidFill>
+                  <a:schemeClr val="accent6">
                     <a:lumMod val="75000"/>
                   </a:schemeClr>
                 </a:solidFill>
               </a:rPr>
-              <a:t> "orange"</a:t>
-            </a:r>
-            <a:r>
-              <a:rPr lang="en-US" dirty="0">
-                <a:solidFill>
-                  <a:srgbClr val="FFC000"/>
-                </a:solidFill>
-              </a:rPr>
-              <a:t>]</a:t>
-            </a:r>
-            <a:r>
-              <a:rPr lang="en-US" dirty="0">
-                <a:solidFill>
-                  <a:schemeClr val="accent2">
+              <a:t>muốn</a:t>
+            </a:r>
+            <a:r>
+              <a:rPr lang="en-US" dirty="0" smtClean="0">
+                <a:solidFill>
+                  <a:schemeClr val="accent6">
                     <a:lumMod val="75000"/>
                   </a:schemeClr>
                 </a:solidFill>
               </a:rPr>
               <a:t> </a:t>
             </a:r>
+            <a:r>
+              <a:rPr lang="en-US" dirty="0" err="1" smtClean="0">
+                <a:solidFill>
+                  <a:schemeClr val="accent6">
+                    <a:lumMod val="75000"/>
+                  </a:schemeClr>
+                </a:solidFill>
+              </a:rPr>
+              <a:t>làm</a:t>
+            </a:r>
+            <a:r>
+              <a:rPr lang="en-US" dirty="0" smtClean="0">
+                <a:solidFill>
+                  <a:schemeClr val="accent6">
+                    <a:lumMod val="75000"/>
+                  </a:schemeClr>
+                </a:solidFill>
+              </a:rPr>
+              <a:t> </a:t>
+            </a:r>
+            <a:r>
+              <a:rPr lang="en-US" dirty="0" err="1" smtClean="0">
+                <a:solidFill>
+                  <a:schemeClr val="accent6">
+                    <a:lumMod val="75000"/>
+                  </a:schemeClr>
+                </a:solidFill>
+              </a:rPr>
+              <a:t>gì</a:t>
+            </a:r>
+            <a:r>
+              <a:rPr lang="en-US" dirty="0" smtClean="0">
+                <a:solidFill>
+                  <a:schemeClr val="accent6">
+                    <a:lumMod val="75000"/>
+                  </a:schemeClr>
+                </a:solidFill>
+              </a:rPr>
+              <a:t> </a:t>
+            </a:r>
+            <a:r>
+              <a:rPr lang="en-US" dirty="0" err="1" smtClean="0">
+                <a:solidFill>
+                  <a:schemeClr val="accent6">
+                    <a:lumMod val="75000"/>
+                  </a:schemeClr>
+                </a:solidFill>
+              </a:rPr>
+              <a:t>khi</a:t>
+            </a:r>
+            <a:r>
+              <a:rPr lang="en-US" dirty="0" smtClean="0">
+                <a:solidFill>
+                  <a:schemeClr val="accent6">
+                    <a:lumMod val="75000"/>
+                  </a:schemeClr>
+                </a:solidFill>
+              </a:rPr>
+              <a:t> </a:t>
+            </a:r>
+            <a:r>
+              <a:rPr lang="en-US" dirty="0" err="1" smtClean="0">
+                <a:solidFill>
+                  <a:schemeClr val="accent6">
+                    <a:lumMod val="75000"/>
+                  </a:schemeClr>
+                </a:solidFill>
+              </a:rPr>
+              <a:t>điều</a:t>
+            </a:r>
+            <a:r>
+              <a:rPr lang="en-US" dirty="0" smtClean="0">
+                <a:solidFill>
+                  <a:schemeClr val="accent6">
+                    <a:lumMod val="75000"/>
+                  </a:schemeClr>
+                </a:solidFill>
+              </a:rPr>
+              <a:t> </a:t>
+            </a:r>
+            <a:r>
+              <a:rPr lang="en-US" dirty="0" err="1" smtClean="0">
+                <a:solidFill>
+                  <a:schemeClr val="accent6">
+                    <a:lumMod val="75000"/>
+                  </a:schemeClr>
+                </a:solidFill>
+              </a:rPr>
+              <a:t>kiện</a:t>
+            </a:r>
+            <a:r>
+              <a:rPr lang="en-US" dirty="0" smtClean="0">
+                <a:solidFill>
+                  <a:schemeClr val="accent6">
+                    <a:lumMod val="75000"/>
+                  </a:schemeClr>
+                </a:solidFill>
+              </a:rPr>
+              <a:t> </a:t>
+            </a:r>
+            <a:r>
+              <a:rPr lang="en-US" dirty="0" err="1" smtClean="0">
+                <a:solidFill>
+                  <a:schemeClr val="accent6">
+                    <a:lumMod val="75000"/>
+                  </a:schemeClr>
+                </a:solidFill>
+              </a:rPr>
+              <a:t>đúng</a:t>
+            </a:r>
+            <a:r>
+              <a:rPr lang="en-US" dirty="0" smtClean="0">
+                <a:solidFill>
+                  <a:srgbClr val="00B0F0"/>
+                </a:solidFill>
+              </a:rPr>
+              <a:t> </a:t>
+            </a:r>
             <a:endParaRPr lang="en-US" dirty="0" smtClean="0">
               <a:solidFill>
-                <a:schemeClr val="accent2">
+                <a:srgbClr val="00B0F0"/>
+              </a:solidFill>
+            </a:endParaRPr>
+          </a:p>
+        </p:txBody>
+      </p:sp>
+      <p:sp>
+        <p:nvSpPr>
+          <p:cNvPr id="13" name="TextBox 12"/>
+          <p:cNvSpPr txBox="1"/>
+          <p:nvPr/>
+        </p:nvSpPr>
+        <p:spPr>
+          <a:xfrm>
+            <a:off x="749166" y="4290125"/>
+            <a:ext cx="7597392" cy="646331"/>
+          </a:xfrm>
+          <a:prstGeom prst="rect">
+            <a:avLst/>
+          </a:prstGeom>
+          <a:noFill/>
+        </p:spPr>
+        <p:txBody>
+          <a:bodyPr wrap="square" rtlCol="0">
+            <a:spAutoFit/>
+          </a:bodyPr>
+          <a:lstStyle/>
+          <a:p>
+            <a:r>
+              <a:rPr lang="en-US" dirty="0">
+                <a:solidFill>
+                  <a:srgbClr val="00B0F0"/>
+                </a:solidFill>
+              </a:rPr>
+              <a:t>for</a:t>
+            </a:r>
+            <a:r>
+              <a:rPr lang="en-US" dirty="0">
+                <a:solidFill>
+                  <a:schemeClr val="bg1"/>
+                </a:solidFill>
+              </a:rPr>
+              <a:t> </a:t>
+            </a:r>
+            <a:r>
+              <a:rPr lang="en-US" dirty="0" err="1">
+                <a:solidFill>
+                  <a:schemeClr val="bg1"/>
+                </a:solidFill>
+              </a:rPr>
+              <a:t>i</a:t>
+            </a:r>
+            <a:r>
+              <a:rPr lang="en-US" dirty="0">
+                <a:solidFill>
+                  <a:schemeClr val="bg1"/>
+                </a:solidFill>
+              </a:rPr>
+              <a:t> </a:t>
+            </a:r>
+            <a:r>
+              <a:rPr lang="en-US" dirty="0">
+                <a:solidFill>
+                  <a:srgbClr val="00B0F0"/>
+                </a:solidFill>
+              </a:rPr>
+              <a:t>in</a:t>
+            </a:r>
+            <a:r>
+              <a:rPr lang="en-US" dirty="0">
+                <a:solidFill>
+                  <a:schemeClr val="bg1"/>
+                </a:solidFill>
+              </a:rPr>
+              <a:t> range</a:t>
+            </a:r>
+            <a:r>
+              <a:rPr lang="en-US" dirty="0">
+                <a:solidFill>
+                  <a:schemeClr val="accent4">
+                    <a:lumMod val="60000"/>
+                    <a:lumOff val="40000"/>
+                  </a:schemeClr>
+                </a:solidFill>
+              </a:rPr>
+              <a:t>(</a:t>
+            </a:r>
+            <a:r>
+              <a:rPr lang="en-US" dirty="0">
+                <a:solidFill>
+                  <a:schemeClr val="accent6">
+                    <a:lumMod val="60000"/>
+                    <a:lumOff val="40000"/>
+                  </a:schemeClr>
+                </a:solidFill>
+              </a:rPr>
+              <a:t>10</a:t>
+            </a:r>
+            <a:r>
+              <a:rPr lang="en-US" dirty="0">
+                <a:solidFill>
+                  <a:schemeClr val="accent4">
+                    <a:lumMod val="60000"/>
+                    <a:lumOff val="40000"/>
+                  </a:schemeClr>
+                </a:solidFill>
+              </a:rPr>
+              <a:t>)</a:t>
+            </a:r>
+            <a:r>
+              <a:rPr lang="en-US" dirty="0">
+                <a:solidFill>
+                  <a:schemeClr val="bg1"/>
+                </a:solidFill>
+              </a:rPr>
+              <a:t>:</a:t>
+            </a:r>
+          </a:p>
+          <a:p>
+            <a:r>
+              <a:rPr lang="en-US" dirty="0">
+                <a:solidFill>
+                  <a:schemeClr val="bg1"/>
+                </a:solidFill>
+              </a:rPr>
+              <a:t>    </a:t>
+            </a:r>
+            <a:r>
+              <a:rPr lang="en-US" dirty="0">
+                <a:solidFill>
+                  <a:srgbClr val="00B0F0"/>
+                </a:solidFill>
+              </a:rPr>
+              <a:t>pass</a:t>
+            </a:r>
+            <a:r>
+              <a:rPr lang="en-US" dirty="0">
+                <a:solidFill>
+                  <a:schemeClr val="bg1"/>
+                </a:solidFill>
+              </a:rPr>
+              <a:t>  </a:t>
+            </a:r>
+            <a:r>
+              <a:rPr lang="en-US" dirty="0">
+                <a:solidFill>
+                  <a:schemeClr val="accent6">
+                    <a:lumMod val="75000"/>
+                  </a:schemeClr>
+                </a:solidFill>
+              </a:rPr>
+              <a:t># </a:t>
+            </a:r>
+            <a:r>
+              <a:rPr lang="en-US" dirty="0" err="1">
+                <a:solidFill>
+                  <a:schemeClr val="accent6">
+                    <a:lumMod val="75000"/>
+                  </a:schemeClr>
+                </a:solidFill>
+              </a:rPr>
+              <a:t>không</a:t>
+            </a:r>
+            <a:r>
+              <a:rPr lang="en-US" dirty="0">
+                <a:solidFill>
+                  <a:schemeClr val="accent6">
+                    <a:lumMod val="75000"/>
+                  </a:schemeClr>
+                </a:solidFill>
+              </a:rPr>
+              <a:t> </a:t>
+            </a:r>
+            <a:r>
+              <a:rPr lang="en-US" dirty="0" err="1">
+                <a:solidFill>
+                  <a:schemeClr val="accent6">
+                    <a:lumMod val="75000"/>
+                  </a:schemeClr>
+                </a:solidFill>
+              </a:rPr>
+              <a:t>có</a:t>
+            </a:r>
+            <a:r>
+              <a:rPr lang="en-US" dirty="0">
+                <a:solidFill>
+                  <a:schemeClr val="accent6">
+                    <a:lumMod val="75000"/>
+                  </a:schemeClr>
+                </a:solidFill>
+              </a:rPr>
+              <a:t> </a:t>
+            </a:r>
+            <a:r>
+              <a:rPr lang="en-US" dirty="0" err="1">
+                <a:solidFill>
+                  <a:schemeClr val="accent6">
+                    <a:lumMod val="75000"/>
+                  </a:schemeClr>
+                </a:solidFill>
+              </a:rPr>
+              <a:t>hành</a:t>
+            </a:r>
+            <a:r>
+              <a:rPr lang="en-US" dirty="0">
+                <a:solidFill>
+                  <a:schemeClr val="accent6">
+                    <a:lumMod val="75000"/>
+                  </a:schemeClr>
+                </a:solidFill>
+              </a:rPr>
+              <a:t> </a:t>
+            </a:r>
+            <a:r>
+              <a:rPr lang="en-US" dirty="0" err="1">
+                <a:solidFill>
+                  <a:schemeClr val="accent6">
+                    <a:lumMod val="75000"/>
+                  </a:schemeClr>
+                </a:solidFill>
+              </a:rPr>
+              <a:t>động</a:t>
+            </a:r>
+            <a:r>
+              <a:rPr lang="en-US" dirty="0">
+                <a:solidFill>
+                  <a:schemeClr val="accent6">
+                    <a:lumMod val="75000"/>
+                  </a:schemeClr>
+                </a:solidFill>
+              </a:rPr>
+              <a:t> </a:t>
+            </a:r>
+            <a:r>
+              <a:rPr lang="en-US" dirty="0" err="1">
+                <a:solidFill>
+                  <a:schemeClr val="accent6">
+                    <a:lumMod val="75000"/>
+                  </a:schemeClr>
+                </a:solidFill>
+              </a:rPr>
+              <a:t>cụ</a:t>
+            </a:r>
+            <a:r>
+              <a:rPr lang="en-US" dirty="0">
+                <a:solidFill>
+                  <a:schemeClr val="accent6">
+                    <a:lumMod val="75000"/>
+                  </a:schemeClr>
+                </a:solidFill>
+              </a:rPr>
+              <a:t> </a:t>
+            </a:r>
+            <a:r>
+              <a:rPr lang="en-US" dirty="0" err="1">
+                <a:solidFill>
+                  <a:schemeClr val="accent6">
+                    <a:lumMod val="75000"/>
+                  </a:schemeClr>
+                </a:solidFill>
+              </a:rPr>
+              <a:t>thể</a:t>
+            </a:r>
+            <a:r>
+              <a:rPr lang="en-US" dirty="0">
+                <a:solidFill>
+                  <a:schemeClr val="accent6">
+                    <a:lumMod val="75000"/>
+                  </a:schemeClr>
+                </a:solidFill>
+              </a:rPr>
+              <a:t> </a:t>
+            </a:r>
+            <a:r>
+              <a:rPr lang="en-US" dirty="0" err="1">
+                <a:solidFill>
+                  <a:schemeClr val="accent6">
+                    <a:lumMod val="75000"/>
+                  </a:schemeClr>
+                </a:solidFill>
+              </a:rPr>
+              <a:t>trong</a:t>
+            </a:r>
+            <a:r>
+              <a:rPr lang="en-US" dirty="0">
+                <a:solidFill>
+                  <a:schemeClr val="accent6">
+                    <a:lumMod val="75000"/>
+                  </a:schemeClr>
+                </a:solidFill>
+              </a:rPr>
+              <a:t> </a:t>
+            </a:r>
+            <a:r>
+              <a:rPr lang="en-US" dirty="0" err="1">
+                <a:solidFill>
+                  <a:schemeClr val="accent6">
+                    <a:lumMod val="75000"/>
+                  </a:schemeClr>
+                </a:solidFill>
+              </a:rPr>
+              <a:t>mỗi</a:t>
+            </a:r>
+            <a:r>
+              <a:rPr lang="en-US" dirty="0">
+                <a:solidFill>
+                  <a:schemeClr val="accent6">
+                    <a:lumMod val="75000"/>
+                  </a:schemeClr>
+                </a:solidFill>
+              </a:rPr>
+              <a:t> </a:t>
+            </a:r>
+            <a:r>
+              <a:rPr lang="en-US" dirty="0" err="1">
+                <a:solidFill>
+                  <a:schemeClr val="accent6">
+                    <a:lumMod val="75000"/>
+                  </a:schemeClr>
+                </a:solidFill>
+              </a:rPr>
+              <a:t>lần</a:t>
+            </a:r>
+            <a:r>
+              <a:rPr lang="en-US" dirty="0">
+                <a:solidFill>
+                  <a:schemeClr val="accent6">
+                    <a:lumMod val="75000"/>
+                  </a:schemeClr>
+                </a:solidFill>
+              </a:rPr>
+              <a:t> </a:t>
+            </a:r>
+            <a:r>
+              <a:rPr lang="en-US" dirty="0" err="1">
+                <a:solidFill>
+                  <a:schemeClr val="accent6">
+                    <a:lumMod val="75000"/>
+                  </a:schemeClr>
+                </a:solidFill>
+              </a:rPr>
+              <a:t>lặp</a:t>
+            </a:r>
+            <a:endParaRPr lang="en-US" dirty="0" smtClean="0">
+              <a:solidFill>
+                <a:schemeClr val="accent6">
                   <a:lumMod val="75000"/>
                 </a:schemeClr>
               </a:solidFill>
             </a:endParaRPr>
           </a:p>
-          <a:p>
-            <a:r>
-              <a:rPr lang="en-US" dirty="0" smtClean="0">
+        </p:txBody>
+      </p:sp>
+      <p:sp>
+        <p:nvSpPr>
+          <p:cNvPr id="14" name="TextBox 13"/>
+          <p:cNvSpPr txBox="1"/>
+          <p:nvPr/>
+        </p:nvSpPr>
+        <p:spPr>
+          <a:xfrm>
+            <a:off x="749166" y="5289585"/>
+            <a:ext cx="7597392" cy="646331"/>
+          </a:xfrm>
+          <a:prstGeom prst="rect">
+            <a:avLst/>
+          </a:prstGeom>
+          <a:noFill/>
+        </p:spPr>
+        <p:txBody>
+          <a:bodyPr wrap="square" rtlCol="0">
+            <a:spAutoFit/>
+          </a:bodyPr>
+          <a:lstStyle/>
+          <a:p>
+            <a:r>
+              <a:rPr lang="en-US" dirty="0" err="1">
                 <a:solidFill>
                   <a:srgbClr val="00B0F0"/>
                 </a:solidFill>
               </a:rPr>
-              <a:t>for</a:t>
-            </a:r>
-            <a:r>
-              <a:rPr lang="en-US" dirty="0" smtClean="0">
-                <a:solidFill>
-                  <a:schemeClr val="bg1"/>
-                </a:solidFill>
-              </a:rPr>
-              <a:t> </a:t>
+              <a:t>def</a:t>
             </a:r>
             <a:r>
               <a:rPr lang="en-US" dirty="0">
@@ -11555,15 +12303,26 @@
                   <a:schemeClr val="bg1"/>
                 </a:solidFill>
               </a:rPr>
-              <a:t>fruit </a:t>
+              <a:t> </a:t>
+            </a:r>
+            <a:r>
+              <a:rPr lang="en-US" dirty="0" err="1">
+                <a:solidFill>
+                  <a:schemeClr val="bg1"/>
+                </a:solidFill>
+              </a:rPr>
+              <a:t>my_function</a:t>
             </a:r>
             <a:r>
               <a:rPr lang="en-US" dirty="0">
                 <a:solidFill>
-                  <a:srgbClr val="00B0F0"/>
-                </a:solidFill>
-              </a:rPr>
-              <a:t>in</a:t>
+                  <a:schemeClr val="accent4">
+                    <a:lumMod val="60000"/>
+                    <a:lumOff val="40000"/>
+                  </a:schemeClr>
+                </a:solidFill>
+              </a:rPr>
+              <a:t>()</a:t>
             </a:r>
             <a:r>
               <a:rPr lang="en-US" dirty="0">
@@ -11571,69 +12330,192 @@
                   <a:schemeClr val="bg1"/>
                 </a:solidFill>
               </a:rPr>
-              <a:t> fruits</a:t>
-            </a:r>
-            <a:r>
-              <a:rPr lang="en-US" dirty="0" smtClean="0">
-                <a:solidFill>
-                  <a:schemeClr val="bg1"/>
-                </a:solidFill>
-              </a:rPr>
-              <a:t>:</a:t>
-            </a:r>
-          </a:p>
-          <a:p>
-            <a:r>
-              <a:rPr lang="en-US" dirty="0">
-                <a:solidFill>
-                  <a:schemeClr val="bg1"/>
-                </a:solidFill>
-              </a:rPr>
-              <a:t> </a:t>
-            </a:r>
-            <a:r>
-              <a:rPr lang="en-US" dirty="0" smtClean="0">
-                <a:solidFill>
-                  <a:schemeClr val="bg1"/>
-                </a:solidFill>
-              </a:rPr>
-              <a:t>    </a:t>
-            </a:r>
-            <a:r>
-              <a:rPr lang="en-US" dirty="0">
-                <a:solidFill>
-                  <a:schemeClr val="bg1"/>
-                </a:solidFill>
-              </a:rPr>
-              <a:t>print</a:t>
-            </a:r>
-            <a:r>
-              <a:rPr lang="en-US" dirty="0">
-                <a:solidFill>
-                  <a:srgbClr val="FECC36"/>
-                </a:solidFill>
-              </a:rPr>
-              <a:t>(</a:t>
-            </a:r>
-            <a:r>
-              <a:rPr lang="en-US" dirty="0">
-                <a:solidFill>
-                  <a:schemeClr val="bg1"/>
-                </a:solidFill>
-              </a:rPr>
-              <a:t>fruit</a:t>
-            </a:r>
-            <a:r>
-              <a:rPr lang="en-US" dirty="0">
-                <a:solidFill>
-                  <a:srgbClr val="FECC36"/>
-                </a:solidFill>
-              </a:rPr>
-              <a:t>)</a:t>
+              <a:t>: </a:t>
             </a:r>
             <a:endParaRPr lang="en-US" dirty="0" smtClean="0">
               <a:solidFill>
-                <a:srgbClr val="FECC36"/>
+                <a:schemeClr val="bg1"/>
+              </a:solidFill>
+            </a:endParaRPr>
+          </a:p>
+          <a:p>
+            <a:r>
+              <a:rPr lang="en-US" dirty="0">
+                <a:solidFill>
+                  <a:schemeClr val="bg1"/>
+                </a:solidFill>
+              </a:rPr>
+              <a:t> </a:t>
+            </a:r>
+            <a:r>
+              <a:rPr lang="en-US" dirty="0" smtClean="0">
+                <a:solidFill>
+                  <a:schemeClr val="bg1"/>
+                </a:solidFill>
+              </a:rPr>
+              <a:t>     </a:t>
+            </a:r>
+            <a:r>
+              <a:rPr lang="en-US" dirty="0" smtClean="0">
+                <a:solidFill>
+                  <a:srgbClr val="00B0F0"/>
+                </a:solidFill>
+              </a:rPr>
+              <a:t>pass</a:t>
+            </a:r>
+            <a:r>
+              <a:rPr lang="en-US" dirty="0" smtClean="0">
+                <a:solidFill>
+                  <a:schemeClr val="bg1"/>
+                </a:solidFill>
+              </a:rPr>
+              <a:t> </a:t>
+            </a:r>
+            <a:r>
+              <a:rPr lang="en-US" dirty="0" smtClean="0">
+                <a:solidFill>
+                  <a:schemeClr val="accent6">
+                    <a:lumMod val="75000"/>
+                  </a:schemeClr>
+                </a:solidFill>
+              </a:rPr>
+              <a:t>#</a:t>
+            </a:r>
+            <a:r>
+              <a:rPr lang="en-US" dirty="0" err="1" smtClean="0">
+                <a:solidFill>
+                  <a:schemeClr val="accent6">
+                    <a:lumMod val="75000"/>
+                  </a:schemeClr>
+                </a:solidFill>
+              </a:rPr>
+              <a:t>Không</a:t>
+            </a:r>
+            <a:r>
+              <a:rPr lang="en-US" dirty="0" smtClean="0">
+                <a:solidFill>
+                  <a:schemeClr val="accent6">
+                    <a:lumMod val="75000"/>
+                  </a:schemeClr>
+                </a:solidFill>
+              </a:rPr>
+              <a:t> </a:t>
+            </a:r>
+            <a:r>
+              <a:rPr lang="en-US" dirty="0" err="1" smtClean="0">
+                <a:solidFill>
+                  <a:schemeClr val="accent6">
+                    <a:lumMod val="75000"/>
+                  </a:schemeClr>
+                </a:solidFill>
+              </a:rPr>
+              <a:t>muốn</a:t>
+            </a:r>
+            <a:r>
+              <a:rPr lang="en-US" dirty="0" smtClean="0">
+                <a:solidFill>
+                  <a:schemeClr val="accent6">
+                    <a:lumMod val="75000"/>
+                  </a:schemeClr>
+                </a:solidFill>
+              </a:rPr>
+              <a:t> </a:t>
+            </a:r>
+            <a:r>
+              <a:rPr lang="en-US" dirty="0" err="1" smtClean="0">
+                <a:solidFill>
+                  <a:schemeClr val="accent6">
+                    <a:lumMod val="75000"/>
+                  </a:schemeClr>
+                </a:solidFill>
+              </a:rPr>
+              <a:t>làm</a:t>
+            </a:r>
+            <a:r>
+              <a:rPr lang="en-US" dirty="0" smtClean="0">
+                <a:solidFill>
+                  <a:schemeClr val="accent6">
+                    <a:lumMod val="75000"/>
+                  </a:schemeClr>
+                </a:solidFill>
+              </a:rPr>
+              <a:t> </a:t>
+            </a:r>
+            <a:r>
+              <a:rPr lang="en-US" dirty="0" err="1" smtClean="0">
+                <a:solidFill>
+                  <a:schemeClr val="accent6">
+                    <a:lumMod val="75000"/>
+                  </a:schemeClr>
+                </a:solidFill>
+              </a:rPr>
+              <a:t>gì</a:t>
+            </a:r>
+            <a:r>
+              <a:rPr lang="en-US" dirty="0" smtClean="0">
+                <a:solidFill>
+                  <a:schemeClr val="accent6">
+                    <a:lumMod val="75000"/>
+                  </a:schemeClr>
+                </a:solidFill>
+              </a:rPr>
+              <a:t> </a:t>
+            </a:r>
+            <a:r>
+              <a:rPr lang="en-US" dirty="0" err="1" smtClean="0">
+                <a:solidFill>
+                  <a:schemeClr val="accent6">
+                    <a:lumMod val="75000"/>
+                  </a:schemeClr>
+                </a:solidFill>
+              </a:rPr>
+              <a:t>khi</a:t>
+            </a:r>
+            <a:r>
+              <a:rPr lang="en-US" dirty="0" smtClean="0">
+                <a:solidFill>
+                  <a:schemeClr val="accent6">
+                    <a:lumMod val="75000"/>
+                  </a:schemeClr>
+                </a:solidFill>
+              </a:rPr>
+              <a:t> </a:t>
+            </a:r>
+            <a:r>
+              <a:rPr lang="en-US" dirty="0" err="1" smtClean="0">
+                <a:solidFill>
+                  <a:schemeClr val="accent6">
+                    <a:lumMod val="75000"/>
+                  </a:schemeClr>
+                </a:solidFill>
+              </a:rPr>
+              <a:t>gọi</a:t>
+            </a:r>
+            <a:r>
+              <a:rPr lang="en-US" dirty="0" smtClean="0">
+                <a:solidFill>
+                  <a:schemeClr val="accent6">
+                    <a:lumMod val="75000"/>
+                  </a:schemeClr>
+                </a:solidFill>
+              </a:rPr>
+              <a:t> </a:t>
+            </a:r>
+            <a:r>
+              <a:rPr lang="en-US" dirty="0" err="1" smtClean="0">
+                <a:solidFill>
+                  <a:schemeClr val="accent6">
+                    <a:lumMod val="75000"/>
+                  </a:schemeClr>
+                </a:solidFill>
+              </a:rPr>
+              <a:t>hàm</a:t>
+            </a:r>
+            <a:endParaRPr lang="en-US" dirty="0" smtClean="0">
+              <a:solidFill>
+                <a:schemeClr val="accent6">
+                  <a:lumMod val="75000"/>
+                </a:schemeClr>
               </a:solidFill>
             </a:endParaRPr>
           </a:p>
@@ -11642,7 +12524,7 @@
     </p:spTree>
     <p:extLst>
       <p:ext uri="{BB962C8B-B14F-4D97-AF65-F5344CB8AC3E}">
-        <p14:creationId xmlns:p14="http://schemas.microsoft.com/office/powerpoint/2010/main" val="3019339204"/>
+        <p14:creationId xmlns:p14="http://schemas.microsoft.com/office/powerpoint/2010/main" val="3062179823"/>
       </p:ext>
     </p:extLst>
   </p:cSld>
@@ -11812,7 +12694,7 @@
           <a:p>
             <a:r>
               <a:rPr lang="en-US" b="1" dirty="0" err="1" smtClean="0"/>
-              <a:t>Ví</a:t>
+              <a:t>Câu</a:t>
             </a:r>
             <a:r>
               <a:rPr lang="en-US" b="1" dirty="0" smtClean="0"/>
@@ -11820,35 +12702,440 @@
             </a:r>
             <a:r>
               <a:rPr lang="en-US" b="1" dirty="0" err="1" smtClean="0"/>
-              <a:t>dụ</a:t>
+              <a:t>lệnh</a:t>
             </a:r>
             <a:r>
               <a:rPr lang="en-US" b="1" dirty="0" smtClean="0"/>
-              <a:t> </a:t>
+              <a:t> range() </a:t>
             </a:r>
             <a:r>
               <a:rPr lang="en-US" b="1" dirty="0" err="1" smtClean="0"/>
-              <a:t>về</a:t>
+              <a:t>trong</a:t>
             </a:r>
             <a:r>
               <a:rPr lang="en-US" b="1" dirty="0" smtClean="0"/>
-              <a:t> </a:t>
-            </a:r>
-            <a:r>
-              <a:rPr lang="en-US" b="1" dirty="0" err="1" smtClean="0"/>
-              <a:t>Vòng</a:t>
-            </a:r>
+              <a:t> Python</a:t>
+            </a:r>
+            <a:endParaRPr lang="en-US" b="1" dirty="0"/>
+          </a:p>
+        </p:txBody>
+      </p:sp>
+      <p:sp>
+        <p:nvSpPr>
+          <p:cNvPr id="6" name="TextBox 5"/>
+          <p:cNvSpPr txBox="1"/>
+          <p:nvPr/>
+        </p:nvSpPr>
+        <p:spPr>
+          <a:xfrm>
+            <a:off x="548981" y="1961567"/>
+            <a:ext cx="8333421" cy="646331"/>
+          </a:xfrm>
+          <a:prstGeom prst="rect">
+            <a:avLst/>
+          </a:prstGeom>
+          <a:noFill/>
+        </p:spPr>
+        <p:txBody>
+          <a:bodyPr wrap="square" rtlCol="0">
+            <a:spAutoFit/>
+          </a:bodyPr>
+          <a:lstStyle/>
+          <a:p>
+            <a:r>
+              <a:rPr lang="vi-VN" dirty="0"/>
+              <a:t>Hàm </a:t>
+            </a:r>
+            <a:r>
+              <a:rPr lang="vi-VN" b="1" dirty="0"/>
+              <a:t>range() </a:t>
+            </a:r>
+            <a:r>
+              <a:rPr lang="vi-VN" dirty="0"/>
+              <a:t>trả về một dãy số, bắt đầu từ 0 theo mặc định và tăng dần 1 (theo mặc định) và dừng trước một số đã chỉ định.</a:t>
+            </a:r>
+            <a:endParaRPr lang="en-US" b="1" dirty="0"/>
+          </a:p>
+        </p:txBody>
+      </p:sp>
+      <p:sp>
+        <p:nvSpPr>
+          <p:cNvPr id="7" name="TextBox 6"/>
+          <p:cNvSpPr txBox="1"/>
+          <p:nvPr/>
+        </p:nvSpPr>
+        <p:spPr>
+          <a:xfrm>
+            <a:off x="1945758" y="2741213"/>
+            <a:ext cx="4146698" cy="461665"/>
+          </a:xfrm>
+          <a:prstGeom prst="rect">
+            <a:avLst/>
+          </a:prstGeom>
+          <a:noFill/>
+        </p:spPr>
+        <p:txBody>
+          <a:bodyPr wrap="square" rtlCol="0">
+            <a:spAutoFit/>
+          </a:bodyPr>
+          <a:lstStyle/>
+          <a:p>
+            <a:r>
+              <a:rPr lang="en-US" sz="2400" b="1" dirty="0" smtClean="0"/>
+              <a:t>range</a:t>
+            </a:r>
+            <a:r>
+              <a:rPr lang="en-US" sz="2400" b="1" i="1" dirty="0" smtClean="0"/>
+              <a:t>(</a:t>
+            </a:r>
+            <a:r>
+              <a:rPr lang="en-US" sz="2400" b="1" i="1" dirty="0"/>
+              <a:t>[</a:t>
+            </a:r>
+            <a:r>
+              <a:rPr lang="en-US" sz="2400" b="1" i="1" dirty="0" smtClean="0"/>
+              <a:t>start], </a:t>
+            </a:r>
+            <a:r>
+              <a:rPr lang="en-US" sz="2400" b="1" i="1" dirty="0"/>
+              <a:t>stop, </a:t>
+            </a:r>
+            <a:r>
+              <a:rPr lang="en-US" sz="2400" b="1" i="1" dirty="0"/>
+              <a:t>[</a:t>
+            </a:r>
+            <a:r>
+              <a:rPr lang="en-US" sz="2400" b="1" i="1" dirty="0" smtClean="0"/>
+              <a:t>step]</a:t>
+            </a:r>
+            <a:r>
+              <a:rPr lang="en-US" sz="2400" b="1" dirty="0" smtClean="0"/>
+              <a:t>)</a:t>
+            </a:r>
+            <a:endParaRPr lang="en-US" sz="2400" b="1" dirty="0">
+              <a:solidFill>
+                <a:schemeClr val="accent6">
+                  <a:lumMod val="50000"/>
+                </a:schemeClr>
+              </a:solidFill>
+            </a:endParaRPr>
+          </a:p>
+        </p:txBody>
+      </p:sp>
+      <p:sp>
+        <p:nvSpPr>
+          <p:cNvPr id="8" name="TextBox 7"/>
+          <p:cNvSpPr txBox="1"/>
+          <p:nvPr/>
+        </p:nvSpPr>
+        <p:spPr>
+          <a:xfrm>
+            <a:off x="548981" y="3442508"/>
+            <a:ext cx="8333421" cy="923330"/>
+          </a:xfrm>
+          <a:prstGeom prst="rect">
+            <a:avLst/>
+          </a:prstGeom>
+          <a:noFill/>
+        </p:spPr>
+        <p:txBody>
+          <a:bodyPr wrap="square" rtlCol="0">
+            <a:spAutoFit/>
+          </a:bodyPr>
+          <a:lstStyle/>
+          <a:p>
+            <a:r>
+              <a:rPr lang="en-US" b="1" dirty="0"/>
+              <a:t>start: </a:t>
+            </a:r>
+            <a:r>
+              <a:rPr lang="vi-VN" dirty="0"/>
+              <a:t>là </a:t>
+            </a:r>
+            <a:r>
+              <a:rPr lang="en-US" dirty="0" err="1"/>
+              <a:t>vị</a:t>
+            </a:r>
+            <a:r>
+              <a:rPr lang="en-US" dirty="0"/>
+              <a:t> </a:t>
+            </a:r>
+            <a:r>
+              <a:rPr lang="en-US" dirty="0" err="1"/>
+              <a:t>trí</a:t>
+            </a:r>
+            <a:r>
+              <a:rPr lang="en-US" dirty="0"/>
+              <a:t> </a:t>
+            </a:r>
+            <a:r>
+              <a:rPr lang="en-US" dirty="0" err="1"/>
+              <a:t>bắt</a:t>
+            </a:r>
+            <a:r>
+              <a:rPr lang="en-US" dirty="0"/>
+              <a:t> </a:t>
+            </a:r>
+            <a:r>
+              <a:rPr lang="en-US" dirty="0" err="1"/>
+              <a:t>đầu</a:t>
+            </a:r>
+            <a:r>
+              <a:rPr lang="en-US" dirty="0"/>
+              <a:t> (</a:t>
+            </a:r>
+            <a:r>
+              <a:rPr lang="en-US" dirty="0" err="1"/>
+              <a:t>Tùy</a:t>
+            </a:r>
+            <a:r>
+              <a:rPr lang="en-US" dirty="0"/>
+              <a:t> </a:t>
+            </a:r>
+            <a:r>
+              <a:rPr lang="en-US" dirty="0" err="1"/>
+              <a:t>chọn</a:t>
+            </a:r>
+            <a:r>
+              <a:rPr lang="en-US" dirty="0"/>
+              <a:t>, </a:t>
+            </a:r>
+            <a:r>
+              <a:rPr lang="en-US" dirty="0" err="1"/>
+              <a:t>mặc</a:t>
+            </a:r>
+            <a:r>
+              <a:rPr lang="en-US" dirty="0"/>
+              <a:t> </a:t>
+            </a:r>
+            <a:r>
+              <a:rPr lang="en-US" dirty="0" err="1"/>
+              <a:t>định</a:t>
+            </a:r>
+            <a:r>
+              <a:rPr lang="en-US" dirty="0"/>
+              <a:t> </a:t>
+            </a:r>
+            <a:r>
+              <a:rPr lang="en-US" dirty="0" err="1"/>
+              <a:t>là</a:t>
+            </a:r>
+            <a:r>
+              <a:rPr lang="en-US" dirty="0"/>
+              <a:t> 0)</a:t>
+            </a:r>
+            <a:endParaRPr lang="en-US" b="1" dirty="0"/>
+          </a:p>
+          <a:p>
             <a:r>
               <a:rPr lang="en-US" b="1" dirty="0" smtClean="0"/>
-              <a:t> </a:t>
-            </a:r>
-            <a:r>
-              <a:rPr lang="en-US" b="1" dirty="0" err="1" smtClean="0"/>
-              <a:t>lặp</a:t>
-            </a:r>
+              <a:t>stop: </a:t>
+            </a:r>
+            <a:r>
+              <a:rPr lang="en-US" dirty="0" err="1" smtClean="0"/>
+              <a:t>vị</a:t>
+            </a:r>
+            <a:r>
+              <a:rPr lang="en-US" dirty="0" smtClean="0"/>
+              <a:t> </a:t>
+            </a:r>
+            <a:r>
+              <a:rPr lang="en-US" dirty="0" err="1" smtClean="0"/>
+              <a:t>trí</a:t>
+            </a:r>
+            <a:r>
+              <a:rPr lang="en-US" dirty="0" smtClean="0"/>
+              <a:t> </a:t>
+            </a:r>
+            <a:r>
+              <a:rPr lang="en-US" dirty="0" err="1" smtClean="0"/>
+              <a:t>kết</a:t>
+            </a:r>
+            <a:r>
+              <a:rPr lang="en-US" dirty="0" smtClean="0"/>
+              <a:t> </a:t>
+            </a:r>
+            <a:r>
+              <a:rPr lang="en-US" dirty="0" err="1" smtClean="0"/>
+              <a:t>thúc</a:t>
+            </a:r>
+            <a:r>
+              <a:rPr lang="en-US" dirty="0" smtClean="0"/>
+              <a:t> (</a:t>
+            </a:r>
+            <a:r>
+              <a:rPr lang="en-US" dirty="0" err="1" smtClean="0"/>
+              <a:t>Bắt</a:t>
+            </a:r>
+            <a:r>
+              <a:rPr lang="en-US" dirty="0" smtClean="0"/>
+              <a:t> </a:t>
+            </a:r>
+            <a:r>
+              <a:rPr lang="en-US" dirty="0" err="1" smtClean="0"/>
+              <a:t>buộc</a:t>
+            </a:r>
+            <a:r>
+              <a:rPr lang="en-US" dirty="0" smtClean="0"/>
+              <a:t>, </a:t>
+            </a:r>
+            <a:r>
+              <a:rPr lang="en-US" dirty="0" err="1" smtClean="0"/>
+              <a:t>và</a:t>
+            </a:r>
+            <a:r>
+              <a:rPr lang="en-US" dirty="0" smtClean="0"/>
+              <a:t> </a:t>
+            </a:r>
+            <a:r>
+              <a:rPr lang="en-US" dirty="0" err="1" smtClean="0"/>
+              <a:t>không</a:t>
+            </a:r>
+            <a:r>
+              <a:rPr lang="en-US" dirty="0" smtClean="0"/>
+              <a:t> </a:t>
+            </a:r>
+            <a:r>
+              <a:rPr lang="en-US" dirty="0" err="1" smtClean="0"/>
+              <a:t>bao</a:t>
+            </a:r>
+            <a:r>
+              <a:rPr lang="en-US" dirty="0" smtClean="0"/>
+              <a:t> </a:t>
+            </a:r>
+            <a:r>
+              <a:rPr lang="en-US" dirty="0" err="1" smtClean="0"/>
+              <a:t>gồm</a:t>
+            </a:r>
+            <a:r>
+              <a:rPr lang="en-US" dirty="0" smtClean="0"/>
+              <a:t> </a:t>
+            </a:r>
+            <a:r>
+              <a:rPr lang="en-US" dirty="0" err="1" smtClean="0"/>
+              <a:t>giá</a:t>
+            </a:r>
+            <a:r>
+              <a:rPr lang="en-US" dirty="0" smtClean="0"/>
+              <a:t> </a:t>
+            </a:r>
+            <a:r>
+              <a:rPr lang="en-US" dirty="0" err="1" smtClean="0"/>
+              <a:t>trị</a:t>
+            </a:r>
+            <a:r>
+              <a:rPr lang="en-US" dirty="0" smtClean="0"/>
+              <a:t> stop)</a:t>
+            </a:r>
+          </a:p>
+          <a:p>
             <a:r>
               <a:rPr lang="en-US" b="1" dirty="0" smtClean="0"/>
-              <a:t> for</a:t>
+              <a:t>Step: </a:t>
+            </a:r>
+            <a:r>
+              <a:rPr lang="en-US" dirty="0" err="1" smtClean="0"/>
+              <a:t>bước</a:t>
+            </a:r>
+            <a:r>
+              <a:rPr lang="en-US" dirty="0" smtClean="0"/>
+              <a:t> </a:t>
+            </a:r>
+            <a:r>
+              <a:rPr lang="en-US" dirty="0" err="1" smtClean="0"/>
+              <a:t>nhảy</a:t>
+            </a:r>
+            <a:r>
+              <a:rPr lang="en-US" dirty="0" smtClean="0"/>
+              <a:t> (</a:t>
+            </a:r>
+            <a:r>
+              <a:rPr lang="en-US" dirty="0" err="1" smtClean="0"/>
+              <a:t>Tùy</a:t>
+            </a:r>
+            <a:r>
+              <a:rPr lang="en-US" dirty="0" smtClean="0"/>
+              <a:t> </a:t>
+            </a:r>
+            <a:r>
+              <a:rPr lang="en-US" dirty="0" err="1" smtClean="0"/>
+              <a:t>chọn</a:t>
+            </a:r>
+            <a:r>
+              <a:rPr lang="en-US" dirty="0" smtClean="0"/>
+              <a:t>, </a:t>
+            </a:r>
+            <a:r>
+              <a:rPr lang="en-US" dirty="0" err="1" smtClean="0"/>
+              <a:t>mặc</a:t>
+            </a:r>
+            <a:r>
+              <a:rPr lang="en-US" dirty="0" smtClean="0"/>
+              <a:t> </a:t>
+            </a:r>
+            <a:r>
+              <a:rPr lang="en-US" dirty="0" err="1" smtClean="0"/>
+              <a:t>định</a:t>
+            </a:r>
+            <a:r>
+              <a:rPr lang="en-US" dirty="0" smtClean="0"/>
+              <a:t> </a:t>
+            </a:r>
+            <a:r>
+              <a:rPr lang="en-US" dirty="0" err="1" smtClean="0"/>
+              <a:t>là</a:t>
+            </a:r>
+            <a:r>
+              <a:rPr lang="en-US" dirty="0" smtClean="0"/>
+              <a:t> 1, </a:t>
+            </a:r>
+            <a:r>
+              <a:rPr lang="en-US" dirty="0" err="1" smtClean="0"/>
+              <a:t>có</a:t>
+            </a:r>
+            <a:r>
+              <a:rPr lang="en-US" dirty="0" smtClean="0"/>
+              <a:t> </a:t>
+            </a:r>
+            <a:r>
+              <a:rPr lang="en-US" dirty="0" err="1" smtClean="0"/>
+              <a:t>thể</a:t>
+            </a:r>
+            <a:r>
+              <a:rPr lang="en-US" dirty="0" smtClean="0"/>
+              <a:t> </a:t>
+            </a:r>
+            <a:r>
+              <a:rPr lang="en-US" dirty="0" err="1" smtClean="0"/>
+              <a:t>số</a:t>
+            </a:r>
+            <a:r>
+              <a:rPr lang="en-US" dirty="0" smtClean="0"/>
+              <a:t> </a:t>
+            </a:r>
+            <a:r>
+              <a:rPr lang="en-US" dirty="0" err="1" smtClean="0"/>
+              <a:t>số</a:t>
+            </a:r>
+            <a:r>
+              <a:rPr lang="en-US" dirty="0" smtClean="0"/>
+              <a:t> </a:t>
+            </a:r>
+            <a:r>
+              <a:rPr lang="en-US" dirty="0" err="1" smtClean="0"/>
+              <a:t>nguyên</a:t>
+            </a:r>
+            <a:r>
+              <a:rPr lang="en-US" dirty="0" smtClean="0"/>
+              <a:t> </a:t>
+            </a:r>
+            <a:r>
+              <a:rPr lang="en-US" dirty="0" err="1" smtClean="0"/>
+              <a:t>âm</a:t>
+            </a:r>
+            <a:r>
+              <a:rPr lang="en-US" dirty="0" smtClean="0"/>
+              <a:t>)</a:t>
             </a:r>
             <a:endParaRPr lang="en-US" b="1" dirty="0"/>
           </a:p>
@@ -11862,8 +13149,8 @@
         </p:nvSpPr>
         <p:spPr>
           <a:xfrm>
-            <a:off x="548981" y="2485194"/>
-            <a:ext cx="3076721" cy="895959"/>
+            <a:off x="548981" y="4605468"/>
+            <a:ext cx="7988963" cy="1922923"/>
           </a:xfrm>
           <a:prstGeom prst="rect">
             <a:avLst/>
@@ -11911,8 +13198,8 @@
         </p:nvSpPr>
         <p:spPr>
           <a:xfrm>
-            <a:off x="749165" y="2578107"/>
-            <a:ext cx="2642621" cy="646331"/>
+            <a:off x="749165" y="4698381"/>
+            <a:ext cx="5226333" cy="1754326"/>
           </a:xfrm>
           <a:prstGeom prst="rect">
             <a:avLst/>
@@ -11926,63 +13213,26 @@
           <a:lstStyle/>
           <a:p>
             <a:r>
-              <a:rPr lang="en-US" dirty="0" smtClean="0">
-                <a:solidFill>
-                  <a:srgbClr val="00B0F0"/>
-                </a:solidFill>
-              </a:rPr>
-              <a:t>for</a:t>
-            </a:r>
-            <a:r>
-              <a:rPr lang="en-US" dirty="0" smtClean="0">
-                <a:solidFill>
-                  <a:schemeClr val="bg1"/>
-                </a:solidFill>
-              </a:rPr>
-              <a:t> </a:t>
-            </a:r>
-            <a:r>
-              <a:rPr lang="en-US" dirty="0" err="1" smtClean="0">
-                <a:solidFill>
-                  <a:schemeClr val="bg1"/>
-                </a:solidFill>
-              </a:rPr>
-              <a:t>i</a:t>
-            </a:r>
-            <a:r>
-              <a:rPr lang="en-US" dirty="0" smtClean="0">
-                <a:solidFill>
-                  <a:schemeClr val="bg1"/>
-                </a:solidFill>
-              </a:rPr>
-              <a:t> </a:t>
-            </a:r>
-            <a:r>
-              <a:rPr lang="en-US" dirty="0" smtClean="0">
-                <a:solidFill>
-                  <a:srgbClr val="00B0F0"/>
-                </a:solidFill>
-              </a:rPr>
-              <a:t>in</a:t>
-            </a:r>
-            <a:r>
-              <a:rPr lang="en-US" dirty="0" smtClean="0">
-                <a:solidFill>
-                  <a:schemeClr val="bg1"/>
-                </a:solidFill>
-              </a:rPr>
-              <a:t> range</a:t>
-            </a:r>
-            <a:r>
-              <a:rPr lang="en-US" dirty="0" smtClean="0">
-                <a:solidFill>
-                  <a:srgbClr val="FFC500"/>
+              <a:rPr lang="en-US" dirty="0">
+                <a:solidFill>
+                  <a:schemeClr val="bg1"/>
+                </a:solidFill>
+              </a:rPr>
+              <a:t>x = range</a:t>
+            </a:r>
+            <a:r>
+              <a:rPr lang="en-US" dirty="0">
+                <a:solidFill>
+                  <a:schemeClr val="accent4">
+                    <a:lumMod val="60000"/>
+                    <a:lumOff val="40000"/>
+                  </a:schemeClr>
                 </a:solidFill>
               </a:rPr>
               <a:t>(</a:t>
             </a:r>
             <a:r>
-              <a:rPr lang="en-US" dirty="0" smtClean="0">
+              <a:rPr lang="en-US" dirty="0">
                 <a:solidFill>
                   <a:schemeClr val="accent6">
                     <a:lumMod val="60000"/>
@@ -11990,18 +13240,18 @@
                   </a:schemeClr>
                 </a:solidFill>
               </a:rPr>
-              <a:t>1</a:t>
-            </a:r>
-            <a:r>
-              <a:rPr lang="en-US" dirty="0" smtClean="0">
-                <a:solidFill>
-                  <a:schemeClr val="bg1"/>
-                </a:solidFill>
-              </a:rPr>
-              <a:t>, </a:t>
-            </a:r>
-            <a:r>
-              <a:rPr lang="en-US" dirty="0" smtClean="0">
+              <a:t>3</a:t>
+            </a:r>
+            <a:r>
+              <a:rPr lang="en-US" dirty="0">
+                <a:solidFill>
+                  <a:schemeClr val="bg1"/>
+                </a:solidFill>
+              </a:rPr>
+              <a:t>, </a:t>
+            </a:r>
+            <a:r>
+              <a:rPr lang="en-US" dirty="0">
                 <a:solidFill>
                   <a:schemeClr val="accent6">
                     <a:lumMod val="60000"/>
@@ -12009,892 +13259,134 @@
                   </a:schemeClr>
                 </a:solidFill>
               </a:rPr>
+              <a:t>6</a:t>
+            </a:r>
+            <a:r>
+              <a:rPr lang="en-US" dirty="0" smtClean="0">
+                <a:solidFill>
+                  <a:schemeClr val="accent4">
+                    <a:lumMod val="60000"/>
+                    <a:lumOff val="40000"/>
+                  </a:schemeClr>
+                </a:solidFill>
+              </a:rPr>
+              <a:t>)</a:t>
+            </a:r>
+          </a:p>
+          <a:p>
+            <a:r>
+              <a:rPr lang="en-US" dirty="0">
+                <a:solidFill>
+                  <a:schemeClr val="bg1"/>
+                </a:solidFill>
+              </a:rPr>
+              <a:t>p</a:t>
+            </a:r>
+            <a:r>
+              <a:rPr lang="en-US" dirty="0" smtClean="0">
+                <a:solidFill>
+                  <a:schemeClr val="bg1"/>
+                </a:solidFill>
+              </a:rPr>
+              <a:t>rint</a:t>
+            </a:r>
+            <a:r>
+              <a:rPr lang="en-US" dirty="0" smtClean="0">
+                <a:solidFill>
+                  <a:schemeClr val="accent4">
+                    <a:lumMod val="60000"/>
+                    <a:lumOff val="40000"/>
+                  </a:schemeClr>
+                </a:solidFill>
+              </a:rPr>
+              <a:t>(</a:t>
+            </a:r>
+            <a:r>
+              <a:rPr lang="en-US" dirty="0" smtClean="0">
+                <a:solidFill>
+                  <a:schemeClr val="bg1"/>
+                </a:solidFill>
+              </a:rPr>
+              <a:t>x</a:t>
+            </a:r>
+            <a:r>
+              <a:rPr lang="en-US" dirty="0" smtClean="0">
+                <a:solidFill>
+                  <a:schemeClr val="accent4">
+                    <a:lumMod val="60000"/>
+                    <a:lumOff val="40000"/>
+                  </a:schemeClr>
+                </a:solidFill>
+              </a:rPr>
+              <a:t>)</a:t>
+            </a:r>
+          </a:p>
+          <a:p>
+            <a:r>
+              <a:rPr lang="en-US" dirty="0" smtClean="0">
+                <a:solidFill>
+                  <a:schemeClr val="accent4">
+                    <a:lumMod val="60000"/>
+                    <a:lumOff val="40000"/>
+                  </a:schemeClr>
+                </a:solidFill>
+              </a:rPr>
+              <a:t>#output:</a:t>
+            </a:r>
+          </a:p>
+          <a:p>
+            <a:r>
+              <a:rPr lang="en-US" dirty="0" smtClean="0">
+                <a:solidFill>
+                  <a:schemeClr val="accent4">
+                    <a:lumMod val="60000"/>
+                    <a:lumOff val="40000"/>
+                  </a:schemeClr>
+                </a:solidFill>
+              </a:rPr>
+              <a:t>3</a:t>
+            </a:r>
+          </a:p>
+          <a:p>
+            <a:r>
+              <a:rPr lang="en-US" dirty="0" smtClean="0">
+                <a:solidFill>
+                  <a:schemeClr val="accent4">
+                    <a:lumMod val="60000"/>
+                    <a:lumOff val="40000"/>
+                  </a:schemeClr>
+                </a:solidFill>
+              </a:rPr>
+              <a:t>4</a:t>
+            </a:r>
+          </a:p>
+          <a:p>
+            <a:r>
+              <a:rPr lang="en-US" dirty="0">
+                <a:solidFill>
+                  <a:schemeClr val="accent4">
+                    <a:lumMod val="60000"/>
+                    <a:lumOff val="40000"/>
+                  </a:schemeClr>
+                </a:solidFill>
+              </a:rPr>
               <a:t>5</a:t>
-            </a:r>
-            <a:r>
-              <a:rPr lang="en-US" dirty="0" smtClean="0">
-                <a:solidFill>
-                  <a:srgbClr val="FFC500"/>
-                </a:solidFill>
-              </a:rPr>
-              <a:t>)</a:t>
-            </a:r>
-            <a:r>
-              <a:rPr lang="en-US" dirty="0" smtClean="0">
-                <a:solidFill>
-                  <a:schemeClr val="bg1"/>
-                </a:solidFill>
-              </a:rPr>
-              <a:t>:</a:t>
-            </a:r>
-          </a:p>
-          <a:p>
-            <a:r>
-              <a:rPr lang="en-US" dirty="0" smtClean="0">
-                <a:solidFill>
-                  <a:schemeClr val="bg1"/>
-                </a:solidFill>
-              </a:rPr>
-              <a:t>     print</a:t>
-            </a:r>
-            <a:r>
-              <a:rPr lang="en-US" dirty="0" smtClean="0">
-                <a:solidFill>
-                  <a:srgbClr val="FECC36"/>
-                </a:solidFill>
-              </a:rPr>
-              <a:t>(</a:t>
-            </a:r>
-            <a:r>
-              <a:rPr lang="en-US" dirty="0" err="1" smtClean="0">
-                <a:solidFill>
-                  <a:schemeClr val="bg1"/>
-                </a:solidFill>
-              </a:rPr>
-              <a:t>i</a:t>
-            </a:r>
-            <a:r>
-              <a:rPr lang="en-US" dirty="0" smtClean="0">
-                <a:solidFill>
-                  <a:srgbClr val="FECC36"/>
-                </a:solidFill>
-              </a:rPr>
-              <a:t>)</a:t>
-            </a:r>
-          </a:p>
-        </p:txBody>
-      </p:sp>
-      <p:sp>
-        <p:nvSpPr>
-          <p:cNvPr id="12" name="TextBox 11"/>
-          <p:cNvSpPr txBox="1"/>
-          <p:nvPr/>
-        </p:nvSpPr>
-        <p:spPr>
-          <a:xfrm>
-            <a:off x="423469" y="1988742"/>
-            <a:ext cx="3202234" cy="369332"/>
-          </a:xfrm>
-          <a:prstGeom prst="rect">
-            <a:avLst/>
-          </a:prstGeom>
-          <a:noFill/>
-        </p:spPr>
-        <p:txBody>
-          <a:bodyPr wrap="square" rtlCol="0">
-            <a:spAutoFit/>
-          </a:bodyPr>
-          <a:lstStyle/>
-          <a:p>
-            <a:r>
-              <a:rPr lang="en-US" dirty="0" err="1" smtClean="0"/>
-              <a:t>Sử</a:t>
-            </a:r>
-            <a:r>
-              <a:rPr lang="en-US" dirty="0" smtClean="0"/>
-              <a:t> </a:t>
-            </a:r>
-            <a:r>
-              <a:rPr lang="en-US" dirty="0" err="1" smtClean="0"/>
-              <a:t>dụng</a:t>
-            </a:r>
-            <a:r>
-              <a:rPr lang="en-US" dirty="0" smtClean="0"/>
-              <a:t> </a:t>
-            </a:r>
-            <a:r>
-              <a:rPr lang="en-US" dirty="0" err="1" smtClean="0"/>
-              <a:t>với</a:t>
-            </a:r>
-            <a:r>
-              <a:rPr lang="en-US" dirty="0" smtClean="0"/>
-              <a:t> </a:t>
-            </a:r>
-            <a:r>
-              <a:rPr lang="en-US" dirty="0" err="1" smtClean="0"/>
-              <a:t>hàm</a:t>
-            </a:r>
-            <a:r>
-              <a:rPr lang="en-US" dirty="0" smtClean="0"/>
-              <a:t> </a:t>
-            </a:r>
-            <a:r>
-              <a:rPr lang="en-US" b="1" dirty="0" smtClean="0"/>
-              <a:t>range()</a:t>
-            </a:r>
-            <a:endParaRPr lang="en-US" b="1" dirty="0"/>
-          </a:p>
-        </p:txBody>
-      </p:sp>
-      <p:sp>
-        <p:nvSpPr>
-          <p:cNvPr id="13" name="Rectangle 12"/>
-          <p:cNvSpPr/>
-          <p:nvPr/>
-        </p:nvSpPr>
-        <p:spPr>
-          <a:xfrm>
-            <a:off x="4682725" y="2485194"/>
-            <a:ext cx="3076721" cy="895959"/>
-          </a:xfrm>
-          <a:prstGeom prst="rect">
-            <a:avLst/>
-          </a:prstGeom>
-          <a:solidFill>
-            <a:schemeClr val="tx1">
-              <a:lumMod val="85000"/>
-              <a:lumOff val="15000"/>
-            </a:schemeClr>
-          </a:solidFill>
-          <a:ln>
-            <a:noFill/>
-          </a:ln>
-        </p:spPr>
-        <p:style>
-          <a:lnRef idx="2">
-            <a:schemeClr val="accent1">
-              <a:shade val="50000"/>
-            </a:schemeClr>
-          </a:lnRef>
-          <a:fillRef idx="1">
-            <a:schemeClr val="accent1"/>
-          </a:fillRef>
-          <a:effectRef idx="0">
-            <a:schemeClr val="accent1"/>
-          </a:effectRef>
-          <a:fontRef idx="minor">
-            <a:schemeClr val="lt1"/>
-          </a:fontRef>
-        </p:style>
-        <p:txBody>
-          <a:bodyPr rtlCol="0" anchor="ctr"/>
-          <a:lstStyle/>
-          <a:p>
-            <a:pPr algn="ctr"/>
-            <a:endParaRPr lang="en-US"/>
-          </a:p>
-        </p:txBody>
-      </p:sp>
-      <p:sp>
-        <p:nvSpPr>
-          <p:cNvPr id="14" name="TextBox 13"/>
-          <p:cNvSpPr txBox="1"/>
-          <p:nvPr/>
-        </p:nvSpPr>
-        <p:spPr>
-          <a:xfrm>
-            <a:off x="4882909" y="2578107"/>
-            <a:ext cx="2642621" cy="646331"/>
-          </a:xfrm>
-          <a:prstGeom prst="rect">
-            <a:avLst/>
-          </a:prstGeom>
-          <a:noFill/>
-        </p:spPr>
-        <p:txBody>
-          <a:bodyPr wrap="square" rtlCol="0">
-            <a:spAutoFit/>
-          </a:bodyPr>
-          <a:lstStyle/>
-          <a:p>
-            <a:r>
-              <a:rPr lang="en-US" dirty="0" smtClean="0">
-                <a:solidFill>
-                  <a:srgbClr val="00B0F0"/>
-                </a:solidFill>
-              </a:rPr>
-              <a:t>for</a:t>
-            </a:r>
-            <a:r>
-              <a:rPr lang="en-US" dirty="0" smtClean="0">
-                <a:solidFill>
-                  <a:schemeClr val="bg1"/>
-                </a:solidFill>
-              </a:rPr>
-              <a:t> x </a:t>
-            </a:r>
-            <a:r>
-              <a:rPr lang="en-US" dirty="0" smtClean="0">
-                <a:solidFill>
-                  <a:srgbClr val="00B0F0"/>
-                </a:solidFill>
-              </a:rPr>
-              <a:t>in</a:t>
-            </a:r>
-            <a:r>
-              <a:rPr lang="en-US" dirty="0" smtClean="0">
-                <a:solidFill>
-                  <a:schemeClr val="bg1"/>
-                </a:solidFill>
-              </a:rPr>
-              <a:t> </a:t>
-            </a:r>
-            <a:r>
-              <a:rPr lang="en-US" dirty="0" smtClean="0">
-                <a:solidFill>
-                  <a:schemeClr val="accent2">
-                    <a:lumMod val="75000"/>
-                  </a:schemeClr>
-                </a:solidFill>
-              </a:rPr>
-              <a:t>“banana”</a:t>
-            </a:r>
-            <a:r>
-              <a:rPr lang="en-US" dirty="0" smtClean="0">
-                <a:solidFill>
-                  <a:schemeClr val="bg1"/>
-                </a:solidFill>
-              </a:rPr>
-              <a:t>:</a:t>
-            </a:r>
-          </a:p>
-          <a:p>
-            <a:r>
-              <a:rPr lang="en-US" dirty="0" smtClean="0">
-                <a:solidFill>
-                  <a:schemeClr val="bg1"/>
-                </a:solidFill>
-              </a:rPr>
-              <a:t>     print</a:t>
-            </a:r>
-            <a:r>
-              <a:rPr lang="en-US" dirty="0" smtClean="0">
-                <a:solidFill>
-                  <a:srgbClr val="FECC36"/>
-                </a:solidFill>
-              </a:rPr>
-              <a:t>(</a:t>
-            </a:r>
-            <a:r>
-              <a:rPr lang="en-US" dirty="0">
-                <a:solidFill>
-                  <a:schemeClr val="bg1"/>
-                </a:solidFill>
-              </a:rPr>
-              <a:t>x</a:t>
-            </a:r>
-            <a:r>
-              <a:rPr lang="en-US" dirty="0" smtClean="0">
-                <a:solidFill>
-                  <a:srgbClr val="FECC36"/>
-                </a:solidFill>
-              </a:rPr>
-              <a:t>)</a:t>
-            </a:r>
-          </a:p>
-        </p:txBody>
-      </p:sp>
-      <p:sp>
-        <p:nvSpPr>
-          <p:cNvPr id="15" name="TextBox 14"/>
-          <p:cNvSpPr txBox="1"/>
-          <p:nvPr/>
-        </p:nvSpPr>
-        <p:spPr>
-          <a:xfrm>
-            <a:off x="4565767" y="1988742"/>
-            <a:ext cx="2585546" cy="369332"/>
-          </a:xfrm>
-          <a:prstGeom prst="rect">
-            <a:avLst/>
-          </a:prstGeom>
-          <a:noFill/>
-        </p:spPr>
-        <p:txBody>
-          <a:bodyPr wrap="square" rtlCol="0">
-            <a:spAutoFit/>
-          </a:bodyPr>
-          <a:lstStyle/>
-          <a:p>
-            <a:r>
-              <a:rPr lang="en-US" dirty="0" err="1" smtClean="0"/>
-              <a:t>Lặp</a:t>
-            </a:r>
-            <a:r>
-              <a:rPr lang="en-US" dirty="0" smtClean="0"/>
-              <a:t> qua </a:t>
-            </a:r>
-            <a:r>
-              <a:rPr lang="en-US" dirty="0" err="1" smtClean="0"/>
-              <a:t>một</a:t>
-            </a:r>
-            <a:r>
-              <a:rPr lang="en-US" dirty="0" smtClean="0"/>
-              <a:t> string</a:t>
-            </a:r>
-            <a:endParaRPr lang="en-US" b="1" dirty="0"/>
-          </a:p>
-        </p:txBody>
-      </p:sp>
-      <p:sp>
-        <p:nvSpPr>
-          <p:cNvPr id="16" name="TextBox 15"/>
-          <p:cNvSpPr txBox="1"/>
-          <p:nvPr/>
-        </p:nvSpPr>
-        <p:spPr>
-          <a:xfrm>
-            <a:off x="423468" y="3557818"/>
-            <a:ext cx="8333421" cy="369332"/>
-          </a:xfrm>
-          <a:prstGeom prst="rect">
-            <a:avLst/>
-          </a:prstGeom>
-          <a:noFill/>
-        </p:spPr>
-        <p:txBody>
-          <a:bodyPr wrap="square" rtlCol="0">
-            <a:spAutoFit/>
-          </a:bodyPr>
-          <a:lstStyle/>
-          <a:p>
-            <a:r>
-              <a:rPr lang="en-US" dirty="0" err="1" smtClean="0"/>
-              <a:t>Vòng</a:t>
-            </a:r>
-            <a:r>
-              <a:rPr lang="en-US" dirty="0" smtClean="0"/>
-              <a:t> </a:t>
-            </a:r>
-            <a:r>
-              <a:rPr lang="en-US" dirty="0" err="1" smtClean="0"/>
-              <a:t>lặp</a:t>
-            </a:r>
-            <a:r>
-              <a:rPr lang="en-US" dirty="0" smtClean="0"/>
-              <a:t> </a:t>
-            </a:r>
-            <a:r>
-              <a:rPr lang="en-US" dirty="0" err="1" smtClean="0"/>
-              <a:t>với</a:t>
-            </a:r>
-            <a:r>
-              <a:rPr lang="en-US" dirty="0" smtClean="0"/>
-              <a:t> </a:t>
-            </a:r>
-            <a:r>
-              <a:rPr lang="en-US" dirty="0" err="1" smtClean="0"/>
-              <a:t>câu</a:t>
-            </a:r>
-            <a:r>
-              <a:rPr lang="en-US" dirty="0" smtClean="0"/>
-              <a:t> </a:t>
-            </a:r>
-            <a:r>
-              <a:rPr lang="en-US" dirty="0" err="1" smtClean="0"/>
-              <a:t>lệnh</a:t>
-            </a:r>
-            <a:r>
-              <a:rPr lang="en-US" dirty="0" smtClean="0"/>
-              <a:t> </a:t>
-            </a:r>
-            <a:r>
-              <a:rPr lang="en-US" b="1" dirty="0"/>
-              <a:t>break </a:t>
-            </a:r>
-            <a:r>
-              <a:rPr lang="en-US" dirty="0" err="1"/>
-              <a:t>và</a:t>
-            </a:r>
-            <a:r>
-              <a:rPr lang="en-US" b="1" dirty="0"/>
-              <a:t> </a:t>
-            </a:r>
-            <a:r>
-              <a:rPr lang="en-US" b="1" dirty="0" smtClean="0"/>
-              <a:t>continue</a:t>
-            </a:r>
-            <a:r>
-              <a:rPr lang="en-US" dirty="0" smtClean="0"/>
-              <a:t>  </a:t>
-            </a:r>
-            <a:endParaRPr lang="en-US" b="1" dirty="0"/>
-          </a:p>
-        </p:txBody>
-      </p:sp>
-      <p:sp>
-        <p:nvSpPr>
-          <p:cNvPr id="17" name="Rectangle 16"/>
-          <p:cNvSpPr/>
-          <p:nvPr/>
-        </p:nvSpPr>
-        <p:spPr>
-          <a:xfrm>
-            <a:off x="548982" y="4093237"/>
-            <a:ext cx="4333928" cy="2328828"/>
-          </a:xfrm>
-          <a:prstGeom prst="rect">
-            <a:avLst/>
-          </a:prstGeom>
-          <a:solidFill>
-            <a:schemeClr val="tx1">
-              <a:lumMod val="85000"/>
-              <a:lumOff val="15000"/>
-            </a:schemeClr>
-          </a:solidFill>
-          <a:ln>
-            <a:noFill/>
-          </a:ln>
-        </p:spPr>
-        <p:style>
-          <a:lnRef idx="2">
-            <a:schemeClr val="accent1">
-              <a:shade val="50000"/>
-            </a:schemeClr>
-          </a:lnRef>
-          <a:fillRef idx="1">
-            <a:schemeClr val="accent1"/>
-          </a:fillRef>
-          <a:effectRef idx="0">
-            <a:schemeClr val="accent1"/>
-          </a:effectRef>
-          <a:fontRef idx="minor">
-            <a:schemeClr val="lt1"/>
-          </a:fontRef>
-        </p:style>
-        <p:txBody>
-          <a:bodyPr rtlCol="0" anchor="ctr"/>
-          <a:lstStyle/>
-          <a:p>
-            <a:pPr algn="ctr"/>
-            <a:endParaRPr lang="en-US"/>
-          </a:p>
-        </p:txBody>
-      </p:sp>
-      <p:sp>
-        <p:nvSpPr>
-          <p:cNvPr id="19" name="TextBox 18"/>
-          <p:cNvSpPr txBox="1"/>
-          <p:nvPr/>
-        </p:nvSpPr>
-        <p:spPr>
-          <a:xfrm>
-            <a:off x="749166" y="4243874"/>
-            <a:ext cx="3933560" cy="2031325"/>
-          </a:xfrm>
-          <a:prstGeom prst="rect">
-            <a:avLst/>
-          </a:prstGeom>
-          <a:noFill/>
-        </p:spPr>
-        <p:txBody>
-          <a:bodyPr wrap="square" rtlCol="0">
-            <a:spAutoFit/>
-          </a:bodyPr>
-          <a:lstStyle/>
-          <a:p>
-            <a:r>
-              <a:rPr lang="en-US" dirty="0">
-                <a:solidFill>
-                  <a:schemeClr val="bg1"/>
-                </a:solidFill>
-              </a:rPr>
-              <a:t>fruits </a:t>
-            </a:r>
-            <a:r>
-              <a:rPr lang="en-US" dirty="0">
-                <a:solidFill>
-                  <a:schemeClr val="accent2">
-                    <a:lumMod val="75000"/>
-                  </a:schemeClr>
-                </a:solidFill>
-              </a:rPr>
-              <a:t>= </a:t>
-            </a:r>
-            <a:r>
-              <a:rPr lang="en-US" dirty="0">
-                <a:solidFill>
-                  <a:srgbClr val="FFC000"/>
-                </a:solidFill>
-              </a:rPr>
-              <a:t>[</a:t>
-            </a:r>
-            <a:r>
-              <a:rPr lang="en-US" dirty="0">
-                <a:solidFill>
-                  <a:schemeClr val="accent2">
-                    <a:lumMod val="75000"/>
-                  </a:schemeClr>
-                </a:solidFill>
-              </a:rPr>
-              <a:t>"apple"</a:t>
-            </a:r>
-            <a:r>
-              <a:rPr lang="en-US" dirty="0">
-                <a:solidFill>
-                  <a:schemeClr val="bg1"/>
-                </a:solidFill>
-              </a:rPr>
-              <a:t>,</a:t>
-            </a:r>
-            <a:r>
-              <a:rPr lang="en-US" dirty="0">
-                <a:solidFill>
-                  <a:schemeClr val="accent2">
-                    <a:lumMod val="75000"/>
-                  </a:schemeClr>
-                </a:solidFill>
-              </a:rPr>
-              <a:t> "banana"</a:t>
-            </a:r>
-            <a:r>
-              <a:rPr lang="en-US" dirty="0">
-                <a:solidFill>
-                  <a:schemeClr val="bg1"/>
-                </a:solidFill>
-              </a:rPr>
-              <a:t>,</a:t>
-            </a:r>
-            <a:r>
-              <a:rPr lang="en-US" dirty="0">
-                <a:solidFill>
-                  <a:schemeClr val="accent2">
-                    <a:lumMod val="75000"/>
-                  </a:schemeClr>
-                </a:solidFill>
-              </a:rPr>
-              <a:t> "orange"</a:t>
-            </a:r>
-            <a:r>
-              <a:rPr lang="en-US" dirty="0">
-                <a:solidFill>
-                  <a:srgbClr val="FFC000"/>
-                </a:solidFill>
-              </a:rPr>
-              <a:t>]</a:t>
-            </a:r>
-            <a:r>
-              <a:rPr lang="en-US" dirty="0">
-                <a:solidFill>
-                  <a:schemeClr val="accent2">
-                    <a:lumMod val="75000"/>
-                  </a:schemeClr>
-                </a:solidFill>
-              </a:rPr>
-              <a:t> </a:t>
             </a:r>
             <a:endParaRPr lang="en-US" dirty="0" smtClean="0">
               <a:solidFill>
-                <a:schemeClr val="accent2">
-                  <a:lumMod val="75000"/>
+                <a:schemeClr val="accent4">
+                  <a:lumMod val="60000"/>
+                  <a:lumOff val="40000"/>
                 </a:schemeClr>
               </a:solidFill>
             </a:endParaRPr>
-          </a:p>
-          <a:p>
-            <a:r>
-              <a:rPr lang="en-US" dirty="0" smtClean="0">
-                <a:solidFill>
-                  <a:srgbClr val="00B0F0"/>
-                </a:solidFill>
-              </a:rPr>
-              <a:t>for</a:t>
-            </a:r>
-            <a:r>
-              <a:rPr lang="en-US" dirty="0" smtClean="0">
-                <a:solidFill>
-                  <a:schemeClr val="bg1"/>
-                </a:solidFill>
-              </a:rPr>
-              <a:t> </a:t>
-            </a:r>
-            <a:r>
-              <a:rPr lang="en-US" dirty="0">
-                <a:solidFill>
-                  <a:schemeClr val="bg1"/>
-                </a:solidFill>
-              </a:rPr>
-              <a:t>fruit </a:t>
-            </a:r>
-            <a:r>
-              <a:rPr lang="en-US" dirty="0">
-                <a:solidFill>
-                  <a:srgbClr val="00B0F0"/>
-                </a:solidFill>
-              </a:rPr>
-              <a:t>in</a:t>
-            </a:r>
-            <a:r>
-              <a:rPr lang="en-US" dirty="0">
-                <a:solidFill>
-                  <a:schemeClr val="bg1"/>
-                </a:solidFill>
-              </a:rPr>
-              <a:t> fruits</a:t>
-            </a:r>
-            <a:r>
-              <a:rPr lang="en-US" dirty="0" smtClean="0">
-                <a:solidFill>
-                  <a:schemeClr val="bg1"/>
-                </a:solidFill>
-              </a:rPr>
-              <a:t>:</a:t>
-            </a:r>
-          </a:p>
-          <a:p>
-            <a:r>
-              <a:rPr lang="en-US" dirty="0" smtClean="0">
-                <a:solidFill>
-                  <a:schemeClr val="bg1"/>
-                </a:solidFill>
-              </a:rPr>
-              <a:t>      </a:t>
-            </a:r>
-            <a:r>
-              <a:rPr lang="en-US" dirty="0" smtClean="0">
-                <a:solidFill>
-                  <a:srgbClr val="00B0F0"/>
-                </a:solidFill>
-              </a:rPr>
-              <a:t>if</a:t>
-            </a:r>
-            <a:r>
-              <a:rPr lang="en-US" dirty="0" smtClean="0">
-                <a:solidFill>
-                  <a:schemeClr val="bg1"/>
-                </a:solidFill>
-              </a:rPr>
-              <a:t> </a:t>
-            </a:r>
-            <a:r>
-              <a:rPr lang="en-US" dirty="0">
-                <a:solidFill>
-                  <a:schemeClr val="bg1"/>
-                </a:solidFill>
-              </a:rPr>
-              <a:t>fruit == </a:t>
-            </a:r>
-            <a:r>
-              <a:rPr lang="en-US" dirty="0">
-                <a:solidFill>
-                  <a:schemeClr val="accent2">
-                    <a:lumMod val="75000"/>
-                  </a:schemeClr>
-                </a:solidFill>
-              </a:rPr>
-              <a:t>"banana</a:t>
-            </a:r>
-            <a:r>
-              <a:rPr lang="en-US" dirty="0" smtClean="0">
-                <a:solidFill>
-                  <a:schemeClr val="accent2">
-                    <a:lumMod val="75000"/>
-                  </a:schemeClr>
-                </a:solidFill>
-              </a:rPr>
-              <a:t>"</a:t>
-            </a:r>
-            <a:r>
-              <a:rPr lang="en-US" dirty="0" smtClean="0">
-                <a:solidFill>
-                  <a:schemeClr val="bg1"/>
-                </a:solidFill>
-              </a:rPr>
-              <a:t>:</a:t>
-            </a:r>
-          </a:p>
-          <a:p>
-            <a:r>
-              <a:rPr lang="en-US" dirty="0">
-                <a:solidFill>
-                  <a:schemeClr val="bg1"/>
-                </a:solidFill>
-              </a:rPr>
-              <a:t> </a:t>
-            </a:r>
-            <a:r>
-              <a:rPr lang="en-US" dirty="0" smtClean="0">
-                <a:solidFill>
-                  <a:schemeClr val="bg1"/>
-                </a:solidFill>
-              </a:rPr>
-              <a:t>            </a:t>
-            </a:r>
-            <a:r>
-              <a:rPr lang="en-US" dirty="0" smtClean="0">
-                <a:solidFill>
-                  <a:srgbClr val="00B0F0"/>
-                </a:solidFill>
-              </a:rPr>
-              <a:t>continue</a:t>
-            </a:r>
-            <a:r>
-              <a:rPr lang="en-US" dirty="0" smtClean="0">
-                <a:solidFill>
-                  <a:schemeClr val="bg1"/>
-                </a:solidFill>
-              </a:rPr>
-              <a:t> </a:t>
-            </a:r>
-          </a:p>
-          <a:p>
-            <a:r>
-              <a:rPr lang="en-US" dirty="0">
-                <a:solidFill>
-                  <a:schemeClr val="bg1"/>
-                </a:solidFill>
-              </a:rPr>
-              <a:t> </a:t>
-            </a:r>
-            <a:r>
-              <a:rPr lang="en-US" dirty="0" smtClean="0">
-                <a:solidFill>
-                  <a:schemeClr val="bg1"/>
-                </a:solidFill>
-              </a:rPr>
-              <a:t>     print(fruit</a:t>
-            </a:r>
-            <a:r>
-              <a:rPr lang="en-US" dirty="0">
-                <a:solidFill>
-                  <a:schemeClr val="bg1"/>
-                </a:solidFill>
-              </a:rPr>
-              <a:t>) </a:t>
-            </a:r>
-            <a:endParaRPr lang="en-US" dirty="0" smtClean="0">
-              <a:solidFill>
-                <a:schemeClr val="bg1"/>
-              </a:solidFill>
-            </a:endParaRPr>
-          </a:p>
-          <a:p>
-            <a:r>
-              <a:rPr lang="en-US" dirty="0">
-                <a:solidFill>
-                  <a:schemeClr val="bg1"/>
-                </a:solidFill>
-              </a:rPr>
-              <a:t> </a:t>
-            </a:r>
-            <a:r>
-              <a:rPr lang="en-US" dirty="0" smtClean="0">
-                <a:solidFill>
-                  <a:schemeClr val="bg1"/>
-                </a:solidFill>
-              </a:rPr>
-              <a:t>     </a:t>
-            </a:r>
-            <a:r>
-              <a:rPr lang="en-US" dirty="0" smtClean="0">
-                <a:solidFill>
-                  <a:srgbClr val="00B0F0"/>
-                </a:solidFill>
-              </a:rPr>
-              <a:t>if</a:t>
-            </a:r>
-            <a:r>
-              <a:rPr lang="en-US" dirty="0" smtClean="0">
-                <a:solidFill>
-                  <a:schemeClr val="bg1"/>
-                </a:solidFill>
-              </a:rPr>
-              <a:t> </a:t>
-            </a:r>
-            <a:r>
-              <a:rPr lang="en-US" dirty="0">
-                <a:solidFill>
-                  <a:schemeClr val="bg1"/>
-                </a:solidFill>
-              </a:rPr>
-              <a:t>fruit == </a:t>
-            </a:r>
-            <a:r>
-              <a:rPr lang="en-US" dirty="0">
-                <a:solidFill>
-                  <a:schemeClr val="accent2">
-                    <a:lumMod val="75000"/>
-                  </a:schemeClr>
-                </a:solidFill>
-              </a:rPr>
-              <a:t>"orange</a:t>
-            </a:r>
-            <a:r>
-              <a:rPr lang="en-US" dirty="0" smtClean="0">
-                <a:solidFill>
-                  <a:schemeClr val="accent2">
-                    <a:lumMod val="75000"/>
-                  </a:schemeClr>
-                </a:solidFill>
-              </a:rPr>
-              <a:t>"</a:t>
-            </a:r>
-            <a:r>
-              <a:rPr lang="en-US" dirty="0" smtClean="0">
-                <a:solidFill>
-                  <a:schemeClr val="bg1"/>
-                </a:solidFill>
-              </a:rPr>
-              <a:t>:</a:t>
-            </a:r>
-          </a:p>
-          <a:p>
-            <a:r>
-              <a:rPr lang="en-US" dirty="0">
-                <a:solidFill>
-                  <a:schemeClr val="bg1"/>
-                </a:solidFill>
-              </a:rPr>
-              <a:t> </a:t>
-            </a:r>
-            <a:r>
-              <a:rPr lang="en-US" dirty="0" smtClean="0">
-                <a:solidFill>
-                  <a:schemeClr val="bg1"/>
-                </a:solidFill>
-              </a:rPr>
-              <a:t>            </a:t>
-            </a:r>
-            <a:r>
-              <a:rPr lang="en-US" dirty="0">
-                <a:solidFill>
-                  <a:srgbClr val="00B0F0"/>
-                </a:solidFill>
-              </a:rPr>
-              <a:t>break</a:t>
-            </a:r>
-            <a:endParaRPr lang="en-US" dirty="0" smtClean="0">
-              <a:solidFill>
-                <a:srgbClr val="00B0F0"/>
-              </a:solidFill>
-            </a:endParaRPr>
-          </a:p>
-        </p:txBody>
-      </p:sp>
-      <p:sp>
-        <p:nvSpPr>
-          <p:cNvPr id="20" name="TextBox 19"/>
-          <p:cNvSpPr txBox="1"/>
-          <p:nvPr/>
-        </p:nvSpPr>
-        <p:spPr>
-          <a:xfrm>
-            <a:off x="5059263" y="4142609"/>
-            <a:ext cx="3436151" cy="2308324"/>
-          </a:xfrm>
-          <a:prstGeom prst="rect">
-            <a:avLst/>
-          </a:prstGeom>
-          <a:noFill/>
-        </p:spPr>
-        <p:txBody>
-          <a:bodyPr wrap="square" rtlCol="0">
-            <a:spAutoFit/>
-          </a:bodyPr>
-          <a:lstStyle/>
-          <a:p>
-            <a:r>
-              <a:rPr lang="vi-VN" sz="1600" dirty="0"/>
-              <a:t>Trong ví dụ trên, khi gặp phần tử có giá trị là "banana", câu lệnh "continue" sẽ được thực thi, bỏ qua các câu lệnh phía dưới và chuyển đến phần tử tiếp theo trong vòng lặp. Khi gặp phần tử có giá trị là "orange", câu lệnh "break" được thực thi, thoát khỏi vòng lặp ngay lập tức.</a:t>
-            </a:r>
-            <a:endParaRPr lang="en-US" sz="1600" b="1" dirty="0"/>
           </a:p>
         </p:txBody>
       </p:sp>
     </p:spTree>
     <p:extLst>
       <p:ext uri="{BB962C8B-B14F-4D97-AF65-F5344CB8AC3E}">
-        <p14:creationId xmlns:p14="http://schemas.microsoft.com/office/powerpoint/2010/main" val="2356822806"/>
+        <p14:creationId xmlns:p14="http://schemas.microsoft.com/office/powerpoint/2010/main" val="3019339204"/>
       </p:ext>
     </p:extLst>
   </p:cSld>
@@ -13064,7 +13556,7 @@
           <a:p>
             <a:r>
               <a:rPr lang="en-US" b="1" dirty="0" err="1" smtClean="0"/>
-              <a:t>Vòng</a:t>
+              <a:t>Câu</a:t>
             </a:r>
             <a:r>
               <a:rPr lang="en-US" b="1" dirty="0" smtClean="0"/>
@@ -13072,26 +13564,541 @@
             </a:r>
             <a:r>
               <a:rPr lang="en-US" b="1" dirty="0" err="1" smtClean="0"/>
-              <a:t>lặp</a:t>
+              <a:t>lệnh</a:t>
             </a:r>
             <a:r>
               <a:rPr lang="en-US" b="1" dirty="0" smtClean="0"/>
-              <a:t> while</a:t>
+              <a:t> range() </a:t>
+            </a:r>
+            <a:r>
+              <a:rPr lang="en-US" b="1" dirty="0" err="1" smtClean="0"/>
+              <a:t>trong</a:t>
+            </a:r>
+            <a:r>
+              <a:rPr lang="en-US" b="1" dirty="0" smtClean="0"/>
+              <a:t> Python</a:t>
             </a:r>
             <a:endParaRPr lang="en-US" b="1" dirty="0"/>
           </a:p>
         </p:txBody>
       </p:sp>
+      <p:graphicFrame>
+        <p:nvGraphicFramePr>
+          <p:cNvPr id="9" name="Table 8"/>
+          <p:cNvGraphicFramePr>
+            <a:graphicFrameLocks noGrp="1"/>
+          </p:cNvGraphicFramePr>
+          <p:nvPr>
+            <p:extLst>
+              <p:ext uri="{D42A27DB-BD31-4B8C-83A1-F6EECF244321}">
+                <p14:modId xmlns:p14="http://schemas.microsoft.com/office/powerpoint/2010/main" val="1360454173"/>
+              </p:ext>
+            </p:extLst>
+          </p:nvPr>
+        </p:nvGraphicFramePr>
+        <p:xfrm>
+          <a:off x="548981" y="2543180"/>
+          <a:ext cx="7935800" cy="2225040"/>
+        </p:xfrm>
+        <a:graphic>
+          <a:graphicData uri="http://schemas.openxmlformats.org/drawingml/2006/table">
+            <a:tbl>
+              <a:tblPr firstRow="1" bandRow="1">
+                <a:tableStyleId>{5C22544A-7EE6-4342-B048-85BDC9FD1C3A}</a:tableStyleId>
+              </a:tblPr>
+              <a:tblGrid>
+                <a:gridCol w="1673224">
+                  <a:extLst>
+                    <a:ext uri="{9D8B030D-6E8A-4147-A177-3AD203B41FA5}">
+                      <a16:colId xmlns:a16="http://schemas.microsoft.com/office/drawing/2014/main" val="2830196168"/>
+                    </a:ext>
+                  </a:extLst>
+                </a:gridCol>
+                <a:gridCol w="6262576">
+                  <a:extLst>
+                    <a:ext uri="{9D8B030D-6E8A-4147-A177-3AD203B41FA5}">
+                      <a16:colId xmlns:a16="http://schemas.microsoft.com/office/drawing/2014/main" val="3141370565"/>
+                    </a:ext>
+                  </a:extLst>
+                </a:gridCol>
+              </a:tblGrid>
+              <a:tr h="370840">
+                <a:tc>
+                  <a:txBody>
+                    <a:bodyPr/>
+                    <a:lstStyle/>
+                    <a:p>
+                      <a:r>
+                        <a:rPr lang="en-US" dirty="0" err="1" smtClean="0"/>
+                        <a:t>Cú</a:t>
+                      </a:r>
+                      <a:r>
+                        <a:rPr lang="en-US" baseline="0" dirty="0" smtClean="0"/>
+                        <a:t> </a:t>
+                      </a:r>
+                      <a:r>
+                        <a:rPr lang="en-US" baseline="0" dirty="0" err="1" smtClean="0"/>
+                        <a:t>pháp</a:t>
+                      </a:r>
+                      <a:endParaRPr lang="en-US" dirty="0"/>
+                    </a:p>
+                  </a:txBody>
+                  <a:tcPr/>
+                </a:tc>
+                <a:tc>
+                  <a:txBody>
+                    <a:bodyPr/>
+                    <a:lstStyle/>
+                    <a:p>
+                      <a:r>
+                        <a:rPr lang="en-US" dirty="0" smtClean="0"/>
+                        <a:t>Ý</a:t>
+                      </a:r>
+                      <a:r>
+                        <a:rPr lang="en-US" baseline="0" dirty="0" smtClean="0"/>
+                        <a:t> </a:t>
+                      </a:r>
+                      <a:r>
+                        <a:rPr lang="en-US" baseline="0" dirty="0" err="1" smtClean="0"/>
+                        <a:t>nghĩa</a:t>
+                      </a:r>
+                      <a:endParaRPr lang="en-US" dirty="0"/>
+                    </a:p>
+                  </a:txBody>
+                  <a:tcPr/>
+                </a:tc>
+                <a:extLst>
+                  <a:ext uri="{0D108BD9-81ED-4DB2-BD59-A6C34878D82A}">
+                    <a16:rowId xmlns:a16="http://schemas.microsoft.com/office/drawing/2014/main" val="388731189"/>
+                  </a:ext>
+                </a:extLst>
+              </a:tr>
+              <a:tr h="370840">
+                <a:tc>
+                  <a:txBody>
+                    <a:bodyPr/>
+                    <a:lstStyle/>
+                    <a:p>
+                      <a:r>
+                        <a:rPr lang="en-US" dirty="0" smtClean="0"/>
+                        <a:t>range(0,n)</a:t>
+                      </a:r>
+                      <a:endParaRPr lang="en-US" dirty="0"/>
+                    </a:p>
+                  </a:txBody>
+                  <a:tcPr/>
+                </a:tc>
+                <a:tc>
+                  <a:txBody>
+                    <a:bodyPr/>
+                    <a:lstStyle/>
+                    <a:p>
+                      <a:r>
+                        <a:rPr lang="en-US" dirty="0" smtClean="0"/>
+                        <a:t>Cho </a:t>
+                      </a:r>
+                      <a:r>
+                        <a:rPr lang="en-US" dirty="0" err="1" smtClean="0"/>
+                        <a:t>ra</a:t>
+                      </a:r>
+                      <a:r>
+                        <a:rPr lang="en-US" dirty="0" smtClean="0"/>
+                        <a:t> </a:t>
+                      </a:r>
+                      <a:r>
+                        <a:rPr lang="en-US" baseline="0" dirty="0" err="1" smtClean="0"/>
+                        <a:t>dãy</a:t>
+                      </a:r>
+                      <a:r>
+                        <a:rPr lang="en-US" baseline="0" dirty="0" smtClean="0"/>
+                        <a:t> </a:t>
+                      </a:r>
+                      <a:r>
+                        <a:rPr lang="en-US" baseline="0" dirty="0" err="1" smtClean="0"/>
+                        <a:t>số</a:t>
+                      </a:r>
+                      <a:r>
+                        <a:rPr lang="en-US" baseline="0" dirty="0" smtClean="0"/>
+                        <a:t> </a:t>
+                      </a:r>
+                      <a:r>
+                        <a:rPr lang="en-US" baseline="0" dirty="0" err="1" smtClean="0"/>
+                        <a:t>từ</a:t>
+                      </a:r>
+                      <a:r>
+                        <a:rPr lang="en-US" baseline="0" dirty="0" smtClean="0"/>
+                        <a:t> 0,1…n-1</a:t>
+                      </a:r>
+                      <a:endParaRPr lang="en-US" dirty="0"/>
+                    </a:p>
+                  </a:txBody>
+                  <a:tcPr/>
+                </a:tc>
+                <a:extLst>
+                  <a:ext uri="{0D108BD9-81ED-4DB2-BD59-A6C34878D82A}">
+                    <a16:rowId xmlns:a16="http://schemas.microsoft.com/office/drawing/2014/main" val="2696689625"/>
+                  </a:ext>
+                </a:extLst>
+              </a:tr>
+              <a:tr h="370840">
+                <a:tc>
+                  <a:txBody>
+                    <a:bodyPr/>
+                    <a:lstStyle/>
+                    <a:p>
+                      <a:pPr marL="0" marR="0" indent="0" algn="l" defTabSz="914400" rtl="0" eaLnBrk="1" fontAlgn="auto" latinLnBrk="0" hangingPunct="1">
+                        <a:lnSpc>
+                          <a:spcPct val="100000"/>
+                        </a:lnSpc>
+                        <a:spcBef>
+                          <a:spcPts val="0"/>
+                        </a:spcBef>
+                        <a:spcAft>
+                          <a:spcPts val="0"/>
+                        </a:spcAft>
+                        <a:buClrTx/>
+                        <a:buSzTx/>
+                        <a:buFontTx/>
+                        <a:buNone/>
+                        <a:tabLst/>
+                        <a:defRPr/>
+                      </a:pPr>
+                      <a:r>
+                        <a:rPr lang="en-US" dirty="0" smtClean="0"/>
+                        <a:t>range(1,n,2)</a:t>
+                      </a:r>
+                    </a:p>
+                  </a:txBody>
+                  <a:tcPr/>
+                </a:tc>
+                <a:tc>
+                  <a:txBody>
+                    <a:bodyPr/>
+                    <a:lstStyle/>
+                    <a:p>
+                      <a:pPr marL="0" marR="0" indent="0" algn="l" defTabSz="914400" rtl="0" eaLnBrk="1" fontAlgn="auto" latinLnBrk="0" hangingPunct="1">
+                        <a:lnSpc>
+                          <a:spcPct val="100000"/>
+                        </a:lnSpc>
+                        <a:spcBef>
+                          <a:spcPts val="0"/>
+                        </a:spcBef>
+                        <a:spcAft>
+                          <a:spcPts val="0"/>
+                        </a:spcAft>
+                        <a:buClrTx/>
+                        <a:buSzTx/>
+                        <a:buFontTx/>
+                        <a:buNone/>
+                        <a:tabLst/>
+                        <a:defRPr/>
+                      </a:pPr>
+                      <a:r>
+                        <a:rPr lang="en-US" dirty="0" smtClean="0"/>
+                        <a:t>Cho </a:t>
+                      </a:r>
+                      <a:r>
+                        <a:rPr lang="en-US" dirty="0" err="1" smtClean="0"/>
+                        <a:t>ra</a:t>
+                      </a:r>
+                      <a:r>
+                        <a:rPr lang="en-US" dirty="0" smtClean="0"/>
+                        <a:t> </a:t>
+                      </a:r>
+                      <a:r>
+                        <a:rPr lang="en-US" baseline="0" dirty="0" err="1" smtClean="0"/>
+                        <a:t>dãy</a:t>
+                      </a:r>
+                      <a:r>
+                        <a:rPr lang="en-US" baseline="0" dirty="0" smtClean="0"/>
+                        <a:t> </a:t>
+                      </a:r>
+                      <a:r>
+                        <a:rPr lang="en-US" baseline="0" dirty="0" err="1" smtClean="0"/>
+                        <a:t>số</a:t>
+                      </a:r>
+                      <a:r>
+                        <a:rPr lang="en-US" baseline="0" dirty="0" smtClean="0"/>
+                        <a:t> </a:t>
+                      </a:r>
+                      <a:r>
+                        <a:rPr lang="en-US" baseline="0" dirty="0" err="1" smtClean="0"/>
+                        <a:t>từ</a:t>
+                      </a:r>
+                      <a:r>
+                        <a:rPr lang="en-US" baseline="0" dirty="0" smtClean="0"/>
+                        <a:t> 0,3,5,7…n-1 (</a:t>
+                      </a:r>
+                      <a:r>
+                        <a:rPr lang="en-US" baseline="0" dirty="0" err="1" smtClean="0"/>
+                        <a:t>tăng</a:t>
+                      </a:r>
+                      <a:r>
+                        <a:rPr lang="en-US" baseline="0" dirty="0" smtClean="0"/>
+                        <a:t> </a:t>
+                      </a:r>
+                      <a:r>
+                        <a:rPr lang="en-US" baseline="0" dirty="0" err="1" smtClean="0"/>
+                        <a:t>dần</a:t>
+                      </a:r>
+                      <a:r>
+                        <a:rPr lang="en-US" baseline="0" dirty="0" smtClean="0"/>
+                        <a:t> 2 </a:t>
+                      </a:r>
+                      <a:r>
+                        <a:rPr lang="en-US" baseline="0" dirty="0" err="1" smtClean="0"/>
+                        <a:t>đơn</a:t>
+                      </a:r>
+                      <a:r>
+                        <a:rPr lang="en-US" baseline="0" dirty="0" smtClean="0"/>
+                        <a:t> </a:t>
+                      </a:r>
+                      <a:r>
+                        <a:rPr lang="en-US" baseline="0" dirty="0" err="1" smtClean="0"/>
+                        <a:t>vị</a:t>
+                      </a:r>
+                      <a:r>
+                        <a:rPr lang="en-US" baseline="0" dirty="0" smtClean="0"/>
+                        <a:t>)</a:t>
+                      </a:r>
+                      <a:endParaRPr lang="en-US" dirty="0" smtClean="0"/>
+                    </a:p>
+                  </a:txBody>
+                  <a:tcPr/>
+                </a:tc>
+                <a:extLst>
+                  <a:ext uri="{0D108BD9-81ED-4DB2-BD59-A6C34878D82A}">
+                    <a16:rowId xmlns:a16="http://schemas.microsoft.com/office/drawing/2014/main" val="1669279853"/>
+                  </a:ext>
+                </a:extLst>
+              </a:tr>
+              <a:tr h="370840">
+                <a:tc>
+                  <a:txBody>
+                    <a:bodyPr/>
+                    <a:lstStyle/>
+                    <a:p>
+                      <a:r>
+                        <a:rPr lang="en-US" dirty="0" smtClean="0"/>
+                        <a:t>range(n)</a:t>
+                      </a:r>
+                      <a:endParaRPr lang="en-US" dirty="0"/>
+                    </a:p>
+                  </a:txBody>
+                  <a:tcPr/>
+                </a:tc>
+                <a:tc>
+                  <a:txBody>
+                    <a:bodyPr/>
+                    <a:lstStyle/>
+                    <a:p>
+                      <a:r>
+                        <a:rPr lang="en-US" dirty="0" smtClean="0"/>
+                        <a:t>Cho </a:t>
+                      </a:r>
+                      <a:r>
+                        <a:rPr lang="en-US" dirty="0" err="1" smtClean="0"/>
+                        <a:t>ra</a:t>
+                      </a:r>
+                      <a:r>
+                        <a:rPr lang="en-US" dirty="0" smtClean="0"/>
+                        <a:t> </a:t>
+                      </a:r>
+                      <a:r>
+                        <a:rPr lang="en-US" baseline="0" dirty="0" err="1" smtClean="0"/>
+                        <a:t>dãy</a:t>
+                      </a:r>
+                      <a:r>
+                        <a:rPr lang="en-US" baseline="0" dirty="0" smtClean="0"/>
+                        <a:t> </a:t>
+                      </a:r>
+                      <a:r>
+                        <a:rPr lang="en-US" baseline="0" dirty="0" err="1" smtClean="0"/>
+                        <a:t>số</a:t>
+                      </a:r>
+                      <a:r>
+                        <a:rPr lang="en-US" baseline="0" dirty="0" smtClean="0"/>
+                        <a:t> </a:t>
+                      </a:r>
+                      <a:r>
+                        <a:rPr lang="en-US" baseline="0" dirty="0" err="1" smtClean="0"/>
+                        <a:t>từ</a:t>
+                      </a:r>
+                      <a:r>
+                        <a:rPr lang="en-US" baseline="0" dirty="0" smtClean="0"/>
+                        <a:t> 0,1…n-1 (</a:t>
+                      </a:r>
+                      <a:r>
+                        <a:rPr lang="en-US" baseline="0" dirty="0" err="1" smtClean="0"/>
+                        <a:t>lúc</a:t>
+                      </a:r>
+                      <a:r>
+                        <a:rPr lang="en-US" baseline="0" dirty="0" smtClean="0"/>
+                        <a:t> </a:t>
+                      </a:r>
+                      <a:r>
+                        <a:rPr lang="en-US" baseline="0" dirty="0" err="1" smtClean="0"/>
+                        <a:t>này</a:t>
+                      </a:r>
+                      <a:r>
+                        <a:rPr lang="en-US" baseline="0" dirty="0" smtClean="0"/>
+                        <a:t> n </a:t>
+                      </a:r>
+                      <a:r>
+                        <a:rPr lang="en-US" baseline="0" dirty="0" err="1" smtClean="0"/>
+                        <a:t>là</a:t>
+                      </a:r>
+                      <a:r>
+                        <a:rPr lang="en-US" baseline="0" dirty="0" smtClean="0"/>
+                        <a:t> stop, start </a:t>
+                      </a:r>
+                      <a:r>
+                        <a:rPr lang="en-US" baseline="0" dirty="0" err="1" smtClean="0"/>
+                        <a:t>là</a:t>
+                      </a:r>
+                      <a:r>
+                        <a:rPr lang="en-US" baseline="0" dirty="0" smtClean="0"/>
+                        <a:t> 0)</a:t>
+                      </a:r>
+                      <a:endParaRPr lang="en-US" dirty="0"/>
+                    </a:p>
+                  </a:txBody>
+                  <a:tcPr/>
+                </a:tc>
+                <a:extLst>
+                  <a:ext uri="{0D108BD9-81ED-4DB2-BD59-A6C34878D82A}">
+                    <a16:rowId xmlns:a16="http://schemas.microsoft.com/office/drawing/2014/main" val="1828796151"/>
+                  </a:ext>
+                </a:extLst>
+              </a:tr>
+              <a:tr h="370840">
+                <a:tc>
+                  <a:txBody>
+                    <a:bodyPr/>
+                    <a:lstStyle/>
+                    <a:p>
+                      <a:r>
+                        <a:rPr lang="en-US" dirty="0" err="1" smtClean="0"/>
+                        <a:t>rangle</a:t>
+                      </a:r>
+                      <a:r>
+                        <a:rPr lang="en-US" dirty="0" smtClean="0"/>
+                        <a:t>(n,0,-1)</a:t>
+                      </a:r>
+                      <a:endParaRPr lang="en-US" dirty="0"/>
+                    </a:p>
+                  </a:txBody>
+                  <a:tcPr/>
+                </a:tc>
+                <a:tc>
+                  <a:txBody>
+                    <a:bodyPr/>
+                    <a:lstStyle/>
+                    <a:p>
+                      <a:r>
+                        <a:rPr lang="en-US" dirty="0" smtClean="0"/>
+                        <a:t>Cho </a:t>
+                      </a:r>
+                      <a:r>
+                        <a:rPr lang="en-US" dirty="0" err="1" smtClean="0"/>
+                        <a:t>ra</a:t>
+                      </a:r>
+                      <a:r>
+                        <a:rPr lang="en-US" baseline="0" dirty="0" smtClean="0"/>
+                        <a:t> </a:t>
+                      </a:r>
+                      <a:r>
+                        <a:rPr lang="en-US" baseline="0" dirty="0" err="1" smtClean="0"/>
+                        <a:t>dãy</a:t>
+                      </a:r>
+                      <a:r>
+                        <a:rPr lang="en-US" baseline="0" dirty="0" smtClean="0"/>
+                        <a:t> </a:t>
+                      </a:r>
+                      <a:r>
+                        <a:rPr lang="en-US" baseline="0" dirty="0" err="1" smtClean="0"/>
+                        <a:t>số</a:t>
+                      </a:r>
+                      <a:r>
+                        <a:rPr lang="en-US" baseline="0" dirty="0" smtClean="0"/>
+                        <a:t> n, n-1…1( </a:t>
+                      </a:r>
+                      <a:r>
+                        <a:rPr lang="en-US" baseline="0" dirty="0" err="1" smtClean="0"/>
+                        <a:t>chiều</a:t>
+                      </a:r>
+                      <a:r>
+                        <a:rPr lang="en-US" baseline="0" dirty="0" smtClean="0"/>
+                        <a:t> </a:t>
+                      </a:r>
+                      <a:r>
+                        <a:rPr lang="en-US" baseline="0" dirty="0" err="1" smtClean="0"/>
+                        <a:t>giảm</a:t>
+                      </a:r>
+                      <a:r>
+                        <a:rPr lang="en-US" baseline="0" dirty="0" smtClean="0"/>
+                        <a:t> </a:t>
+                      </a:r>
+                      <a:r>
+                        <a:rPr lang="en-US" baseline="0" dirty="0" err="1" smtClean="0"/>
+                        <a:t>dần</a:t>
+                      </a:r>
+                      <a:r>
+                        <a:rPr lang="en-US" baseline="0" dirty="0" smtClean="0"/>
+                        <a:t>)</a:t>
+                      </a:r>
+                      <a:endParaRPr lang="en-US" dirty="0"/>
+                    </a:p>
+                  </a:txBody>
+                  <a:tcPr/>
+                </a:tc>
+                <a:extLst>
+                  <a:ext uri="{0D108BD9-81ED-4DB2-BD59-A6C34878D82A}">
+                    <a16:rowId xmlns:a16="http://schemas.microsoft.com/office/drawing/2014/main" val="1036624392"/>
+                  </a:ext>
+                </a:extLst>
+              </a:tr>
+              <a:tr h="370840">
+                <a:tc>
+                  <a:txBody>
+                    <a:bodyPr/>
+                    <a:lstStyle/>
+                    <a:p>
+                      <a:endParaRPr lang="en-US"/>
+                    </a:p>
+                  </a:txBody>
+                  <a:tcPr/>
+                </a:tc>
+                <a:tc>
+                  <a:txBody>
+                    <a:bodyPr/>
+                    <a:lstStyle/>
+                    <a:p>
+                      <a:endParaRPr lang="en-US" dirty="0"/>
+                    </a:p>
+                  </a:txBody>
+                  <a:tcPr/>
+                </a:tc>
+                <a:extLst>
+                  <a:ext uri="{0D108BD9-81ED-4DB2-BD59-A6C34878D82A}">
+                    <a16:rowId xmlns:a16="http://schemas.microsoft.com/office/drawing/2014/main" val="3149161528"/>
+                  </a:ext>
+                </a:extLst>
+              </a:tr>
+            </a:tbl>
+          </a:graphicData>
+        </a:graphic>
+      </p:graphicFrame>
       <p:sp>
         <p:nvSpPr>
-          <p:cNvPr id="18" name="TextBox 17"/>
+          <p:cNvPr id="12" name="TextBox 11"/>
           <p:cNvSpPr txBox="1"/>
           <p:nvPr/>
         </p:nvSpPr>
         <p:spPr>
           <a:xfrm>
-            <a:off x="548981" y="1988742"/>
-            <a:ext cx="8207908" cy="646331"/>
+            <a:off x="548982" y="1961567"/>
+            <a:ext cx="7935800" cy="369332"/>
           </a:xfrm>
           <a:prstGeom prst="rect">
             <a:avLst/>
@@ -13105,16 +14112,80 @@
           <a:lstStyle/>
           <a:p>
             <a:r>
+              <a:rPr lang="en-US" dirty="0" err="1" smtClean="0"/>
+              <a:t>Một</a:t>
+            </a:r>
+            <a:r>
+              <a:rPr lang="en-US" dirty="0" smtClean="0"/>
+              <a:t> </a:t>
+            </a:r>
+            <a:r>
+              <a:rPr lang="en-US" dirty="0" err="1" smtClean="0"/>
+              <a:t>số</a:t>
+            </a:r>
+            <a:r>
+              <a:rPr lang="en-US" dirty="0" smtClean="0"/>
+              <a:t> </a:t>
+            </a:r>
+            <a:r>
+              <a:rPr lang="en-US" dirty="0" err="1" smtClean="0"/>
+              <a:t>trường</a:t>
+            </a:r>
+            <a:r>
+              <a:rPr lang="en-US" dirty="0" smtClean="0"/>
+              <a:t> </a:t>
+            </a:r>
+            <a:r>
+              <a:rPr lang="en-US" dirty="0" err="1" smtClean="0"/>
+              <a:t>hợp</a:t>
+            </a:r>
+            <a:r>
+              <a:rPr lang="en-US" dirty="0" smtClean="0"/>
+              <a:t> </a:t>
+            </a:r>
+            <a:r>
+              <a:rPr lang="en-US" dirty="0" err="1" smtClean="0"/>
+              <a:t>khi</a:t>
+            </a:r>
+            <a:r>
+              <a:rPr lang="en-US" dirty="0" smtClean="0"/>
+              <a:t> </a:t>
+            </a:r>
+            <a:r>
+              <a:rPr lang="en-US" dirty="0" err="1" smtClean="0"/>
+              <a:t>sử</a:t>
+            </a:r>
+            <a:r>
+              <a:rPr lang="en-US" dirty="0" smtClean="0"/>
+              <a:t> </a:t>
+            </a:r>
+            <a:r>
+              <a:rPr lang="en-US" dirty="0" err="1" smtClean="0"/>
+              <a:t>dụng</a:t>
+            </a:r>
+            <a:r>
+              <a:rPr lang="en-US" dirty="0" smtClean="0"/>
+              <a:t> </a:t>
+            </a:r>
+            <a:r>
+              <a:rPr lang="vi-VN" dirty="0" smtClean="0"/>
+              <a:t>Hàm </a:t>
+            </a:r>
+            <a:r>
+              <a:rPr lang="vi-VN" b="1" dirty="0"/>
+              <a:t>range() </a:t>
+            </a:r>
+            <a:r>
               <a:rPr lang="vi-VN" dirty="0"/>
-              <a:t>Vòng lặp "while" được sử dụng để lặp lại một khối mã miễn là điều kiện </a:t>
-            </a:r>
-            <a:r>
-              <a:rPr lang="vi-VN" b="1" dirty="0"/>
-              <a:t>đúng</a:t>
-            </a:r>
-            <a:r>
-              <a:rPr lang="vi-VN" dirty="0"/>
-              <a:t> (True). Cú pháp của vòng lặp "while" như sau:</a:t>
+              <a:t>trả về một dãy </a:t>
+            </a:r>
+            <a:r>
+              <a:rPr lang="vi-VN" dirty="0" smtClean="0"/>
+              <a:t>số</a:t>
+            </a:r>
+            <a:r>
+              <a:rPr lang="en-US" dirty="0" smtClean="0"/>
+              <a:t>:</a:t>
             </a:r>
             <a:endParaRPr lang="en-US" b="1" dirty="0"/>
           </a:p>
@@ -13122,14 +14193,14 @@
       </p:sp>
       <p:sp>
         <p:nvSpPr>
-          <p:cNvPr id="21" name="TextBox 20"/>
+          <p:cNvPr id="13" name="TextBox 12"/>
           <p:cNvSpPr txBox="1"/>
           <p:nvPr/>
         </p:nvSpPr>
         <p:spPr>
           <a:xfrm>
-            <a:off x="581918" y="2792133"/>
-            <a:ext cx="7988963" cy="830997"/>
+            <a:off x="548982" y="5140702"/>
+            <a:ext cx="7935800" cy="646331"/>
           </a:xfrm>
           <a:prstGeom prst="rect">
             <a:avLst/>
@@ -13142,586 +14213,134 @@
           </a:bodyPr>
           <a:lstStyle/>
           <a:p>
-            <a:r>
-              <a:rPr lang="en-US" sz="2400" b="1" dirty="0" smtClean="0"/>
-              <a:t>while </a:t>
-            </a:r>
-            <a:r>
-              <a:rPr lang="en-US" sz="2400" b="1" dirty="0" smtClean="0">
-                <a:solidFill>
-                  <a:schemeClr val="accent2">
-                    <a:lumMod val="75000"/>
-                  </a:schemeClr>
-                </a:solidFill>
-              </a:rPr>
-              <a:t>&lt;điều kiện kiểm tra&gt;</a:t>
-            </a:r>
-            <a:r>
-              <a:rPr lang="en-US" sz="2400" b="1" dirty="0" smtClean="0"/>
-              <a:t>:</a:t>
-            </a:r>
-            <a:endParaRPr lang="en-US" sz="2400" b="1" dirty="0" smtClean="0"/>
-          </a:p>
-          <a:p>
-            <a:r>
-              <a:rPr lang="en-US" sz="2400" b="1" dirty="0">
-                <a:solidFill>
-                  <a:srgbClr val="FF0000"/>
-                </a:solidFill>
-              </a:rPr>
-              <a:t> </a:t>
-            </a:r>
-            <a:r>
-              <a:rPr lang="en-US" sz="2400" b="1" dirty="0" smtClean="0">
-                <a:solidFill>
-                  <a:srgbClr val="FF0000"/>
-                </a:solidFill>
-              </a:rPr>
-              <a:t>   </a:t>
-            </a:r>
-            <a:r>
-              <a:rPr lang="en-US" sz="2400" b="1" dirty="0">
-                <a:solidFill>
-                  <a:schemeClr val="accent6">
-                    <a:lumMod val="50000"/>
-                  </a:schemeClr>
-                </a:solidFill>
-              </a:rPr>
-              <a:t># Các câu lệnh thực thi </a:t>
-            </a:r>
-            <a:r>
-              <a:rPr lang="en-US" sz="2400" b="1" dirty="0" smtClean="0">
-                <a:solidFill>
-                  <a:schemeClr val="accent6">
-                    <a:lumMod val="50000"/>
-                  </a:schemeClr>
-                </a:solidFill>
-              </a:rPr>
-              <a:t>khi điều kiện </a:t>
-            </a:r>
-            <a:r>
-              <a:rPr lang="en-US" sz="2400" b="1" dirty="0" smtClean="0">
-                <a:solidFill>
-                  <a:schemeClr val="accent6">
-                    <a:lumMod val="50000"/>
-                  </a:schemeClr>
-                </a:solidFill>
-              </a:rPr>
-              <a:t>đúng</a:t>
-            </a:r>
-            <a:endParaRPr lang="en-US" sz="2400" b="1" dirty="0">
-              <a:solidFill>
-                <a:schemeClr val="accent6">
-                  <a:lumMod val="50000"/>
-                </a:schemeClr>
-              </a:solidFill>
-            </a:endParaRPr>
-          </a:p>
-        </p:txBody>
-      </p:sp>
-      <p:sp>
-        <p:nvSpPr>
-          <p:cNvPr id="22" name="TextBox 21"/>
-          <p:cNvSpPr txBox="1"/>
-          <p:nvPr/>
-        </p:nvSpPr>
-        <p:spPr>
-          <a:xfrm>
-            <a:off x="548981" y="3884121"/>
-            <a:ext cx="8333421" cy="646331"/>
-          </a:xfrm>
-          <a:prstGeom prst="rect">
-            <a:avLst/>
-          </a:prstGeom>
-          <a:noFill/>
-        </p:spPr>
-        <p:txBody>
-          <a:bodyPr wrap="square" rtlCol="0">
-            <a:spAutoFit/>
-          </a:bodyPr>
-          <a:lstStyle/>
-          <a:p>
-            <a:r>
-              <a:rPr lang="en-US" b="1" dirty="0"/>
-              <a:t>"condition" </a:t>
-            </a:r>
-            <a:r>
-              <a:rPr lang="en-US" dirty="0" err="1"/>
-              <a:t>là</a:t>
-            </a:r>
-            <a:r>
-              <a:rPr lang="en-US" dirty="0"/>
-              <a:t> </a:t>
-            </a:r>
-            <a:r>
-              <a:rPr lang="en-US" dirty="0" err="1"/>
+            <a:pPr algn="ctr"/>
+            <a:r>
+              <a:rPr lang="en-US" dirty="0" err="1" smtClean="0"/>
+              <a:t>Chúng</a:t>
+            </a:r>
+            <a:r>
+              <a:rPr lang="en-US" dirty="0" smtClean="0"/>
+              <a:t> ta </a:t>
+            </a:r>
+            <a:r>
+              <a:rPr lang="en-US" dirty="0" err="1" smtClean="0"/>
+              <a:t>sẽ</a:t>
+            </a:r>
+            <a:r>
+              <a:rPr lang="en-US" dirty="0" smtClean="0"/>
+              <a:t> </a:t>
+            </a:r>
+            <a:r>
+              <a:rPr lang="en-US" dirty="0" err="1" smtClean="0"/>
+              <a:t>tìm</a:t>
+            </a:r>
+            <a:r>
+              <a:rPr lang="en-US" dirty="0" smtClean="0"/>
+              <a:t> </a:t>
+            </a:r>
+            <a:r>
+              <a:rPr lang="en-US" dirty="0" err="1" smtClean="0"/>
+              <a:t>hiểu</a:t>
+            </a:r>
+            <a:r>
+              <a:rPr lang="en-US" dirty="0" smtClean="0"/>
+              <a:t> range </a:t>
+            </a:r>
+            <a:r>
+              <a:rPr lang="en-US" dirty="0" err="1" smtClean="0"/>
+              <a:t>rõ</a:t>
+            </a:r>
+            <a:r>
+              <a:rPr lang="en-US" dirty="0" smtClean="0"/>
+              <a:t> </a:t>
+            </a:r>
+            <a:r>
+              <a:rPr lang="en-US" dirty="0" err="1" smtClean="0"/>
+              <a:t>hơn</a:t>
+            </a:r>
+            <a:r>
+              <a:rPr lang="en-US" dirty="0" smtClean="0"/>
+              <a:t> qua </a:t>
+            </a:r>
+            <a:r>
+              <a:rPr lang="en-US" dirty="0" err="1" smtClean="0"/>
               <a:t>một</a:t>
             </a:r>
             <a:r>
-              <a:rPr lang="en-US" dirty="0"/>
-              <a:t> </a:t>
-            </a:r>
-            <a:r>
-              <a:rPr lang="en-US" dirty="0" err="1"/>
-              <a:t>biểu</a:t>
-            </a:r>
-            <a:r>
-              <a:rPr lang="en-US" dirty="0"/>
-              <a:t> </a:t>
-            </a:r>
-            <a:r>
-              <a:rPr lang="en-US" dirty="0" err="1"/>
-              <a:t>thức</a:t>
-            </a:r>
-            <a:r>
-              <a:rPr lang="en-US" dirty="0"/>
-              <a:t> </a:t>
-            </a:r>
-            <a:r>
-              <a:rPr lang="en-US" dirty="0" err="1"/>
-              <a:t>hoặc</a:t>
-            </a:r>
-            <a:r>
-              <a:rPr lang="en-US" dirty="0"/>
-              <a:t> </a:t>
-            </a:r>
-            <a:r>
-              <a:rPr lang="en-US" dirty="0" err="1"/>
-              <a:t>một</a:t>
-            </a:r>
-            <a:r>
-              <a:rPr lang="en-US" dirty="0"/>
-              <a:t> </a:t>
-            </a:r>
-            <a:r>
-              <a:rPr lang="en-US" dirty="0" err="1"/>
-              <a:t>điều</a:t>
-            </a:r>
-            <a:r>
-              <a:rPr lang="en-US" dirty="0"/>
-              <a:t> </a:t>
-            </a:r>
-            <a:r>
-              <a:rPr lang="en-US" dirty="0" err="1"/>
-              <a:t>kiện</a:t>
-            </a:r>
-            <a:r>
-              <a:rPr lang="en-US" dirty="0"/>
-              <a:t> logic. </a:t>
-            </a:r>
-            <a:r>
-              <a:rPr lang="en-US" dirty="0" err="1"/>
-              <a:t>Vòng</a:t>
-            </a:r>
-            <a:r>
-              <a:rPr lang="en-US" dirty="0"/>
-              <a:t> </a:t>
-            </a:r>
-            <a:r>
-              <a:rPr lang="en-US" dirty="0" err="1"/>
+              <a:rPr lang="en-US" dirty="0" smtClean="0"/>
+              <a:t> </a:t>
+            </a:r>
+            <a:r>
+              <a:rPr lang="en-US" dirty="0" err="1" smtClean="0"/>
+              <a:t>vài</a:t>
+            </a:r>
+            <a:r>
+              <a:rPr lang="en-US" dirty="0" smtClean="0"/>
+              <a:t> </a:t>
+            </a:r>
+            <a:r>
+              <a:rPr lang="en-US" dirty="0" err="1" smtClean="0"/>
+              <a:t>ví</a:t>
+            </a:r>
+            <a:r>
+              <a:rPr lang="en-US" dirty="0" smtClean="0"/>
+              <a:t> </a:t>
+            </a:r>
+            <a:r>
+              <a:rPr lang="en-US" dirty="0" err="1" smtClean="0"/>
+              <a:t>dụ</a:t>
+            </a:r>
+            <a:r>
+              <a:rPr lang="en-US" dirty="0" smtClean="0"/>
+              <a:t> </a:t>
+            </a:r>
+            <a:r>
+              <a:rPr lang="en-US" dirty="0" err="1" smtClean="0"/>
+              <a:t>về</a:t>
+            </a:r>
+            <a:endParaRPr lang="en-US" dirty="0" smtClean="0"/>
+          </a:p>
+          <a:p>
+            <a:pPr algn="ctr"/>
+            <a:r>
+              <a:rPr lang="en-US" dirty="0" smtClean="0"/>
+              <a:t> </a:t>
+            </a:r>
+            <a:r>
+              <a:rPr lang="en-US" dirty="0" err="1" smtClean="0"/>
+              <a:t>vòng</a:t>
+            </a:r>
+            <a:r>
+              <a:rPr lang="en-US" dirty="0" smtClean="0"/>
+              <a:t> </a:t>
+            </a:r>
+            <a:r>
+              <a:rPr lang="en-US" dirty="0" err="1" smtClean="0"/>
               <a:t>lặp</a:t>
             </a:r>
             <a:r>
-              <a:rPr lang="en-US" dirty="0"/>
-              <a:t> </a:t>
-            </a:r>
-            <a:r>
-              <a:rPr lang="en-US" dirty="0" err="1"/>
-              <a:t>sẽ</a:t>
-            </a:r>
-            <a:r>
-              <a:rPr lang="en-US" dirty="0"/>
-              <a:t> </a:t>
-            </a:r>
-            <a:r>
-              <a:rPr lang="en-US" dirty="0" err="1"/>
-              <a:t>tiếp</a:t>
-            </a:r>
-            <a:r>
-              <a:rPr lang="en-US" dirty="0"/>
-              <a:t> </a:t>
-            </a:r>
-            <a:r>
-              <a:rPr lang="en-US" dirty="0" err="1"/>
-              <a:t>tục</a:t>
-            </a:r>
-            <a:r>
-              <a:rPr lang="en-US" dirty="0"/>
-              <a:t> </a:t>
-            </a:r>
-            <a:r>
-              <a:rPr lang="en-US" dirty="0" err="1"/>
-              <a:t>lặp</a:t>
-            </a:r>
-            <a:r>
-              <a:rPr lang="en-US" dirty="0"/>
-              <a:t> </a:t>
-            </a:r>
-            <a:r>
-              <a:rPr lang="en-US" dirty="0" err="1"/>
-              <a:t>lại</a:t>
-            </a:r>
-            <a:r>
-              <a:rPr lang="en-US" dirty="0"/>
-              <a:t> </a:t>
-            </a:r>
-            <a:r>
-              <a:rPr lang="en-US" dirty="0" err="1"/>
-              <a:t>cho</a:t>
-            </a:r>
-            <a:r>
-              <a:rPr lang="en-US" dirty="0"/>
-              <a:t> </a:t>
-            </a:r>
-            <a:r>
-              <a:rPr lang="en-US" dirty="0" err="1"/>
-              <a:t>đến</a:t>
-            </a:r>
-            <a:r>
-              <a:rPr lang="en-US" dirty="0"/>
-              <a:t> </a:t>
-            </a:r>
-            <a:r>
-              <a:rPr lang="en-US" dirty="0" err="1"/>
-              <a:t>khi</a:t>
-            </a:r>
-            <a:r>
-              <a:rPr lang="en-US" dirty="0"/>
-              <a:t> </a:t>
-            </a:r>
-            <a:r>
-              <a:rPr lang="en-US" dirty="0" err="1"/>
-              <a:t>điều</a:t>
-            </a:r>
-            <a:r>
-              <a:rPr lang="en-US" dirty="0"/>
-              <a:t> </a:t>
-            </a:r>
-            <a:r>
-              <a:rPr lang="en-US" dirty="0" err="1"/>
-              <a:t>kiện</a:t>
-            </a:r>
-            <a:r>
-              <a:rPr lang="en-US" dirty="0"/>
-              <a:t> </a:t>
-            </a:r>
-            <a:r>
-              <a:rPr lang="en-US" dirty="0" err="1"/>
-              <a:t>này</a:t>
-            </a:r>
-            <a:r>
-              <a:rPr lang="en-US" dirty="0"/>
-              <a:t> </a:t>
-            </a:r>
-            <a:r>
-              <a:rPr lang="en-US" dirty="0" err="1"/>
-              <a:t>trở</a:t>
-            </a:r>
-            <a:r>
-              <a:rPr lang="en-US" dirty="0"/>
-              <a:t> </a:t>
-            </a:r>
-            <a:r>
-              <a:rPr lang="en-US" dirty="0" err="1"/>
-              <a:t>thành</a:t>
-            </a:r>
-            <a:r>
-              <a:rPr lang="en-US" dirty="0"/>
-              <a:t> </a:t>
-            </a:r>
-            <a:r>
-              <a:rPr lang="en-US" dirty="0" err="1"/>
-              <a:t>sai</a:t>
-            </a:r>
-            <a:r>
-              <a:rPr lang="en-US" dirty="0"/>
-              <a:t> (False).</a:t>
-            </a:r>
-            <a:endParaRPr lang="en-US" b="1" dirty="0"/>
-          </a:p>
-        </p:txBody>
-      </p:sp>
-      <p:sp>
-        <p:nvSpPr>
-          <p:cNvPr id="23" name="Rectangle 22"/>
-          <p:cNvSpPr/>
-          <p:nvPr/>
-        </p:nvSpPr>
-        <p:spPr>
-          <a:xfrm>
-            <a:off x="687205" y="4781645"/>
-            <a:ext cx="3310637" cy="1431823"/>
-          </a:xfrm>
-          <a:prstGeom prst="rect">
-            <a:avLst/>
-          </a:prstGeom>
-          <a:solidFill>
-            <a:schemeClr val="tx1">
-              <a:lumMod val="85000"/>
-              <a:lumOff val="15000"/>
-            </a:schemeClr>
-          </a:solidFill>
-          <a:ln>
-            <a:noFill/>
-          </a:ln>
-        </p:spPr>
-        <p:style>
-          <a:lnRef idx="2">
-            <a:schemeClr val="accent1">
-              <a:shade val="50000"/>
-            </a:schemeClr>
-          </a:lnRef>
-          <a:fillRef idx="1">
-            <a:schemeClr val="accent1"/>
-          </a:fillRef>
-          <a:effectRef idx="0">
-            <a:schemeClr val="accent1"/>
-          </a:effectRef>
-          <a:fontRef idx="minor">
-            <a:schemeClr val="lt1"/>
-          </a:fontRef>
-        </p:style>
-        <p:txBody>
-          <a:bodyPr rtlCol="0" anchor="ctr"/>
-          <a:lstStyle/>
-          <a:p>
-            <a:pPr algn="ctr"/>
-            <a:endParaRPr lang="en-US"/>
-          </a:p>
-        </p:txBody>
-      </p:sp>
-      <p:sp>
-        <p:nvSpPr>
-          <p:cNvPr id="24" name="TextBox 23"/>
-          <p:cNvSpPr txBox="1"/>
-          <p:nvPr/>
-        </p:nvSpPr>
-        <p:spPr>
-          <a:xfrm>
-            <a:off x="887389" y="4874558"/>
-            <a:ext cx="3206146" cy="1200329"/>
-          </a:xfrm>
-          <a:prstGeom prst="rect">
-            <a:avLst/>
-          </a:prstGeom>
-          <a:noFill/>
-        </p:spPr>
-        <p:txBody>
-          <a:bodyPr wrap="square" rtlCol="0">
-            <a:spAutoFit/>
-          </a:bodyPr>
-          <a:lstStyle/>
-          <a:p>
-            <a:r>
-              <a:rPr lang="en-US" dirty="0">
-                <a:solidFill>
-                  <a:schemeClr val="bg1"/>
-                </a:solidFill>
-              </a:rPr>
-              <a:t>count = </a:t>
-            </a:r>
-            <a:r>
-              <a:rPr lang="en-US" dirty="0">
-                <a:solidFill>
-                  <a:schemeClr val="accent6">
-                    <a:lumMod val="60000"/>
-                    <a:lumOff val="40000"/>
-                  </a:schemeClr>
-                </a:solidFill>
-              </a:rPr>
-              <a:t>0</a:t>
-            </a:r>
-            <a:r>
-              <a:rPr lang="en-US" dirty="0">
-                <a:solidFill>
-                  <a:schemeClr val="bg1"/>
-                </a:solidFill>
-              </a:rPr>
-              <a:t> </a:t>
-            </a:r>
-            <a:endParaRPr lang="en-US" dirty="0" smtClean="0">
-              <a:solidFill>
-                <a:schemeClr val="bg1"/>
-              </a:solidFill>
-            </a:endParaRPr>
-          </a:p>
-          <a:p>
-            <a:r>
-              <a:rPr lang="en-US" dirty="0" smtClean="0">
-                <a:solidFill>
-                  <a:srgbClr val="00B0F0"/>
-                </a:solidFill>
-              </a:rPr>
-              <a:t>while</a:t>
-            </a:r>
-            <a:r>
-              <a:rPr lang="en-US" dirty="0" smtClean="0">
-                <a:solidFill>
-                  <a:schemeClr val="bg1"/>
-                </a:solidFill>
-              </a:rPr>
-              <a:t> </a:t>
-            </a:r>
-            <a:r>
-              <a:rPr lang="en-US" dirty="0">
-                <a:solidFill>
-                  <a:schemeClr val="bg1"/>
-                </a:solidFill>
-              </a:rPr>
-              <a:t>count &lt; </a:t>
-            </a:r>
-            <a:r>
-              <a:rPr lang="en-US" dirty="0">
-                <a:solidFill>
-                  <a:schemeClr val="accent6">
-                    <a:lumMod val="60000"/>
-                    <a:lumOff val="40000"/>
-                  </a:schemeClr>
-                </a:solidFill>
-              </a:rPr>
-              <a:t>5</a:t>
-            </a:r>
-            <a:r>
-              <a:rPr lang="en-US" dirty="0">
-                <a:solidFill>
-                  <a:schemeClr val="bg1"/>
-                </a:solidFill>
-              </a:rPr>
-              <a:t>: </a:t>
-            </a:r>
-            <a:endParaRPr lang="en-US" dirty="0" smtClean="0">
-              <a:solidFill>
-                <a:schemeClr val="bg1"/>
-              </a:solidFill>
-            </a:endParaRPr>
-          </a:p>
-          <a:p>
-            <a:r>
-              <a:rPr lang="en-US" dirty="0">
-                <a:solidFill>
-                  <a:schemeClr val="bg1"/>
-                </a:solidFill>
-              </a:rPr>
-              <a:t> </a:t>
-            </a:r>
-            <a:r>
-              <a:rPr lang="en-US" dirty="0" smtClean="0">
-                <a:solidFill>
-                  <a:schemeClr val="bg1"/>
-                </a:solidFill>
-              </a:rPr>
-              <a:t>        print</a:t>
-            </a:r>
-            <a:r>
-              <a:rPr lang="en-US" dirty="0" smtClean="0">
-                <a:solidFill>
-                  <a:srgbClr val="FFC000"/>
-                </a:solidFill>
-              </a:rPr>
-              <a:t>(</a:t>
-            </a:r>
-            <a:r>
-              <a:rPr lang="en-US" dirty="0" smtClean="0">
-                <a:solidFill>
-                  <a:schemeClr val="bg1"/>
-                </a:solidFill>
-              </a:rPr>
-              <a:t>count</a:t>
-            </a:r>
-            <a:r>
-              <a:rPr lang="en-US" dirty="0">
-                <a:solidFill>
-                  <a:srgbClr val="FFC000"/>
-                </a:solidFill>
-              </a:rPr>
-              <a:t>)</a:t>
-            </a:r>
-            <a:r>
-              <a:rPr lang="en-US" dirty="0">
-                <a:solidFill>
-                  <a:schemeClr val="bg1"/>
-                </a:solidFill>
-              </a:rPr>
-              <a:t> </a:t>
-            </a:r>
-            <a:endParaRPr lang="en-US" dirty="0" smtClean="0">
-              <a:solidFill>
-                <a:schemeClr val="bg1"/>
-              </a:solidFill>
-            </a:endParaRPr>
-          </a:p>
-          <a:p>
-            <a:r>
-              <a:rPr lang="en-US" dirty="0">
-                <a:solidFill>
-                  <a:schemeClr val="bg1"/>
-                </a:solidFill>
-              </a:rPr>
-              <a:t> </a:t>
-            </a:r>
-            <a:r>
-              <a:rPr lang="en-US" dirty="0" smtClean="0">
-                <a:solidFill>
-                  <a:schemeClr val="bg1"/>
-                </a:solidFill>
-              </a:rPr>
-              <a:t>        count </a:t>
-            </a:r>
-            <a:r>
-              <a:rPr lang="en-US" dirty="0">
-                <a:solidFill>
-                  <a:schemeClr val="bg1"/>
-                </a:solidFill>
-              </a:rPr>
-              <a:t>+= </a:t>
-            </a:r>
-            <a:r>
-              <a:rPr lang="en-US" dirty="0">
-                <a:solidFill>
-                  <a:schemeClr val="accent6">
-                    <a:lumMod val="60000"/>
-                    <a:lumOff val="40000"/>
-                  </a:schemeClr>
-                </a:solidFill>
-              </a:rPr>
-              <a:t>1</a:t>
-            </a:r>
-            <a:endParaRPr lang="en-US" dirty="0" smtClean="0">
-              <a:solidFill>
-                <a:schemeClr val="accent6">
-                  <a:lumMod val="60000"/>
-                  <a:lumOff val="40000"/>
-                </a:schemeClr>
-              </a:solidFill>
-            </a:endParaRPr>
-          </a:p>
-        </p:txBody>
-      </p:sp>
-      <p:sp>
-        <p:nvSpPr>
-          <p:cNvPr id="25" name="TextBox 24"/>
-          <p:cNvSpPr txBox="1"/>
-          <p:nvPr/>
-        </p:nvSpPr>
-        <p:spPr>
-          <a:xfrm>
-            <a:off x="4249111" y="4753072"/>
-            <a:ext cx="4321769" cy="1477328"/>
-          </a:xfrm>
-          <a:prstGeom prst="rect">
-            <a:avLst/>
-          </a:prstGeom>
-          <a:noFill/>
-        </p:spPr>
-        <p:txBody>
-          <a:bodyPr wrap="square" rtlCol="0">
-            <a:spAutoFit/>
-          </a:bodyPr>
-          <a:lstStyle/>
-          <a:p>
-            <a:r>
-              <a:rPr lang="vi-VN" dirty="0"/>
-              <a:t>vòng lặp "while" được sử dụng để lặp lại việc in ra giá trị của biến "count" từ 0 đến 4. Mỗi lần lặp, giá trị của "count" được tăng lên 1 và điều kiện "count &lt; 5" được kiểm tra</a:t>
+              <a:rPr lang="en-US" dirty="0" smtClean="0"/>
+              <a:t> </a:t>
+            </a:r>
+            <a:r>
+              <a:rPr lang="en-US" b="1" dirty="0" smtClean="0"/>
+              <a:t>for</a:t>
+            </a:r>
+            <a:r>
+              <a:rPr lang="en-US" dirty="0" smtClean="0"/>
+              <a:t> </a:t>
+            </a:r>
+            <a:r>
+              <a:rPr lang="en-US" dirty="0" err="1" smtClean="0"/>
+              <a:t>sau</a:t>
+            </a:r>
+            <a:r>
+              <a:rPr lang="en-US" dirty="0" smtClean="0"/>
+              <a:t> </a:t>
+            </a:r>
+            <a:r>
+              <a:rPr lang="en-US" dirty="0" err="1" smtClean="0"/>
+              <a:t>đây</a:t>
             </a:r>
             <a:endParaRPr lang="en-US" b="1" dirty="0"/>
           </a:p>
@@ -13730,7 +14349,7 @@
     </p:spTree>
     <p:extLst>
       <p:ext uri="{BB962C8B-B14F-4D97-AF65-F5344CB8AC3E}">
-        <p14:creationId xmlns:p14="http://schemas.microsoft.com/office/powerpoint/2010/main" val="1891690532"/>
+        <p14:creationId xmlns:p14="http://schemas.microsoft.com/office/powerpoint/2010/main" val="978636995"/>
       </p:ext>
     </p:extLst>
   </p:cSld>
@@ -14681,6 +15300,3019 @@
           <a:p>
             <a:r>
               <a:rPr lang="en-US" b="1" dirty="0" err="1" smtClean="0"/>
+              <a:t>Vòng</a:t>
+            </a:r>
+            <a:r>
+              <a:rPr lang="en-US" b="1" dirty="0" smtClean="0"/>
+              <a:t> </a:t>
+            </a:r>
+            <a:r>
+              <a:rPr lang="en-US" b="1" dirty="0" err="1" smtClean="0"/>
+              <a:t>lặp</a:t>
+            </a:r>
+            <a:r>
+              <a:rPr lang="en-US" b="1" dirty="0" smtClean="0"/>
+              <a:t> for</a:t>
+            </a:r>
+            <a:endParaRPr lang="en-US" b="1" dirty="0"/>
+          </a:p>
+        </p:txBody>
+      </p:sp>
+      <p:sp>
+        <p:nvSpPr>
+          <p:cNvPr id="6" name="TextBox 5"/>
+          <p:cNvSpPr txBox="1"/>
+          <p:nvPr/>
+        </p:nvSpPr>
+        <p:spPr>
+          <a:xfrm>
+            <a:off x="548981" y="1961567"/>
+            <a:ext cx="8333421" cy="923330"/>
+          </a:xfrm>
+          <a:prstGeom prst="rect">
+            <a:avLst/>
+          </a:prstGeom>
+          <a:noFill/>
+        </p:spPr>
+        <p:txBody>
+          <a:bodyPr wrap="square" rtlCol="0">
+            <a:spAutoFit/>
+          </a:bodyPr>
+          <a:lstStyle/>
+          <a:p>
+            <a:r>
+              <a:rPr lang="vi-VN" dirty="0"/>
+              <a:t>Vòng lặp "for" được sử dụng để </a:t>
+            </a:r>
+            <a:r>
+              <a:rPr lang="vi-VN" b="1" dirty="0"/>
+              <a:t>lặp</a:t>
+            </a:r>
+            <a:r>
+              <a:rPr lang="vi-VN" dirty="0"/>
+              <a:t> qua một tập hợp các phần tử (như danh sách, chuỗi, tuple) và thực thi một khối mã cho mỗi phần tử trong tập hợp đó. Cú pháp của vòng lặp "for" như sau:</a:t>
+            </a:r>
+            <a:endParaRPr lang="en-US" b="1" dirty="0"/>
+          </a:p>
+        </p:txBody>
+      </p:sp>
+      <p:sp>
+        <p:nvSpPr>
+          <p:cNvPr id="7" name="TextBox 6"/>
+          <p:cNvSpPr txBox="1"/>
+          <p:nvPr/>
+        </p:nvSpPr>
+        <p:spPr>
+          <a:xfrm>
+            <a:off x="581918" y="2980447"/>
+            <a:ext cx="7988963" cy="830997"/>
+          </a:xfrm>
+          <a:prstGeom prst="rect">
+            <a:avLst/>
+          </a:prstGeom>
+          <a:noFill/>
+        </p:spPr>
+        <p:txBody>
+          <a:bodyPr wrap="square" rtlCol="0">
+            <a:spAutoFit/>
+          </a:bodyPr>
+          <a:lstStyle/>
+          <a:p>
+            <a:r>
+              <a:rPr lang="en-US" sz="2400" b="1" dirty="0"/>
+              <a:t>for </a:t>
+            </a:r>
+            <a:r>
+              <a:rPr lang="en-US" sz="2400" b="1" dirty="0" err="1" smtClean="0">
+                <a:solidFill>
+                  <a:schemeClr val="accent2">
+                    <a:lumMod val="75000"/>
+                  </a:schemeClr>
+                </a:solidFill>
+              </a:rPr>
+              <a:t>phần</a:t>
+            </a:r>
+            <a:r>
+              <a:rPr lang="en-US" sz="2400" b="1" dirty="0" err="1" smtClean="0">
+                <a:solidFill>
+                  <a:schemeClr val="accent2">
+                    <a:lumMod val="75000"/>
+                  </a:schemeClr>
+                </a:solidFill>
+              </a:rPr>
+              <a:t>_tử_lặp_qua</a:t>
+            </a:r>
+            <a:r>
+              <a:rPr lang="en-US" sz="2400" b="1" dirty="0" smtClean="0"/>
+              <a:t> </a:t>
+            </a:r>
+            <a:r>
+              <a:rPr lang="en-US" sz="2400" b="1" dirty="0"/>
+              <a:t>in </a:t>
+            </a:r>
+            <a:r>
+              <a:rPr lang="en-US" sz="2400" b="1" dirty="0" err="1" smtClean="0">
+                <a:solidFill>
+                  <a:schemeClr val="accent2">
+                    <a:lumMod val="75000"/>
+                  </a:schemeClr>
+                </a:solidFill>
+              </a:rPr>
+              <a:t>tập_hợp</a:t>
+            </a:r>
+            <a:r>
+              <a:rPr lang="en-US" sz="2400" b="1" dirty="0" smtClean="0"/>
+              <a:t>:</a:t>
+            </a:r>
+            <a:endParaRPr lang="en-US" sz="2400" b="1" dirty="0" smtClean="0"/>
+          </a:p>
+          <a:p>
+            <a:r>
+              <a:rPr lang="en-US" sz="2400" b="1" dirty="0">
+                <a:solidFill>
+                  <a:srgbClr val="FF0000"/>
+                </a:solidFill>
+              </a:rPr>
+              <a:t> </a:t>
+            </a:r>
+            <a:r>
+              <a:rPr lang="en-US" sz="2400" b="1" dirty="0" smtClean="0">
+                <a:solidFill>
+                  <a:srgbClr val="FF0000"/>
+                </a:solidFill>
+              </a:rPr>
+              <a:t>   </a:t>
+            </a:r>
+            <a:r>
+              <a:rPr lang="en-US" sz="2400" b="1" dirty="0">
+                <a:solidFill>
+                  <a:schemeClr val="accent6">
+                    <a:lumMod val="50000"/>
+                  </a:schemeClr>
+                </a:solidFill>
+              </a:rPr>
+              <a:t># </a:t>
+            </a:r>
+            <a:r>
+              <a:rPr lang="en-US" sz="2400" b="1" dirty="0" err="1">
+                <a:solidFill>
+                  <a:schemeClr val="accent6">
+                    <a:lumMod val="50000"/>
+                  </a:schemeClr>
+                </a:solidFill>
+              </a:rPr>
+              <a:t>Các</a:t>
+            </a:r>
+            <a:r>
+              <a:rPr lang="en-US" sz="2400" b="1" dirty="0">
+                <a:solidFill>
+                  <a:schemeClr val="accent6">
+                    <a:lumMod val="50000"/>
+                  </a:schemeClr>
+                </a:solidFill>
+              </a:rPr>
+              <a:t> </a:t>
+            </a:r>
+            <a:r>
+              <a:rPr lang="en-US" sz="2400" b="1" dirty="0" err="1">
+                <a:solidFill>
+                  <a:schemeClr val="accent6">
+                    <a:lumMod val="50000"/>
+                  </a:schemeClr>
+                </a:solidFill>
+              </a:rPr>
+              <a:t>câu</a:t>
+            </a:r>
+            <a:r>
+              <a:rPr lang="en-US" sz="2400" b="1" dirty="0">
+                <a:solidFill>
+                  <a:schemeClr val="accent6">
+                    <a:lumMod val="50000"/>
+                  </a:schemeClr>
+                </a:solidFill>
+              </a:rPr>
+              <a:t> </a:t>
+            </a:r>
+            <a:r>
+              <a:rPr lang="en-US" sz="2400" b="1" dirty="0" err="1">
+                <a:solidFill>
+                  <a:schemeClr val="accent6">
+                    <a:lumMod val="50000"/>
+                  </a:schemeClr>
+                </a:solidFill>
+              </a:rPr>
+              <a:t>lệnh</a:t>
+            </a:r>
+            <a:r>
+              <a:rPr lang="en-US" sz="2400" b="1" dirty="0">
+                <a:solidFill>
+                  <a:schemeClr val="accent6">
+                    <a:lumMod val="50000"/>
+                  </a:schemeClr>
+                </a:solidFill>
+              </a:rPr>
+              <a:t> </a:t>
+            </a:r>
+            <a:r>
+              <a:rPr lang="en-US" sz="2400" b="1" dirty="0" err="1">
+                <a:solidFill>
+                  <a:schemeClr val="accent6">
+                    <a:lumMod val="50000"/>
+                  </a:schemeClr>
+                </a:solidFill>
+              </a:rPr>
+              <a:t>thực</a:t>
+            </a:r>
+            <a:r>
+              <a:rPr lang="en-US" sz="2400" b="1" dirty="0">
+                <a:solidFill>
+                  <a:schemeClr val="accent6">
+                    <a:lumMod val="50000"/>
+                  </a:schemeClr>
+                </a:solidFill>
+              </a:rPr>
+              <a:t> </a:t>
+            </a:r>
+            <a:r>
+              <a:rPr lang="en-US" sz="2400" b="1" dirty="0" err="1">
+                <a:solidFill>
+                  <a:schemeClr val="accent6">
+                    <a:lumMod val="50000"/>
+                  </a:schemeClr>
+                </a:solidFill>
+              </a:rPr>
+              <a:t>thi</a:t>
+            </a:r>
+            <a:r>
+              <a:rPr lang="en-US" sz="2400" b="1" dirty="0">
+                <a:solidFill>
+                  <a:schemeClr val="accent6">
+                    <a:lumMod val="50000"/>
+                  </a:schemeClr>
+                </a:solidFill>
+              </a:rPr>
+              <a:t> </a:t>
+            </a:r>
+            <a:r>
+              <a:rPr lang="en-US" sz="2400" b="1" dirty="0" err="1">
+                <a:solidFill>
+                  <a:schemeClr val="accent6">
+                    <a:lumMod val="50000"/>
+                  </a:schemeClr>
+                </a:solidFill>
+              </a:rPr>
+              <a:t>cho</a:t>
+            </a:r>
+            <a:r>
+              <a:rPr lang="en-US" sz="2400" b="1" dirty="0">
+                <a:solidFill>
+                  <a:schemeClr val="accent6">
+                    <a:lumMod val="50000"/>
+                  </a:schemeClr>
+                </a:solidFill>
+              </a:rPr>
+              <a:t> </a:t>
+            </a:r>
+            <a:r>
+              <a:rPr lang="en-US" sz="2400" b="1" dirty="0" err="1">
+                <a:solidFill>
+                  <a:schemeClr val="accent6">
+                    <a:lumMod val="50000"/>
+                  </a:schemeClr>
+                </a:solidFill>
+              </a:rPr>
+              <a:t>mỗi</a:t>
+            </a:r>
+            <a:r>
+              <a:rPr lang="en-US" sz="2400" b="1" dirty="0">
+                <a:solidFill>
+                  <a:schemeClr val="accent6">
+                    <a:lumMod val="50000"/>
+                  </a:schemeClr>
+                </a:solidFill>
+              </a:rPr>
+              <a:t> </a:t>
+            </a:r>
+            <a:r>
+              <a:rPr lang="en-US" sz="2400" b="1" dirty="0" err="1">
+                <a:solidFill>
+                  <a:schemeClr val="accent6">
+                    <a:lumMod val="50000"/>
+                  </a:schemeClr>
+                </a:solidFill>
+              </a:rPr>
+              <a:t>phần</a:t>
+            </a:r>
+            <a:r>
+              <a:rPr lang="en-US" sz="2400" b="1" dirty="0">
+                <a:solidFill>
+                  <a:schemeClr val="accent6">
+                    <a:lumMod val="50000"/>
+                  </a:schemeClr>
+                </a:solidFill>
+              </a:rPr>
+              <a:t> </a:t>
+            </a:r>
+            <a:r>
+              <a:rPr lang="en-US" sz="2400" b="1" dirty="0" err="1">
+                <a:solidFill>
+                  <a:schemeClr val="accent6">
+                    <a:lumMod val="50000"/>
+                  </a:schemeClr>
+                </a:solidFill>
+              </a:rPr>
+              <a:t>tử</a:t>
+            </a:r>
+            <a:endParaRPr lang="en-US" sz="2400" b="1" dirty="0">
+              <a:solidFill>
+                <a:schemeClr val="accent6">
+                  <a:lumMod val="50000"/>
+                </a:schemeClr>
+              </a:solidFill>
+            </a:endParaRPr>
+          </a:p>
+        </p:txBody>
+      </p:sp>
+      <p:sp>
+        <p:nvSpPr>
+          <p:cNvPr id="8" name="TextBox 7"/>
+          <p:cNvSpPr txBox="1"/>
+          <p:nvPr/>
+        </p:nvSpPr>
+        <p:spPr>
+          <a:xfrm>
+            <a:off x="548981" y="4420803"/>
+            <a:ext cx="8333421" cy="646331"/>
+          </a:xfrm>
+          <a:prstGeom prst="rect">
+            <a:avLst/>
+          </a:prstGeom>
+          <a:noFill/>
+        </p:spPr>
+        <p:txBody>
+          <a:bodyPr wrap="square" rtlCol="0">
+            <a:spAutoFit/>
+          </a:bodyPr>
+          <a:lstStyle/>
+          <a:p>
+            <a:r>
+              <a:rPr lang="en-US" b="1" dirty="0" err="1" smtClean="0"/>
+              <a:t>Tập_hợp</a:t>
+            </a:r>
+            <a:r>
+              <a:rPr lang="en-US" b="1" dirty="0" smtClean="0"/>
+              <a:t>: </a:t>
+            </a:r>
+            <a:r>
+              <a:rPr lang="vi-VN" dirty="0"/>
+              <a:t>là một tập hợp có thể lặp qua, chẳng hạn như danh sách, chuỗi, hoặc tuple</a:t>
+            </a:r>
+            <a:endParaRPr lang="en-US" b="1" dirty="0"/>
+          </a:p>
+        </p:txBody>
+      </p:sp>
+      <p:sp>
+        <p:nvSpPr>
+          <p:cNvPr id="9" name="TextBox 8"/>
+          <p:cNvSpPr txBox="1"/>
+          <p:nvPr/>
+        </p:nvSpPr>
+        <p:spPr>
+          <a:xfrm>
+            <a:off x="548981" y="4026004"/>
+            <a:ext cx="8333421" cy="369332"/>
+          </a:xfrm>
+          <a:prstGeom prst="rect">
+            <a:avLst/>
+          </a:prstGeom>
+          <a:noFill/>
+        </p:spPr>
+        <p:txBody>
+          <a:bodyPr wrap="square" rtlCol="0">
+            <a:spAutoFit/>
+          </a:bodyPr>
+          <a:lstStyle/>
+          <a:p>
+            <a:r>
+              <a:rPr lang="en-US" b="1" dirty="0" err="1" smtClean="0"/>
+              <a:t>Phần_tử</a:t>
+            </a:r>
+            <a:r>
+              <a:rPr lang="en-US" b="1" dirty="0" err="1" smtClean="0"/>
+              <a:t>_lặp_qua</a:t>
+            </a:r>
+            <a:r>
+              <a:rPr lang="en-US" b="1" dirty="0" smtClean="0"/>
+              <a:t>: </a:t>
+            </a:r>
+            <a:r>
+              <a:rPr lang="vi-VN" dirty="0"/>
+              <a:t>là biến lưu trữ giá trị của phần tử trong mỗi lần lặp</a:t>
+            </a:r>
+            <a:endParaRPr lang="en-US" b="1" dirty="0"/>
+          </a:p>
+        </p:txBody>
+      </p:sp>
+      <p:sp>
+        <p:nvSpPr>
+          <p:cNvPr id="10" name="Rectangle 9"/>
+          <p:cNvSpPr/>
+          <p:nvPr/>
+        </p:nvSpPr>
+        <p:spPr>
+          <a:xfrm>
+            <a:off x="548981" y="5200449"/>
+            <a:ext cx="7988963" cy="1170505"/>
+          </a:xfrm>
+          <a:prstGeom prst="rect">
+            <a:avLst/>
+          </a:prstGeom>
+          <a:solidFill>
+            <a:schemeClr val="tx1">
+              <a:lumMod val="85000"/>
+              <a:lumOff val="15000"/>
+            </a:schemeClr>
+          </a:solidFill>
+          <a:ln>
+            <a:noFill/>
+          </a:ln>
+        </p:spPr>
+        <p:style>
+          <a:lnRef idx="2">
+            <a:schemeClr val="accent1">
+              <a:shade val="50000"/>
+            </a:schemeClr>
+          </a:lnRef>
+          <a:fillRef idx="1">
+            <a:schemeClr val="accent1"/>
+          </a:fillRef>
+          <a:effectRef idx="0">
+            <a:schemeClr val="accent1"/>
+          </a:effectRef>
+          <a:fontRef idx="minor">
+            <a:schemeClr val="lt1"/>
+          </a:fontRef>
+        </p:style>
+        <p:txBody>
+          <a:bodyPr rtlCol="0" anchor="ctr"/>
+          <a:lstStyle/>
+          <a:p>
+            <a:pPr algn="ctr"/>
+            <a:endParaRPr lang="en-US"/>
+          </a:p>
+        </p:txBody>
+      </p:sp>
+      <p:sp>
+        <p:nvSpPr>
+          <p:cNvPr id="11" name="TextBox 10"/>
+          <p:cNvSpPr txBox="1"/>
+          <p:nvPr/>
+        </p:nvSpPr>
+        <p:spPr>
+          <a:xfrm>
+            <a:off x="749165" y="5293362"/>
+            <a:ext cx="5226333" cy="923330"/>
+          </a:xfrm>
+          <a:prstGeom prst="rect">
+            <a:avLst/>
+          </a:prstGeom>
+          <a:noFill/>
+        </p:spPr>
+        <p:txBody>
+          <a:bodyPr wrap="square" rtlCol="0">
+            <a:spAutoFit/>
+          </a:bodyPr>
+          <a:lstStyle/>
+          <a:p>
+            <a:r>
+              <a:rPr lang="en-US" dirty="0" smtClean="0">
+                <a:solidFill>
+                  <a:schemeClr val="bg1"/>
+                </a:solidFill>
+              </a:rPr>
+              <a:t>x </a:t>
+            </a:r>
+            <a:r>
+              <a:rPr lang="en-US" dirty="0">
+                <a:solidFill>
+                  <a:schemeClr val="bg1"/>
+                </a:solidFill>
+              </a:rPr>
+              <a:t>= </a:t>
+            </a:r>
+            <a:r>
+              <a:rPr lang="en-US" dirty="0" smtClean="0">
+                <a:solidFill>
+                  <a:schemeClr val="bg1"/>
+                </a:solidFill>
+              </a:rPr>
+              <a:t>range</a:t>
+            </a:r>
+            <a:r>
+              <a:rPr lang="en-US" dirty="0" smtClean="0">
+                <a:solidFill>
+                  <a:srgbClr val="FFC000"/>
+                </a:solidFill>
+              </a:rPr>
+              <a:t>(</a:t>
+            </a:r>
+            <a:r>
+              <a:rPr lang="en-US" dirty="0" smtClean="0">
+                <a:solidFill>
+                  <a:schemeClr val="accent6">
+                    <a:lumMod val="60000"/>
+                    <a:lumOff val="40000"/>
+                  </a:schemeClr>
+                </a:solidFill>
+              </a:rPr>
+              <a:t>1</a:t>
+            </a:r>
+            <a:r>
+              <a:rPr lang="en-US" dirty="0" smtClean="0">
+                <a:solidFill>
+                  <a:srgbClr val="FFC000"/>
+                </a:solidFill>
+              </a:rPr>
+              <a:t>,</a:t>
+            </a:r>
+            <a:r>
+              <a:rPr lang="en-US" dirty="0" smtClean="0">
+                <a:solidFill>
+                  <a:schemeClr val="accent6">
+                    <a:lumMod val="60000"/>
+                    <a:lumOff val="40000"/>
+                  </a:schemeClr>
+                </a:solidFill>
+              </a:rPr>
+              <a:t>6</a:t>
+            </a:r>
+            <a:r>
+              <a:rPr lang="en-US" dirty="0" smtClean="0">
+                <a:solidFill>
+                  <a:srgbClr val="FFC000"/>
+                </a:solidFill>
+              </a:rPr>
+              <a:t>)</a:t>
+            </a:r>
+            <a:r>
+              <a:rPr lang="en-US" dirty="0" smtClean="0">
+                <a:solidFill>
+                  <a:schemeClr val="accent2">
+                    <a:lumMod val="75000"/>
+                  </a:schemeClr>
+                </a:solidFill>
+              </a:rPr>
+              <a:t> </a:t>
+            </a:r>
+            <a:endParaRPr lang="en-US" dirty="0" smtClean="0">
+              <a:solidFill>
+                <a:schemeClr val="accent2">
+                  <a:lumMod val="75000"/>
+                </a:schemeClr>
+              </a:solidFill>
+            </a:endParaRPr>
+          </a:p>
+          <a:p>
+            <a:r>
+              <a:rPr lang="en-US" dirty="0" smtClean="0">
+                <a:solidFill>
+                  <a:srgbClr val="00B0F0"/>
+                </a:solidFill>
+              </a:rPr>
+              <a:t>for</a:t>
+            </a:r>
+            <a:r>
+              <a:rPr lang="en-US" dirty="0" smtClean="0">
+                <a:solidFill>
+                  <a:schemeClr val="bg1"/>
+                </a:solidFill>
+              </a:rPr>
+              <a:t> </a:t>
+            </a:r>
+            <a:r>
+              <a:rPr lang="en-US" dirty="0" err="1" smtClean="0">
+                <a:solidFill>
+                  <a:schemeClr val="bg1"/>
+                </a:solidFill>
+              </a:rPr>
+              <a:t>i</a:t>
+            </a:r>
+            <a:r>
+              <a:rPr lang="en-US" dirty="0" smtClean="0">
+                <a:solidFill>
+                  <a:schemeClr val="bg1"/>
+                </a:solidFill>
+              </a:rPr>
+              <a:t> </a:t>
+            </a:r>
+            <a:r>
+              <a:rPr lang="en-US" dirty="0">
+                <a:solidFill>
+                  <a:srgbClr val="00B0F0"/>
+                </a:solidFill>
+              </a:rPr>
+              <a:t>in</a:t>
+            </a:r>
+            <a:r>
+              <a:rPr lang="en-US" dirty="0">
+                <a:solidFill>
+                  <a:schemeClr val="bg1"/>
+                </a:solidFill>
+              </a:rPr>
+              <a:t> </a:t>
+            </a:r>
+            <a:r>
+              <a:rPr lang="en-US" dirty="0" smtClean="0">
+                <a:solidFill>
+                  <a:schemeClr val="bg1"/>
+                </a:solidFill>
+              </a:rPr>
+              <a:t>x:</a:t>
+            </a:r>
+            <a:endParaRPr lang="en-US" dirty="0" smtClean="0">
+              <a:solidFill>
+                <a:schemeClr val="bg1"/>
+              </a:solidFill>
+            </a:endParaRPr>
+          </a:p>
+          <a:p>
+            <a:r>
+              <a:rPr lang="en-US" dirty="0">
+                <a:solidFill>
+                  <a:schemeClr val="bg1"/>
+                </a:solidFill>
+              </a:rPr>
+              <a:t> </a:t>
+            </a:r>
+            <a:r>
+              <a:rPr lang="en-US" dirty="0" smtClean="0">
+                <a:solidFill>
+                  <a:schemeClr val="bg1"/>
+                </a:solidFill>
+              </a:rPr>
+              <a:t>    </a:t>
+            </a:r>
+            <a:r>
+              <a:rPr lang="en-US" dirty="0" smtClean="0">
+                <a:solidFill>
+                  <a:schemeClr val="bg1"/>
+                </a:solidFill>
+              </a:rPr>
+              <a:t>print</a:t>
+            </a:r>
+            <a:r>
+              <a:rPr lang="en-US" dirty="0" smtClean="0">
+                <a:solidFill>
+                  <a:srgbClr val="FECC36"/>
+                </a:solidFill>
+              </a:rPr>
+              <a:t>(</a:t>
+            </a:r>
+            <a:r>
+              <a:rPr lang="en-US" dirty="0" err="1" smtClean="0">
+                <a:solidFill>
+                  <a:schemeClr val="bg1"/>
+                </a:solidFill>
+              </a:rPr>
+              <a:t>i</a:t>
+            </a:r>
+            <a:r>
+              <a:rPr lang="en-US" dirty="0" smtClean="0">
+                <a:solidFill>
+                  <a:srgbClr val="FECC36"/>
+                </a:solidFill>
+              </a:rPr>
+              <a:t>)</a:t>
+            </a:r>
+            <a:endParaRPr lang="en-US" dirty="0" smtClean="0">
+              <a:solidFill>
+                <a:srgbClr val="FECC36"/>
+              </a:solidFill>
+            </a:endParaRPr>
+          </a:p>
+        </p:txBody>
+      </p:sp>
+    </p:spTree>
+    <p:extLst>
+      <p:ext uri="{BB962C8B-B14F-4D97-AF65-F5344CB8AC3E}">
+        <p14:creationId xmlns:p14="http://schemas.microsoft.com/office/powerpoint/2010/main" val="3197895249"/>
+      </p:ext>
+    </p:extLst>
+  </p:cSld>
+  <p:clrMapOvr>
+    <a:masterClrMapping/>
+  </p:clrMapOvr>
+  <p:timing>
+    <p:tnLst>
+      <p:par>
+        <p:cTn id="1" dur="indefinite" restart="never" nodeType="tmRoot"/>
+      </p:par>
+    </p:tnLst>
+  </p:timing>
+</p:sld>
+</file>
+
+<file path=ppt/slides/slide21.xml><?xml version="1.0" encoding="utf-8"?>
+<p:sld xmlns:a="http://schemas.openxmlformats.org/drawingml/2006/main" xmlns:r="http://schemas.openxmlformats.org/officeDocument/2006/relationships" xmlns:p="http://schemas.openxmlformats.org/presentationml/2006/main">
+  <p:cSld>
+    <p:spTree>
+      <p:nvGrpSpPr>
+        <p:cNvPr id="1" name=""/>
+        <p:cNvGrpSpPr/>
+        <p:nvPr/>
+      </p:nvGrpSpPr>
+      <p:grpSpPr>
+        <a:xfrm>
+          <a:off x="0" y="0"/>
+          <a:ext cx="0" cy="0"/>
+          <a:chOff x="0" y="0"/>
+          <a:chExt cx="0" cy="0"/>
+        </a:xfrm>
+      </p:grpSpPr>
+      <p:sp>
+        <p:nvSpPr>
+          <p:cNvPr id="2" name="Slide Number Placeholder 1"/>
+          <p:cNvSpPr>
+            <a:spLocks noGrp="1"/>
+          </p:cNvSpPr>
+          <p:nvPr>
+            <p:ph type="sldNum" sz="quarter" idx="12"/>
+          </p:nvPr>
+        </p:nvSpPr>
+        <p:spPr/>
+        <p:txBody>
+          <a:bodyPr/>
+          <a:lstStyle/>
+          <a:p>
+            <a:fld id="{7D9EC917-02A2-4152-9EE3-DFE2775A77C7}" type="slidenum">
+              <a:rPr lang="en-US" smtClean="0"/>
+              <a:pPr/>
+              <a:t>21</a:t>
+            </a:fld>
+            <a:endParaRPr lang="en-US"/>
+          </a:p>
+        </p:txBody>
+      </p:sp>
+      <p:sp>
+        <p:nvSpPr>
+          <p:cNvPr id="3" name="Text Placeholder 2"/>
+          <p:cNvSpPr>
+            <a:spLocks noGrp="1"/>
+          </p:cNvSpPr>
+          <p:nvPr>
+            <p:ph type="body" sz="quarter" idx="13"/>
+          </p:nvPr>
+        </p:nvSpPr>
+        <p:spPr/>
+        <p:txBody>
+          <a:bodyPr/>
+          <a:lstStyle/>
+          <a:p>
+            <a:r>
+              <a:rPr lang="en-US" dirty="0" smtClean="0"/>
+              <a:t>3.4 </a:t>
+            </a:r>
+            <a:r>
+              <a:rPr lang="en-US" dirty="0" err="1" smtClean="0"/>
+              <a:t>Vòng</a:t>
+            </a:r>
+            <a:r>
+              <a:rPr lang="en-US" dirty="0" smtClean="0"/>
+              <a:t> </a:t>
+            </a:r>
+            <a:r>
+              <a:rPr lang="en-US" dirty="0" err="1" smtClean="0"/>
+              <a:t>lặp</a:t>
+            </a:r>
+            <a:r>
+              <a:rPr lang="en-US" dirty="0" smtClean="0"/>
+              <a:t> </a:t>
+            </a:r>
+            <a:r>
+              <a:rPr lang="en-US" dirty="0" err="1" smtClean="0"/>
+              <a:t>trong</a:t>
+            </a:r>
+            <a:r>
+              <a:rPr lang="en-US" dirty="0" smtClean="0"/>
+              <a:t> Python</a:t>
+            </a:r>
+            <a:endParaRPr lang="en-US" dirty="0"/>
+          </a:p>
+        </p:txBody>
+      </p:sp>
+      <p:pic>
+        <p:nvPicPr>
+          <p:cNvPr id="4" name="Picture 2" descr="https://www.python.org/static/apple-touch-icon-precomposed.png"/>
+          <p:cNvPicPr>
+            <a:picLocks noChangeAspect="1" noChangeArrowheads="1"/>
+          </p:cNvPicPr>
+          <p:nvPr/>
+        </p:nvPicPr>
+        <p:blipFill>
+          <a:blip r:embed="rId2">
+            <a:extLst>
+              <a:ext uri="{28A0092B-C50C-407E-A947-70E740481C1C}">
+                <a14:useLocalDpi xmlns:a14="http://schemas.microsoft.com/office/drawing/2010/main" val="0"/>
+              </a:ext>
+            </a:extLst>
+          </a:blip>
+          <a:srcRect/>
+          <a:stretch>
+            <a:fillRect/>
+          </a:stretch>
+        </p:blipFill>
+        <p:spPr bwMode="auto">
+          <a:xfrm>
+            <a:off x="548981" y="1479187"/>
+            <a:ext cx="450480" cy="450481"/>
+          </a:xfrm>
+          <a:prstGeom prst="rect">
+            <a:avLst/>
+          </a:prstGeom>
+          <a:noFill/>
+          <a:extLst>
+            <a:ext uri="{909E8E84-426E-40DD-AFC4-6F175D3DCCD1}">
+              <a14:hiddenFill xmlns:a14="http://schemas.microsoft.com/office/drawing/2010/main">
+                <a:solidFill>
+                  <a:srgbClr val="FFFFFF"/>
+                </a:solidFill>
+              </a14:hiddenFill>
+            </a:ext>
+          </a:extLst>
+        </p:spPr>
+      </p:pic>
+      <p:sp>
+        <p:nvSpPr>
+          <p:cNvPr id="5" name="TextBox 4"/>
+          <p:cNvSpPr txBox="1"/>
+          <p:nvPr/>
+        </p:nvSpPr>
+        <p:spPr>
+          <a:xfrm>
+            <a:off x="1041993" y="1519761"/>
+            <a:ext cx="7068814" cy="369332"/>
+          </a:xfrm>
+          <a:prstGeom prst="rect">
+            <a:avLst/>
+          </a:prstGeom>
+          <a:noFill/>
+        </p:spPr>
+        <p:txBody>
+          <a:bodyPr wrap="square" rtlCol="0">
+            <a:spAutoFit/>
+          </a:bodyPr>
+          <a:lstStyle/>
+          <a:p>
+            <a:r>
+              <a:rPr lang="en-US" b="1" dirty="0" err="1" smtClean="0"/>
+              <a:t>Ví</a:t>
+            </a:r>
+            <a:r>
+              <a:rPr lang="en-US" b="1" dirty="0" smtClean="0"/>
+              <a:t> </a:t>
+            </a:r>
+            <a:r>
+              <a:rPr lang="en-US" b="1" dirty="0" err="1" smtClean="0"/>
+              <a:t>dụ</a:t>
+            </a:r>
+            <a:r>
+              <a:rPr lang="en-US" b="1" dirty="0" smtClean="0"/>
+              <a:t> </a:t>
+            </a:r>
+            <a:r>
+              <a:rPr lang="en-US" b="1" dirty="0" err="1" smtClean="0"/>
+              <a:t>về</a:t>
+            </a:r>
+            <a:r>
+              <a:rPr lang="en-US" b="1" dirty="0" smtClean="0"/>
+              <a:t> </a:t>
+            </a:r>
+            <a:r>
+              <a:rPr lang="en-US" b="1" dirty="0" err="1" smtClean="0"/>
+              <a:t>Vòng</a:t>
+            </a:r>
+            <a:r>
+              <a:rPr lang="en-US" b="1" dirty="0" smtClean="0"/>
+              <a:t> </a:t>
+            </a:r>
+            <a:r>
+              <a:rPr lang="en-US" b="1" dirty="0" err="1" smtClean="0"/>
+              <a:t>lặp</a:t>
+            </a:r>
+            <a:r>
+              <a:rPr lang="en-US" b="1" dirty="0" smtClean="0"/>
+              <a:t> for</a:t>
+            </a:r>
+            <a:endParaRPr lang="en-US" b="1" dirty="0"/>
+          </a:p>
+        </p:txBody>
+      </p:sp>
+      <p:sp>
+        <p:nvSpPr>
+          <p:cNvPr id="10" name="Rectangle 9"/>
+          <p:cNvSpPr/>
+          <p:nvPr/>
+        </p:nvSpPr>
+        <p:spPr>
+          <a:xfrm>
+            <a:off x="548981" y="2485194"/>
+            <a:ext cx="3076721" cy="895959"/>
+          </a:xfrm>
+          <a:prstGeom prst="rect">
+            <a:avLst/>
+          </a:prstGeom>
+          <a:solidFill>
+            <a:schemeClr val="tx1">
+              <a:lumMod val="85000"/>
+              <a:lumOff val="15000"/>
+            </a:schemeClr>
+          </a:solidFill>
+          <a:ln>
+            <a:noFill/>
+          </a:ln>
+        </p:spPr>
+        <p:style>
+          <a:lnRef idx="2">
+            <a:schemeClr val="accent1">
+              <a:shade val="50000"/>
+            </a:schemeClr>
+          </a:lnRef>
+          <a:fillRef idx="1">
+            <a:schemeClr val="accent1"/>
+          </a:fillRef>
+          <a:effectRef idx="0">
+            <a:schemeClr val="accent1"/>
+          </a:effectRef>
+          <a:fontRef idx="minor">
+            <a:schemeClr val="lt1"/>
+          </a:fontRef>
+        </p:style>
+        <p:txBody>
+          <a:bodyPr rtlCol="0" anchor="ctr"/>
+          <a:lstStyle/>
+          <a:p>
+            <a:pPr algn="ctr"/>
+            <a:endParaRPr lang="en-US"/>
+          </a:p>
+        </p:txBody>
+      </p:sp>
+      <p:sp>
+        <p:nvSpPr>
+          <p:cNvPr id="11" name="TextBox 10"/>
+          <p:cNvSpPr txBox="1"/>
+          <p:nvPr/>
+        </p:nvSpPr>
+        <p:spPr>
+          <a:xfrm>
+            <a:off x="749165" y="2578107"/>
+            <a:ext cx="2642621" cy="646331"/>
+          </a:xfrm>
+          <a:prstGeom prst="rect">
+            <a:avLst/>
+          </a:prstGeom>
+          <a:noFill/>
+        </p:spPr>
+        <p:txBody>
+          <a:bodyPr wrap="square" rtlCol="0">
+            <a:spAutoFit/>
+          </a:bodyPr>
+          <a:lstStyle/>
+          <a:p>
+            <a:r>
+              <a:rPr lang="en-US" dirty="0" smtClean="0">
+                <a:solidFill>
+                  <a:srgbClr val="00B0F0"/>
+                </a:solidFill>
+              </a:rPr>
+              <a:t>for</a:t>
+            </a:r>
+            <a:r>
+              <a:rPr lang="en-US" dirty="0" smtClean="0">
+                <a:solidFill>
+                  <a:schemeClr val="bg1"/>
+                </a:solidFill>
+              </a:rPr>
+              <a:t> </a:t>
+            </a:r>
+            <a:r>
+              <a:rPr lang="en-US" dirty="0" err="1" smtClean="0">
+                <a:solidFill>
+                  <a:schemeClr val="bg1"/>
+                </a:solidFill>
+              </a:rPr>
+              <a:t>i</a:t>
+            </a:r>
+            <a:r>
+              <a:rPr lang="en-US" dirty="0" smtClean="0">
+                <a:solidFill>
+                  <a:schemeClr val="bg1"/>
+                </a:solidFill>
+              </a:rPr>
+              <a:t> </a:t>
+            </a:r>
+            <a:r>
+              <a:rPr lang="en-US" dirty="0" smtClean="0">
+                <a:solidFill>
+                  <a:srgbClr val="00B0F0"/>
+                </a:solidFill>
+              </a:rPr>
+              <a:t>in</a:t>
+            </a:r>
+            <a:r>
+              <a:rPr lang="en-US" dirty="0" smtClean="0">
+                <a:solidFill>
+                  <a:schemeClr val="bg1"/>
+                </a:solidFill>
+              </a:rPr>
+              <a:t> range</a:t>
+            </a:r>
+            <a:r>
+              <a:rPr lang="en-US" dirty="0" smtClean="0">
+                <a:solidFill>
+                  <a:srgbClr val="FFC500"/>
+                </a:solidFill>
+              </a:rPr>
+              <a:t>(</a:t>
+            </a:r>
+            <a:r>
+              <a:rPr lang="en-US" dirty="0" smtClean="0">
+                <a:solidFill>
+                  <a:schemeClr val="accent6">
+                    <a:lumMod val="60000"/>
+                    <a:lumOff val="40000"/>
+                  </a:schemeClr>
+                </a:solidFill>
+              </a:rPr>
+              <a:t>1</a:t>
+            </a:r>
+            <a:r>
+              <a:rPr lang="en-US" dirty="0" smtClean="0">
+                <a:solidFill>
+                  <a:schemeClr val="bg1"/>
+                </a:solidFill>
+              </a:rPr>
+              <a:t>, </a:t>
+            </a:r>
+            <a:r>
+              <a:rPr lang="en-US" dirty="0" smtClean="0">
+                <a:solidFill>
+                  <a:schemeClr val="accent6">
+                    <a:lumMod val="60000"/>
+                    <a:lumOff val="40000"/>
+                  </a:schemeClr>
+                </a:solidFill>
+              </a:rPr>
+              <a:t>5</a:t>
+            </a:r>
+            <a:r>
+              <a:rPr lang="en-US" dirty="0" smtClean="0">
+                <a:solidFill>
+                  <a:srgbClr val="FFC500"/>
+                </a:solidFill>
+              </a:rPr>
+              <a:t>)</a:t>
+            </a:r>
+            <a:r>
+              <a:rPr lang="en-US" dirty="0" smtClean="0">
+                <a:solidFill>
+                  <a:schemeClr val="bg1"/>
+                </a:solidFill>
+              </a:rPr>
+              <a:t>:</a:t>
+            </a:r>
+          </a:p>
+          <a:p>
+            <a:r>
+              <a:rPr lang="en-US" dirty="0" smtClean="0">
+                <a:solidFill>
+                  <a:schemeClr val="bg1"/>
+                </a:solidFill>
+              </a:rPr>
+              <a:t>     print</a:t>
+            </a:r>
+            <a:r>
+              <a:rPr lang="en-US" dirty="0" smtClean="0">
+                <a:solidFill>
+                  <a:srgbClr val="FECC36"/>
+                </a:solidFill>
+              </a:rPr>
+              <a:t>(</a:t>
+            </a:r>
+            <a:r>
+              <a:rPr lang="en-US" dirty="0" err="1" smtClean="0">
+                <a:solidFill>
+                  <a:schemeClr val="bg1"/>
+                </a:solidFill>
+              </a:rPr>
+              <a:t>i</a:t>
+            </a:r>
+            <a:r>
+              <a:rPr lang="en-US" dirty="0" smtClean="0">
+                <a:solidFill>
+                  <a:srgbClr val="FECC36"/>
+                </a:solidFill>
+              </a:rPr>
+              <a:t>)</a:t>
+            </a:r>
+          </a:p>
+        </p:txBody>
+      </p:sp>
+      <p:sp>
+        <p:nvSpPr>
+          <p:cNvPr id="12" name="TextBox 11"/>
+          <p:cNvSpPr txBox="1"/>
+          <p:nvPr/>
+        </p:nvSpPr>
+        <p:spPr>
+          <a:xfrm>
+            <a:off x="423469" y="1988742"/>
+            <a:ext cx="3202234" cy="369332"/>
+          </a:xfrm>
+          <a:prstGeom prst="rect">
+            <a:avLst/>
+          </a:prstGeom>
+          <a:noFill/>
+        </p:spPr>
+        <p:txBody>
+          <a:bodyPr wrap="square" rtlCol="0">
+            <a:spAutoFit/>
+          </a:bodyPr>
+          <a:lstStyle/>
+          <a:p>
+            <a:r>
+              <a:rPr lang="en-US" dirty="0" err="1" smtClean="0"/>
+              <a:t>Sử</a:t>
+            </a:r>
+            <a:r>
+              <a:rPr lang="en-US" dirty="0" smtClean="0"/>
+              <a:t> </a:t>
+            </a:r>
+            <a:r>
+              <a:rPr lang="en-US" dirty="0" err="1" smtClean="0"/>
+              <a:t>dụng</a:t>
+            </a:r>
+            <a:r>
+              <a:rPr lang="en-US" dirty="0" smtClean="0"/>
+              <a:t> </a:t>
+            </a:r>
+            <a:r>
+              <a:rPr lang="en-US" dirty="0" err="1" smtClean="0"/>
+              <a:t>với</a:t>
+            </a:r>
+            <a:r>
+              <a:rPr lang="en-US" dirty="0" smtClean="0"/>
+              <a:t> </a:t>
+            </a:r>
+            <a:r>
+              <a:rPr lang="en-US" dirty="0" err="1" smtClean="0"/>
+              <a:t>hàm</a:t>
+            </a:r>
+            <a:r>
+              <a:rPr lang="en-US" dirty="0" smtClean="0"/>
+              <a:t> </a:t>
+            </a:r>
+            <a:r>
+              <a:rPr lang="en-US" b="1" dirty="0" smtClean="0"/>
+              <a:t>range()</a:t>
+            </a:r>
+            <a:endParaRPr lang="en-US" b="1" dirty="0"/>
+          </a:p>
+        </p:txBody>
+      </p:sp>
+      <p:sp>
+        <p:nvSpPr>
+          <p:cNvPr id="13" name="Rectangle 12"/>
+          <p:cNvSpPr/>
+          <p:nvPr/>
+        </p:nvSpPr>
+        <p:spPr>
+          <a:xfrm>
+            <a:off x="4682725" y="2485194"/>
+            <a:ext cx="3076721" cy="895959"/>
+          </a:xfrm>
+          <a:prstGeom prst="rect">
+            <a:avLst/>
+          </a:prstGeom>
+          <a:solidFill>
+            <a:schemeClr val="tx1">
+              <a:lumMod val="85000"/>
+              <a:lumOff val="15000"/>
+            </a:schemeClr>
+          </a:solidFill>
+          <a:ln>
+            <a:noFill/>
+          </a:ln>
+        </p:spPr>
+        <p:style>
+          <a:lnRef idx="2">
+            <a:schemeClr val="accent1">
+              <a:shade val="50000"/>
+            </a:schemeClr>
+          </a:lnRef>
+          <a:fillRef idx="1">
+            <a:schemeClr val="accent1"/>
+          </a:fillRef>
+          <a:effectRef idx="0">
+            <a:schemeClr val="accent1"/>
+          </a:effectRef>
+          <a:fontRef idx="minor">
+            <a:schemeClr val="lt1"/>
+          </a:fontRef>
+        </p:style>
+        <p:txBody>
+          <a:bodyPr rtlCol="0" anchor="ctr"/>
+          <a:lstStyle/>
+          <a:p>
+            <a:pPr algn="ctr"/>
+            <a:endParaRPr lang="en-US"/>
+          </a:p>
+        </p:txBody>
+      </p:sp>
+      <p:sp>
+        <p:nvSpPr>
+          <p:cNvPr id="14" name="TextBox 13"/>
+          <p:cNvSpPr txBox="1"/>
+          <p:nvPr/>
+        </p:nvSpPr>
+        <p:spPr>
+          <a:xfrm>
+            <a:off x="4882909" y="2578107"/>
+            <a:ext cx="2642621" cy="646331"/>
+          </a:xfrm>
+          <a:prstGeom prst="rect">
+            <a:avLst/>
+          </a:prstGeom>
+          <a:noFill/>
+        </p:spPr>
+        <p:txBody>
+          <a:bodyPr wrap="square" rtlCol="0">
+            <a:spAutoFit/>
+          </a:bodyPr>
+          <a:lstStyle/>
+          <a:p>
+            <a:r>
+              <a:rPr lang="en-US" dirty="0" smtClean="0">
+                <a:solidFill>
+                  <a:srgbClr val="00B0F0"/>
+                </a:solidFill>
+              </a:rPr>
+              <a:t>for</a:t>
+            </a:r>
+            <a:r>
+              <a:rPr lang="en-US" dirty="0" smtClean="0">
+                <a:solidFill>
+                  <a:schemeClr val="bg1"/>
+                </a:solidFill>
+              </a:rPr>
+              <a:t> x </a:t>
+            </a:r>
+            <a:r>
+              <a:rPr lang="en-US" dirty="0" smtClean="0">
+                <a:solidFill>
+                  <a:srgbClr val="00B0F0"/>
+                </a:solidFill>
+              </a:rPr>
+              <a:t>in</a:t>
+            </a:r>
+            <a:r>
+              <a:rPr lang="en-US" dirty="0" smtClean="0">
+                <a:solidFill>
+                  <a:schemeClr val="bg1"/>
+                </a:solidFill>
+              </a:rPr>
+              <a:t> </a:t>
+            </a:r>
+            <a:r>
+              <a:rPr lang="en-US" dirty="0" smtClean="0">
+                <a:solidFill>
+                  <a:schemeClr val="accent2">
+                    <a:lumMod val="75000"/>
+                  </a:schemeClr>
+                </a:solidFill>
+              </a:rPr>
+              <a:t>“banana”</a:t>
+            </a:r>
+            <a:r>
+              <a:rPr lang="en-US" dirty="0" smtClean="0">
+                <a:solidFill>
+                  <a:schemeClr val="bg1"/>
+                </a:solidFill>
+              </a:rPr>
+              <a:t>:</a:t>
+            </a:r>
+          </a:p>
+          <a:p>
+            <a:r>
+              <a:rPr lang="en-US" dirty="0" smtClean="0">
+                <a:solidFill>
+                  <a:schemeClr val="bg1"/>
+                </a:solidFill>
+              </a:rPr>
+              <a:t>     print</a:t>
+            </a:r>
+            <a:r>
+              <a:rPr lang="en-US" dirty="0" smtClean="0">
+                <a:solidFill>
+                  <a:srgbClr val="FECC36"/>
+                </a:solidFill>
+              </a:rPr>
+              <a:t>(</a:t>
+            </a:r>
+            <a:r>
+              <a:rPr lang="en-US" dirty="0">
+                <a:solidFill>
+                  <a:schemeClr val="bg1"/>
+                </a:solidFill>
+              </a:rPr>
+              <a:t>x</a:t>
+            </a:r>
+            <a:r>
+              <a:rPr lang="en-US" dirty="0" smtClean="0">
+                <a:solidFill>
+                  <a:srgbClr val="FECC36"/>
+                </a:solidFill>
+              </a:rPr>
+              <a:t>)</a:t>
+            </a:r>
+          </a:p>
+        </p:txBody>
+      </p:sp>
+      <p:sp>
+        <p:nvSpPr>
+          <p:cNvPr id="15" name="TextBox 14"/>
+          <p:cNvSpPr txBox="1"/>
+          <p:nvPr/>
+        </p:nvSpPr>
+        <p:spPr>
+          <a:xfrm>
+            <a:off x="4565767" y="1988742"/>
+            <a:ext cx="2585546" cy="369332"/>
+          </a:xfrm>
+          <a:prstGeom prst="rect">
+            <a:avLst/>
+          </a:prstGeom>
+          <a:noFill/>
+        </p:spPr>
+        <p:txBody>
+          <a:bodyPr wrap="square" rtlCol="0">
+            <a:spAutoFit/>
+          </a:bodyPr>
+          <a:lstStyle/>
+          <a:p>
+            <a:r>
+              <a:rPr lang="en-US" dirty="0" err="1" smtClean="0"/>
+              <a:t>Lặp</a:t>
+            </a:r>
+            <a:r>
+              <a:rPr lang="en-US" dirty="0" smtClean="0"/>
+              <a:t> qua </a:t>
+            </a:r>
+            <a:r>
+              <a:rPr lang="en-US" dirty="0" err="1" smtClean="0"/>
+              <a:t>một</a:t>
+            </a:r>
+            <a:r>
+              <a:rPr lang="en-US" dirty="0" smtClean="0"/>
+              <a:t> string</a:t>
+            </a:r>
+            <a:endParaRPr lang="en-US" b="1" dirty="0"/>
+          </a:p>
+        </p:txBody>
+      </p:sp>
+      <p:sp>
+        <p:nvSpPr>
+          <p:cNvPr id="16" name="TextBox 15"/>
+          <p:cNvSpPr txBox="1"/>
+          <p:nvPr/>
+        </p:nvSpPr>
+        <p:spPr>
+          <a:xfrm>
+            <a:off x="423468" y="3557818"/>
+            <a:ext cx="8333421" cy="369332"/>
+          </a:xfrm>
+          <a:prstGeom prst="rect">
+            <a:avLst/>
+          </a:prstGeom>
+          <a:noFill/>
+        </p:spPr>
+        <p:txBody>
+          <a:bodyPr wrap="square" rtlCol="0">
+            <a:spAutoFit/>
+          </a:bodyPr>
+          <a:lstStyle/>
+          <a:p>
+            <a:r>
+              <a:rPr lang="en-US" dirty="0" err="1" smtClean="0"/>
+              <a:t>Vòng</a:t>
+            </a:r>
+            <a:r>
+              <a:rPr lang="en-US" dirty="0" smtClean="0"/>
+              <a:t> </a:t>
+            </a:r>
+            <a:r>
+              <a:rPr lang="en-US" dirty="0" err="1" smtClean="0"/>
+              <a:t>lặp</a:t>
+            </a:r>
+            <a:r>
+              <a:rPr lang="en-US" dirty="0" smtClean="0"/>
+              <a:t> </a:t>
+            </a:r>
+            <a:r>
+              <a:rPr lang="en-US" dirty="0" err="1" smtClean="0"/>
+              <a:t>với</a:t>
+            </a:r>
+            <a:r>
+              <a:rPr lang="en-US" dirty="0" smtClean="0"/>
+              <a:t> </a:t>
+            </a:r>
+            <a:r>
+              <a:rPr lang="en-US" dirty="0" err="1" smtClean="0"/>
+              <a:t>câu</a:t>
+            </a:r>
+            <a:r>
+              <a:rPr lang="en-US" dirty="0" smtClean="0"/>
+              <a:t> </a:t>
+            </a:r>
+            <a:r>
+              <a:rPr lang="en-US" dirty="0" err="1" smtClean="0"/>
+              <a:t>lệnh</a:t>
+            </a:r>
+            <a:r>
+              <a:rPr lang="en-US" dirty="0" smtClean="0"/>
+              <a:t> </a:t>
+            </a:r>
+            <a:r>
+              <a:rPr lang="en-US" b="1" dirty="0"/>
+              <a:t>break </a:t>
+            </a:r>
+            <a:r>
+              <a:rPr lang="en-US" dirty="0" err="1"/>
+              <a:t>và</a:t>
+            </a:r>
+            <a:r>
+              <a:rPr lang="en-US" b="1" dirty="0"/>
+              <a:t> </a:t>
+            </a:r>
+            <a:r>
+              <a:rPr lang="en-US" b="1" dirty="0" smtClean="0"/>
+              <a:t>continue</a:t>
+            </a:r>
+            <a:r>
+              <a:rPr lang="en-US" dirty="0" smtClean="0"/>
+              <a:t>  </a:t>
+            </a:r>
+            <a:endParaRPr lang="en-US" b="1" dirty="0"/>
+          </a:p>
+        </p:txBody>
+      </p:sp>
+      <p:sp>
+        <p:nvSpPr>
+          <p:cNvPr id="17" name="Rectangle 16"/>
+          <p:cNvSpPr/>
+          <p:nvPr/>
+        </p:nvSpPr>
+        <p:spPr>
+          <a:xfrm>
+            <a:off x="548982" y="4093237"/>
+            <a:ext cx="4333928" cy="2328828"/>
+          </a:xfrm>
+          <a:prstGeom prst="rect">
+            <a:avLst/>
+          </a:prstGeom>
+          <a:solidFill>
+            <a:schemeClr val="tx1">
+              <a:lumMod val="85000"/>
+              <a:lumOff val="15000"/>
+            </a:schemeClr>
+          </a:solidFill>
+          <a:ln>
+            <a:noFill/>
+          </a:ln>
+        </p:spPr>
+        <p:style>
+          <a:lnRef idx="2">
+            <a:schemeClr val="accent1">
+              <a:shade val="50000"/>
+            </a:schemeClr>
+          </a:lnRef>
+          <a:fillRef idx="1">
+            <a:schemeClr val="accent1"/>
+          </a:fillRef>
+          <a:effectRef idx="0">
+            <a:schemeClr val="accent1"/>
+          </a:effectRef>
+          <a:fontRef idx="minor">
+            <a:schemeClr val="lt1"/>
+          </a:fontRef>
+        </p:style>
+        <p:txBody>
+          <a:bodyPr rtlCol="0" anchor="ctr"/>
+          <a:lstStyle/>
+          <a:p>
+            <a:pPr algn="ctr"/>
+            <a:endParaRPr lang="en-US"/>
+          </a:p>
+        </p:txBody>
+      </p:sp>
+      <p:sp>
+        <p:nvSpPr>
+          <p:cNvPr id="19" name="TextBox 18"/>
+          <p:cNvSpPr txBox="1"/>
+          <p:nvPr/>
+        </p:nvSpPr>
+        <p:spPr>
+          <a:xfrm>
+            <a:off x="749166" y="4243874"/>
+            <a:ext cx="3933560" cy="2031325"/>
+          </a:xfrm>
+          <a:prstGeom prst="rect">
+            <a:avLst/>
+          </a:prstGeom>
+          <a:noFill/>
+        </p:spPr>
+        <p:txBody>
+          <a:bodyPr wrap="square" rtlCol="0">
+            <a:spAutoFit/>
+          </a:bodyPr>
+          <a:lstStyle/>
+          <a:p>
+            <a:r>
+              <a:rPr lang="en-US" dirty="0" smtClean="0">
+                <a:solidFill>
+                  <a:schemeClr val="bg1"/>
+                </a:solidFill>
+              </a:rPr>
+              <a:t>x </a:t>
+            </a:r>
+            <a:r>
+              <a:rPr lang="en-US" dirty="0">
+                <a:solidFill>
+                  <a:schemeClr val="bg1"/>
+                </a:solidFill>
+              </a:rPr>
+              <a:t>=</a:t>
+            </a:r>
+            <a:r>
+              <a:rPr lang="en-US" dirty="0">
+                <a:solidFill>
+                  <a:schemeClr val="accent2">
+                    <a:lumMod val="75000"/>
+                  </a:schemeClr>
+                </a:solidFill>
+              </a:rPr>
+              <a:t> </a:t>
+            </a:r>
+            <a:r>
+              <a:rPr lang="en-US" dirty="0">
+                <a:solidFill>
+                  <a:schemeClr val="bg1"/>
+                </a:solidFill>
+              </a:rPr>
+              <a:t>range</a:t>
+            </a:r>
+            <a:r>
+              <a:rPr lang="en-US" dirty="0">
+                <a:solidFill>
+                  <a:srgbClr val="FFC500"/>
+                </a:solidFill>
+              </a:rPr>
+              <a:t>(</a:t>
+            </a:r>
+            <a:r>
+              <a:rPr lang="en-US" dirty="0">
+                <a:solidFill>
+                  <a:schemeClr val="accent6">
+                    <a:lumMod val="60000"/>
+                    <a:lumOff val="40000"/>
+                  </a:schemeClr>
+                </a:solidFill>
+              </a:rPr>
+              <a:t>1</a:t>
+            </a:r>
+            <a:r>
+              <a:rPr lang="en-US" dirty="0">
+                <a:solidFill>
+                  <a:schemeClr val="bg1"/>
+                </a:solidFill>
+              </a:rPr>
+              <a:t>, </a:t>
+            </a:r>
+            <a:r>
+              <a:rPr lang="en-US" dirty="0">
+                <a:solidFill>
+                  <a:schemeClr val="accent6">
+                    <a:lumMod val="60000"/>
+                    <a:lumOff val="40000"/>
+                  </a:schemeClr>
+                </a:solidFill>
+              </a:rPr>
+              <a:t>5</a:t>
+            </a:r>
+            <a:r>
+              <a:rPr lang="en-US" dirty="0" smtClean="0">
+                <a:solidFill>
+                  <a:srgbClr val="FFC500"/>
+                </a:solidFill>
+              </a:rPr>
+              <a:t>)</a:t>
+            </a:r>
+          </a:p>
+          <a:p>
+            <a:r>
+              <a:rPr lang="en-US" dirty="0" smtClean="0">
+                <a:solidFill>
+                  <a:srgbClr val="00B0F0"/>
+                </a:solidFill>
+              </a:rPr>
+              <a:t>for</a:t>
+            </a:r>
+            <a:r>
+              <a:rPr lang="en-US" dirty="0" smtClean="0">
+                <a:solidFill>
+                  <a:schemeClr val="bg1"/>
+                </a:solidFill>
+              </a:rPr>
+              <a:t> </a:t>
+            </a:r>
+            <a:r>
+              <a:rPr lang="en-US" dirty="0" err="1" smtClean="0">
+                <a:solidFill>
+                  <a:schemeClr val="bg1"/>
+                </a:solidFill>
+              </a:rPr>
+              <a:t>i</a:t>
+            </a:r>
+            <a:r>
+              <a:rPr lang="en-US" dirty="0" smtClean="0">
+                <a:solidFill>
+                  <a:schemeClr val="bg1"/>
+                </a:solidFill>
+              </a:rPr>
+              <a:t> </a:t>
+            </a:r>
+            <a:r>
+              <a:rPr lang="en-US" dirty="0">
+                <a:solidFill>
+                  <a:srgbClr val="00B0F0"/>
+                </a:solidFill>
+              </a:rPr>
+              <a:t>in</a:t>
+            </a:r>
+            <a:r>
+              <a:rPr lang="en-US" dirty="0">
+                <a:solidFill>
+                  <a:schemeClr val="bg1"/>
+                </a:solidFill>
+              </a:rPr>
+              <a:t> </a:t>
+            </a:r>
+            <a:r>
+              <a:rPr lang="en-US" dirty="0" smtClean="0">
+                <a:solidFill>
+                  <a:schemeClr val="bg1"/>
+                </a:solidFill>
+              </a:rPr>
+              <a:t>x:</a:t>
+            </a:r>
+            <a:endParaRPr lang="en-US" dirty="0" smtClean="0">
+              <a:solidFill>
+                <a:schemeClr val="bg1"/>
+              </a:solidFill>
+            </a:endParaRPr>
+          </a:p>
+          <a:p>
+            <a:r>
+              <a:rPr lang="en-US" dirty="0" smtClean="0">
+                <a:solidFill>
+                  <a:schemeClr val="bg1"/>
+                </a:solidFill>
+              </a:rPr>
+              <a:t>      </a:t>
+            </a:r>
+            <a:r>
+              <a:rPr lang="en-US" dirty="0" smtClean="0">
+                <a:solidFill>
+                  <a:srgbClr val="00B0F0"/>
+                </a:solidFill>
+              </a:rPr>
+              <a:t>if</a:t>
+            </a:r>
+            <a:r>
+              <a:rPr lang="en-US" dirty="0" smtClean="0">
+                <a:solidFill>
+                  <a:schemeClr val="bg1"/>
+                </a:solidFill>
+              </a:rPr>
+              <a:t> </a:t>
+            </a:r>
+            <a:r>
+              <a:rPr lang="en-US" dirty="0" err="1" smtClean="0">
+                <a:solidFill>
+                  <a:schemeClr val="bg1"/>
+                </a:solidFill>
+              </a:rPr>
+              <a:t>i</a:t>
+            </a:r>
+            <a:r>
+              <a:rPr lang="en-US" dirty="0" smtClean="0">
+                <a:solidFill>
+                  <a:schemeClr val="bg1"/>
+                </a:solidFill>
+              </a:rPr>
+              <a:t> </a:t>
+            </a:r>
+            <a:r>
+              <a:rPr lang="en-US" dirty="0">
+                <a:solidFill>
+                  <a:schemeClr val="bg1"/>
+                </a:solidFill>
+              </a:rPr>
+              <a:t>== </a:t>
+            </a:r>
+            <a:r>
+              <a:rPr lang="en-US" dirty="0" smtClean="0">
+                <a:solidFill>
+                  <a:schemeClr val="accent2">
+                    <a:lumMod val="75000"/>
+                  </a:schemeClr>
+                </a:solidFill>
+              </a:rPr>
+              <a:t>3</a:t>
+            </a:r>
+            <a:r>
+              <a:rPr lang="en-US" dirty="0" smtClean="0">
+                <a:solidFill>
+                  <a:schemeClr val="bg1"/>
+                </a:solidFill>
+              </a:rPr>
+              <a:t>:</a:t>
+            </a:r>
+            <a:endParaRPr lang="en-US" dirty="0" smtClean="0">
+              <a:solidFill>
+                <a:schemeClr val="bg1"/>
+              </a:solidFill>
+            </a:endParaRPr>
+          </a:p>
+          <a:p>
+            <a:r>
+              <a:rPr lang="en-US" dirty="0">
+                <a:solidFill>
+                  <a:schemeClr val="bg1"/>
+                </a:solidFill>
+              </a:rPr>
+              <a:t> </a:t>
+            </a:r>
+            <a:r>
+              <a:rPr lang="en-US" dirty="0" smtClean="0">
+                <a:solidFill>
+                  <a:schemeClr val="bg1"/>
+                </a:solidFill>
+              </a:rPr>
+              <a:t>           </a:t>
+            </a:r>
+            <a:r>
+              <a:rPr lang="en-US" dirty="0" smtClean="0">
+                <a:solidFill>
+                  <a:srgbClr val="00B0F0"/>
+                </a:solidFill>
+              </a:rPr>
+              <a:t>continue</a:t>
+            </a:r>
+            <a:r>
+              <a:rPr lang="en-US" dirty="0" smtClean="0">
+                <a:solidFill>
+                  <a:schemeClr val="bg1"/>
+                </a:solidFill>
+              </a:rPr>
+              <a:t> </a:t>
+            </a:r>
+            <a:endParaRPr lang="en-US" dirty="0" smtClean="0">
+              <a:solidFill>
+                <a:schemeClr val="bg1"/>
+              </a:solidFill>
+            </a:endParaRPr>
+          </a:p>
+          <a:p>
+            <a:r>
+              <a:rPr lang="en-US" dirty="0">
+                <a:solidFill>
+                  <a:schemeClr val="bg1"/>
+                </a:solidFill>
+              </a:rPr>
+              <a:t> </a:t>
+            </a:r>
+            <a:r>
+              <a:rPr lang="en-US" dirty="0" smtClean="0">
+                <a:solidFill>
+                  <a:schemeClr val="bg1"/>
+                </a:solidFill>
+              </a:rPr>
+              <a:t>     </a:t>
+            </a:r>
+            <a:r>
+              <a:rPr lang="en-US" dirty="0" smtClean="0">
+                <a:solidFill>
+                  <a:schemeClr val="bg1"/>
+                </a:solidFill>
+              </a:rPr>
+              <a:t>print(</a:t>
+            </a:r>
+            <a:r>
+              <a:rPr lang="en-US" dirty="0" err="1" smtClean="0">
+                <a:solidFill>
+                  <a:schemeClr val="bg1"/>
+                </a:solidFill>
+              </a:rPr>
+              <a:t>i</a:t>
+            </a:r>
+            <a:r>
+              <a:rPr lang="en-US" dirty="0" smtClean="0">
+                <a:solidFill>
+                  <a:schemeClr val="bg1"/>
+                </a:solidFill>
+              </a:rPr>
+              <a:t>) </a:t>
+            </a:r>
+            <a:endParaRPr lang="en-US" dirty="0" smtClean="0">
+              <a:solidFill>
+                <a:schemeClr val="bg1"/>
+              </a:solidFill>
+            </a:endParaRPr>
+          </a:p>
+          <a:p>
+            <a:r>
+              <a:rPr lang="en-US" dirty="0">
+                <a:solidFill>
+                  <a:schemeClr val="bg1"/>
+                </a:solidFill>
+              </a:rPr>
+              <a:t> </a:t>
+            </a:r>
+            <a:r>
+              <a:rPr lang="en-US" dirty="0" smtClean="0">
+                <a:solidFill>
+                  <a:schemeClr val="bg1"/>
+                </a:solidFill>
+              </a:rPr>
+              <a:t>     </a:t>
+            </a:r>
+            <a:r>
+              <a:rPr lang="en-US" dirty="0" smtClean="0">
+                <a:solidFill>
+                  <a:srgbClr val="00B0F0"/>
+                </a:solidFill>
+              </a:rPr>
+              <a:t>if</a:t>
+            </a:r>
+            <a:r>
+              <a:rPr lang="en-US" dirty="0" smtClean="0">
+                <a:solidFill>
+                  <a:schemeClr val="bg1"/>
+                </a:solidFill>
+              </a:rPr>
+              <a:t> </a:t>
+            </a:r>
+            <a:r>
+              <a:rPr lang="en-US" dirty="0" err="1" smtClean="0">
+                <a:solidFill>
+                  <a:schemeClr val="bg1"/>
+                </a:solidFill>
+              </a:rPr>
+              <a:t>i</a:t>
+            </a:r>
+            <a:r>
+              <a:rPr lang="en-US" dirty="0" smtClean="0">
+                <a:solidFill>
+                  <a:schemeClr val="bg1"/>
+                </a:solidFill>
+              </a:rPr>
+              <a:t> </a:t>
+            </a:r>
+            <a:r>
+              <a:rPr lang="en-US" dirty="0">
+                <a:solidFill>
+                  <a:schemeClr val="bg1"/>
+                </a:solidFill>
+              </a:rPr>
+              <a:t>== </a:t>
+            </a:r>
+            <a:r>
+              <a:rPr lang="en-US" dirty="0" smtClean="0">
+                <a:solidFill>
+                  <a:schemeClr val="accent2">
+                    <a:lumMod val="75000"/>
+                  </a:schemeClr>
+                </a:solidFill>
+              </a:rPr>
+              <a:t>4</a:t>
+            </a:r>
+            <a:r>
+              <a:rPr lang="en-US" dirty="0" smtClean="0">
+                <a:solidFill>
+                  <a:schemeClr val="bg1"/>
+                </a:solidFill>
+              </a:rPr>
+              <a:t>:</a:t>
+            </a:r>
+            <a:endParaRPr lang="en-US" dirty="0" smtClean="0">
+              <a:solidFill>
+                <a:schemeClr val="bg1"/>
+              </a:solidFill>
+            </a:endParaRPr>
+          </a:p>
+          <a:p>
+            <a:r>
+              <a:rPr lang="en-US" dirty="0">
+                <a:solidFill>
+                  <a:schemeClr val="bg1"/>
+                </a:solidFill>
+              </a:rPr>
+              <a:t> </a:t>
+            </a:r>
+            <a:r>
+              <a:rPr lang="en-US" dirty="0" smtClean="0">
+                <a:solidFill>
+                  <a:schemeClr val="bg1"/>
+                </a:solidFill>
+              </a:rPr>
+              <a:t>           </a:t>
+            </a:r>
+            <a:r>
+              <a:rPr lang="en-US" dirty="0" smtClean="0">
+                <a:solidFill>
+                  <a:srgbClr val="00B0F0"/>
+                </a:solidFill>
+              </a:rPr>
+              <a:t>break</a:t>
+            </a:r>
+            <a:endParaRPr lang="en-US" dirty="0" smtClean="0">
+              <a:solidFill>
+                <a:srgbClr val="00B0F0"/>
+              </a:solidFill>
+            </a:endParaRPr>
+          </a:p>
+        </p:txBody>
+      </p:sp>
+      <p:sp>
+        <p:nvSpPr>
+          <p:cNvPr id="20" name="TextBox 19"/>
+          <p:cNvSpPr txBox="1"/>
+          <p:nvPr/>
+        </p:nvSpPr>
+        <p:spPr>
+          <a:xfrm>
+            <a:off x="5059263" y="4142609"/>
+            <a:ext cx="3436151" cy="2062103"/>
+          </a:xfrm>
+          <a:prstGeom prst="rect">
+            <a:avLst/>
+          </a:prstGeom>
+          <a:noFill/>
+        </p:spPr>
+        <p:txBody>
+          <a:bodyPr wrap="square" rtlCol="0">
+            <a:spAutoFit/>
+          </a:bodyPr>
+          <a:lstStyle/>
+          <a:p>
+            <a:r>
+              <a:rPr lang="vi-VN" sz="1600" dirty="0"/>
+              <a:t>Trong ví dụ trên, khi gặp phần tử có giá trị là </a:t>
+            </a:r>
+            <a:r>
+              <a:rPr lang="vi-VN" sz="1600" dirty="0" smtClean="0"/>
+              <a:t>“</a:t>
+            </a:r>
+            <a:r>
+              <a:rPr lang="en-US" sz="1600" dirty="0" smtClean="0"/>
+              <a:t>3</a:t>
+            </a:r>
+            <a:r>
+              <a:rPr lang="vi-VN" sz="1600" dirty="0" smtClean="0"/>
+              <a:t>", </a:t>
+            </a:r>
+            <a:r>
+              <a:rPr lang="vi-VN" sz="1600" dirty="0"/>
+              <a:t>câu lệnh "continue" sẽ được thực thi, bỏ qua các câu lệnh phía dưới và chuyển đến phần tử tiếp theo trong vòng lặp. Khi gặp phần tử có giá trị là </a:t>
+            </a:r>
+            <a:r>
+              <a:rPr lang="vi-VN" sz="1600" dirty="0" smtClean="0"/>
+              <a:t>“</a:t>
+            </a:r>
+            <a:r>
+              <a:rPr lang="en-US" sz="1600" dirty="0" smtClean="0"/>
+              <a:t>4</a:t>
+            </a:r>
+            <a:r>
+              <a:rPr lang="vi-VN" sz="1600" dirty="0" smtClean="0"/>
+              <a:t>", </a:t>
+            </a:r>
+            <a:r>
+              <a:rPr lang="vi-VN" sz="1600" dirty="0"/>
+              <a:t>câu lệnh "break" được thực thi, thoát khỏi vòng lặp ngay lập tức.</a:t>
+            </a:r>
+            <a:endParaRPr lang="en-US" sz="1600" b="1" dirty="0"/>
+          </a:p>
+        </p:txBody>
+      </p:sp>
+    </p:spTree>
+    <p:extLst>
+      <p:ext uri="{BB962C8B-B14F-4D97-AF65-F5344CB8AC3E}">
+        <p14:creationId xmlns:p14="http://schemas.microsoft.com/office/powerpoint/2010/main" val="2356822806"/>
+      </p:ext>
+    </p:extLst>
+  </p:cSld>
+  <p:clrMapOvr>
+    <a:masterClrMapping/>
+  </p:clrMapOvr>
+  <p:timing>
+    <p:tnLst>
+      <p:par>
+        <p:cTn id="1" dur="indefinite" restart="never" nodeType="tmRoot"/>
+      </p:par>
+    </p:tnLst>
+  </p:timing>
+</p:sld>
+</file>
+
+<file path=ppt/slides/slide22.xml><?xml version="1.0" encoding="utf-8"?>
+<p:sld xmlns:a="http://schemas.openxmlformats.org/drawingml/2006/main" xmlns:r="http://schemas.openxmlformats.org/officeDocument/2006/relationships" xmlns:p="http://schemas.openxmlformats.org/presentationml/2006/main">
+  <p:cSld>
+    <p:spTree>
+      <p:nvGrpSpPr>
+        <p:cNvPr id="1" name=""/>
+        <p:cNvGrpSpPr/>
+        <p:nvPr/>
+      </p:nvGrpSpPr>
+      <p:grpSpPr>
+        <a:xfrm>
+          <a:off x="0" y="0"/>
+          <a:ext cx="0" cy="0"/>
+          <a:chOff x="0" y="0"/>
+          <a:chExt cx="0" cy="0"/>
+        </a:xfrm>
+      </p:grpSpPr>
+      <p:sp>
+        <p:nvSpPr>
+          <p:cNvPr id="2" name="Slide Number Placeholder 1"/>
+          <p:cNvSpPr>
+            <a:spLocks noGrp="1"/>
+          </p:cNvSpPr>
+          <p:nvPr>
+            <p:ph type="sldNum" sz="quarter" idx="12"/>
+          </p:nvPr>
+        </p:nvSpPr>
+        <p:spPr/>
+        <p:txBody>
+          <a:bodyPr/>
+          <a:lstStyle/>
+          <a:p>
+            <a:fld id="{7D9EC917-02A2-4152-9EE3-DFE2775A77C7}" type="slidenum">
+              <a:rPr lang="en-US" smtClean="0"/>
+              <a:pPr/>
+              <a:t>22</a:t>
+            </a:fld>
+            <a:endParaRPr lang="en-US"/>
+          </a:p>
+        </p:txBody>
+      </p:sp>
+      <p:sp>
+        <p:nvSpPr>
+          <p:cNvPr id="3" name="Text Placeholder 2"/>
+          <p:cNvSpPr>
+            <a:spLocks noGrp="1"/>
+          </p:cNvSpPr>
+          <p:nvPr>
+            <p:ph type="body" sz="quarter" idx="13"/>
+          </p:nvPr>
+        </p:nvSpPr>
+        <p:spPr/>
+        <p:txBody>
+          <a:bodyPr/>
+          <a:lstStyle/>
+          <a:p>
+            <a:r>
+              <a:rPr lang="en-US" dirty="0" smtClean="0"/>
+              <a:t>3.4 </a:t>
+            </a:r>
+            <a:r>
+              <a:rPr lang="en-US" dirty="0" err="1" smtClean="0"/>
+              <a:t>Vòng</a:t>
+            </a:r>
+            <a:r>
+              <a:rPr lang="en-US" dirty="0" smtClean="0"/>
+              <a:t> </a:t>
+            </a:r>
+            <a:r>
+              <a:rPr lang="en-US" dirty="0" err="1" smtClean="0"/>
+              <a:t>lặp</a:t>
+            </a:r>
+            <a:r>
+              <a:rPr lang="en-US" dirty="0" smtClean="0"/>
+              <a:t> </a:t>
+            </a:r>
+            <a:r>
+              <a:rPr lang="en-US" dirty="0" err="1" smtClean="0"/>
+              <a:t>trong</a:t>
+            </a:r>
+            <a:r>
+              <a:rPr lang="en-US" dirty="0" smtClean="0"/>
+              <a:t> Python</a:t>
+            </a:r>
+            <a:endParaRPr lang="en-US" dirty="0"/>
+          </a:p>
+        </p:txBody>
+      </p:sp>
+      <p:pic>
+        <p:nvPicPr>
+          <p:cNvPr id="4" name="Picture 2" descr="https://www.python.org/static/apple-touch-icon-precomposed.png"/>
+          <p:cNvPicPr>
+            <a:picLocks noChangeAspect="1" noChangeArrowheads="1"/>
+          </p:cNvPicPr>
+          <p:nvPr/>
+        </p:nvPicPr>
+        <p:blipFill>
+          <a:blip r:embed="rId2">
+            <a:extLst>
+              <a:ext uri="{28A0092B-C50C-407E-A947-70E740481C1C}">
+                <a14:useLocalDpi xmlns:a14="http://schemas.microsoft.com/office/drawing/2010/main" val="0"/>
+              </a:ext>
+            </a:extLst>
+          </a:blip>
+          <a:srcRect/>
+          <a:stretch>
+            <a:fillRect/>
+          </a:stretch>
+        </p:blipFill>
+        <p:spPr bwMode="auto">
+          <a:xfrm>
+            <a:off x="548981" y="1479187"/>
+            <a:ext cx="450480" cy="450481"/>
+          </a:xfrm>
+          <a:prstGeom prst="rect">
+            <a:avLst/>
+          </a:prstGeom>
+          <a:noFill/>
+          <a:extLst>
+            <a:ext uri="{909E8E84-426E-40DD-AFC4-6F175D3DCCD1}">
+              <a14:hiddenFill xmlns:a14="http://schemas.microsoft.com/office/drawing/2010/main">
+                <a:solidFill>
+                  <a:srgbClr val="FFFFFF"/>
+                </a:solidFill>
+              </a14:hiddenFill>
+            </a:ext>
+          </a:extLst>
+        </p:spPr>
+      </p:pic>
+      <p:sp>
+        <p:nvSpPr>
+          <p:cNvPr id="5" name="TextBox 4"/>
+          <p:cNvSpPr txBox="1"/>
+          <p:nvPr/>
+        </p:nvSpPr>
+        <p:spPr>
+          <a:xfrm>
+            <a:off x="1041993" y="1519761"/>
+            <a:ext cx="7068814" cy="369332"/>
+          </a:xfrm>
+          <a:prstGeom prst="rect">
+            <a:avLst/>
+          </a:prstGeom>
+          <a:noFill/>
+        </p:spPr>
+        <p:txBody>
+          <a:bodyPr wrap="square" rtlCol="0">
+            <a:spAutoFit/>
+          </a:bodyPr>
+          <a:lstStyle/>
+          <a:p>
+            <a:r>
+              <a:rPr lang="en-US" b="1" dirty="0" err="1" smtClean="0"/>
+              <a:t>Vòng</a:t>
+            </a:r>
+            <a:r>
+              <a:rPr lang="en-US" b="1" dirty="0" smtClean="0"/>
+              <a:t> </a:t>
+            </a:r>
+            <a:r>
+              <a:rPr lang="en-US" b="1" dirty="0" err="1" smtClean="0"/>
+              <a:t>lặp</a:t>
+            </a:r>
+            <a:r>
+              <a:rPr lang="en-US" b="1" dirty="0" smtClean="0"/>
+              <a:t> while</a:t>
+            </a:r>
+            <a:endParaRPr lang="en-US" b="1" dirty="0"/>
+          </a:p>
+        </p:txBody>
+      </p:sp>
+      <p:sp>
+        <p:nvSpPr>
+          <p:cNvPr id="18" name="TextBox 17"/>
+          <p:cNvSpPr txBox="1"/>
+          <p:nvPr/>
+        </p:nvSpPr>
+        <p:spPr>
+          <a:xfrm>
+            <a:off x="548981" y="1988742"/>
+            <a:ext cx="8207908" cy="646331"/>
+          </a:xfrm>
+          <a:prstGeom prst="rect">
+            <a:avLst/>
+          </a:prstGeom>
+          <a:noFill/>
+        </p:spPr>
+        <p:txBody>
+          <a:bodyPr wrap="square" rtlCol="0">
+            <a:spAutoFit/>
+          </a:bodyPr>
+          <a:lstStyle/>
+          <a:p>
+            <a:r>
+              <a:rPr lang="vi-VN" dirty="0"/>
+              <a:t>Vòng lặp "while" được sử dụng để lặp lại một khối mã miễn là điều kiện </a:t>
+            </a:r>
+            <a:r>
+              <a:rPr lang="vi-VN" b="1" dirty="0"/>
+              <a:t>đúng</a:t>
+            </a:r>
+            <a:r>
+              <a:rPr lang="vi-VN" dirty="0"/>
+              <a:t> (True). Cú pháp của vòng lặp "while" như sau:</a:t>
+            </a:r>
+            <a:endParaRPr lang="en-US" b="1" dirty="0"/>
+          </a:p>
+        </p:txBody>
+      </p:sp>
+      <p:sp>
+        <p:nvSpPr>
+          <p:cNvPr id="21" name="TextBox 20"/>
+          <p:cNvSpPr txBox="1"/>
+          <p:nvPr/>
+        </p:nvSpPr>
+        <p:spPr>
+          <a:xfrm>
+            <a:off x="581918" y="2792133"/>
+            <a:ext cx="7988963" cy="830997"/>
+          </a:xfrm>
+          <a:prstGeom prst="rect">
+            <a:avLst/>
+          </a:prstGeom>
+          <a:noFill/>
+        </p:spPr>
+        <p:txBody>
+          <a:bodyPr wrap="square" rtlCol="0">
+            <a:spAutoFit/>
+          </a:bodyPr>
+          <a:lstStyle/>
+          <a:p>
+            <a:r>
+              <a:rPr lang="en-US" sz="2400" b="1" dirty="0" smtClean="0"/>
+              <a:t>while </a:t>
+            </a:r>
+            <a:r>
+              <a:rPr lang="en-US" sz="2400" b="1" dirty="0" smtClean="0">
+                <a:solidFill>
+                  <a:schemeClr val="accent2">
+                    <a:lumMod val="75000"/>
+                  </a:schemeClr>
+                </a:solidFill>
+              </a:rPr>
+              <a:t>&lt;điều kiện kiểm tra&gt;</a:t>
+            </a:r>
+            <a:r>
+              <a:rPr lang="en-US" sz="2400" b="1" dirty="0" smtClean="0"/>
+              <a:t>:</a:t>
+            </a:r>
+          </a:p>
+          <a:p>
+            <a:r>
+              <a:rPr lang="en-US" sz="2400" b="1" dirty="0">
+                <a:solidFill>
+                  <a:srgbClr val="FF0000"/>
+                </a:solidFill>
+              </a:rPr>
+              <a:t> </a:t>
+            </a:r>
+            <a:r>
+              <a:rPr lang="en-US" sz="2400" b="1" dirty="0" smtClean="0">
+                <a:solidFill>
+                  <a:srgbClr val="FF0000"/>
+                </a:solidFill>
+              </a:rPr>
+              <a:t>   </a:t>
+            </a:r>
+            <a:r>
+              <a:rPr lang="en-US" sz="2400" b="1" dirty="0">
+                <a:solidFill>
+                  <a:schemeClr val="accent6">
+                    <a:lumMod val="50000"/>
+                  </a:schemeClr>
+                </a:solidFill>
+              </a:rPr>
+              <a:t># Các câu lệnh thực thi </a:t>
+            </a:r>
+            <a:r>
+              <a:rPr lang="en-US" sz="2400" b="1" dirty="0" smtClean="0">
+                <a:solidFill>
+                  <a:schemeClr val="accent6">
+                    <a:lumMod val="50000"/>
+                  </a:schemeClr>
+                </a:solidFill>
+              </a:rPr>
+              <a:t>khi điều kiện đúng</a:t>
+            </a:r>
+            <a:endParaRPr lang="en-US" sz="2400" b="1" dirty="0">
+              <a:solidFill>
+                <a:schemeClr val="accent6">
+                  <a:lumMod val="50000"/>
+                </a:schemeClr>
+              </a:solidFill>
+            </a:endParaRPr>
+          </a:p>
+        </p:txBody>
+      </p:sp>
+      <p:sp>
+        <p:nvSpPr>
+          <p:cNvPr id="22" name="TextBox 21"/>
+          <p:cNvSpPr txBox="1"/>
+          <p:nvPr/>
+        </p:nvSpPr>
+        <p:spPr>
+          <a:xfrm>
+            <a:off x="548981" y="3884121"/>
+            <a:ext cx="8333421" cy="646331"/>
+          </a:xfrm>
+          <a:prstGeom prst="rect">
+            <a:avLst/>
+          </a:prstGeom>
+          <a:noFill/>
+        </p:spPr>
+        <p:txBody>
+          <a:bodyPr wrap="square" rtlCol="0">
+            <a:spAutoFit/>
+          </a:bodyPr>
+          <a:lstStyle/>
+          <a:p>
+            <a:r>
+              <a:rPr lang="en-US" b="1" dirty="0"/>
+              <a:t>"condition" </a:t>
+            </a:r>
+            <a:r>
+              <a:rPr lang="en-US" dirty="0" err="1"/>
+              <a:t>là</a:t>
+            </a:r>
+            <a:r>
+              <a:rPr lang="en-US" dirty="0"/>
+              <a:t> </a:t>
+            </a:r>
+            <a:r>
+              <a:rPr lang="en-US" dirty="0" err="1"/>
+              <a:t>một</a:t>
+            </a:r>
+            <a:r>
+              <a:rPr lang="en-US" dirty="0"/>
+              <a:t> </a:t>
+            </a:r>
+            <a:r>
+              <a:rPr lang="en-US" dirty="0" err="1"/>
+              <a:t>biểu</a:t>
+            </a:r>
+            <a:r>
+              <a:rPr lang="en-US" dirty="0"/>
+              <a:t> </a:t>
+            </a:r>
+            <a:r>
+              <a:rPr lang="en-US" dirty="0" err="1"/>
+              <a:t>thức</a:t>
+            </a:r>
+            <a:r>
+              <a:rPr lang="en-US" dirty="0"/>
+              <a:t> </a:t>
+            </a:r>
+            <a:r>
+              <a:rPr lang="en-US" dirty="0" err="1"/>
+              <a:t>hoặc</a:t>
+            </a:r>
+            <a:r>
+              <a:rPr lang="en-US" dirty="0"/>
+              <a:t> </a:t>
+            </a:r>
+            <a:r>
+              <a:rPr lang="en-US" dirty="0" err="1"/>
+              <a:t>một</a:t>
+            </a:r>
+            <a:r>
+              <a:rPr lang="en-US" dirty="0"/>
+              <a:t> </a:t>
+            </a:r>
+            <a:r>
+              <a:rPr lang="en-US" dirty="0" err="1"/>
+              <a:t>điều</a:t>
+            </a:r>
+            <a:r>
+              <a:rPr lang="en-US" dirty="0"/>
+              <a:t> </a:t>
+            </a:r>
+            <a:r>
+              <a:rPr lang="en-US" dirty="0" err="1"/>
+              <a:t>kiện</a:t>
+            </a:r>
+            <a:r>
+              <a:rPr lang="en-US" dirty="0"/>
+              <a:t> logic. </a:t>
+            </a:r>
+            <a:r>
+              <a:rPr lang="en-US" dirty="0" err="1"/>
+              <a:t>Vòng</a:t>
+            </a:r>
+            <a:r>
+              <a:rPr lang="en-US" dirty="0"/>
+              <a:t> </a:t>
+            </a:r>
+            <a:r>
+              <a:rPr lang="en-US" dirty="0" err="1"/>
+              <a:t>lặp</a:t>
+            </a:r>
+            <a:r>
+              <a:rPr lang="en-US" dirty="0"/>
+              <a:t> </a:t>
+            </a:r>
+            <a:r>
+              <a:rPr lang="en-US" dirty="0" err="1"/>
+              <a:t>sẽ</a:t>
+            </a:r>
+            <a:r>
+              <a:rPr lang="en-US" dirty="0"/>
+              <a:t> </a:t>
+            </a:r>
+            <a:r>
+              <a:rPr lang="en-US" dirty="0" err="1"/>
+              <a:t>tiếp</a:t>
+            </a:r>
+            <a:r>
+              <a:rPr lang="en-US" dirty="0"/>
+              <a:t> </a:t>
+            </a:r>
+            <a:r>
+              <a:rPr lang="en-US" dirty="0" err="1"/>
+              <a:t>tục</a:t>
+            </a:r>
+            <a:r>
+              <a:rPr lang="en-US" dirty="0"/>
+              <a:t> </a:t>
+            </a:r>
+            <a:r>
+              <a:rPr lang="en-US" dirty="0" err="1"/>
+              <a:t>lặp</a:t>
+            </a:r>
+            <a:r>
+              <a:rPr lang="en-US" dirty="0"/>
+              <a:t> </a:t>
+            </a:r>
+            <a:r>
+              <a:rPr lang="en-US" dirty="0" err="1"/>
+              <a:t>lại</a:t>
+            </a:r>
+            <a:r>
+              <a:rPr lang="en-US" dirty="0"/>
+              <a:t> </a:t>
+            </a:r>
+            <a:r>
+              <a:rPr lang="en-US" dirty="0" err="1"/>
+              <a:t>cho</a:t>
+            </a:r>
+            <a:r>
+              <a:rPr lang="en-US" dirty="0"/>
+              <a:t> </a:t>
+            </a:r>
+            <a:r>
+              <a:rPr lang="en-US" dirty="0" err="1"/>
+              <a:t>đến</a:t>
+            </a:r>
+            <a:r>
+              <a:rPr lang="en-US" dirty="0"/>
+              <a:t> </a:t>
+            </a:r>
+            <a:r>
+              <a:rPr lang="en-US" dirty="0" err="1"/>
+              <a:t>khi</a:t>
+            </a:r>
+            <a:r>
+              <a:rPr lang="en-US" dirty="0"/>
+              <a:t> </a:t>
+            </a:r>
+            <a:r>
+              <a:rPr lang="en-US" dirty="0" err="1"/>
+              <a:t>điều</a:t>
+            </a:r>
+            <a:r>
+              <a:rPr lang="en-US" dirty="0"/>
+              <a:t> </a:t>
+            </a:r>
+            <a:r>
+              <a:rPr lang="en-US" dirty="0" err="1"/>
+              <a:t>kiện</a:t>
+            </a:r>
+            <a:r>
+              <a:rPr lang="en-US" dirty="0"/>
+              <a:t> </a:t>
+            </a:r>
+            <a:r>
+              <a:rPr lang="en-US" dirty="0" err="1"/>
+              <a:t>này</a:t>
+            </a:r>
+            <a:r>
+              <a:rPr lang="en-US" dirty="0"/>
+              <a:t> </a:t>
+            </a:r>
+            <a:r>
+              <a:rPr lang="en-US" dirty="0" err="1"/>
+              <a:t>trở</a:t>
+            </a:r>
+            <a:r>
+              <a:rPr lang="en-US" dirty="0"/>
+              <a:t> </a:t>
+            </a:r>
+            <a:r>
+              <a:rPr lang="en-US" dirty="0" err="1"/>
+              <a:t>thành</a:t>
+            </a:r>
+            <a:r>
+              <a:rPr lang="en-US" dirty="0"/>
+              <a:t> </a:t>
+            </a:r>
+            <a:r>
+              <a:rPr lang="en-US" dirty="0" err="1"/>
+              <a:t>sai</a:t>
+            </a:r>
+            <a:r>
+              <a:rPr lang="en-US" dirty="0"/>
+              <a:t> (False).</a:t>
+            </a:r>
+            <a:endParaRPr lang="en-US" b="1" dirty="0"/>
+          </a:p>
+        </p:txBody>
+      </p:sp>
+      <p:sp>
+        <p:nvSpPr>
+          <p:cNvPr id="23" name="Rectangle 22"/>
+          <p:cNvSpPr/>
+          <p:nvPr/>
+        </p:nvSpPr>
+        <p:spPr>
+          <a:xfrm>
+            <a:off x="687205" y="4781645"/>
+            <a:ext cx="3310637" cy="1431823"/>
+          </a:xfrm>
+          <a:prstGeom prst="rect">
+            <a:avLst/>
+          </a:prstGeom>
+          <a:solidFill>
+            <a:schemeClr val="tx1">
+              <a:lumMod val="85000"/>
+              <a:lumOff val="15000"/>
+            </a:schemeClr>
+          </a:solidFill>
+          <a:ln>
+            <a:noFill/>
+          </a:ln>
+        </p:spPr>
+        <p:style>
+          <a:lnRef idx="2">
+            <a:schemeClr val="accent1">
+              <a:shade val="50000"/>
+            </a:schemeClr>
+          </a:lnRef>
+          <a:fillRef idx="1">
+            <a:schemeClr val="accent1"/>
+          </a:fillRef>
+          <a:effectRef idx="0">
+            <a:schemeClr val="accent1"/>
+          </a:effectRef>
+          <a:fontRef idx="minor">
+            <a:schemeClr val="lt1"/>
+          </a:fontRef>
+        </p:style>
+        <p:txBody>
+          <a:bodyPr rtlCol="0" anchor="ctr"/>
+          <a:lstStyle/>
+          <a:p>
+            <a:pPr algn="ctr"/>
+            <a:endParaRPr lang="en-US"/>
+          </a:p>
+        </p:txBody>
+      </p:sp>
+      <p:sp>
+        <p:nvSpPr>
+          <p:cNvPr id="24" name="TextBox 23"/>
+          <p:cNvSpPr txBox="1"/>
+          <p:nvPr/>
+        </p:nvSpPr>
+        <p:spPr>
+          <a:xfrm>
+            <a:off x="887389" y="4874558"/>
+            <a:ext cx="3206146" cy="1200329"/>
+          </a:xfrm>
+          <a:prstGeom prst="rect">
+            <a:avLst/>
+          </a:prstGeom>
+          <a:noFill/>
+        </p:spPr>
+        <p:txBody>
+          <a:bodyPr wrap="square" rtlCol="0">
+            <a:spAutoFit/>
+          </a:bodyPr>
+          <a:lstStyle/>
+          <a:p>
+            <a:r>
+              <a:rPr lang="en-US" dirty="0">
+                <a:solidFill>
+                  <a:schemeClr val="bg1"/>
+                </a:solidFill>
+              </a:rPr>
+              <a:t>count = </a:t>
+            </a:r>
+            <a:r>
+              <a:rPr lang="en-US" dirty="0">
+                <a:solidFill>
+                  <a:schemeClr val="accent6">
+                    <a:lumMod val="60000"/>
+                    <a:lumOff val="40000"/>
+                  </a:schemeClr>
+                </a:solidFill>
+              </a:rPr>
+              <a:t>0</a:t>
+            </a:r>
+            <a:r>
+              <a:rPr lang="en-US" dirty="0">
+                <a:solidFill>
+                  <a:schemeClr val="bg1"/>
+                </a:solidFill>
+              </a:rPr>
+              <a:t> </a:t>
+            </a:r>
+            <a:endParaRPr lang="en-US" dirty="0" smtClean="0">
+              <a:solidFill>
+                <a:schemeClr val="bg1"/>
+              </a:solidFill>
+            </a:endParaRPr>
+          </a:p>
+          <a:p>
+            <a:r>
+              <a:rPr lang="en-US" dirty="0" smtClean="0">
+                <a:solidFill>
+                  <a:srgbClr val="00B0F0"/>
+                </a:solidFill>
+              </a:rPr>
+              <a:t>while</a:t>
+            </a:r>
+            <a:r>
+              <a:rPr lang="en-US" dirty="0" smtClean="0">
+                <a:solidFill>
+                  <a:schemeClr val="bg1"/>
+                </a:solidFill>
+              </a:rPr>
+              <a:t> </a:t>
+            </a:r>
+            <a:r>
+              <a:rPr lang="en-US" dirty="0">
+                <a:solidFill>
+                  <a:schemeClr val="bg1"/>
+                </a:solidFill>
+              </a:rPr>
+              <a:t>count &lt; </a:t>
+            </a:r>
+            <a:r>
+              <a:rPr lang="en-US" dirty="0">
+                <a:solidFill>
+                  <a:schemeClr val="accent6">
+                    <a:lumMod val="60000"/>
+                    <a:lumOff val="40000"/>
+                  </a:schemeClr>
+                </a:solidFill>
+              </a:rPr>
+              <a:t>5</a:t>
+            </a:r>
+            <a:r>
+              <a:rPr lang="en-US" dirty="0">
+                <a:solidFill>
+                  <a:schemeClr val="bg1"/>
+                </a:solidFill>
+              </a:rPr>
+              <a:t>: </a:t>
+            </a:r>
+            <a:endParaRPr lang="en-US" dirty="0" smtClean="0">
+              <a:solidFill>
+                <a:schemeClr val="bg1"/>
+              </a:solidFill>
+            </a:endParaRPr>
+          </a:p>
+          <a:p>
+            <a:r>
+              <a:rPr lang="en-US" dirty="0">
+                <a:solidFill>
+                  <a:schemeClr val="bg1"/>
+                </a:solidFill>
+              </a:rPr>
+              <a:t> </a:t>
+            </a:r>
+            <a:r>
+              <a:rPr lang="en-US" dirty="0" smtClean="0">
+                <a:solidFill>
+                  <a:schemeClr val="bg1"/>
+                </a:solidFill>
+              </a:rPr>
+              <a:t>        print</a:t>
+            </a:r>
+            <a:r>
+              <a:rPr lang="en-US" dirty="0" smtClean="0">
+                <a:solidFill>
+                  <a:srgbClr val="FFC000"/>
+                </a:solidFill>
+              </a:rPr>
+              <a:t>(</a:t>
+            </a:r>
+            <a:r>
+              <a:rPr lang="en-US" dirty="0" smtClean="0">
+                <a:solidFill>
+                  <a:schemeClr val="bg1"/>
+                </a:solidFill>
+              </a:rPr>
+              <a:t>count</a:t>
+            </a:r>
+            <a:r>
+              <a:rPr lang="en-US" dirty="0">
+                <a:solidFill>
+                  <a:srgbClr val="FFC000"/>
+                </a:solidFill>
+              </a:rPr>
+              <a:t>)</a:t>
+            </a:r>
+            <a:r>
+              <a:rPr lang="en-US" dirty="0">
+                <a:solidFill>
+                  <a:schemeClr val="bg1"/>
+                </a:solidFill>
+              </a:rPr>
+              <a:t> </a:t>
+            </a:r>
+            <a:endParaRPr lang="en-US" dirty="0" smtClean="0">
+              <a:solidFill>
+                <a:schemeClr val="bg1"/>
+              </a:solidFill>
+            </a:endParaRPr>
+          </a:p>
+          <a:p>
+            <a:r>
+              <a:rPr lang="en-US" dirty="0">
+                <a:solidFill>
+                  <a:schemeClr val="bg1"/>
+                </a:solidFill>
+              </a:rPr>
+              <a:t> </a:t>
+            </a:r>
+            <a:r>
+              <a:rPr lang="en-US" dirty="0" smtClean="0">
+                <a:solidFill>
+                  <a:schemeClr val="bg1"/>
+                </a:solidFill>
+              </a:rPr>
+              <a:t>        count </a:t>
+            </a:r>
+            <a:r>
+              <a:rPr lang="en-US" dirty="0">
+                <a:solidFill>
+                  <a:schemeClr val="bg1"/>
+                </a:solidFill>
+              </a:rPr>
+              <a:t>+= </a:t>
+            </a:r>
+            <a:r>
+              <a:rPr lang="en-US" dirty="0">
+                <a:solidFill>
+                  <a:schemeClr val="accent6">
+                    <a:lumMod val="60000"/>
+                    <a:lumOff val="40000"/>
+                  </a:schemeClr>
+                </a:solidFill>
+              </a:rPr>
+              <a:t>1</a:t>
+            </a:r>
+            <a:endParaRPr lang="en-US" dirty="0" smtClean="0">
+              <a:solidFill>
+                <a:schemeClr val="accent6">
+                  <a:lumMod val="60000"/>
+                  <a:lumOff val="40000"/>
+                </a:schemeClr>
+              </a:solidFill>
+            </a:endParaRPr>
+          </a:p>
+        </p:txBody>
+      </p:sp>
+      <p:sp>
+        <p:nvSpPr>
+          <p:cNvPr id="25" name="TextBox 24"/>
+          <p:cNvSpPr txBox="1"/>
+          <p:nvPr/>
+        </p:nvSpPr>
+        <p:spPr>
+          <a:xfrm>
+            <a:off x="4249111" y="4753072"/>
+            <a:ext cx="4321769" cy="1477328"/>
+          </a:xfrm>
+          <a:prstGeom prst="rect">
+            <a:avLst/>
+          </a:prstGeom>
+          <a:noFill/>
+        </p:spPr>
+        <p:txBody>
+          <a:bodyPr wrap="square" rtlCol="0">
+            <a:spAutoFit/>
+          </a:bodyPr>
+          <a:lstStyle/>
+          <a:p>
+            <a:r>
+              <a:rPr lang="vi-VN" dirty="0"/>
+              <a:t>vòng lặp "while" được sử dụng để lặp lại việc in ra giá trị của biến "count" từ 0 đến 4. Mỗi lần lặp, giá trị của "count" được tăng lên 1 và điều kiện "count &lt; 5" được kiểm tra</a:t>
+            </a:r>
+            <a:endParaRPr lang="en-US" b="1" dirty="0"/>
+          </a:p>
+        </p:txBody>
+      </p:sp>
+    </p:spTree>
+    <p:extLst>
+      <p:ext uri="{BB962C8B-B14F-4D97-AF65-F5344CB8AC3E}">
+        <p14:creationId xmlns:p14="http://schemas.microsoft.com/office/powerpoint/2010/main" val="1891690532"/>
+      </p:ext>
+    </p:extLst>
+  </p:cSld>
+  <p:clrMapOvr>
+    <a:masterClrMapping/>
+  </p:clrMapOvr>
+  <p:timing>
+    <p:tnLst>
+      <p:par>
+        <p:cTn id="1" dur="indefinite" restart="never" nodeType="tmRoot"/>
+      </p:par>
+    </p:tnLst>
+  </p:timing>
+</p:sld>
+</file>
+
+<file path=ppt/slides/slide23.xml><?xml version="1.0" encoding="utf-8"?>
+<p:sld xmlns:a="http://schemas.openxmlformats.org/drawingml/2006/main" xmlns:r="http://schemas.openxmlformats.org/officeDocument/2006/relationships" xmlns:p="http://schemas.openxmlformats.org/presentationml/2006/main">
+  <p:cSld>
+    <p:spTree>
+      <p:nvGrpSpPr>
+        <p:cNvPr id="1" name=""/>
+        <p:cNvGrpSpPr/>
+        <p:nvPr/>
+      </p:nvGrpSpPr>
+      <p:grpSpPr>
+        <a:xfrm>
+          <a:off x="0" y="0"/>
+          <a:ext cx="0" cy="0"/>
+          <a:chOff x="0" y="0"/>
+          <a:chExt cx="0" cy="0"/>
+        </a:xfrm>
+      </p:grpSpPr>
+      <p:sp>
+        <p:nvSpPr>
+          <p:cNvPr id="2" name="Slide Number Placeholder 1"/>
+          <p:cNvSpPr>
+            <a:spLocks noGrp="1"/>
+          </p:cNvSpPr>
+          <p:nvPr>
+            <p:ph type="sldNum" sz="quarter" idx="12"/>
+          </p:nvPr>
+        </p:nvSpPr>
+        <p:spPr/>
+        <p:txBody>
+          <a:bodyPr/>
+          <a:lstStyle/>
+          <a:p>
+            <a:fld id="{7D9EC917-02A2-4152-9EE3-DFE2775A77C7}" type="slidenum">
+              <a:rPr lang="en-US" smtClean="0"/>
+              <a:pPr/>
+              <a:t>23</a:t>
+            </a:fld>
+            <a:endParaRPr lang="en-US"/>
+          </a:p>
+        </p:txBody>
+      </p:sp>
+      <p:sp>
+        <p:nvSpPr>
+          <p:cNvPr id="3" name="Text Placeholder 2"/>
+          <p:cNvSpPr>
+            <a:spLocks noGrp="1"/>
+          </p:cNvSpPr>
+          <p:nvPr>
+            <p:ph type="body" sz="quarter" idx="13"/>
+          </p:nvPr>
+        </p:nvSpPr>
+        <p:spPr/>
+        <p:txBody>
+          <a:bodyPr/>
+          <a:lstStyle/>
+          <a:p>
+            <a:r>
+              <a:rPr lang="en-US" dirty="0" smtClean="0"/>
+              <a:t>3.4 </a:t>
+            </a:r>
+            <a:r>
+              <a:rPr lang="en-US" dirty="0" err="1" smtClean="0"/>
+              <a:t>Vòng</a:t>
+            </a:r>
+            <a:r>
+              <a:rPr lang="en-US" dirty="0" smtClean="0"/>
+              <a:t> </a:t>
+            </a:r>
+            <a:r>
+              <a:rPr lang="en-US" dirty="0" err="1" smtClean="0"/>
+              <a:t>lặp</a:t>
+            </a:r>
+            <a:r>
+              <a:rPr lang="en-US" dirty="0" smtClean="0"/>
+              <a:t> </a:t>
+            </a:r>
+            <a:r>
+              <a:rPr lang="en-US" dirty="0" err="1" smtClean="0"/>
+              <a:t>trong</a:t>
+            </a:r>
+            <a:r>
+              <a:rPr lang="en-US" dirty="0" smtClean="0"/>
+              <a:t> Python</a:t>
+            </a:r>
+            <a:endParaRPr lang="en-US" dirty="0"/>
+          </a:p>
+        </p:txBody>
+      </p:sp>
+      <p:pic>
+        <p:nvPicPr>
+          <p:cNvPr id="4" name="Picture 2" descr="https://www.python.org/static/apple-touch-icon-precomposed.png"/>
+          <p:cNvPicPr>
+            <a:picLocks noChangeAspect="1" noChangeArrowheads="1"/>
+          </p:cNvPicPr>
+          <p:nvPr/>
+        </p:nvPicPr>
+        <p:blipFill>
+          <a:blip r:embed="rId2">
+            <a:extLst>
+              <a:ext uri="{28A0092B-C50C-407E-A947-70E740481C1C}">
+                <a14:useLocalDpi xmlns:a14="http://schemas.microsoft.com/office/drawing/2010/main" val="0"/>
+              </a:ext>
+            </a:extLst>
+          </a:blip>
+          <a:srcRect/>
+          <a:stretch>
+            <a:fillRect/>
+          </a:stretch>
+        </p:blipFill>
+        <p:spPr bwMode="auto">
+          <a:xfrm>
+            <a:off x="548981" y="1479187"/>
+            <a:ext cx="450480" cy="450481"/>
+          </a:xfrm>
+          <a:prstGeom prst="rect">
+            <a:avLst/>
+          </a:prstGeom>
+          <a:noFill/>
+          <a:extLst>
+            <a:ext uri="{909E8E84-426E-40DD-AFC4-6F175D3DCCD1}">
+              <a14:hiddenFill xmlns:a14="http://schemas.microsoft.com/office/drawing/2010/main">
+                <a:solidFill>
+                  <a:srgbClr val="FFFFFF"/>
+                </a:solidFill>
+              </a14:hiddenFill>
+            </a:ext>
+          </a:extLst>
+        </p:spPr>
+      </p:pic>
+      <p:sp>
+        <p:nvSpPr>
+          <p:cNvPr id="5" name="TextBox 4"/>
+          <p:cNvSpPr txBox="1"/>
+          <p:nvPr/>
+        </p:nvSpPr>
+        <p:spPr>
+          <a:xfrm>
+            <a:off x="1041993" y="1519761"/>
+            <a:ext cx="7068814" cy="369332"/>
+          </a:xfrm>
+          <a:prstGeom prst="rect">
+            <a:avLst/>
+          </a:prstGeom>
+          <a:noFill/>
+        </p:spPr>
+        <p:txBody>
+          <a:bodyPr wrap="square" rtlCol="0">
+            <a:spAutoFit/>
+          </a:bodyPr>
+          <a:lstStyle/>
+          <a:p>
+            <a:r>
+              <a:rPr lang="en-US" b="1" dirty="0" err="1" smtClean="0"/>
               <a:t>Điều</a:t>
             </a:r>
             <a:r>
@@ -15372,7 +19004,7 @@
 </p:sld>
 </file>
 
-<file path=ppt/slides/slide21.xml><?xml version="1.0" encoding="utf-8"?>
+<file path=ppt/slides/slide24.xml><?xml version="1.0" encoding="utf-8"?>
 <p:sld xmlns:a="http://schemas.openxmlformats.org/drawingml/2006/main" xmlns:r="http://schemas.openxmlformats.org/officeDocument/2006/relationships" xmlns:p="http://schemas.openxmlformats.org/presentationml/2006/main">
   <p:cSld>
     <p:spTree>

--- a/Session-03/Session-03-if-else-and-loops-Python.pptx
+++ b/Session-03/Session-03-if-else-and-loops-Python.pptx
@@ -5,7 +5,7 @@
     <p:sldMasterId id="2147483660" r:id="rId1"/>
   </p:sldMasterIdLst>
   <p:notesMasterIdLst>
-    <p:notesMasterId r:id="rId26"/>
+    <p:notesMasterId r:id="rId28"/>
   </p:notesMasterIdLst>
   <p:sldIdLst>
     <p:sldId id="256" r:id="rId2"/>
@@ -27,11 +27,13 @@
     <p:sldId id="288" r:id="rId18"/>
     <p:sldId id="282" r:id="rId19"/>
     <p:sldId id="287" r:id="rId20"/>
-    <p:sldId id="286" r:id="rId21"/>
-    <p:sldId id="283" r:id="rId22"/>
-    <p:sldId id="284" r:id="rId23"/>
-    <p:sldId id="285" r:id="rId24"/>
-    <p:sldId id="266" r:id="rId25"/>
+    <p:sldId id="289" r:id="rId21"/>
+    <p:sldId id="290" r:id="rId22"/>
+    <p:sldId id="286" r:id="rId23"/>
+    <p:sldId id="283" r:id="rId24"/>
+    <p:sldId id="284" r:id="rId25"/>
+    <p:sldId id="285" r:id="rId26"/>
+    <p:sldId id="266" r:id="rId27"/>
   </p:sldIdLst>
   <p:sldSz cx="9144000" cy="6858000" type="screen4x3"/>
   <p:notesSz cx="6858000" cy="9144000"/>
@@ -220,7 +222,7 @@
           <a:p>
             <a:fld id="{E1BDF935-9821-4834-9D99-7DEFA719F44D}" type="datetimeFigureOut">
               <a:rPr lang="en-US" smtClean="0"/>
-              <a:t>7/14/2023</a:t>
+              <a:t>7/26/2023</a:t>
             </a:fld>
             <a:endParaRPr lang="en-US"/>
           </a:p>
@@ -11689,15 +11691,7 @@
                   <a:schemeClr val="bg1"/>
                 </a:solidFill>
               </a:rPr>
-              <a:t> </a:t>
-            </a:r>
-            <a:r>
-              <a:rPr lang="en-US" dirty="0" smtClean="0">
-                <a:solidFill>
-                  <a:schemeClr val="bg1"/>
-                </a:solidFill>
-              </a:rPr>
-              <a:t>x &lt; </a:t>
+              <a:t> x &lt; </a:t>
             </a:r>
             <a:r>
               <a:rPr lang="en-US" dirty="0">
@@ -11912,11 +11906,6 @@
               </a:rPr>
               <a:t> </a:t>
             </a:r>
-            <a:endParaRPr lang="en-US" dirty="0" smtClean="0">
-              <a:solidFill>
-                <a:srgbClr val="00B0F0"/>
-              </a:solidFill>
-            </a:endParaRPr>
           </a:p>
         </p:txBody>
       </p:sp>
@@ -12798,11 +12787,7 @@
             </a:r>
             <a:r>
               <a:rPr lang="en-US" sz="2400" b="1" i="1" dirty="0"/>
-              <a:t>stop, </a:t>
-            </a:r>
-            <a:r>
-              <a:rPr lang="en-US" sz="2400" b="1" i="1" dirty="0"/>
-              <a:t>[</a:t>
+              <a:t>stop, [</a:t>
             </a:r>
             <a:r>
               <a:rPr lang="en-US" sz="2400" b="1" i="1" dirty="0" smtClean="0"/>
@@ -15300,7 +15285,31 @@
           <a:p>
             <a:r>
               <a:rPr lang="en-US" b="1" dirty="0" err="1" smtClean="0"/>
-              <a:t>Vòng</a:t>
+              <a:t>Thế</a:t>
+            </a:r>
+            <a:r>
+              <a:rPr lang="en-US" b="1" dirty="0" smtClean="0"/>
+              <a:t> </a:t>
+            </a:r>
+            <a:r>
+              <a:rPr lang="en-US" b="1" dirty="0" err="1" smtClean="0"/>
+              <a:t>nào</a:t>
+            </a:r>
+            <a:r>
+              <a:rPr lang="en-US" b="1" dirty="0" smtClean="0"/>
+              <a:t> </a:t>
+            </a:r>
+            <a:r>
+              <a:rPr lang="en-US" b="1" dirty="0" err="1" smtClean="0"/>
+              <a:t>là</a:t>
+            </a:r>
+            <a:r>
+              <a:rPr lang="en-US" b="1" dirty="0" smtClean="0"/>
+              <a:t> </a:t>
+            </a:r>
+            <a:r>
+              <a:rPr lang="en-US" b="1" dirty="0" err="1" smtClean="0"/>
+              <a:t>vòng</a:t>
             </a:r>
             <a:r>
               <a:rPr lang="en-US" b="1" dirty="0" smtClean="0"/>
@@ -15312,7 +15321,7 @@
             </a:r>
             <a:r>
               <a:rPr lang="en-US" b="1" dirty="0" smtClean="0"/>
-              <a:t> for</a:t>
+              <a:t> ?</a:t>
             </a:r>
             <a:endParaRPr lang="en-US" b="1" dirty="0"/>
           </a:p>
@@ -15320,14 +15329,14 @@
       </p:sp>
       <p:sp>
         <p:nvSpPr>
-          <p:cNvPr id="6" name="TextBox 5"/>
+          <p:cNvPr id="12" name="TextBox 11"/>
           <p:cNvSpPr txBox="1"/>
           <p:nvPr/>
         </p:nvSpPr>
         <p:spPr>
           <a:xfrm>
-            <a:off x="548981" y="1961567"/>
-            <a:ext cx="8333421" cy="923330"/>
+            <a:off x="548982" y="1961567"/>
+            <a:ext cx="6968238" cy="369332"/>
           </a:xfrm>
           <a:prstGeom prst="rect">
             <a:avLst/>
@@ -15341,16 +15350,84 @@
           <a:lstStyle/>
           <a:p>
             <a:r>
-              <a:rPr lang="vi-VN" dirty="0"/>
-              <a:t>Vòng lặp "for" được sử dụng để </a:t>
-            </a:r>
-            <a:r>
-              <a:rPr lang="vi-VN" b="1" dirty="0"/>
-              <a:t>lặp</a:t>
-            </a:r>
-            <a:r>
-              <a:rPr lang="vi-VN" dirty="0"/>
-              <a:t> qua một tập hợp các phần tử (như danh sách, chuỗi, tuple) và thực thi một khối mã cho mỗi phần tử trong tập hợp đó. Cú pháp của vòng lặp "for" như sau:</a:t>
+              <a:rPr lang="en-US" dirty="0" err="1" smtClean="0"/>
+              <a:t>Ví</a:t>
+            </a:r>
+            <a:r>
+              <a:rPr lang="en-US" dirty="0" smtClean="0"/>
+              <a:t> </a:t>
+            </a:r>
+            <a:r>
+              <a:rPr lang="en-US" dirty="0" err="1" smtClean="0"/>
+              <a:t>dụ</a:t>
+            </a:r>
+            <a:r>
+              <a:rPr lang="en-US" dirty="0" smtClean="0"/>
+              <a:t> </a:t>
+            </a:r>
+            <a:r>
+              <a:rPr lang="en-US" dirty="0" err="1" smtClean="0"/>
+              <a:t>trong</a:t>
+            </a:r>
+            <a:r>
+              <a:rPr lang="en-US" dirty="0" smtClean="0"/>
+              <a:t> </a:t>
+            </a:r>
+            <a:r>
+              <a:rPr lang="en-US" dirty="0" err="1" smtClean="0"/>
+              <a:t>đời</a:t>
+            </a:r>
+            <a:r>
+              <a:rPr lang="en-US" dirty="0" smtClean="0"/>
+              <a:t> </a:t>
+            </a:r>
+            <a:r>
+              <a:rPr lang="en-US" dirty="0" err="1" smtClean="0"/>
+              <a:t>sống</a:t>
+            </a:r>
+            <a:r>
+              <a:rPr lang="en-US" dirty="0" smtClean="0"/>
+              <a:t> </a:t>
+            </a:r>
+            <a:r>
+              <a:rPr lang="en-US" dirty="0" err="1" smtClean="0"/>
+              <a:t>có</a:t>
+            </a:r>
+            <a:r>
+              <a:rPr lang="en-US" dirty="0" smtClean="0"/>
+              <a:t> </a:t>
+            </a:r>
+            <a:r>
+              <a:rPr lang="en-US" dirty="0" err="1" smtClean="0"/>
+              <a:t>các</a:t>
+            </a:r>
+            <a:r>
+              <a:rPr lang="en-US" dirty="0" smtClean="0"/>
+              <a:t> </a:t>
+            </a:r>
+            <a:r>
+              <a:rPr lang="en-US" dirty="0" err="1" smtClean="0"/>
+              <a:t>phát</a:t>
+            </a:r>
+            <a:r>
+              <a:rPr lang="en-US" dirty="0" smtClean="0"/>
+              <a:t> </a:t>
+            </a:r>
+            <a:r>
+              <a:rPr lang="en-US" dirty="0" err="1" smtClean="0"/>
+              <a:t>biểu</a:t>
+            </a:r>
+            <a:r>
+              <a:rPr lang="en-US" dirty="0" smtClean="0"/>
+              <a:t> </a:t>
+            </a:r>
+            <a:r>
+              <a:rPr lang="en-US" dirty="0" err="1" smtClean="0"/>
+              <a:t>sau</a:t>
+            </a:r>
+            <a:r>
+              <a:rPr lang="en-US" dirty="0" smtClean="0"/>
+              <a:t>: </a:t>
             </a:r>
             <a:endParaRPr lang="en-US" b="1" dirty="0"/>
           </a:p>
@@ -15358,14 +15435,14 @@
       </p:sp>
       <p:sp>
         <p:nvSpPr>
-          <p:cNvPr id="7" name="TextBox 6"/>
+          <p:cNvPr id="13" name="TextBox 12"/>
           <p:cNvSpPr txBox="1"/>
           <p:nvPr/>
         </p:nvSpPr>
         <p:spPr>
           <a:xfrm>
-            <a:off x="581918" y="2980447"/>
-            <a:ext cx="7988963" cy="830997"/>
+            <a:off x="1144404" y="2574639"/>
+            <a:ext cx="3023559" cy="369332"/>
           </a:xfrm>
           <a:prstGeom prst="rect">
             <a:avLst/>
@@ -15379,359 +15456,73 @@
           <a:lstStyle/>
           <a:p>
             <a:r>
-              <a:rPr lang="en-US" sz="2400" b="1" dirty="0"/>
-              <a:t>for </a:t>
-            </a:r>
-            <a:r>
-              <a:rPr lang="en-US" sz="2400" b="1" dirty="0" err="1" smtClean="0">
-                <a:solidFill>
-                  <a:schemeClr val="accent2">
-                    <a:lumMod val="75000"/>
-                  </a:schemeClr>
-                </a:solidFill>
-              </a:rPr>
-              <a:t>phần</a:t>
-            </a:r>
-            <a:r>
-              <a:rPr lang="en-US" sz="2400" b="1" dirty="0" err="1" smtClean="0">
-                <a:solidFill>
-                  <a:schemeClr val="accent2">
-                    <a:lumMod val="75000"/>
-                  </a:schemeClr>
-                </a:solidFill>
-              </a:rPr>
-              <a:t>_tử_lặp_qua</a:t>
-            </a:r>
-            <a:r>
-              <a:rPr lang="en-US" sz="2400" b="1" dirty="0" smtClean="0"/>
-              <a:t> </a:t>
-            </a:r>
-            <a:r>
-              <a:rPr lang="en-US" sz="2400" b="1" dirty="0"/>
-              <a:t>in </a:t>
-            </a:r>
-            <a:r>
-              <a:rPr lang="en-US" sz="2400" b="1" dirty="0" err="1" smtClean="0">
-                <a:solidFill>
-                  <a:schemeClr val="accent2">
-                    <a:lumMod val="75000"/>
-                  </a:schemeClr>
-                </a:solidFill>
-              </a:rPr>
-              <a:t>tập_hợp</a:t>
-            </a:r>
-            <a:r>
-              <a:rPr lang="en-US" sz="2400" b="1" dirty="0" smtClean="0"/>
-              <a:t>:</a:t>
-            </a:r>
-            <a:endParaRPr lang="en-US" sz="2400" b="1" dirty="0" smtClean="0"/>
-          </a:p>
-          <a:p>
-            <a:r>
-              <a:rPr lang="en-US" sz="2400" b="1" dirty="0">
-                <a:solidFill>
-                  <a:srgbClr val="FF0000"/>
-                </a:solidFill>
-              </a:rPr>
-              <a:t> </a:t>
-            </a:r>
-            <a:r>
-              <a:rPr lang="en-US" sz="2400" b="1" dirty="0" smtClean="0">
-                <a:solidFill>
-                  <a:srgbClr val="FF0000"/>
-                </a:solidFill>
-              </a:rPr>
-              <a:t>   </a:t>
-            </a:r>
-            <a:r>
-              <a:rPr lang="en-US" sz="2400" b="1" dirty="0">
-                <a:solidFill>
-                  <a:schemeClr val="accent6">
-                    <a:lumMod val="50000"/>
-                  </a:schemeClr>
-                </a:solidFill>
-              </a:rPr>
-              <a:t># </a:t>
-            </a:r>
-            <a:r>
-              <a:rPr lang="en-US" sz="2400" b="1" dirty="0" err="1">
-                <a:solidFill>
-                  <a:schemeClr val="accent6">
-                    <a:lumMod val="50000"/>
-                  </a:schemeClr>
-                </a:solidFill>
-              </a:rPr>
-              <a:t>Các</a:t>
-            </a:r>
-            <a:r>
-              <a:rPr lang="en-US" sz="2400" b="1" dirty="0">
-                <a:solidFill>
-                  <a:schemeClr val="accent6">
-                    <a:lumMod val="50000"/>
-                  </a:schemeClr>
-                </a:solidFill>
-              </a:rPr>
-              <a:t> </a:t>
-            </a:r>
-            <a:r>
-              <a:rPr lang="en-US" sz="2400" b="1" dirty="0" err="1">
-                <a:solidFill>
-                  <a:schemeClr val="accent6">
-                    <a:lumMod val="50000"/>
-                  </a:schemeClr>
-                </a:solidFill>
-              </a:rPr>
-              <a:t>câu</a:t>
-            </a:r>
-            <a:r>
-              <a:rPr lang="en-US" sz="2400" b="1" dirty="0">
-                <a:solidFill>
-                  <a:schemeClr val="accent6">
-                    <a:lumMod val="50000"/>
-                  </a:schemeClr>
-                </a:solidFill>
-              </a:rPr>
-              <a:t> </a:t>
-            </a:r>
-            <a:r>
-              <a:rPr lang="en-US" sz="2400" b="1" dirty="0" err="1">
-                <a:solidFill>
-                  <a:schemeClr val="accent6">
-                    <a:lumMod val="50000"/>
-                  </a:schemeClr>
-                </a:solidFill>
-              </a:rPr>
-              <a:t>lệnh</a:t>
-            </a:r>
-            <a:r>
-              <a:rPr lang="en-US" sz="2400" b="1" dirty="0">
-                <a:solidFill>
-                  <a:schemeClr val="accent6">
-                    <a:lumMod val="50000"/>
-                  </a:schemeClr>
-                </a:solidFill>
-              </a:rPr>
-              <a:t> </a:t>
-            </a:r>
-            <a:r>
-              <a:rPr lang="en-US" sz="2400" b="1" dirty="0" err="1">
-                <a:solidFill>
-                  <a:schemeClr val="accent6">
-                    <a:lumMod val="50000"/>
-                  </a:schemeClr>
-                </a:solidFill>
-              </a:rPr>
-              <a:t>thực</a:t>
-            </a:r>
-            <a:r>
-              <a:rPr lang="en-US" sz="2400" b="1" dirty="0">
-                <a:solidFill>
-                  <a:schemeClr val="accent6">
-                    <a:lumMod val="50000"/>
-                  </a:schemeClr>
-                </a:solidFill>
-              </a:rPr>
-              <a:t> </a:t>
-            </a:r>
-            <a:r>
-              <a:rPr lang="en-US" sz="2400" b="1" dirty="0" err="1">
-                <a:solidFill>
-                  <a:schemeClr val="accent6">
-                    <a:lumMod val="50000"/>
-                  </a:schemeClr>
-                </a:solidFill>
-              </a:rPr>
-              <a:t>thi</a:t>
-            </a:r>
-            <a:r>
-              <a:rPr lang="en-US" sz="2400" b="1" dirty="0">
-                <a:solidFill>
-                  <a:schemeClr val="accent6">
-                    <a:lumMod val="50000"/>
-                  </a:schemeClr>
-                </a:solidFill>
-              </a:rPr>
-              <a:t> </a:t>
-            </a:r>
-            <a:r>
-              <a:rPr lang="en-US" sz="2400" b="1" dirty="0" err="1">
-                <a:solidFill>
-                  <a:schemeClr val="accent6">
-                    <a:lumMod val="50000"/>
-                  </a:schemeClr>
-                </a:solidFill>
-              </a:rPr>
-              <a:t>cho</a:t>
-            </a:r>
-            <a:r>
-              <a:rPr lang="en-US" sz="2400" b="1" dirty="0">
-                <a:solidFill>
-                  <a:schemeClr val="accent6">
-                    <a:lumMod val="50000"/>
-                  </a:schemeClr>
-                </a:solidFill>
-              </a:rPr>
-              <a:t> </a:t>
-            </a:r>
-            <a:r>
-              <a:rPr lang="en-US" sz="2400" b="1" dirty="0" err="1">
-                <a:solidFill>
-                  <a:schemeClr val="accent6">
-                    <a:lumMod val="50000"/>
-                  </a:schemeClr>
-                </a:solidFill>
-              </a:rPr>
-              <a:t>mỗi</a:t>
-            </a:r>
-            <a:r>
-              <a:rPr lang="en-US" sz="2400" b="1" dirty="0">
-                <a:solidFill>
-                  <a:schemeClr val="accent6">
-                    <a:lumMod val="50000"/>
-                  </a:schemeClr>
-                </a:solidFill>
-              </a:rPr>
-              <a:t> </a:t>
-            </a:r>
-            <a:r>
-              <a:rPr lang="en-US" sz="2400" b="1" dirty="0" err="1">
-                <a:solidFill>
-                  <a:schemeClr val="accent6">
-                    <a:lumMod val="50000"/>
-                  </a:schemeClr>
-                </a:solidFill>
-              </a:rPr>
-              <a:t>phần</a:t>
-            </a:r>
-            <a:r>
-              <a:rPr lang="en-US" sz="2400" b="1" dirty="0">
-                <a:solidFill>
-                  <a:schemeClr val="accent6">
-                    <a:lumMod val="50000"/>
-                  </a:schemeClr>
-                </a:solidFill>
-              </a:rPr>
-              <a:t> </a:t>
-            </a:r>
-            <a:r>
-              <a:rPr lang="en-US" sz="2400" b="1" dirty="0" err="1">
-                <a:solidFill>
-                  <a:schemeClr val="accent6">
-                    <a:lumMod val="50000"/>
-                  </a:schemeClr>
-                </a:solidFill>
-              </a:rPr>
-              <a:t>tử</a:t>
-            </a:r>
-            <a:endParaRPr lang="en-US" sz="2400" b="1" dirty="0">
-              <a:solidFill>
-                <a:schemeClr val="accent6">
-                  <a:lumMod val="50000"/>
-                </a:schemeClr>
-              </a:solidFill>
-            </a:endParaRPr>
+              <a:rPr lang="en-US" dirty="0" err="1" smtClean="0"/>
+              <a:t>Bạn</a:t>
+            </a:r>
+            <a:r>
+              <a:rPr lang="en-US" dirty="0" smtClean="0"/>
+              <a:t> </a:t>
+            </a:r>
+            <a:r>
+              <a:rPr lang="en-US" dirty="0" err="1" smtClean="0"/>
+              <a:t>hãy</a:t>
+            </a:r>
+            <a:r>
+              <a:rPr lang="en-US" dirty="0" smtClean="0"/>
+              <a:t> </a:t>
+            </a:r>
+            <a:r>
+              <a:rPr lang="en-US" dirty="0" err="1" smtClean="0"/>
+              <a:t>nhảy</a:t>
+            </a:r>
+            <a:r>
+              <a:rPr lang="en-US" dirty="0" smtClean="0"/>
+              <a:t> </a:t>
+            </a:r>
+            <a:r>
+              <a:rPr lang="en-US" dirty="0" err="1" smtClean="0"/>
+              <a:t>lò</a:t>
+            </a:r>
+            <a:r>
+              <a:rPr lang="en-US" dirty="0" smtClean="0"/>
+              <a:t> </a:t>
+            </a:r>
+            <a:r>
+              <a:rPr lang="en-US" dirty="0" err="1" smtClean="0"/>
+              <a:t>cò</a:t>
+            </a:r>
+            <a:r>
+              <a:rPr lang="en-US" dirty="0" smtClean="0"/>
+              <a:t> </a:t>
+            </a:r>
+            <a:r>
+              <a:rPr lang="en-US" b="1" dirty="0" smtClean="0"/>
+              <a:t>2 </a:t>
+            </a:r>
+            <a:r>
+              <a:rPr lang="en-US" b="1" dirty="0" err="1" smtClean="0"/>
+              <a:t>lần</a:t>
+            </a:r>
+            <a:endParaRPr lang="en-US" b="1" dirty="0"/>
           </a:p>
         </p:txBody>
       </p:sp>
       <p:sp>
         <p:nvSpPr>
-          <p:cNvPr id="8" name="TextBox 7"/>
-          <p:cNvSpPr txBox="1"/>
-          <p:nvPr/>
-        </p:nvSpPr>
-        <p:spPr>
-          <a:xfrm>
-            <a:off x="548981" y="4420803"/>
-            <a:ext cx="8333421" cy="646331"/>
-          </a:xfrm>
-          <a:prstGeom prst="rect">
-            <a:avLst/>
-          </a:prstGeom>
-          <a:noFill/>
-        </p:spPr>
-        <p:txBody>
-          <a:bodyPr wrap="square" rtlCol="0">
-            <a:spAutoFit/>
-          </a:bodyPr>
-          <a:lstStyle/>
-          <a:p>
-            <a:r>
-              <a:rPr lang="en-US" b="1" dirty="0" err="1" smtClean="0"/>
-              <a:t>Tập_hợp</a:t>
-            </a:r>
-            <a:r>
-              <a:rPr lang="en-US" b="1" dirty="0" smtClean="0"/>
-              <a:t>: </a:t>
-            </a:r>
-            <a:r>
-              <a:rPr lang="vi-VN" dirty="0"/>
-              <a:t>là một tập hợp có thể lặp qua, chẳng hạn như danh sách, chuỗi, hoặc tuple</a:t>
-            </a:r>
-            <a:endParaRPr lang="en-US" b="1" dirty="0"/>
-          </a:p>
-        </p:txBody>
-      </p:sp>
-      <p:sp>
-        <p:nvSpPr>
-          <p:cNvPr id="9" name="TextBox 8"/>
-          <p:cNvSpPr txBox="1"/>
-          <p:nvPr/>
-        </p:nvSpPr>
-        <p:spPr>
-          <a:xfrm>
-            <a:off x="548981" y="4026004"/>
-            <a:ext cx="8333421" cy="369332"/>
-          </a:xfrm>
-          <a:prstGeom prst="rect">
-            <a:avLst/>
-          </a:prstGeom>
-          <a:noFill/>
-        </p:spPr>
-        <p:txBody>
-          <a:bodyPr wrap="square" rtlCol="0">
-            <a:spAutoFit/>
-          </a:bodyPr>
-          <a:lstStyle/>
-          <a:p>
-            <a:r>
-              <a:rPr lang="en-US" b="1" dirty="0" err="1" smtClean="0"/>
-              <a:t>Phần_tử</a:t>
-            </a:r>
-            <a:r>
-              <a:rPr lang="en-US" b="1" dirty="0" err="1" smtClean="0"/>
-              <a:t>_lặp_qua</a:t>
-            </a:r>
-            <a:r>
-              <a:rPr lang="en-US" b="1" dirty="0" smtClean="0"/>
-              <a:t>: </a:t>
-            </a:r>
-            <a:r>
-              <a:rPr lang="vi-VN" dirty="0"/>
-              <a:t>là biến lưu trữ giá trị của phần tử trong mỗi lần lặp</a:t>
-            </a:r>
-            <a:endParaRPr lang="en-US" b="1" dirty="0"/>
-          </a:p>
-        </p:txBody>
-      </p:sp>
-      <p:sp>
-        <p:nvSpPr>
-          <p:cNvPr id="10" name="Rectangle 9"/>
+          <p:cNvPr id="14" name="Oval 13"/>
           <p:cNvSpPr/>
           <p:nvPr/>
         </p:nvSpPr>
         <p:spPr>
           <a:xfrm>
-            <a:off x="548981" y="5200449"/>
-            <a:ext cx="7988963" cy="1170505"/>
+            <a:off x="648586" y="2574639"/>
+            <a:ext cx="350875" cy="350875"/>
           </a:xfrm>
-          <a:prstGeom prst="rect">
+          <a:prstGeom prst="ellipse">
             <a:avLst/>
           </a:prstGeom>
           <a:solidFill>
-            <a:schemeClr val="tx1">
-              <a:lumMod val="85000"/>
-              <a:lumOff val="15000"/>
-            </a:schemeClr>
+            <a:srgbClr val="3772A2"/>
           </a:solidFill>
           <a:ln>
             <a:noFill/>
@@ -15758,20 +15549,24 @@
           <a:lstStyle/>
           <a:p>
             <a:pPr algn="ctr"/>
-            <a:endParaRPr lang="en-US"/>
+            <a:r>
+              <a:rPr lang="en-US" dirty="0" smtClean="0"/>
+              <a:t>1</a:t>
+            </a:r>
+            <a:endParaRPr lang="en-US" dirty="0"/>
           </a:p>
         </p:txBody>
       </p:sp>
       <p:sp>
         <p:nvSpPr>
-          <p:cNvPr id="11" name="TextBox 10"/>
+          <p:cNvPr id="15" name="TextBox 14"/>
           <p:cNvSpPr txBox="1"/>
           <p:nvPr/>
         </p:nvSpPr>
         <p:spPr>
           <a:xfrm>
-            <a:off x="749165" y="5293362"/>
-            <a:ext cx="5226333" cy="923330"/>
+            <a:off x="1144404" y="3159429"/>
+            <a:ext cx="4363261" cy="369332"/>
           </a:xfrm>
           <a:prstGeom prst="rect">
             <a:avLst/>
@@ -15785,217 +15580,642 @@
           <a:lstStyle/>
           <a:p>
             <a:r>
-              <a:rPr lang="en-US" dirty="0" smtClean="0">
-                <a:solidFill>
-                  <a:schemeClr val="bg1"/>
-                </a:solidFill>
-              </a:rPr>
-              <a:t>x </a:t>
-            </a:r>
-            <a:r>
-              <a:rPr lang="en-US" dirty="0">
-                <a:solidFill>
-                  <a:schemeClr val="bg1"/>
-                </a:solidFill>
-              </a:rPr>
-              <a:t>= </a:t>
-            </a:r>
-            <a:r>
-              <a:rPr lang="en-US" dirty="0" smtClean="0">
-                <a:solidFill>
-                  <a:schemeClr val="bg1"/>
-                </a:solidFill>
-              </a:rPr>
-              <a:t>range</a:t>
-            </a:r>
-            <a:r>
-              <a:rPr lang="en-US" dirty="0" smtClean="0">
-                <a:solidFill>
-                  <a:srgbClr val="FFC000"/>
-                </a:solidFill>
-              </a:rPr>
-              <a:t>(</a:t>
-            </a:r>
-            <a:r>
-              <a:rPr lang="en-US" dirty="0" smtClean="0">
-                <a:solidFill>
-                  <a:schemeClr val="accent6">
-                    <a:lumMod val="60000"/>
-                    <a:lumOff val="40000"/>
-                  </a:schemeClr>
-                </a:solidFill>
-              </a:rPr>
-              <a:t>1</a:t>
-            </a:r>
-            <a:r>
-              <a:rPr lang="en-US" dirty="0" smtClean="0">
-                <a:solidFill>
-                  <a:srgbClr val="FFC000"/>
-                </a:solidFill>
-              </a:rPr>
-              <a:t>,</a:t>
-            </a:r>
-            <a:r>
-              <a:rPr lang="en-US" dirty="0" smtClean="0">
-                <a:solidFill>
-                  <a:schemeClr val="accent6">
-                    <a:lumMod val="60000"/>
-                    <a:lumOff val="40000"/>
-                  </a:schemeClr>
-                </a:solidFill>
-              </a:rPr>
-              <a:t>6</a:t>
-            </a:r>
-            <a:r>
-              <a:rPr lang="en-US" dirty="0" smtClean="0">
-                <a:solidFill>
-                  <a:srgbClr val="FFC000"/>
-                </a:solidFill>
-              </a:rPr>
-              <a:t>)</a:t>
-            </a:r>
-            <a:r>
-              <a:rPr lang="en-US" dirty="0" smtClean="0">
-                <a:solidFill>
-                  <a:schemeClr val="accent2">
-                    <a:lumMod val="75000"/>
-                  </a:schemeClr>
-                </a:solidFill>
-              </a:rPr>
-              <a:t> </a:t>
-            </a:r>
-            <a:endParaRPr lang="en-US" dirty="0" smtClean="0">
-              <a:solidFill>
-                <a:schemeClr val="accent2">
-                  <a:lumMod val="75000"/>
-                </a:schemeClr>
-              </a:solidFill>
-            </a:endParaRPr>
-          </a:p>
-          <a:p>
-            <a:r>
-              <a:rPr lang="en-US" dirty="0" smtClean="0">
-                <a:solidFill>
-                  <a:srgbClr val="00B0F0"/>
-                </a:solidFill>
-              </a:rPr>
+              <a:rPr lang="en-US" dirty="0" err="1" smtClean="0"/>
+              <a:t>Chạy</a:t>
+            </a:r>
+            <a:r>
+              <a:rPr lang="en-US" dirty="0" smtClean="0"/>
+              <a:t> </a:t>
+            </a:r>
+            <a:r>
+              <a:rPr lang="en-US" b="1" dirty="0"/>
+              <a:t>5</a:t>
+            </a:r>
+            <a:r>
+              <a:rPr lang="en-US" b="1" dirty="0" smtClean="0"/>
+              <a:t> </a:t>
+            </a:r>
+            <a:r>
+              <a:rPr lang="en-US" b="1" dirty="0" err="1" smtClean="0"/>
+              <a:t>lần</a:t>
+            </a:r>
+            <a:r>
+              <a:rPr lang="en-US" b="1" dirty="0" smtClean="0"/>
+              <a:t> </a:t>
+            </a:r>
+            <a:r>
+              <a:rPr lang="en-US" dirty="0" err="1" smtClean="0"/>
+              <a:t>quanh</a:t>
+            </a:r>
+            <a:r>
+              <a:rPr lang="en-US" dirty="0" smtClean="0"/>
+              <a:t> </a:t>
+            </a:r>
+            <a:r>
+              <a:rPr lang="en-US" dirty="0" err="1" smtClean="0"/>
+              <a:t>sân</a:t>
+            </a:r>
+            <a:r>
+              <a:rPr lang="en-US" dirty="0" smtClean="0"/>
+              <a:t> </a:t>
+            </a:r>
+            <a:r>
+              <a:rPr lang="en-US" dirty="0" err="1" smtClean="0"/>
+              <a:t>bóng</a:t>
+            </a:r>
+            <a:endParaRPr lang="en-US" dirty="0"/>
+          </a:p>
+        </p:txBody>
+      </p:sp>
+      <p:sp>
+        <p:nvSpPr>
+          <p:cNvPr id="16" name="Oval 15"/>
+          <p:cNvSpPr/>
+          <p:nvPr/>
+        </p:nvSpPr>
+        <p:spPr>
+          <a:xfrm>
+            <a:off x="648586" y="3159429"/>
+            <a:ext cx="350875" cy="350875"/>
+          </a:xfrm>
+          <a:prstGeom prst="ellipse">
+            <a:avLst/>
+          </a:prstGeom>
+          <a:solidFill>
+            <a:srgbClr val="3772A2"/>
+          </a:solidFill>
+          <a:ln>
+            <a:noFill/>
+          </a:ln>
+        </p:spPr>
+        <p:style>
+          <a:lnRef idx="2">
+            <a:schemeClr val="accent1">
+              <a:shade val="50000"/>
+            </a:schemeClr>
+          </a:lnRef>
+          <a:fillRef idx="1">
+            <a:schemeClr val="accent1"/>
+          </a:fillRef>
+          <a:effectRef idx="0">
+            <a:schemeClr val="accent1"/>
+          </a:effectRef>
+          <a:fontRef idx="minor">
+            <a:schemeClr val="lt1"/>
+          </a:fontRef>
+        </p:style>
+        <p:txBody>
+          <a:bodyPr rtlCol="0" anchor="ctr"/>
+          <a:lstStyle/>
+          <a:p>
+            <a:pPr algn="ctr"/>
+            <a:r>
+              <a:rPr lang="en-US" dirty="0" smtClean="0"/>
+              <a:t>2</a:t>
+            </a:r>
+            <a:endParaRPr lang="en-US" dirty="0"/>
+          </a:p>
+        </p:txBody>
+      </p:sp>
+      <p:sp>
+        <p:nvSpPr>
+          <p:cNvPr id="17" name="TextBox 16"/>
+          <p:cNvSpPr txBox="1"/>
+          <p:nvPr/>
+        </p:nvSpPr>
+        <p:spPr>
+          <a:xfrm>
+            <a:off x="1144404" y="3797382"/>
+            <a:ext cx="4363261" cy="369332"/>
+          </a:xfrm>
+          <a:prstGeom prst="rect">
+            <a:avLst/>
+          </a:prstGeom>
+          <a:noFill/>
+        </p:spPr>
+        <p:txBody>
+          <a:bodyPr wrap="square" rtlCol="0">
+            <a:spAutoFit/>
+          </a:bodyPr>
+          <a:lstStyle/>
+          <a:p>
+            <a:r>
+              <a:rPr lang="en-US" dirty="0" err="1" smtClean="0"/>
+              <a:t>Nói</a:t>
+            </a:r>
+            <a:r>
+              <a:rPr lang="en-US" dirty="0" smtClean="0"/>
+              <a:t> </a:t>
+            </a:r>
+            <a:r>
+              <a:rPr lang="en-US" dirty="0" err="1" smtClean="0"/>
+              <a:t>thật</a:t>
+            </a:r>
+            <a:r>
+              <a:rPr lang="en-US" dirty="0" smtClean="0"/>
+              <a:t> to </a:t>
+            </a:r>
+            <a:r>
+              <a:rPr lang="en-US" b="1" dirty="0" smtClean="0"/>
+              <a:t>10 </a:t>
+            </a:r>
+            <a:r>
+              <a:rPr lang="en-US" b="1" dirty="0" err="1" smtClean="0"/>
+              <a:t>lần</a:t>
+            </a:r>
+            <a:r>
+              <a:rPr lang="en-US" b="1" dirty="0" smtClean="0"/>
+              <a:t> </a:t>
+            </a:r>
+            <a:r>
+              <a:rPr lang="en-US" dirty="0" smtClean="0"/>
+              <a:t>2</a:t>
+            </a:r>
+            <a:r>
+              <a:rPr lang="en-US" b="1" dirty="0" smtClean="0"/>
+              <a:t> </a:t>
+            </a:r>
+            <a:r>
+              <a:rPr lang="en-US" dirty="0" err="1" smtClean="0"/>
+              <a:t>từ</a:t>
+            </a:r>
+            <a:r>
+              <a:rPr lang="en-US" dirty="0" smtClean="0"/>
+              <a:t> “Xin </a:t>
+            </a:r>
+            <a:r>
+              <a:rPr lang="en-US" dirty="0" err="1" smtClean="0"/>
+              <a:t>chào</a:t>
+            </a:r>
+            <a:r>
+              <a:rPr lang="en-US" dirty="0" smtClean="0"/>
+              <a:t>”</a:t>
+            </a:r>
+            <a:endParaRPr lang="en-US" dirty="0"/>
+          </a:p>
+        </p:txBody>
+      </p:sp>
+      <p:sp>
+        <p:nvSpPr>
+          <p:cNvPr id="18" name="Oval 17"/>
+          <p:cNvSpPr/>
+          <p:nvPr/>
+        </p:nvSpPr>
+        <p:spPr>
+          <a:xfrm>
+            <a:off x="648586" y="3797382"/>
+            <a:ext cx="350875" cy="350875"/>
+          </a:xfrm>
+          <a:prstGeom prst="ellipse">
+            <a:avLst/>
+          </a:prstGeom>
+          <a:solidFill>
+            <a:srgbClr val="3772A2"/>
+          </a:solidFill>
+          <a:ln>
+            <a:noFill/>
+          </a:ln>
+        </p:spPr>
+        <p:style>
+          <a:lnRef idx="2">
+            <a:schemeClr val="accent1">
+              <a:shade val="50000"/>
+            </a:schemeClr>
+          </a:lnRef>
+          <a:fillRef idx="1">
+            <a:schemeClr val="accent1"/>
+          </a:fillRef>
+          <a:effectRef idx="0">
+            <a:schemeClr val="accent1"/>
+          </a:effectRef>
+          <a:fontRef idx="minor">
+            <a:schemeClr val="lt1"/>
+          </a:fontRef>
+        </p:style>
+        <p:txBody>
+          <a:bodyPr rtlCol="0" anchor="ctr"/>
+          <a:lstStyle/>
+          <a:p>
+            <a:pPr algn="ctr"/>
+            <a:r>
+              <a:rPr lang="en-US" dirty="0"/>
+              <a:t>3</a:t>
+            </a:r>
+          </a:p>
+        </p:txBody>
+      </p:sp>
+      <p:sp>
+        <p:nvSpPr>
+          <p:cNvPr id="19" name="Right Brace 18"/>
+          <p:cNvSpPr/>
+          <p:nvPr/>
+        </p:nvSpPr>
+        <p:spPr>
+          <a:xfrm>
+            <a:off x="4795284" y="2574639"/>
+            <a:ext cx="414669" cy="1486998"/>
+          </a:xfrm>
+          <a:prstGeom prst="rightBrace">
+            <a:avLst/>
+          </a:prstGeom>
+        </p:spPr>
+        <p:style>
+          <a:lnRef idx="1">
+            <a:schemeClr val="accent1"/>
+          </a:lnRef>
+          <a:fillRef idx="0">
+            <a:schemeClr val="accent1"/>
+          </a:fillRef>
+          <a:effectRef idx="0">
+            <a:schemeClr val="accent1"/>
+          </a:effectRef>
+          <a:fontRef idx="minor">
+            <a:schemeClr val="tx1"/>
+          </a:fontRef>
+        </p:style>
+        <p:txBody>
+          <a:bodyPr rtlCol="0" anchor="ctr"/>
+          <a:lstStyle/>
+          <a:p>
+            <a:pPr algn="ctr"/>
+            <a:endParaRPr lang="en-US"/>
+          </a:p>
+        </p:txBody>
+      </p:sp>
+      <p:sp>
+        <p:nvSpPr>
+          <p:cNvPr id="20" name="TextBox 19"/>
+          <p:cNvSpPr txBox="1"/>
+          <p:nvPr/>
+        </p:nvSpPr>
+        <p:spPr>
+          <a:xfrm>
+            <a:off x="5376161" y="2882430"/>
+            <a:ext cx="3263769" cy="923330"/>
+          </a:xfrm>
+          <a:prstGeom prst="rect">
+            <a:avLst/>
+          </a:prstGeom>
+          <a:noFill/>
+        </p:spPr>
+        <p:txBody>
+          <a:bodyPr wrap="square" rtlCol="0">
+            <a:spAutoFit/>
+          </a:bodyPr>
+          <a:lstStyle/>
+          <a:p>
+            <a:r>
+              <a:rPr lang="en-US" dirty="0" err="1" smtClean="0"/>
+              <a:t>Thì</a:t>
+            </a:r>
+            <a:r>
+              <a:rPr lang="en-US" dirty="0" smtClean="0"/>
+              <a:t> </a:t>
+            </a:r>
+            <a:r>
+              <a:rPr lang="en-US" dirty="0" err="1" smtClean="0"/>
+              <a:t>có</a:t>
+            </a:r>
+            <a:r>
+              <a:rPr lang="en-US" dirty="0" smtClean="0"/>
+              <a:t> </a:t>
+            </a:r>
+            <a:r>
+              <a:rPr lang="en-US" dirty="0" err="1" smtClean="0"/>
+              <a:t>nghĩa</a:t>
+            </a:r>
+            <a:r>
+              <a:rPr lang="en-US" dirty="0" smtClean="0"/>
+              <a:t> </a:t>
+            </a:r>
+            <a:r>
+              <a:rPr lang="en-US" dirty="0" err="1" smtClean="0"/>
+              <a:t>bạn</a:t>
+            </a:r>
+            <a:r>
+              <a:rPr lang="en-US" dirty="0" smtClean="0"/>
+              <a:t> </a:t>
+            </a:r>
+            <a:r>
+              <a:rPr lang="en-US" dirty="0" err="1" smtClean="0"/>
+              <a:t>đang</a:t>
+            </a:r>
+            <a:r>
+              <a:rPr lang="en-US" dirty="0" smtClean="0"/>
+              <a:t> </a:t>
+            </a:r>
+            <a:r>
+              <a:rPr lang="en-US" b="1" dirty="0" err="1" smtClean="0"/>
+              <a:t>lặp</a:t>
+            </a:r>
+            <a:r>
+              <a:rPr lang="en-US" b="1" dirty="0" smtClean="0"/>
+              <a:t> </a:t>
+            </a:r>
+            <a:r>
+              <a:rPr lang="en-US" b="1" dirty="0" err="1" smtClean="0"/>
+              <a:t>đi</a:t>
+            </a:r>
+            <a:r>
+              <a:rPr lang="en-US" b="1" dirty="0" smtClean="0"/>
+              <a:t> </a:t>
+            </a:r>
+            <a:r>
+              <a:rPr lang="en-US" b="1" dirty="0" err="1" smtClean="0"/>
+              <a:t>lặp</a:t>
+            </a:r>
+            <a:r>
+              <a:rPr lang="en-US" b="1" dirty="0" smtClean="0"/>
+              <a:t> </a:t>
+            </a:r>
+            <a:r>
+              <a:rPr lang="en-US" b="1" dirty="0" err="1" smtClean="0"/>
+              <a:t>lại</a:t>
+            </a:r>
+            <a:r>
+              <a:rPr lang="en-US" dirty="0" smtClean="0"/>
+              <a:t> </a:t>
+            </a:r>
+            <a:r>
+              <a:rPr lang="en-US" dirty="0" err="1" smtClean="0"/>
+              <a:t>một</a:t>
+            </a:r>
+            <a:r>
+              <a:rPr lang="en-US" dirty="0" smtClean="0"/>
+              <a:t> </a:t>
+            </a:r>
+            <a:r>
+              <a:rPr lang="en-US" dirty="0" err="1" smtClean="0"/>
+              <a:t>hoặc</a:t>
+            </a:r>
+            <a:r>
+              <a:rPr lang="en-US" dirty="0" smtClean="0"/>
+              <a:t> </a:t>
+            </a:r>
+            <a:r>
+              <a:rPr lang="en-US" dirty="0" err="1" smtClean="0"/>
+              <a:t>nhiều</a:t>
+            </a:r>
+            <a:r>
+              <a:rPr lang="en-US" dirty="0" smtClean="0"/>
+              <a:t> </a:t>
+            </a:r>
+            <a:r>
+              <a:rPr lang="en-US" dirty="0" err="1" smtClean="0"/>
+              <a:t>hành</a:t>
+            </a:r>
+            <a:r>
+              <a:rPr lang="en-US" dirty="0" smtClean="0"/>
+              <a:t> </a:t>
+            </a:r>
+            <a:r>
+              <a:rPr lang="en-US" dirty="0" err="1" smtClean="0"/>
+              <a:t>động</a:t>
+            </a:r>
+            <a:r>
+              <a:rPr lang="en-US" dirty="0" smtClean="0"/>
+              <a:t> </a:t>
+            </a:r>
+            <a:r>
+              <a:rPr lang="en-US" dirty="0" err="1" smtClean="0"/>
+              <a:t>gì</a:t>
+            </a:r>
+            <a:r>
+              <a:rPr lang="en-US" dirty="0" smtClean="0"/>
+              <a:t> </a:t>
+            </a:r>
+            <a:r>
+              <a:rPr lang="en-US" dirty="0" err="1" smtClean="0"/>
+              <a:t>đó</a:t>
+            </a:r>
+            <a:r>
+              <a:rPr lang="en-US" dirty="0" smtClean="0"/>
+              <a:t>.</a:t>
+            </a:r>
+            <a:endParaRPr lang="en-US" b="1" dirty="0"/>
+          </a:p>
+        </p:txBody>
+      </p:sp>
+      <p:sp>
+        <p:nvSpPr>
+          <p:cNvPr id="21" name="TextBox 20"/>
+          <p:cNvSpPr txBox="1"/>
+          <p:nvPr/>
+        </p:nvSpPr>
+        <p:spPr>
+          <a:xfrm>
+            <a:off x="548981" y="4524013"/>
+            <a:ext cx="7999595" cy="646331"/>
+          </a:xfrm>
+          <a:prstGeom prst="rect">
+            <a:avLst/>
+          </a:prstGeom>
+          <a:noFill/>
+        </p:spPr>
+        <p:txBody>
+          <a:bodyPr wrap="square" rtlCol="0">
+            <a:spAutoFit/>
+          </a:bodyPr>
+          <a:lstStyle/>
+          <a:p>
+            <a:r>
+              <a:rPr lang="en-US" dirty="0" err="1" smtClean="0"/>
+              <a:t>Thì</a:t>
+            </a:r>
+            <a:r>
+              <a:rPr lang="en-US" dirty="0" smtClean="0"/>
+              <a:t> </a:t>
+            </a:r>
+            <a:r>
+              <a:rPr lang="en-US" dirty="0" err="1" smtClean="0"/>
+              <a:t>trong</a:t>
+            </a:r>
+            <a:r>
+              <a:rPr lang="en-US" dirty="0" smtClean="0"/>
+              <a:t> </a:t>
+            </a:r>
+            <a:r>
+              <a:rPr lang="en-US" dirty="0" err="1" smtClean="0"/>
+              <a:t>ngôn</a:t>
+            </a:r>
+            <a:r>
+              <a:rPr lang="en-US" dirty="0" smtClean="0"/>
+              <a:t> </a:t>
+            </a:r>
+            <a:r>
+              <a:rPr lang="en-US" dirty="0" err="1" smtClean="0"/>
+              <a:t>ngữ</a:t>
+            </a:r>
+            <a:r>
+              <a:rPr lang="en-US" dirty="0" smtClean="0"/>
+              <a:t> </a:t>
+            </a:r>
+            <a:r>
+              <a:rPr lang="en-US" dirty="0" err="1" smtClean="0"/>
+              <a:t>lập</a:t>
+            </a:r>
+            <a:r>
+              <a:rPr lang="en-US" dirty="0" smtClean="0"/>
+              <a:t> </a:t>
+            </a:r>
+            <a:r>
+              <a:rPr lang="en-US" dirty="0" err="1" smtClean="0"/>
+              <a:t>trình</a:t>
+            </a:r>
+            <a:r>
+              <a:rPr lang="en-US" dirty="0" smtClean="0"/>
+              <a:t>, </a:t>
+            </a:r>
+            <a:r>
+              <a:rPr lang="en-US" dirty="0" err="1" smtClean="0"/>
+              <a:t>việc</a:t>
+            </a:r>
+            <a:r>
+              <a:rPr lang="en-US" dirty="0" smtClean="0"/>
+              <a:t> </a:t>
+            </a:r>
+            <a:r>
+              <a:rPr lang="en-US" dirty="0" err="1" smtClean="0"/>
+              <a:t>lặp</a:t>
+            </a:r>
+            <a:r>
+              <a:rPr lang="en-US" dirty="0" smtClean="0"/>
+              <a:t> </a:t>
+            </a:r>
+            <a:r>
+              <a:rPr lang="en-US" dirty="0" err="1" smtClean="0"/>
+              <a:t>lại</a:t>
+            </a:r>
+            <a:r>
+              <a:rPr lang="en-US" dirty="0" smtClean="0"/>
+              <a:t> </a:t>
+            </a:r>
+            <a:r>
+              <a:rPr lang="en-US" dirty="0" err="1" smtClean="0"/>
+              <a:t>đó</a:t>
+            </a:r>
+            <a:r>
+              <a:rPr lang="en-US" dirty="0" smtClean="0"/>
+              <a:t> </a:t>
+            </a:r>
+            <a:r>
+              <a:rPr lang="en-US" dirty="0" err="1" smtClean="0"/>
+              <a:t>được</a:t>
+            </a:r>
+            <a:r>
+              <a:rPr lang="en-US" dirty="0" smtClean="0"/>
+              <a:t> </a:t>
+            </a:r>
+            <a:r>
+              <a:rPr lang="en-US" dirty="0" err="1" smtClean="0"/>
+              <a:t>viết</a:t>
+            </a:r>
+            <a:r>
+              <a:rPr lang="en-US" dirty="0" smtClean="0"/>
+              <a:t> </a:t>
+            </a:r>
+            <a:r>
+              <a:rPr lang="en-US" dirty="0" err="1" smtClean="0"/>
+              <a:t>thành</a:t>
+            </a:r>
+            <a:r>
+              <a:rPr lang="en-US" dirty="0" smtClean="0"/>
+              <a:t> </a:t>
+            </a:r>
+            <a:r>
+              <a:rPr lang="en-US" dirty="0" err="1" smtClean="0"/>
+              <a:t>câu</a:t>
+            </a:r>
+            <a:r>
+              <a:rPr lang="en-US" dirty="0" smtClean="0"/>
+              <a:t> </a:t>
+            </a:r>
+            <a:r>
+              <a:rPr lang="en-US" dirty="0" err="1" smtClean="0"/>
+              <a:t>lệnh</a:t>
+            </a:r>
+            <a:r>
+              <a:rPr lang="en-US" dirty="0"/>
+              <a:t> </a:t>
+            </a:r>
+            <a:r>
+              <a:rPr lang="en-US" dirty="0" err="1" smtClean="0"/>
+              <a:t>như</a:t>
+            </a:r>
+            <a:r>
+              <a:rPr lang="en-US" dirty="0" smtClean="0"/>
+              <a:t> </a:t>
+            </a:r>
+            <a:r>
+              <a:rPr lang="en-US" dirty="0" err="1" smtClean="0"/>
+              <a:t>là</a:t>
+            </a:r>
+            <a:r>
+              <a:rPr lang="en-US" dirty="0" smtClean="0"/>
+              <a:t> </a:t>
+            </a:r>
+            <a:r>
+              <a:rPr lang="en-US" b="1" dirty="0" smtClean="0"/>
               <a:t>for</a:t>
             </a:r>
             <a:r>
-              <a:rPr lang="en-US" dirty="0" smtClean="0">
-                <a:solidFill>
-                  <a:schemeClr val="bg1"/>
-                </a:solidFill>
-              </a:rPr>
-              <a:t> </a:t>
-            </a:r>
-            <a:r>
-              <a:rPr lang="en-US" dirty="0" err="1" smtClean="0">
-                <a:solidFill>
-                  <a:schemeClr val="bg1"/>
-                </a:solidFill>
-              </a:rPr>
-              <a:t>i</a:t>
-            </a:r>
-            <a:r>
-              <a:rPr lang="en-US" dirty="0" smtClean="0">
-                <a:solidFill>
-                  <a:schemeClr val="bg1"/>
-                </a:solidFill>
-              </a:rPr>
-              <a:t> </a:t>
-            </a:r>
-            <a:r>
-              <a:rPr lang="en-US" dirty="0">
-                <a:solidFill>
-                  <a:srgbClr val="00B0F0"/>
-                </a:solidFill>
-              </a:rPr>
-              <a:t>in</a:t>
-            </a:r>
-            <a:r>
-              <a:rPr lang="en-US" dirty="0">
-                <a:solidFill>
-                  <a:schemeClr val="bg1"/>
-                </a:solidFill>
-              </a:rPr>
-              <a:t> </a:t>
-            </a:r>
-            <a:r>
-              <a:rPr lang="en-US" dirty="0" smtClean="0">
-                <a:solidFill>
-                  <a:schemeClr val="bg1"/>
-                </a:solidFill>
-              </a:rPr>
-              <a:t>x:</a:t>
-            </a:r>
-            <a:endParaRPr lang="en-US" dirty="0" smtClean="0">
-              <a:solidFill>
-                <a:schemeClr val="bg1"/>
-              </a:solidFill>
-            </a:endParaRPr>
-          </a:p>
-          <a:p>
-            <a:r>
-              <a:rPr lang="en-US" dirty="0">
-                <a:solidFill>
-                  <a:schemeClr val="bg1"/>
-                </a:solidFill>
-              </a:rPr>
-              <a:t> </a:t>
-            </a:r>
-            <a:r>
-              <a:rPr lang="en-US" dirty="0" smtClean="0">
-                <a:solidFill>
-                  <a:schemeClr val="bg1"/>
-                </a:solidFill>
-              </a:rPr>
-              <a:t>    </a:t>
-            </a:r>
-            <a:r>
-              <a:rPr lang="en-US" dirty="0" smtClean="0">
-                <a:solidFill>
-                  <a:schemeClr val="bg1"/>
-                </a:solidFill>
-              </a:rPr>
-              <a:t>print</a:t>
-            </a:r>
-            <a:r>
-              <a:rPr lang="en-US" dirty="0" smtClean="0">
-                <a:solidFill>
-                  <a:srgbClr val="FECC36"/>
-                </a:solidFill>
-              </a:rPr>
-              <a:t>(</a:t>
-            </a:r>
-            <a:r>
-              <a:rPr lang="en-US" dirty="0" err="1" smtClean="0">
-                <a:solidFill>
-                  <a:schemeClr val="bg1"/>
-                </a:solidFill>
-              </a:rPr>
-              <a:t>i</a:t>
-            </a:r>
-            <a:r>
-              <a:rPr lang="en-US" dirty="0" smtClean="0">
-                <a:solidFill>
-                  <a:srgbClr val="FECC36"/>
-                </a:solidFill>
-              </a:rPr>
-              <a:t>)</a:t>
-            </a:r>
-            <a:endParaRPr lang="en-US" dirty="0" smtClean="0">
-              <a:solidFill>
-                <a:srgbClr val="FECC36"/>
-              </a:solidFill>
-            </a:endParaRPr>
+              <a:rPr lang="en-US" dirty="0" smtClean="0"/>
+              <a:t>, </a:t>
+            </a:r>
+            <a:r>
+              <a:rPr lang="en-US" b="1" dirty="0" smtClean="0"/>
+              <a:t>while</a:t>
+            </a:r>
+            <a:endParaRPr lang="en-US" b="1" dirty="0"/>
+          </a:p>
+        </p:txBody>
+      </p:sp>
+      <p:sp>
+        <p:nvSpPr>
+          <p:cNvPr id="22" name="TextBox 21"/>
+          <p:cNvSpPr txBox="1"/>
+          <p:nvPr/>
+        </p:nvSpPr>
+        <p:spPr>
+          <a:xfrm>
+            <a:off x="548981" y="5480943"/>
+            <a:ext cx="7999595" cy="646331"/>
+          </a:xfrm>
+          <a:prstGeom prst="rect">
+            <a:avLst/>
+          </a:prstGeom>
+          <a:noFill/>
+        </p:spPr>
+        <p:txBody>
+          <a:bodyPr wrap="square" rtlCol="0">
+            <a:spAutoFit/>
+          </a:bodyPr>
+          <a:lstStyle/>
+          <a:p>
+            <a:r>
+              <a:rPr lang="vi-VN" b="1" dirty="0"/>
+              <a:t>Vòng lặp </a:t>
+            </a:r>
+            <a:r>
+              <a:rPr lang="vi-VN" dirty="0"/>
+              <a:t>là một khái niệm trong lập trình được sử dụng để lặp lại các hành động nhiều lần, mà không cần phải viết lại các lệnh nhiều </a:t>
+            </a:r>
+            <a:r>
+              <a:rPr lang="vi-VN" dirty="0" smtClean="0"/>
+              <a:t>lần</a:t>
+            </a:r>
+            <a:r>
+              <a:rPr lang="en-US" dirty="0" smtClean="0"/>
+              <a:t>.</a:t>
+            </a:r>
+            <a:endParaRPr lang="en-US" b="1" dirty="0"/>
           </a:p>
         </p:txBody>
       </p:sp>
     </p:spTree>
     <p:extLst>
       <p:ext uri="{BB962C8B-B14F-4D97-AF65-F5344CB8AC3E}">
-        <p14:creationId xmlns:p14="http://schemas.microsoft.com/office/powerpoint/2010/main" val="3197895249"/>
+        <p14:creationId xmlns:p14="http://schemas.microsoft.com/office/powerpoint/2010/main" val="3511748255"/>
       </p:ext>
     </p:extLst>
   </p:cSld>
@@ -16165,7 +16385,7 @@
           <a:p>
             <a:r>
               <a:rPr lang="en-US" b="1" dirty="0" err="1" smtClean="0"/>
-              <a:t>Ví</a:t>
+              <a:t>Thế</a:t>
             </a:r>
             <a:r>
               <a:rPr lang="en-US" b="1" dirty="0" smtClean="0"/>
@@ -16173,7 +16393,7 @@
             </a:r>
             <a:r>
               <a:rPr lang="en-US" b="1" dirty="0" err="1" smtClean="0"/>
-              <a:t>dụ</a:t>
+              <a:t>nào</a:t>
             </a:r>
             <a:r>
               <a:rPr lang="en-US" b="1" dirty="0" smtClean="0"/>
@@ -16181,7 +16401,7 @@
             </a:r>
             <a:r>
               <a:rPr lang="en-US" b="1" dirty="0" err="1" smtClean="0"/>
-              <a:t>về</a:t>
+              <a:t>là</a:t>
             </a:r>
             <a:r>
               <a:rPr lang="en-US" b="1" dirty="0" smtClean="0"/>
@@ -16189,7 +16409,7 @@
             </a:r>
             <a:r>
               <a:rPr lang="en-US" b="1" dirty="0" err="1" smtClean="0"/>
-              <a:t>Vòng</a:t>
+              <a:t>vòng</a:t>
             </a:r>
             <a:r>
               <a:rPr lang="en-US" b="1" dirty="0" smtClean="0"/>
@@ -16201,7 +16421,7 @@
             </a:r>
             <a:r>
               <a:rPr lang="en-US" b="1" dirty="0" smtClean="0"/>
-              <a:t> for</a:t>
+              <a:t> ?</a:t>
             </a:r>
             <a:endParaRPr lang="en-US" b="1" dirty="0"/>
           </a:p>
@@ -16209,14 +16429,271 @@
       </p:sp>
       <p:sp>
         <p:nvSpPr>
-          <p:cNvPr id="10" name="Rectangle 9"/>
+          <p:cNvPr id="17" name="TextBox 16"/>
+          <p:cNvSpPr txBox="1"/>
+          <p:nvPr/>
+        </p:nvSpPr>
+        <p:spPr>
+          <a:xfrm>
+            <a:off x="1144404" y="2055601"/>
+            <a:ext cx="4363261" cy="369332"/>
+          </a:xfrm>
+          <a:prstGeom prst="rect">
+            <a:avLst/>
+          </a:prstGeom>
+          <a:noFill/>
+        </p:spPr>
+        <p:txBody>
+          <a:bodyPr wrap="square" rtlCol="0">
+            <a:spAutoFit/>
+          </a:bodyPr>
+          <a:lstStyle/>
+          <a:p>
+            <a:r>
+              <a:rPr lang="en-US" dirty="0" err="1" smtClean="0"/>
+              <a:t>Nói</a:t>
+            </a:r>
+            <a:r>
+              <a:rPr lang="en-US" dirty="0" smtClean="0"/>
+              <a:t> </a:t>
+            </a:r>
+            <a:r>
+              <a:rPr lang="en-US" dirty="0" err="1" smtClean="0"/>
+              <a:t>thật</a:t>
+            </a:r>
+            <a:r>
+              <a:rPr lang="en-US" dirty="0" smtClean="0"/>
+              <a:t> to </a:t>
+            </a:r>
+            <a:r>
+              <a:rPr lang="en-US" b="1" dirty="0" smtClean="0"/>
+              <a:t>10 </a:t>
+            </a:r>
+            <a:r>
+              <a:rPr lang="en-US" b="1" dirty="0" err="1" smtClean="0"/>
+              <a:t>lần</a:t>
+            </a:r>
+            <a:r>
+              <a:rPr lang="en-US" b="1" dirty="0" smtClean="0"/>
+              <a:t> </a:t>
+            </a:r>
+            <a:r>
+              <a:rPr lang="en-US" dirty="0" smtClean="0"/>
+              <a:t>2</a:t>
+            </a:r>
+            <a:r>
+              <a:rPr lang="en-US" b="1" dirty="0" smtClean="0"/>
+              <a:t> </a:t>
+            </a:r>
+            <a:r>
+              <a:rPr lang="en-US" dirty="0" err="1" smtClean="0"/>
+              <a:t>từ</a:t>
+            </a:r>
+            <a:r>
+              <a:rPr lang="en-US" dirty="0" smtClean="0"/>
+              <a:t> “Xin </a:t>
+            </a:r>
+            <a:r>
+              <a:rPr lang="en-US" dirty="0" err="1" smtClean="0"/>
+              <a:t>chào</a:t>
+            </a:r>
+            <a:r>
+              <a:rPr lang="en-US" dirty="0" smtClean="0"/>
+              <a:t>”</a:t>
+            </a:r>
+            <a:endParaRPr lang="en-US" dirty="0"/>
+          </a:p>
+        </p:txBody>
+      </p:sp>
+      <p:sp>
+        <p:nvSpPr>
+          <p:cNvPr id="18" name="Oval 17"/>
           <p:cNvSpPr/>
           <p:nvPr/>
         </p:nvSpPr>
         <p:spPr>
           <a:xfrm>
-            <a:off x="548981" y="2485194"/>
-            <a:ext cx="3076721" cy="895959"/>
+            <a:off x="648586" y="2055601"/>
+            <a:ext cx="350875" cy="350875"/>
+          </a:xfrm>
+          <a:prstGeom prst="ellipse">
+            <a:avLst/>
+          </a:prstGeom>
+          <a:solidFill>
+            <a:srgbClr val="3772A2"/>
+          </a:solidFill>
+          <a:ln>
+            <a:noFill/>
+          </a:ln>
+        </p:spPr>
+        <p:style>
+          <a:lnRef idx="2">
+            <a:schemeClr val="accent1">
+              <a:shade val="50000"/>
+            </a:schemeClr>
+          </a:lnRef>
+          <a:fillRef idx="1">
+            <a:schemeClr val="accent1"/>
+          </a:fillRef>
+          <a:effectRef idx="0">
+            <a:schemeClr val="accent1"/>
+          </a:effectRef>
+          <a:fontRef idx="minor">
+            <a:schemeClr val="lt1"/>
+          </a:fontRef>
+        </p:style>
+        <p:txBody>
+          <a:bodyPr rtlCol="0" anchor="ctr"/>
+          <a:lstStyle/>
+          <a:p>
+            <a:pPr algn="ctr"/>
+            <a:r>
+              <a:rPr lang="en-US" dirty="0"/>
+              <a:t>3</a:t>
+            </a:r>
+          </a:p>
+        </p:txBody>
+      </p:sp>
+      <p:sp>
+        <p:nvSpPr>
+          <p:cNvPr id="21" name="TextBox 20"/>
+          <p:cNvSpPr txBox="1"/>
+          <p:nvPr/>
+        </p:nvSpPr>
+        <p:spPr>
+          <a:xfrm>
+            <a:off x="548981" y="2604487"/>
+            <a:ext cx="7999595" cy="369332"/>
+          </a:xfrm>
+          <a:prstGeom prst="rect">
+            <a:avLst/>
+          </a:prstGeom>
+          <a:noFill/>
+        </p:spPr>
+        <p:txBody>
+          <a:bodyPr wrap="square" rtlCol="0">
+            <a:spAutoFit/>
+          </a:bodyPr>
+          <a:lstStyle/>
+          <a:p>
+            <a:r>
+              <a:rPr lang="en-US" dirty="0" err="1" smtClean="0"/>
+              <a:t>Chúng</a:t>
+            </a:r>
+            <a:r>
+              <a:rPr lang="en-US" dirty="0" smtClean="0"/>
+              <a:t> ta </a:t>
+            </a:r>
+            <a:r>
+              <a:rPr lang="en-US" dirty="0" err="1" smtClean="0"/>
+              <a:t>có</a:t>
+            </a:r>
+            <a:r>
+              <a:rPr lang="en-US" dirty="0" smtClean="0"/>
+              <a:t> </a:t>
+            </a:r>
+            <a:r>
+              <a:rPr lang="en-US" dirty="0" err="1" smtClean="0"/>
+              <a:t>thể</a:t>
+            </a:r>
+            <a:r>
+              <a:rPr lang="en-US" dirty="0" smtClean="0"/>
+              <a:t> </a:t>
+            </a:r>
+            <a:r>
+              <a:rPr lang="en-US" dirty="0" err="1" smtClean="0"/>
+              <a:t>mô</a:t>
+            </a:r>
+            <a:r>
+              <a:rPr lang="en-US" dirty="0" smtClean="0"/>
+              <a:t> </a:t>
+            </a:r>
+            <a:r>
+              <a:rPr lang="en-US" dirty="0" err="1" smtClean="0"/>
+              <a:t>tả</a:t>
+            </a:r>
+            <a:r>
+              <a:rPr lang="en-US" dirty="0" smtClean="0"/>
+              <a:t> </a:t>
+            </a:r>
+            <a:r>
+              <a:rPr lang="en-US" dirty="0" err="1" smtClean="0"/>
+              <a:t>phát</a:t>
+            </a:r>
+            <a:r>
+              <a:rPr lang="en-US" dirty="0" smtClean="0"/>
+              <a:t> </a:t>
+            </a:r>
+            <a:r>
+              <a:rPr lang="en-US" dirty="0" err="1" smtClean="0"/>
+              <a:t>biểu</a:t>
+            </a:r>
+            <a:r>
+              <a:rPr lang="en-US" dirty="0" smtClean="0"/>
+              <a:t> </a:t>
+            </a:r>
+            <a:r>
+              <a:rPr lang="en-US" dirty="0" err="1" smtClean="0"/>
+              <a:t>này</a:t>
+            </a:r>
+            <a:r>
+              <a:rPr lang="en-US" dirty="0" smtClean="0"/>
+              <a:t> </a:t>
+            </a:r>
+            <a:r>
+              <a:rPr lang="en-US" dirty="0" err="1" smtClean="0"/>
+              <a:t>trong</a:t>
+            </a:r>
+            <a:r>
+              <a:rPr lang="en-US" dirty="0" smtClean="0"/>
+              <a:t> </a:t>
+            </a:r>
+            <a:r>
+              <a:rPr lang="en-US" dirty="0" err="1" smtClean="0"/>
+              <a:t>lập</a:t>
+            </a:r>
+            <a:r>
+              <a:rPr lang="en-US" dirty="0" smtClean="0"/>
+              <a:t> </a:t>
+            </a:r>
+            <a:r>
+              <a:rPr lang="en-US" dirty="0" err="1" smtClean="0"/>
+              <a:t>trình</a:t>
+            </a:r>
+            <a:r>
+              <a:rPr lang="en-US" dirty="0" smtClean="0"/>
+              <a:t> Python </a:t>
+            </a:r>
+            <a:r>
+              <a:rPr lang="en-US" dirty="0" err="1" smtClean="0"/>
+              <a:t>như</a:t>
+            </a:r>
+            <a:r>
+              <a:rPr lang="en-US" dirty="0" smtClean="0"/>
+              <a:t> </a:t>
+            </a:r>
+            <a:r>
+              <a:rPr lang="en-US" dirty="0" err="1" smtClean="0"/>
+              <a:t>sau</a:t>
+            </a:r>
+            <a:r>
+              <a:rPr lang="en-US" dirty="0" smtClean="0"/>
+              <a:t>:</a:t>
+            </a:r>
+            <a:endParaRPr lang="en-US" b="1" dirty="0"/>
+          </a:p>
+        </p:txBody>
+      </p:sp>
+      <p:sp>
+        <p:nvSpPr>
+          <p:cNvPr id="23" name="Rectangle 22"/>
+          <p:cNvSpPr/>
+          <p:nvPr/>
+        </p:nvSpPr>
+        <p:spPr>
+          <a:xfrm>
+            <a:off x="648586" y="3153373"/>
+            <a:ext cx="2998381" cy="3311222"/>
           </a:xfrm>
           <a:prstGeom prst="rect">
             <a:avLst/>
@@ -16258,14 +16735,14 @@
       </p:sp>
       <p:sp>
         <p:nvSpPr>
-          <p:cNvPr id="11" name="TextBox 10"/>
+          <p:cNvPr id="24" name="TextBox 23"/>
           <p:cNvSpPr txBox="1"/>
           <p:nvPr/>
         </p:nvSpPr>
         <p:spPr>
           <a:xfrm>
-            <a:off x="749165" y="2578107"/>
-            <a:ext cx="2642621" cy="646331"/>
+            <a:off x="824023" y="3377823"/>
+            <a:ext cx="2117713" cy="2862322"/>
           </a:xfrm>
           <a:prstGeom prst="rect">
             <a:avLst/>
@@ -16281,117 +16758,125 @@
             <a:r>
               <a:rPr lang="en-US" dirty="0" smtClean="0">
                 <a:solidFill>
-                  <a:srgbClr val="00B0F0"/>
-                </a:solidFill>
-              </a:rPr>
-              <a:t>for</a:t>
-            </a:r>
-            <a:r>
-              <a:rPr lang="en-US" dirty="0" smtClean="0">
-                <a:solidFill>
-                  <a:schemeClr val="bg1"/>
-                </a:solidFill>
-              </a:rPr>
-              <a:t> </a:t>
+                  <a:schemeClr val="bg1"/>
+                </a:solidFill>
+              </a:rPr>
+              <a:t>print</a:t>
+            </a:r>
+            <a:r>
+              <a:rPr lang="en-US" dirty="0" smtClean="0">
+                <a:solidFill>
+                  <a:srgbClr val="FECC36"/>
+                </a:solidFill>
+              </a:rPr>
+              <a:t>(</a:t>
+            </a:r>
+            <a:r>
+              <a:rPr lang="en-US" dirty="0" smtClean="0">
+                <a:solidFill>
+                  <a:schemeClr val="accent2">
+                    <a:lumMod val="75000"/>
+                  </a:schemeClr>
+                </a:solidFill>
+              </a:rPr>
+              <a:t>“Xin </a:t>
             </a:r>
             <a:r>
               <a:rPr lang="en-US" dirty="0" err="1" smtClean="0">
                 <a:solidFill>
-                  <a:schemeClr val="bg1"/>
-                </a:solidFill>
-              </a:rPr>
-              <a:t>i</a:t>
-            </a:r>
-            <a:r>
-              <a:rPr lang="en-US" dirty="0" smtClean="0">
-                <a:solidFill>
-                  <a:schemeClr val="bg1"/>
-                </a:solidFill>
-              </a:rPr>
-              <a:t> </a:t>
-            </a:r>
-            <a:r>
-              <a:rPr lang="en-US" dirty="0" smtClean="0">
-                <a:solidFill>
-                  <a:srgbClr val="00B0F0"/>
-                </a:solidFill>
-              </a:rPr>
-              <a:t>in</a:t>
-            </a:r>
-            <a:r>
-              <a:rPr lang="en-US" dirty="0" smtClean="0">
-                <a:solidFill>
-                  <a:schemeClr val="bg1"/>
-                </a:solidFill>
-              </a:rPr>
-              <a:t> range</a:t>
-            </a:r>
-            <a:r>
-              <a:rPr lang="en-US" dirty="0" smtClean="0">
-                <a:solidFill>
-                  <a:srgbClr val="FFC500"/>
+                  <a:schemeClr val="accent2">
+                    <a:lumMod val="75000"/>
+                  </a:schemeClr>
+                </a:solidFill>
+              </a:rPr>
+              <a:t>chào</a:t>
+            </a:r>
+            <a:r>
+              <a:rPr lang="en-US" dirty="0" smtClean="0">
+                <a:solidFill>
+                  <a:schemeClr val="accent2">
+                    <a:lumMod val="75000"/>
+                  </a:schemeClr>
+                </a:solidFill>
+              </a:rPr>
+              <a:t>”</a:t>
+            </a:r>
+            <a:r>
+              <a:rPr lang="en-US" dirty="0" smtClean="0">
+                <a:solidFill>
+                  <a:srgbClr val="FECC36"/>
+                </a:solidFill>
+              </a:rPr>
+              <a:t>)</a:t>
+            </a:r>
+          </a:p>
+          <a:p>
+            <a:r>
+              <a:rPr lang="en-US" dirty="0">
+                <a:solidFill>
+                  <a:schemeClr val="bg1"/>
+                </a:solidFill>
+              </a:rPr>
+              <a:t>print</a:t>
+            </a:r>
+            <a:r>
+              <a:rPr lang="en-US" dirty="0">
+                <a:solidFill>
+                  <a:srgbClr val="FECC36"/>
                 </a:solidFill>
               </a:rPr>
               <a:t>(</a:t>
             </a:r>
             <a:r>
-              <a:rPr lang="en-US" dirty="0" smtClean="0">
-                <a:solidFill>
-                  <a:schemeClr val="accent6">
-                    <a:lumMod val="60000"/>
-                    <a:lumOff val="40000"/>
-                  </a:schemeClr>
-                </a:solidFill>
-              </a:rPr>
-              <a:t>1</a:t>
-            </a:r>
-            <a:r>
-              <a:rPr lang="en-US" dirty="0" smtClean="0">
-                <a:solidFill>
-                  <a:schemeClr val="bg1"/>
-                </a:solidFill>
-              </a:rPr>
-              <a:t>, </a:t>
-            </a:r>
-            <a:r>
-              <a:rPr lang="en-US" dirty="0" smtClean="0">
-                <a:solidFill>
-                  <a:schemeClr val="accent6">
-                    <a:lumMod val="60000"/>
-                    <a:lumOff val="40000"/>
-                  </a:schemeClr>
-                </a:solidFill>
-              </a:rPr>
-              <a:t>5</a:t>
-            </a:r>
-            <a:r>
-              <a:rPr lang="en-US" dirty="0" smtClean="0">
-                <a:solidFill>
-                  <a:srgbClr val="FFC500"/>
+              <a:rPr lang="en-US" dirty="0">
+                <a:solidFill>
+                  <a:schemeClr val="accent2">
+                    <a:lumMod val="75000"/>
+                  </a:schemeClr>
+                </a:solidFill>
+              </a:rPr>
+              <a:t>“Xin </a:t>
+            </a:r>
+            <a:r>
+              <a:rPr lang="en-US" dirty="0" err="1">
+                <a:solidFill>
+                  <a:schemeClr val="accent2">
+                    <a:lumMod val="75000"/>
+                  </a:schemeClr>
+                </a:solidFill>
+              </a:rPr>
+              <a:t>chào</a:t>
+            </a:r>
+            <a:r>
+              <a:rPr lang="en-US" dirty="0">
+                <a:solidFill>
+                  <a:schemeClr val="accent2">
+                    <a:lumMod val="75000"/>
+                  </a:schemeClr>
+                </a:solidFill>
+              </a:rPr>
+              <a:t>”</a:t>
+            </a:r>
+            <a:r>
+              <a:rPr lang="en-US" dirty="0">
+                <a:solidFill>
+                  <a:srgbClr val="FECC36"/>
                 </a:solidFill>
               </a:rPr>
               <a:t>)</a:t>
             </a:r>
-            <a:r>
-              <a:rPr lang="en-US" dirty="0" smtClean="0">
-                <a:solidFill>
-                  <a:schemeClr val="bg1"/>
-                </a:solidFill>
-              </a:rPr>
-              <a:t>:</a:t>
-            </a:r>
-          </a:p>
-          <a:p>
-            <a:r>
-              <a:rPr lang="en-US" dirty="0" smtClean="0">
-                <a:solidFill>
-                  <a:schemeClr val="bg1"/>
-                </a:solidFill>
-              </a:rPr>
-              <a:t>     print</a:t>
-            </a:r>
-            <a:r>
-              <a:rPr lang="en-US" dirty="0" smtClean="0">
+          </a:p>
+          <a:p>
+            <a:r>
+              <a:rPr lang="en-US" dirty="0">
+                <a:solidFill>
+                  <a:schemeClr val="bg1"/>
+                </a:solidFill>
+              </a:rPr>
+              <a:t>print</a:t>
+            </a:r>
+            <a:r>
+              <a:rPr lang="en-US" dirty="0">
                 <a:solidFill>
                   <a:srgbClr val="FECC36"/>
                 </a:solidFill>
@@ -16399,12 +16884,426 @@
               <a:t>(</a:t>
             </a:r>
             <a:r>
-              <a:rPr lang="en-US" dirty="0" err="1" smtClean="0">
-                <a:solidFill>
-                  <a:schemeClr val="bg1"/>
-                </a:solidFill>
-              </a:rPr>
-              <a:t>i</a:t>
+              <a:rPr lang="en-US" dirty="0">
+                <a:solidFill>
+                  <a:schemeClr val="accent2">
+                    <a:lumMod val="75000"/>
+                  </a:schemeClr>
+                </a:solidFill>
+              </a:rPr>
+              <a:t>“Xin </a:t>
+            </a:r>
+            <a:r>
+              <a:rPr lang="en-US" dirty="0" err="1">
+                <a:solidFill>
+                  <a:schemeClr val="accent2">
+                    <a:lumMod val="75000"/>
+                  </a:schemeClr>
+                </a:solidFill>
+              </a:rPr>
+              <a:t>chào</a:t>
+            </a:r>
+            <a:r>
+              <a:rPr lang="en-US" dirty="0">
+                <a:solidFill>
+                  <a:schemeClr val="accent2">
+                    <a:lumMod val="75000"/>
+                  </a:schemeClr>
+                </a:solidFill>
+              </a:rPr>
+              <a:t>”</a:t>
+            </a:r>
+            <a:r>
+              <a:rPr lang="en-US" dirty="0">
+                <a:solidFill>
+                  <a:srgbClr val="FECC36"/>
+                </a:solidFill>
+              </a:rPr>
+              <a:t>)</a:t>
+            </a:r>
+          </a:p>
+          <a:p>
+            <a:r>
+              <a:rPr lang="en-US" dirty="0">
+                <a:solidFill>
+                  <a:schemeClr val="bg1"/>
+                </a:solidFill>
+              </a:rPr>
+              <a:t>print</a:t>
+            </a:r>
+            <a:r>
+              <a:rPr lang="en-US" dirty="0">
+                <a:solidFill>
+                  <a:srgbClr val="FECC36"/>
+                </a:solidFill>
+              </a:rPr>
+              <a:t>(</a:t>
+            </a:r>
+            <a:r>
+              <a:rPr lang="en-US" dirty="0">
+                <a:solidFill>
+                  <a:schemeClr val="accent2">
+                    <a:lumMod val="75000"/>
+                  </a:schemeClr>
+                </a:solidFill>
+              </a:rPr>
+              <a:t>“Xin </a:t>
+            </a:r>
+            <a:r>
+              <a:rPr lang="en-US" dirty="0" err="1">
+                <a:solidFill>
+                  <a:schemeClr val="accent2">
+                    <a:lumMod val="75000"/>
+                  </a:schemeClr>
+                </a:solidFill>
+              </a:rPr>
+              <a:t>chào</a:t>
+            </a:r>
+            <a:r>
+              <a:rPr lang="en-US" dirty="0">
+                <a:solidFill>
+                  <a:schemeClr val="accent2">
+                    <a:lumMod val="75000"/>
+                  </a:schemeClr>
+                </a:solidFill>
+              </a:rPr>
+              <a:t>”</a:t>
+            </a:r>
+            <a:r>
+              <a:rPr lang="en-US" dirty="0">
+                <a:solidFill>
+                  <a:srgbClr val="FECC36"/>
+                </a:solidFill>
+              </a:rPr>
+              <a:t>)</a:t>
+            </a:r>
+          </a:p>
+          <a:p>
+            <a:r>
+              <a:rPr lang="en-US" dirty="0">
+                <a:solidFill>
+                  <a:schemeClr val="bg1"/>
+                </a:solidFill>
+              </a:rPr>
+              <a:t>print</a:t>
+            </a:r>
+            <a:r>
+              <a:rPr lang="en-US" dirty="0">
+                <a:solidFill>
+                  <a:srgbClr val="FECC36"/>
+                </a:solidFill>
+              </a:rPr>
+              <a:t>(</a:t>
+            </a:r>
+            <a:r>
+              <a:rPr lang="en-US" dirty="0">
+                <a:solidFill>
+                  <a:schemeClr val="accent2">
+                    <a:lumMod val="75000"/>
+                  </a:schemeClr>
+                </a:solidFill>
+              </a:rPr>
+              <a:t>“Xin </a:t>
+            </a:r>
+            <a:r>
+              <a:rPr lang="en-US" dirty="0" err="1">
+                <a:solidFill>
+                  <a:schemeClr val="accent2">
+                    <a:lumMod val="75000"/>
+                  </a:schemeClr>
+                </a:solidFill>
+              </a:rPr>
+              <a:t>chào</a:t>
+            </a:r>
+            <a:r>
+              <a:rPr lang="en-US" dirty="0">
+                <a:solidFill>
+                  <a:schemeClr val="accent2">
+                    <a:lumMod val="75000"/>
+                  </a:schemeClr>
+                </a:solidFill>
+              </a:rPr>
+              <a:t>”</a:t>
+            </a:r>
+            <a:r>
+              <a:rPr lang="en-US" dirty="0">
+                <a:solidFill>
+                  <a:srgbClr val="FECC36"/>
+                </a:solidFill>
+              </a:rPr>
+              <a:t>)</a:t>
+            </a:r>
+          </a:p>
+          <a:p>
+            <a:r>
+              <a:rPr lang="en-US" dirty="0">
+                <a:solidFill>
+                  <a:schemeClr val="bg1"/>
+                </a:solidFill>
+              </a:rPr>
+              <a:t>print</a:t>
+            </a:r>
+            <a:r>
+              <a:rPr lang="en-US" dirty="0">
+                <a:solidFill>
+                  <a:srgbClr val="FECC36"/>
+                </a:solidFill>
+              </a:rPr>
+              <a:t>(</a:t>
+            </a:r>
+            <a:r>
+              <a:rPr lang="en-US" dirty="0">
+                <a:solidFill>
+                  <a:schemeClr val="accent2">
+                    <a:lumMod val="75000"/>
+                  </a:schemeClr>
+                </a:solidFill>
+              </a:rPr>
+              <a:t>“Xin </a:t>
+            </a:r>
+            <a:r>
+              <a:rPr lang="en-US" dirty="0" err="1">
+                <a:solidFill>
+                  <a:schemeClr val="accent2">
+                    <a:lumMod val="75000"/>
+                  </a:schemeClr>
+                </a:solidFill>
+              </a:rPr>
+              <a:t>chào</a:t>
+            </a:r>
+            <a:r>
+              <a:rPr lang="en-US" dirty="0">
+                <a:solidFill>
+                  <a:schemeClr val="accent2">
+                    <a:lumMod val="75000"/>
+                  </a:schemeClr>
+                </a:solidFill>
+              </a:rPr>
+              <a:t>”</a:t>
+            </a:r>
+            <a:r>
+              <a:rPr lang="en-US" dirty="0">
+                <a:solidFill>
+                  <a:srgbClr val="FECC36"/>
+                </a:solidFill>
+              </a:rPr>
+              <a:t>)</a:t>
+            </a:r>
+          </a:p>
+          <a:p>
+            <a:r>
+              <a:rPr lang="en-US" dirty="0">
+                <a:solidFill>
+                  <a:schemeClr val="bg1"/>
+                </a:solidFill>
+              </a:rPr>
+              <a:t>print</a:t>
+            </a:r>
+            <a:r>
+              <a:rPr lang="en-US" dirty="0">
+                <a:solidFill>
+                  <a:srgbClr val="FECC36"/>
+                </a:solidFill>
+              </a:rPr>
+              <a:t>(</a:t>
+            </a:r>
+            <a:r>
+              <a:rPr lang="en-US" dirty="0">
+                <a:solidFill>
+                  <a:schemeClr val="accent2">
+                    <a:lumMod val="75000"/>
+                  </a:schemeClr>
+                </a:solidFill>
+              </a:rPr>
+              <a:t>“Xin </a:t>
+            </a:r>
+            <a:r>
+              <a:rPr lang="en-US" dirty="0" err="1">
+                <a:solidFill>
+                  <a:schemeClr val="accent2">
+                    <a:lumMod val="75000"/>
+                  </a:schemeClr>
+                </a:solidFill>
+              </a:rPr>
+              <a:t>chào</a:t>
+            </a:r>
+            <a:r>
+              <a:rPr lang="en-US" dirty="0">
+                <a:solidFill>
+                  <a:schemeClr val="accent2">
+                    <a:lumMod val="75000"/>
+                  </a:schemeClr>
+                </a:solidFill>
+              </a:rPr>
+              <a:t>”</a:t>
+            </a:r>
+            <a:r>
+              <a:rPr lang="en-US" dirty="0">
+                <a:solidFill>
+                  <a:srgbClr val="FECC36"/>
+                </a:solidFill>
+              </a:rPr>
+              <a:t>)</a:t>
+            </a:r>
+          </a:p>
+          <a:p>
+            <a:r>
+              <a:rPr lang="en-US" dirty="0">
+                <a:solidFill>
+                  <a:schemeClr val="bg1"/>
+                </a:solidFill>
+              </a:rPr>
+              <a:t>print</a:t>
+            </a:r>
+            <a:r>
+              <a:rPr lang="en-US" dirty="0">
+                <a:solidFill>
+                  <a:srgbClr val="FECC36"/>
+                </a:solidFill>
+              </a:rPr>
+              <a:t>(</a:t>
+            </a:r>
+            <a:r>
+              <a:rPr lang="en-US" dirty="0">
+                <a:solidFill>
+                  <a:schemeClr val="accent2">
+                    <a:lumMod val="75000"/>
+                  </a:schemeClr>
+                </a:solidFill>
+              </a:rPr>
+              <a:t>“Xin </a:t>
+            </a:r>
+            <a:r>
+              <a:rPr lang="en-US" dirty="0" err="1">
+                <a:solidFill>
+                  <a:schemeClr val="accent2">
+                    <a:lumMod val="75000"/>
+                  </a:schemeClr>
+                </a:solidFill>
+              </a:rPr>
+              <a:t>chào</a:t>
+            </a:r>
+            <a:r>
+              <a:rPr lang="en-US" dirty="0">
+                <a:solidFill>
+                  <a:schemeClr val="accent2">
+                    <a:lumMod val="75000"/>
+                  </a:schemeClr>
+                </a:solidFill>
+              </a:rPr>
+              <a:t>”</a:t>
+            </a:r>
+            <a:r>
+              <a:rPr lang="en-US" dirty="0">
+                <a:solidFill>
+                  <a:srgbClr val="FECC36"/>
+                </a:solidFill>
+              </a:rPr>
+              <a:t>)</a:t>
+            </a:r>
+          </a:p>
+          <a:p>
+            <a:r>
+              <a:rPr lang="en-US" dirty="0">
+                <a:solidFill>
+                  <a:schemeClr val="bg1"/>
+                </a:solidFill>
+              </a:rPr>
+              <a:t>print</a:t>
+            </a:r>
+            <a:r>
+              <a:rPr lang="en-US" dirty="0">
+                <a:solidFill>
+                  <a:srgbClr val="FECC36"/>
+                </a:solidFill>
+              </a:rPr>
+              <a:t>(</a:t>
+            </a:r>
+            <a:r>
+              <a:rPr lang="en-US" dirty="0">
+                <a:solidFill>
+                  <a:schemeClr val="accent2">
+                    <a:lumMod val="75000"/>
+                  </a:schemeClr>
+                </a:solidFill>
+              </a:rPr>
+              <a:t>“Xin </a:t>
+            </a:r>
+            <a:r>
+              <a:rPr lang="en-US" dirty="0" err="1">
+                <a:solidFill>
+                  <a:schemeClr val="accent2">
+                    <a:lumMod val="75000"/>
+                  </a:schemeClr>
+                </a:solidFill>
+              </a:rPr>
+              <a:t>chào</a:t>
+            </a:r>
+            <a:r>
+              <a:rPr lang="en-US" dirty="0">
+                <a:solidFill>
+                  <a:schemeClr val="accent2">
+                    <a:lumMod val="75000"/>
+                  </a:schemeClr>
+                </a:solidFill>
+              </a:rPr>
+              <a:t>”</a:t>
+            </a:r>
+            <a:r>
+              <a:rPr lang="en-US" dirty="0">
+                <a:solidFill>
+                  <a:srgbClr val="FECC36"/>
+                </a:solidFill>
+              </a:rPr>
+              <a:t>)</a:t>
+            </a:r>
+          </a:p>
+          <a:p>
+            <a:r>
+              <a:rPr lang="en-US" dirty="0">
+                <a:solidFill>
+                  <a:schemeClr val="bg1"/>
+                </a:solidFill>
+              </a:rPr>
+              <a:t>print</a:t>
+            </a:r>
+            <a:r>
+              <a:rPr lang="en-US" dirty="0">
+                <a:solidFill>
+                  <a:srgbClr val="FECC36"/>
+                </a:solidFill>
+              </a:rPr>
+              <a:t>(</a:t>
+            </a:r>
+            <a:r>
+              <a:rPr lang="en-US" dirty="0">
+                <a:solidFill>
+                  <a:schemeClr val="accent2">
+                    <a:lumMod val="75000"/>
+                  </a:schemeClr>
+                </a:solidFill>
+              </a:rPr>
+              <a:t>“Xin </a:t>
+            </a:r>
+            <a:r>
+              <a:rPr lang="en-US" dirty="0" err="1">
+                <a:solidFill>
+                  <a:schemeClr val="accent2">
+                    <a:lumMod val="75000"/>
+                  </a:schemeClr>
+                </a:solidFill>
+              </a:rPr>
+              <a:t>chào</a:t>
+            </a:r>
+            <a:r>
+              <a:rPr lang="en-US" dirty="0" smtClean="0">
+                <a:solidFill>
+                  <a:schemeClr val="accent2">
+                    <a:lumMod val="75000"/>
+                  </a:schemeClr>
+                </a:solidFill>
+              </a:rPr>
+              <a:t>”</a:t>
             </a:r>
             <a:r>
               <a:rPr lang="en-US" dirty="0" smtClean="0">
@@ -16419,76 +17318,14 @@
       </p:sp>
       <p:sp>
         <p:nvSpPr>
-          <p:cNvPr id="12" name="TextBox 11"/>
-          <p:cNvSpPr txBox="1"/>
-          <p:nvPr/>
-        </p:nvSpPr>
-        <p:spPr>
-          <a:xfrm>
-            <a:off x="423469" y="1988742"/>
-            <a:ext cx="3202234" cy="369332"/>
-          </a:xfrm>
-          <a:prstGeom prst="rect">
-            <a:avLst/>
-          </a:prstGeom>
-          <a:noFill/>
-        </p:spPr>
-        <p:txBody>
-          <a:bodyPr wrap="square" rtlCol="0">
-            <a:spAutoFit/>
-          </a:bodyPr>
-          <a:lstStyle/>
-          <a:p>
-            <a:r>
-              <a:rPr lang="en-US" dirty="0" err="1" smtClean="0"/>
-              <a:t>Sử</a:t>
-            </a:r>
-            <a:r>
-              <a:rPr lang="en-US" dirty="0" smtClean="0"/>
-              <a:t> </a:t>
-            </a:r>
-            <a:r>
-              <a:rPr lang="en-US" dirty="0" err="1" smtClean="0"/>
-              <a:t>dụng</a:t>
-            </a:r>
-            <a:r>
-              <a:rPr lang="en-US" dirty="0" smtClean="0"/>
-              <a:t> </a:t>
-            </a:r>
-            <a:r>
-              <a:rPr lang="en-US" dirty="0" err="1" smtClean="0"/>
-              <a:t>với</a:t>
-            </a:r>
-            <a:r>
-              <a:rPr lang="en-US" dirty="0" smtClean="0"/>
-              <a:t> </a:t>
-            </a:r>
-            <a:r>
-              <a:rPr lang="en-US" dirty="0" err="1" smtClean="0"/>
-              <a:t>hàm</a:t>
-            </a:r>
-            <a:r>
-              <a:rPr lang="en-US" dirty="0" smtClean="0"/>
-              <a:t> </a:t>
-            </a:r>
-            <a:r>
-              <a:rPr lang="en-US" b="1" dirty="0" smtClean="0"/>
-              <a:t>range()</a:t>
-            </a:r>
-            <a:endParaRPr lang="en-US" b="1" dirty="0"/>
-          </a:p>
-        </p:txBody>
-      </p:sp>
-      <p:sp>
-        <p:nvSpPr>
-          <p:cNvPr id="13" name="Rectangle 12"/>
+          <p:cNvPr id="25" name="Rectangle 24"/>
           <p:cNvSpPr/>
           <p:nvPr/>
         </p:nvSpPr>
         <p:spPr>
           <a:xfrm>
-            <a:off x="4682725" y="2485194"/>
-            <a:ext cx="3076721" cy="895959"/>
+            <a:off x="4025828" y="3153373"/>
+            <a:ext cx="4607810" cy="1003957"/>
           </a:xfrm>
           <a:prstGeom prst="rect">
             <a:avLst/>
@@ -16530,14 +17367,14 @@
       </p:sp>
       <p:sp>
         <p:nvSpPr>
-          <p:cNvPr id="14" name="TextBox 13"/>
+          <p:cNvPr id="26" name="TextBox 25"/>
           <p:cNvSpPr txBox="1"/>
           <p:nvPr/>
         </p:nvSpPr>
         <p:spPr>
           <a:xfrm>
-            <a:off x="4882909" y="2578107"/>
-            <a:ext cx="2642621" cy="646331"/>
+            <a:off x="4226011" y="3246286"/>
+            <a:ext cx="3429431" cy="646331"/>
           </a:xfrm>
           <a:prstGeom prst="rect">
             <a:avLst/>
@@ -16564,10 +17401,26 @@
                   <a:schemeClr val="bg1"/>
                 </a:solidFill>
               </a:rPr>
-              <a:t> x </a:t>
-            </a:r>
-            <a:r>
-              <a:rPr lang="en-US" dirty="0" smtClean="0">
+              <a:t> </a:t>
+            </a:r>
+            <a:r>
+              <a:rPr lang="en-US" dirty="0" err="1" smtClean="0">
+                <a:solidFill>
+                  <a:schemeClr val="bg1"/>
+                </a:solidFill>
+              </a:rPr>
+              <a:t>i</a:t>
+            </a:r>
+            <a:r>
+              <a:rPr lang="en-US" dirty="0" smtClean="0">
+                <a:solidFill>
+                  <a:schemeClr val="bg1"/>
+                </a:solidFill>
+              </a:rPr>
+              <a:t> </a:t>
+            </a:r>
+            <a:r>
+              <a:rPr lang="en-US" dirty="0">
                 <a:solidFill>
                   <a:srgbClr val="00B0F0"/>
                 </a:solidFill>
@@ -16575,40 +17428,146 @@
               <a:t>in</a:t>
             </a:r>
             <a:r>
-              <a:rPr lang="en-US" dirty="0" smtClean="0">
-                <a:solidFill>
-                  <a:schemeClr val="bg1"/>
-                </a:solidFill>
-              </a:rPr>
-              <a:t> </a:t>
-            </a:r>
-            <a:r>
-              <a:rPr lang="en-US" dirty="0" smtClean="0">
+              <a:rPr lang="en-US" dirty="0">
+                <a:solidFill>
+                  <a:schemeClr val="bg1"/>
+                </a:solidFill>
+              </a:rPr>
+              <a:t> </a:t>
+            </a:r>
+            <a:r>
+              <a:rPr lang="en-US" dirty="0" smtClean="0">
+                <a:solidFill>
+                  <a:schemeClr val="bg1"/>
+                </a:solidFill>
+              </a:rPr>
+              <a:t>range</a:t>
+            </a:r>
+            <a:r>
+              <a:rPr lang="en-US" dirty="0" smtClean="0">
+                <a:solidFill>
+                  <a:srgbClr val="FFC000"/>
+                </a:solidFill>
+              </a:rPr>
+              <a:t>(</a:t>
+            </a:r>
+            <a:r>
+              <a:rPr lang="en-US" dirty="0" smtClean="0">
+                <a:solidFill>
+                  <a:schemeClr val="accent6">
+                    <a:lumMod val="60000"/>
+                    <a:lumOff val="40000"/>
+                  </a:schemeClr>
+                </a:solidFill>
+              </a:rPr>
+              <a:t>1</a:t>
+            </a:r>
+            <a:r>
+              <a:rPr lang="en-US" dirty="0" smtClean="0">
+                <a:solidFill>
+                  <a:srgbClr val="FFC000"/>
+                </a:solidFill>
+              </a:rPr>
+              <a:t>,</a:t>
+            </a:r>
+            <a:r>
+              <a:rPr lang="en-US" dirty="0" smtClean="0">
+                <a:solidFill>
+                  <a:schemeClr val="accent6">
+                    <a:lumMod val="60000"/>
+                    <a:lumOff val="40000"/>
+                  </a:schemeClr>
+                </a:solidFill>
+              </a:rPr>
+              <a:t>11</a:t>
+            </a:r>
+            <a:r>
+              <a:rPr lang="en-US" dirty="0" smtClean="0">
+                <a:solidFill>
+                  <a:srgbClr val="FFC000"/>
+                </a:solidFill>
+              </a:rPr>
+              <a:t>) </a:t>
+            </a:r>
+            <a:r>
+              <a:rPr lang="en-US" dirty="0" smtClean="0">
+                <a:solidFill>
+                  <a:schemeClr val="bg1"/>
+                </a:solidFill>
+              </a:rPr>
+              <a:t>:</a:t>
+            </a:r>
+          </a:p>
+          <a:p>
+            <a:r>
+              <a:rPr lang="en-US" dirty="0">
+                <a:solidFill>
+                  <a:schemeClr val="bg1"/>
+                </a:solidFill>
+              </a:rPr>
+              <a:t> </a:t>
+            </a:r>
+            <a:r>
+              <a:rPr lang="en-US" dirty="0" smtClean="0">
+                <a:solidFill>
+                  <a:schemeClr val="bg1"/>
+                </a:solidFill>
+              </a:rPr>
+              <a:t>    </a:t>
+            </a:r>
+            <a:r>
+              <a:rPr lang="en-US" dirty="0">
+                <a:solidFill>
+                  <a:schemeClr val="bg1"/>
+                </a:solidFill>
+              </a:rPr>
+              <a:t>print</a:t>
+            </a:r>
+            <a:r>
+              <a:rPr lang="en-US" dirty="0">
+                <a:solidFill>
+                  <a:srgbClr val="FECC36"/>
+                </a:solidFill>
+              </a:rPr>
+              <a:t>(</a:t>
+            </a:r>
+            <a:r>
+              <a:rPr lang="en-US" dirty="0">
                 <a:solidFill>
                   <a:schemeClr val="accent2">
                     <a:lumMod val="75000"/>
                   </a:schemeClr>
                 </a:solidFill>
               </a:rPr>
-              <a:t>“banana”</a:t>
-            </a:r>
-            <a:r>
-              <a:rPr lang="en-US" dirty="0" smtClean="0">
-                <a:solidFill>
-                  <a:schemeClr val="bg1"/>
-                </a:solidFill>
-              </a:rPr>
-              <a:t>:</a:t>
-            </a:r>
-          </a:p>
-          <a:p>
-            <a:r>
-              <a:rPr lang="en-US" dirty="0" smtClean="0">
-                <a:solidFill>
-                  <a:schemeClr val="bg1"/>
-                </a:solidFill>
-              </a:rPr>
-              <a:t>     print</a:t>
+              <a:t>“Xin </a:t>
+            </a:r>
+            <a:r>
+              <a:rPr lang="en-US" dirty="0" err="1">
+                <a:solidFill>
+                  <a:schemeClr val="accent2">
+                    <a:lumMod val="75000"/>
+                  </a:schemeClr>
+                </a:solidFill>
+              </a:rPr>
+              <a:t>chào</a:t>
+            </a:r>
+            <a:r>
+              <a:rPr lang="en-US" dirty="0" smtClean="0">
+                <a:solidFill>
+                  <a:schemeClr val="accent2">
+                    <a:lumMod val="75000"/>
+                  </a:schemeClr>
+                </a:solidFill>
+              </a:rPr>
+              <a:t>”, </a:t>
+            </a:r>
+            <a:r>
+              <a:rPr lang="en-US" dirty="0" err="1" smtClean="0">
+                <a:solidFill>
+                  <a:schemeClr val="bg1"/>
+                </a:solidFill>
+              </a:rPr>
+              <a:t>i</a:t>
             </a:r>
             <a:r>
               <a:rPr lang="en-US" dirty="0" smtClean="0">
@@ -16616,37 +17575,26 @@
                   <a:srgbClr val="FECC36"/>
                 </a:solidFill>
               </a:rPr>
-              <a:t>(</a:t>
-            </a:r>
-            <a:r>
-              <a:rPr lang="en-US" dirty="0">
-                <a:solidFill>
-                  <a:schemeClr val="bg1"/>
-                </a:solidFill>
-              </a:rPr>
-              <a:t>x</a:t>
-            </a:r>
-            <a:r>
-              <a:rPr lang="en-US" dirty="0" smtClean="0">
-                <a:solidFill>
-                  <a:srgbClr val="FECC36"/>
-                </a:solidFill>
-              </a:rPr>
               <a:t>)</a:t>
             </a:r>
+            <a:endParaRPr lang="en-US" dirty="0">
+              <a:solidFill>
+                <a:srgbClr val="FECC36"/>
+              </a:solidFill>
+            </a:endParaRPr>
           </a:p>
         </p:txBody>
       </p:sp>
       <p:sp>
         <p:nvSpPr>
-          <p:cNvPr id="15" name="TextBox 14"/>
+          <p:cNvPr id="27" name="TextBox 26"/>
           <p:cNvSpPr txBox="1"/>
           <p:nvPr/>
         </p:nvSpPr>
         <p:spPr>
           <a:xfrm>
-            <a:off x="4565767" y="1988742"/>
-            <a:ext cx="2585546" cy="369332"/>
+            <a:off x="3983297" y="4305696"/>
+            <a:ext cx="4650341" cy="923330"/>
           </a:xfrm>
           <a:prstGeom prst="rect">
             <a:avLst/>
@@ -16661,19 +17609,147 @@
           <a:p>
             <a:r>
               <a:rPr lang="en-US" dirty="0" err="1" smtClean="0"/>
-              <a:t>Lặp</a:t>
-            </a:r>
-            <a:r>
-              <a:rPr lang="en-US" dirty="0" smtClean="0"/>
-              <a:t> qua </a:t>
-            </a:r>
-            <a:r>
-              <a:rPr lang="en-US" dirty="0" err="1" smtClean="0"/>
-              <a:t>một</a:t>
-            </a:r>
-            <a:r>
-              <a:rPr lang="en-US" dirty="0" smtClean="0"/>
-              <a:t> string</a:t>
+              <a:t>Thay</a:t>
+            </a:r>
+            <a:r>
+              <a:rPr lang="en-US" dirty="0" smtClean="0"/>
+              <a:t> </a:t>
+            </a:r>
+            <a:r>
+              <a:rPr lang="en-US" dirty="0" err="1" smtClean="0"/>
+              <a:t>vì</a:t>
+            </a:r>
+            <a:r>
+              <a:rPr lang="en-US" dirty="0" smtClean="0"/>
+              <a:t> </a:t>
+            </a:r>
+            <a:r>
+              <a:rPr lang="en-US" dirty="0" err="1" smtClean="0"/>
+              <a:t>dùng</a:t>
+            </a:r>
+            <a:r>
+              <a:rPr lang="en-US" dirty="0" smtClean="0"/>
+              <a:t> 10 </a:t>
+            </a:r>
+            <a:r>
+              <a:rPr lang="en-US" dirty="0" err="1" smtClean="0"/>
+              <a:t>lần</a:t>
+            </a:r>
+            <a:r>
+              <a:rPr lang="en-US" dirty="0" smtClean="0"/>
+              <a:t> </a:t>
+            </a:r>
+            <a:r>
+              <a:rPr lang="en-US" dirty="0" err="1" smtClean="0"/>
+              <a:t>lệnh</a:t>
+            </a:r>
+            <a:r>
+              <a:rPr lang="en-US" dirty="0" smtClean="0"/>
+              <a:t> print() </a:t>
+            </a:r>
+            <a:r>
+              <a:rPr lang="en-US" dirty="0" err="1" smtClean="0"/>
+              <a:t>chúng</a:t>
+            </a:r>
+            <a:r>
+              <a:rPr lang="en-US" dirty="0" smtClean="0"/>
+              <a:t> ta </a:t>
+            </a:r>
+            <a:r>
+              <a:rPr lang="en-US" dirty="0" err="1" smtClean="0"/>
+              <a:t>có</a:t>
+            </a:r>
+            <a:r>
+              <a:rPr lang="en-US" dirty="0" smtClean="0"/>
+              <a:t> </a:t>
+            </a:r>
+            <a:r>
+              <a:rPr lang="en-US" dirty="0" err="1" smtClean="0"/>
+              <a:t>thể</a:t>
+            </a:r>
+            <a:r>
+              <a:rPr lang="en-US" dirty="0" smtClean="0"/>
+              <a:t> </a:t>
+            </a:r>
+            <a:r>
+              <a:rPr lang="en-US" dirty="0" err="1" smtClean="0"/>
+              <a:t>sử</a:t>
+            </a:r>
+            <a:r>
+              <a:rPr lang="en-US" dirty="0" smtClean="0"/>
+              <a:t> </a:t>
+            </a:r>
+            <a:r>
+              <a:rPr lang="en-US" dirty="0" err="1" smtClean="0"/>
+              <a:t>dụng</a:t>
+            </a:r>
+            <a:r>
+              <a:rPr lang="en-US" dirty="0" smtClean="0"/>
+              <a:t> 1 </a:t>
+            </a:r>
+            <a:r>
+              <a:rPr lang="en-US" dirty="0" err="1" smtClean="0"/>
+              <a:t>lệnh</a:t>
+            </a:r>
+            <a:r>
+              <a:rPr lang="en-US" dirty="0" smtClean="0"/>
+              <a:t> print() </a:t>
+            </a:r>
+            <a:r>
+              <a:rPr lang="en-US" dirty="0" err="1" smtClean="0"/>
+              <a:t>kết</a:t>
+            </a:r>
+            <a:r>
+              <a:rPr lang="en-US" dirty="0" smtClean="0"/>
+              <a:t> </a:t>
+            </a:r>
+            <a:r>
+              <a:rPr lang="en-US" dirty="0" err="1" smtClean="0"/>
+              <a:t>hợp</a:t>
+            </a:r>
+            <a:r>
+              <a:rPr lang="en-US" dirty="0" smtClean="0"/>
+              <a:t> </a:t>
+            </a:r>
+            <a:r>
+              <a:rPr lang="en-US" dirty="0" err="1" smtClean="0"/>
+              <a:t>với</a:t>
+            </a:r>
+            <a:r>
+              <a:rPr lang="en-US" dirty="0" smtClean="0"/>
+              <a:t> </a:t>
+            </a:r>
+            <a:r>
+              <a:rPr lang="en-US" dirty="0" err="1" smtClean="0"/>
+              <a:t>vòng</a:t>
+            </a:r>
+            <a:r>
+              <a:rPr lang="en-US" dirty="0" smtClean="0"/>
+              <a:t> </a:t>
+            </a:r>
+            <a:r>
+              <a:rPr lang="en-US" dirty="0" err="1" smtClean="0"/>
+              <a:t>lặp</a:t>
+            </a:r>
+            <a:r>
+              <a:rPr lang="en-US" dirty="0" smtClean="0"/>
+              <a:t> for </a:t>
+            </a:r>
+            <a:r>
+              <a:rPr lang="en-US" dirty="0" err="1" smtClean="0"/>
+              <a:t>như</a:t>
+            </a:r>
+            <a:r>
+              <a:rPr lang="en-US" dirty="0" smtClean="0"/>
+              <a:t> </a:t>
+            </a:r>
+            <a:r>
+              <a:rPr lang="en-US" dirty="0" err="1" smtClean="0"/>
+              <a:t>trên</a:t>
+            </a:r>
+            <a:r>
+              <a:rPr lang="en-US" dirty="0" smtClean="0"/>
+              <a:t> </a:t>
             </a:r>
             <a:endParaRPr lang="en-US" b="1" dirty="0"/>
           </a:p>
@@ -16681,14 +17757,14 @@
       </p:sp>
       <p:sp>
         <p:nvSpPr>
-          <p:cNvPr id="16" name="TextBox 15"/>
+          <p:cNvPr id="28" name="TextBox 27"/>
           <p:cNvSpPr txBox="1"/>
           <p:nvPr/>
         </p:nvSpPr>
         <p:spPr>
           <a:xfrm>
-            <a:off x="423468" y="3557818"/>
-            <a:ext cx="8333421" cy="369332"/>
+            <a:off x="3983297" y="5400849"/>
+            <a:ext cx="4650341" cy="369332"/>
           </a:xfrm>
           <a:prstGeom prst="rect">
             <a:avLst/>
@@ -16702,623 +17778,69 @@
           <a:lstStyle/>
           <a:p>
             <a:r>
-              <a:rPr lang="en-US" dirty="0" err="1" smtClean="0"/>
-              <a:t>Vòng</a:t>
-            </a:r>
-            <a:r>
-              <a:rPr lang="en-US" dirty="0" smtClean="0"/>
-              <a:t> </a:t>
-            </a:r>
-            <a:r>
-              <a:rPr lang="en-US" dirty="0" err="1" smtClean="0"/>
-              <a:t>lặp</a:t>
-            </a:r>
-            <a:r>
-              <a:rPr lang="en-US" dirty="0" smtClean="0"/>
-              <a:t> </a:t>
-            </a:r>
-            <a:r>
-              <a:rPr lang="en-US" dirty="0" err="1" smtClean="0"/>
-              <a:t>với</a:t>
-            </a:r>
-            <a:r>
-              <a:rPr lang="en-US" dirty="0" smtClean="0"/>
-              <a:t> </a:t>
-            </a:r>
-            <a:r>
-              <a:rPr lang="en-US" dirty="0" err="1" smtClean="0"/>
-              <a:t>câu</a:t>
-            </a:r>
-            <a:r>
-              <a:rPr lang="en-US" dirty="0" smtClean="0"/>
-              <a:t> </a:t>
-            </a:r>
-            <a:r>
-              <a:rPr lang="en-US" dirty="0" err="1" smtClean="0"/>
-              <a:t>lệnh</a:t>
-            </a:r>
-            <a:r>
-              <a:rPr lang="en-US" dirty="0" smtClean="0"/>
-              <a:t> </a:t>
-            </a:r>
-            <a:r>
-              <a:rPr lang="en-US" b="1" dirty="0"/>
-              <a:t>break </a:t>
-            </a:r>
-            <a:r>
-              <a:rPr lang="en-US" dirty="0" err="1"/>
-              <a:t>và</a:t>
-            </a:r>
-            <a:r>
-              <a:rPr lang="en-US" b="1" dirty="0"/>
-              <a:t> </a:t>
-            </a:r>
-            <a:r>
-              <a:rPr lang="en-US" b="1" dirty="0" smtClean="0"/>
-              <a:t>continue</a:t>
-            </a:r>
-            <a:r>
-              <a:rPr lang="en-US" dirty="0" smtClean="0"/>
-              <a:t>  </a:t>
+              <a:rPr lang="en-US" dirty="0" smtClean="0"/>
+              <a:t>Code </a:t>
+            </a:r>
+            <a:r>
+              <a:rPr lang="en-US" dirty="0" err="1" smtClean="0"/>
+              <a:t>vì</a:t>
+            </a:r>
+            <a:r>
+              <a:rPr lang="en-US" dirty="0" smtClean="0"/>
+              <a:t> </a:t>
+            </a:r>
+            <a:r>
+              <a:rPr lang="en-US" dirty="0" err="1" smtClean="0"/>
+              <a:t>thế</a:t>
+            </a:r>
+            <a:r>
+              <a:rPr lang="en-US" dirty="0" smtClean="0"/>
+              <a:t> </a:t>
+            </a:r>
+            <a:r>
+              <a:rPr lang="en-US" dirty="0" err="1" smtClean="0"/>
+              <a:t>trở</a:t>
+            </a:r>
+            <a:r>
+              <a:rPr lang="en-US" dirty="0" smtClean="0"/>
+              <a:t> </a:t>
+            </a:r>
+            <a:r>
+              <a:rPr lang="en-US" dirty="0" err="1" smtClean="0"/>
+              <a:t>nên</a:t>
+            </a:r>
+            <a:r>
+              <a:rPr lang="en-US" dirty="0" smtClean="0"/>
+              <a:t> </a:t>
+            </a:r>
+            <a:r>
+              <a:rPr lang="en-US" dirty="0" err="1" smtClean="0"/>
+              <a:t>ngắn</a:t>
+            </a:r>
+            <a:r>
+              <a:rPr lang="en-US" dirty="0" smtClean="0"/>
+              <a:t> </a:t>
+            </a:r>
+            <a:r>
+              <a:rPr lang="en-US" dirty="0" err="1" smtClean="0"/>
+              <a:t>gọn</a:t>
+            </a:r>
+            <a:r>
+              <a:rPr lang="en-US" dirty="0" smtClean="0"/>
+              <a:t> </a:t>
+            </a:r>
+            <a:r>
+              <a:rPr lang="en-US" dirty="0" err="1" smtClean="0"/>
+              <a:t>hơn</a:t>
             </a:r>
             <a:endParaRPr lang="en-US" b="1" dirty="0"/>
-          </a:p>
-        </p:txBody>
-      </p:sp>
-      <p:sp>
-        <p:nvSpPr>
-          <p:cNvPr id="17" name="Rectangle 16"/>
-          <p:cNvSpPr/>
-          <p:nvPr/>
-        </p:nvSpPr>
-        <p:spPr>
-          <a:xfrm>
-            <a:off x="548982" y="4093237"/>
-            <a:ext cx="4333928" cy="2328828"/>
-          </a:xfrm>
-          <a:prstGeom prst="rect">
-            <a:avLst/>
-          </a:prstGeom>
-          <a:solidFill>
-            <a:schemeClr val="tx1">
-              <a:lumMod val="85000"/>
-              <a:lumOff val="15000"/>
-            </a:schemeClr>
-          </a:solidFill>
-          <a:ln>
-            <a:noFill/>
-          </a:ln>
-        </p:spPr>
-        <p:style>
-          <a:lnRef idx="2">
-            <a:schemeClr val="accent1">
-              <a:shade val="50000"/>
-            </a:schemeClr>
-          </a:lnRef>
-          <a:fillRef idx="1">
-            <a:schemeClr val="accent1"/>
-          </a:fillRef>
-          <a:effectRef idx="0">
-            <a:schemeClr val="accent1"/>
-          </a:effectRef>
-          <a:fontRef idx="minor">
-            <a:schemeClr val="lt1"/>
-          </a:fontRef>
-        </p:style>
-        <p:txBody>
-          <a:bodyPr rtlCol="0" anchor="ctr"/>
-          <a:lstStyle/>
-          <a:p>
-            <a:pPr algn="ctr"/>
-            <a:endParaRPr lang="en-US"/>
-          </a:p>
-        </p:txBody>
-      </p:sp>
-      <p:sp>
-        <p:nvSpPr>
-          <p:cNvPr id="19" name="TextBox 18"/>
-          <p:cNvSpPr txBox="1"/>
-          <p:nvPr/>
-        </p:nvSpPr>
-        <p:spPr>
-          <a:xfrm>
-            <a:off x="749166" y="4243874"/>
-            <a:ext cx="3933560" cy="2031325"/>
-          </a:xfrm>
-          <a:prstGeom prst="rect">
-            <a:avLst/>
-          </a:prstGeom>
-          <a:noFill/>
-        </p:spPr>
-        <p:txBody>
-          <a:bodyPr wrap="square" rtlCol="0">
-            <a:spAutoFit/>
-          </a:bodyPr>
-          <a:lstStyle/>
-          <a:p>
-            <a:r>
-              <a:rPr lang="en-US" dirty="0" smtClean="0">
-                <a:solidFill>
-                  <a:schemeClr val="bg1"/>
-                </a:solidFill>
-              </a:rPr>
-              <a:t>x </a:t>
-            </a:r>
-            <a:r>
-              <a:rPr lang="en-US" dirty="0">
-                <a:solidFill>
-                  <a:schemeClr val="bg1"/>
-                </a:solidFill>
-              </a:rPr>
-              <a:t>=</a:t>
-            </a:r>
-            <a:r>
-              <a:rPr lang="en-US" dirty="0">
-                <a:solidFill>
-                  <a:schemeClr val="accent2">
-                    <a:lumMod val="75000"/>
-                  </a:schemeClr>
-                </a:solidFill>
-              </a:rPr>
-              <a:t> </a:t>
-            </a:r>
-            <a:r>
-              <a:rPr lang="en-US" dirty="0">
-                <a:solidFill>
-                  <a:schemeClr val="bg1"/>
-                </a:solidFill>
-              </a:rPr>
-              <a:t>range</a:t>
-            </a:r>
-            <a:r>
-              <a:rPr lang="en-US" dirty="0">
-                <a:solidFill>
-                  <a:srgbClr val="FFC500"/>
-                </a:solidFill>
-              </a:rPr>
-              <a:t>(</a:t>
-            </a:r>
-            <a:r>
-              <a:rPr lang="en-US" dirty="0">
-                <a:solidFill>
-                  <a:schemeClr val="accent6">
-                    <a:lumMod val="60000"/>
-                    <a:lumOff val="40000"/>
-                  </a:schemeClr>
-                </a:solidFill>
-              </a:rPr>
-              <a:t>1</a:t>
-            </a:r>
-            <a:r>
-              <a:rPr lang="en-US" dirty="0">
-                <a:solidFill>
-                  <a:schemeClr val="bg1"/>
-                </a:solidFill>
-              </a:rPr>
-              <a:t>, </a:t>
-            </a:r>
-            <a:r>
-              <a:rPr lang="en-US" dirty="0">
-                <a:solidFill>
-                  <a:schemeClr val="accent6">
-                    <a:lumMod val="60000"/>
-                    <a:lumOff val="40000"/>
-                  </a:schemeClr>
-                </a:solidFill>
-              </a:rPr>
-              <a:t>5</a:t>
-            </a:r>
-            <a:r>
-              <a:rPr lang="en-US" dirty="0" smtClean="0">
-                <a:solidFill>
-                  <a:srgbClr val="FFC500"/>
-                </a:solidFill>
-              </a:rPr>
-              <a:t>)</a:t>
-            </a:r>
-          </a:p>
-          <a:p>
-            <a:r>
-              <a:rPr lang="en-US" dirty="0" smtClean="0">
-                <a:solidFill>
-                  <a:srgbClr val="00B0F0"/>
-                </a:solidFill>
-              </a:rPr>
-              <a:t>for</a:t>
-            </a:r>
-            <a:r>
-              <a:rPr lang="en-US" dirty="0" smtClean="0">
-                <a:solidFill>
-                  <a:schemeClr val="bg1"/>
-                </a:solidFill>
-              </a:rPr>
-              <a:t> </a:t>
-            </a:r>
-            <a:r>
-              <a:rPr lang="en-US" dirty="0" err="1" smtClean="0">
-                <a:solidFill>
-                  <a:schemeClr val="bg1"/>
-                </a:solidFill>
-              </a:rPr>
-              <a:t>i</a:t>
-            </a:r>
-            <a:r>
-              <a:rPr lang="en-US" dirty="0" smtClean="0">
-                <a:solidFill>
-                  <a:schemeClr val="bg1"/>
-                </a:solidFill>
-              </a:rPr>
-              <a:t> </a:t>
-            </a:r>
-            <a:r>
-              <a:rPr lang="en-US" dirty="0">
-                <a:solidFill>
-                  <a:srgbClr val="00B0F0"/>
-                </a:solidFill>
-              </a:rPr>
-              <a:t>in</a:t>
-            </a:r>
-            <a:r>
-              <a:rPr lang="en-US" dirty="0">
-                <a:solidFill>
-                  <a:schemeClr val="bg1"/>
-                </a:solidFill>
-              </a:rPr>
-              <a:t> </a:t>
-            </a:r>
-            <a:r>
-              <a:rPr lang="en-US" dirty="0" smtClean="0">
-                <a:solidFill>
-                  <a:schemeClr val="bg1"/>
-                </a:solidFill>
-              </a:rPr>
-              <a:t>x:</a:t>
-            </a:r>
-            <a:endParaRPr lang="en-US" dirty="0" smtClean="0">
-              <a:solidFill>
-                <a:schemeClr val="bg1"/>
-              </a:solidFill>
-            </a:endParaRPr>
-          </a:p>
-          <a:p>
-            <a:r>
-              <a:rPr lang="en-US" dirty="0" smtClean="0">
-                <a:solidFill>
-                  <a:schemeClr val="bg1"/>
-                </a:solidFill>
-              </a:rPr>
-              <a:t>      </a:t>
-            </a:r>
-            <a:r>
-              <a:rPr lang="en-US" dirty="0" smtClean="0">
-                <a:solidFill>
-                  <a:srgbClr val="00B0F0"/>
-                </a:solidFill>
-              </a:rPr>
-              <a:t>if</a:t>
-            </a:r>
-            <a:r>
-              <a:rPr lang="en-US" dirty="0" smtClean="0">
-                <a:solidFill>
-                  <a:schemeClr val="bg1"/>
-                </a:solidFill>
-              </a:rPr>
-              <a:t> </a:t>
-            </a:r>
-            <a:r>
-              <a:rPr lang="en-US" dirty="0" err="1" smtClean="0">
-                <a:solidFill>
-                  <a:schemeClr val="bg1"/>
-                </a:solidFill>
-              </a:rPr>
-              <a:t>i</a:t>
-            </a:r>
-            <a:r>
-              <a:rPr lang="en-US" dirty="0" smtClean="0">
-                <a:solidFill>
-                  <a:schemeClr val="bg1"/>
-                </a:solidFill>
-              </a:rPr>
-              <a:t> </a:t>
-            </a:r>
-            <a:r>
-              <a:rPr lang="en-US" dirty="0">
-                <a:solidFill>
-                  <a:schemeClr val="bg1"/>
-                </a:solidFill>
-              </a:rPr>
-              <a:t>== </a:t>
-            </a:r>
-            <a:r>
-              <a:rPr lang="en-US" dirty="0" smtClean="0">
-                <a:solidFill>
-                  <a:schemeClr val="accent2">
-                    <a:lumMod val="75000"/>
-                  </a:schemeClr>
-                </a:solidFill>
-              </a:rPr>
-              <a:t>3</a:t>
-            </a:r>
-            <a:r>
-              <a:rPr lang="en-US" dirty="0" smtClean="0">
-                <a:solidFill>
-                  <a:schemeClr val="bg1"/>
-                </a:solidFill>
-              </a:rPr>
-              <a:t>:</a:t>
-            </a:r>
-            <a:endParaRPr lang="en-US" dirty="0" smtClean="0">
-              <a:solidFill>
-                <a:schemeClr val="bg1"/>
-              </a:solidFill>
-            </a:endParaRPr>
-          </a:p>
-          <a:p>
-            <a:r>
-              <a:rPr lang="en-US" dirty="0">
-                <a:solidFill>
-                  <a:schemeClr val="bg1"/>
-                </a:solidFill>
-              </a:rPr>
-              <a:t> </a:t>
-            </a:r>
-            <a:r>
-              <a:rPr lang="en-US" dirty="0" smtClean="0">
-                <a:solidFill>
-                  <a:schemeClr val="bg1"/>
-                </a:solidFill>
-              </a:rPr>
-              <a:t>           </a:t>
-            </a:r>
-            <a:r>
-              <a:rPr lang="en-US" dirty="0" smtClean="0">
-                <a:solidFill>
-                  <a:srgbClr val="00B0F0"/>
-                </a:solidFill>
-              </a:rPr>
-              <a:t>continue</a:t>
-            </a:r>
-            <a:r>
-              <a:rPr lang="en-US" dirty="0" smtClean="0">
-                <a:solidFill>
-                  <a:schemeClr val="bg1"/>
-                </a:solidFill>
-              </a:rPr>
-              <a:t> </a:t>
-            </a:r>
-            <a:endParaRPr lang="en-US" dirty="0" smtClean="0">
-              <a:solidFill>
-                <a:schemeClr val="bg1"/>
-              </a:solidFill>
-            </a:endParaRPr>
-          </a:p>
-          <a:p>
-            <a:r>
-              <a:rPr lang="en-US" dirty="0">
-                <a:solidFill>
-                  <a:schemeClr val="bg1"/>
-                </a:solidFill>
-              </a:rPr>
-              <a:t> </a:t>
-            </a:r>
-            <a:r>
-              <a:rPr lang="en-US" dirty="0" smtClean="0">
-                <a:solidFill>
-                  <a:schemeClr val="bg1"/>
-                </a:solidFill>
-              </a:rPr>
-              <a:t>     </a:t>
-            </a:r>
-            <a:r>
-              <a:rPr lang="en-US" dirty="0" smtClean="0">
-                <a:solidFill>
-                  <a:schemeClr val="bg1"/>
-                </a:solidFill>
-              </a:rPr>
-              <a:t>print(</a:t>
-            </a:r>
-            <a:r>
-              <a:rPr lang="en-US" dirty="0" err="1" smtClean="0">
-                <a:solidFill>
-                  <a:schemeClr val="bg1"/>
-                </a:solidFill>
-              </a:rPr>
-              <a:t>i</a:t>
-            </a:r>
-            <a:r>
-              <a:rPr lang="en-US" dirty="0" smtClean="0">
-                <a:solidFill>
-                  <a:schemeClr val="bg1"/>
-                </a:solidFill>
-              </a:rPr>
-              <a:t>) </a:t>
-            </a:r>
-            <a:endParaRPr lang="en-US" dirty="0" smtClean="0">
-              <a:solidFill>
-                <a:schemeClr val="bg1"/>
-              </a:solidFill>
-            </a:endParaRPr>
-          </a:p>
-          <a:p>
-            <a:r>
-              <a:rPr lang="en-US" dirty="0">
-                <a:solidFill>
-                  <a:schemeClr val="bg1"/>
-                </a:solidFill>
-              </a:rPr>
-              <a:t> </a:t>
-            </a:r>
-            <a:r>
-              <a:rPr lang="en-US" dirty="0" smtClean="0">
-                <a:solidFill>
-                  <a:schemeClr val="bg1"/>
-                </a:solidFill>
-              </a:rPr>
-              <a:t>     </a:t>
-            </a:r>
-            <a:r>
-              <a:rPr lang="en-US" dirty="0" smtClean="0">
-                <a:solidFill>
-                  <a:srgbClr val="00B0F0"/>
-                </a:solidFill>
-              </a:rPr>
-              <a:t>if</a:t>
-            </a:r>
-            <a:r>
-              <a:rPr lang="en-US" dirty="0" smtClean="0">
-                <a:solidFill>
-                  <a:schemeClr val="bg1"/>
-                </a:solidFill>
-              </a:rPr>
-              <a:t> </a:t>
-            </a:r>
-            <a:r>
-              <a:rPr lang="en-US" dirty="0" err="1" smtClean="0">
-                <a:solidFill>
-                  <a:schemeClr val="bg1"/>
-                </a:solidFill>
-              </a:rPr>
-              <a:t>i</a:t>
-            </a:r>
-            <a:r>
-              <a:rPr lang="en-US" dirty="0" smtClean="0">
-                <a:solidFill>
-                  <a:schemeClr val="bg1"/>
-                </a:solidFill>
-              </a:rPr>
-              <a:t> </a:t>
-            </a:r>
-            <a:r>
-              <a:rPr lang="en-US" dirty="0">
-                <a:solidFill>
-                  <a:schemeClr val="bg1"/>
-                </a:solidFill>
-              </a:rPr>
-              <a:t>== </a:t>
-            </a:r>
-            <a:r>
-              <a:rPr lang="en-US" dirty="0" smtClean="0">
-                <a:solidFill>
-                  <a:schemeClr val="accent2">
-                    <a:lumMod val="75000"/>
-                  </a:schemeClr>
-                </a:solidFill>
-              </a:rPr>
-              <a:t>4</a:t>
-            </a:r>
-            <a:r>
-              <a:rPr lang="en-US" dirty="0" smtClean="0">
-                <a:solidFill>
-                  <a:schemeClr val="bg1"/>
-                </a:solidFill>
-              </a:rPr>
-              <a:t>:</a:t>
-            </a:r>
-            <a:endParaRPr lang="en-US" dirty="0" smtClean="0">
-              <a:solidFill>
-                <a:schemeClr val="bg1"/>
-              </a:solidFill>
-            </a:endParaRPr>
-          </a:p>
-          <a:p>
-            <a:r>
-              <a:rPr lang="en-US" dirty="0">
-                <a:solidFill>
-                  <a:schemeClr val="bg1"/>
-                </a:solidFill>
-              </a:rPr>
-              <a:t> </a:t>
-            </a:r>
-            <a:r>
-              <a:rPr lang="en-US" dirty="0" smtClean="0">
-                <a:solidFill>
-                  <a:schemeClr val="bg1"/>
-                </a:solidFill>
-              </a:rPr>
-              <a:t>           </a:t>
-            </a:r>
-            <a:r>
-              <a:rPr lang="en-US" dirty="0" smtClean="0">
-                <a:solidFill>
-                  <a:srgbClr val="00B0F0"/>
-                </a:solidFill>
-              </a:rPr>
-              <a:t>break</a:t>
-            </a:r>
-            <a:endParaRPr lang="en-US" dirty="0" smtClean="0">
-              <a:solidFill>
-                <a:srgbClr val="00B0F0"/>
-              </a:solidFill>
-            </a:endParaRPr>
-          </a:p>
-        </p:txBody>
-      </p:sp>
-      <p:sp>
-        <p:nvSpPr>
-          <p:cNvPr id="20" name="TextBox 19"/>
-          <p:cNvSpPr txBox="1"/>
-          <p:nvPr/>
-        </p:nvSpPr>
-        <p:spPr>
-          <a:xfrm>
-            <a:off x="5059263" y="4142609"/>
-            <a:ext cx="3436151" cy="2062103"/>
-          </a:xfrm>
-          <a:prstGeom prst="rect">
-            <a:avLst/>
-          </a:prstGeom>
-          <a:noFill/>
-        </p:spPr>
-        <p:txBody>
-          <a:bodyPr wrap="square" rtlCol="0">
-            <a:spAutoFit/>
-          </a:bodyPr>
-          <a:lstStyle/>
-          <a:p>
-            <a:r>
-              <a:rPr lang="vi-VN" sz="1600" dirty="0"/>
-              <a:t>Trong ví dụ trên, khi gặp phần tử có giá trị là </a:t>
-            </a:r>
-            <a:r>
-              <a:rPr lang="vi-VN" sz="1600" dirty="0" smtClean="0"/>
-              <a:t>“</a:t>
-            </a:r>
-            <a:r>
-              <a:rPr lang="en-US" sz="1600" dirty="0" smtClean="0"/>
-              <a:t>3</a:t>
-            </a:r>
-            <a:r>
-              <a:rPr lang="vi-VN" sz="1600" dirty="0" smtClean="0"/>
-              <a:t>", </a:t>
-            </a:r>
-            <a:r>
-              <a:rPr lang="vi-VN" sz="1600" dirty="0"/>
-              <a:t>câu lệnh "continue" sẽ được thực thi, bỏ qua các câu lệnh phía dưới và chuyển đến phần tử tiếp theo trong vòng lặp. Khi gặp phần tử có giá trị là </a:t>
-            </a:r>
-            <a:r>
-              <a:rPr lang="vi-VN" sz="1600" dirty="0" smtClean="0"/>
-              <a:t>“</a:t>
-            </a:r>
-            <a:r>
-              <a:rPr lang="en-US" sz="1600" dirty="0" smtClean="0"/>
-              <a:t>4</a:t>
-            </a:r>
-            <a:r>
-              <a:rPr lang="vi-VN" sz="1600" dirty="0" smtClean="0"/>
-              <a:t>", </a:t>
-            </a:r>
-            <a:r>
-              <a:rPr lang="vi-VN" sz="1600" dirty="0"/>
-              <a:t>câu lệnh "break" được thực thi, thoát khỏi vòng lặp ngay lập tức.</a:t>
-            </a:r>
-            <a:endParaRPr lang="en-US" sz="1600" b="1" dirty="0"/>
           </a:p>
         </p:txBody>
       </p:sp>
     </p:spTree>
     <p:extLst>
       <p:ext uri="{BB962C8B-B14F-4D97-AF65-F5344CB8AC3E}">
-        <p14:creationId xmlns:p14="http://schemas.microsoft.com/office/powerpoint/2010/main" val="2356822806"/>
+        <p14:creationId xmlns:p14="http://schemas.microsoft.com/office/powerpoint/2010/main" val="3848153304"/>
       </p:ext>
     </p:extLst>
   </p:cSld>
@@ -17500,7 +18022,7 @@
             </a:r>
             <a:r>
               <a:rPr lang="en-US" b="1" dirty="0" smtClean="0"/>
-              <a:t> while</a:t>
+              <a:t> for</a:t>
             </a:r>
             <a:endParaRPr lang="en-US" b="1" dirty="0"/>
           </a:p>
@@ -17508,14 +18030,14 @@
       </p:sp>
       <p:sp>
         <p:nvSpPr>
-          <p:cNvPr id="18" name="TextBox 17"/>
+          <p:cNvPr id="6" name="TextBox 5"/>
           <p:cNvSpPr txBox="1"/>
           <p:nvPr/>
         </p:nvSpPr>
         <p:spPr>
           <a:xfrm>
-            <a:off x="548981" y="1988742"/>
-            <a:ext cx="8207908" cy="646331"/>
+            <a:off x="548981" y="1961567"/>
+            <a:ext cx="8333421" cy="923330"/>
           </a:xfrm>
           <a:prstGeom prst="rect">
             <a:avLst/>
@@ -17530,15 +18052,15 @@
           <a:p>
             <a:r>
               <a:rPr lang="vi-VN" dirty="0"/>
-              <a:t>Vòng lặp "while" được sử dụng để lặp lại một khối mã miễn là điều kiện </a:t>
+              <a:t>Vòng lặp "for" được sử dụng để </a:t>
             </a:r>
             <a:r>
               <a:rPr lang="vi-VN" b="1" dirty="0"/>
-              <a:t>đúng</a:t>
+              <a:t>lặp</a:t>
             </a:r>
             <a:r>
               <a:rPr lang="vi-VN" dirty="0"/>
-              <a:t> (True). Cú pháp của vòng lặp "while" như sau:</a:t>
+              <a:t> qua một tập hợp các phần tử (như danh sách, chuỗi, tuple) và thực thi một khối mã cho mỗi phần tử trong tập hợp đó. Cú pháp của vòng lặp "for" như sau:</a:t>
             </a:r>
             <a:endParaRPr lang="en-US" b="1" dirty="0"/>
           </a:p>
@@ -17546,13 +18068,13 @@
       </p:sp>
       <p:sp>
         <p:nvSpPr>
-          <p:cNvPr id="21" name="TextBox 20"/>
+          <p:cNvPr id="7" name="TextBox 6"/>
           <p:cNvSpPr txBox="1"/>
           <p:nvPr/>
         </p:nvSpPr>
         <p:spPr>
           <a:xfrm>
-            <a:off x="581918" y="2792133"/>
+            <a:off x="581918" y="2980447"/>
             <a:ext cx="7988963" cy="830997"/>
           </a:xfrm>
           <a:prstGeom prst="rect">
@@ -17567,18 +18089,36 @@
           <a:lstStyle/>
           <a:p>
             <a:r>
-              <a:rPr lang="en-US" sz="2400" b="1" dirty="0" smtClean="0"/>
-              <a:t>while </a:t>
-            </a:r>
-            <a:r>
-              <a:rPr lang="en-US" sz="2400" b="1" dirty="0" smtClean="0">
+              <a:rPr lang="en-US" sz="2400" b="1" dirty="0"/>
+              <a:t>for </a:t>
+            </a:r>
+            <a:r>
+              <a:rPr lang="en-US" sz="2400" b="1" dirty="0" err="1" smtClean="0">
                 <a:solidFill>
                   <a:schemeClr val="accent2">
                     <a:lumMod val="75000"/>
                   </a:schemeClr>
                 </a:solidFill>
               </a:rPr>
-              <a:t>&lt;điều kiện kiểm tra&gt;</a:t>
+              <a:t>phần_tử_lặp_qua</a:t>
+            </a:r>
+            <a:r>
+              <a:rPr lang="en-US" sz="2400" b="1" dirty="0" smtClean="0"/>
+              <a:t> </a:t>
+            </a:r>
+            <a:r>
+              <a:rPr lang="en-US" sz="2400" b="1" dirty="0"/>
+              <a:t>in </a:t>
+            </a:r>
+            <a:r>
+              <a:rPr lang="en-US" sz="2400" b="1" dirty="0" err="1" smtClean="0">
+                <a:solidFill>
+                  <a:schemeClr val="accent2">
+                    <a:lumMod val="75000"/>
+                  </a:schemeClr>
+                </a:solidFill>
+              </a:rPr>
+              <a:t>tập_hợp</a:t>
             </a:r>
             <a:r>
               <a:rPr lang="en-US" sz="2400" b="1" dirty="0" smtClean="0"/>
@@ -17610,17 +18150,177 @@
                   </a:schemeClr>
                 </a:solidFill>
               </a:rPr>
-              <a:t># Các câu lệnh thực thi </a:t>
-            </a:r>
-            <a:r>
-              <a:rPr lang="en-US" sz="2400" b="1" dirty="0" smtClean="0">
+              <a:t># </a:t>
+            </a:r>
+            <a:r>
+              <a:rPr lang="en-US" sz="2400" b="1" dirty="0" err="1">
                 <a:solidFill>
                   <a:schemeClr val="accent6">
                     <a:lumMod val="50000"/>
                   </a:schemeClr>
                 </a:solidFill>
               </a:rPr>
-              <a:t>khi điều kiện đúng</a:t>
+              <a:t>Các</a:t>
+            </a:r>
+            <a:r>
+              <a:rPr lang="en-US" sz="2400" b="1" dirty="0">
+                <a:solidFill>
+                  <a:schemeClr val="accent6">
+                    <a:lumMod val="50000"/>
+                  </a:schemeClr>
+                </a:solidFill>
+              </a:rPr>
+              <a:t> </a:t>
+            </a:r>
+            <a:r>
+              <a:rPr lang="en-US" sz="2400" b="1" dirty="0" err="1">
+                <a:solidFill>
+                  <a:schemeClr val="accent6">
+                    <a:lumMod val="50000"/>
+                  </a:schemeClr>
+                </a:solidFill>
+              </a:rPr>
+              <a:t>câu</a:t>
+            </a:r>
+            <a:r>
+              <a:rPr lang="en-US" sz="2400" b="1" dirty="0">
+                <a:solidFill>
+                  <a:schemeClr val="accent6">
+                    <a:lumMod val="50000"/>
+                  </a:schemeClr>
+                </a:solidFill>
+              </a:rPr>
+              <a:t> </a:t>
+            </a:r>
+            <a:r>
+              <a:rPr lang="en-US" sz="2400" b="1" dirty="0" err="1">
+                <a:solidFill>
+                  <a:schemeClr val="accent6">
+                    <a:lumMod val="50000"/>
+                  </a:schemeClr>
+                </a:solidFill>
+              </a:rPr>
+              <a:t>lệnh</a:t>
+            </a:r>
+            <a:r>
+              <a:rPr lang="en-US" sz="2400" b="1" dirty="0">
+                <a:solidFill>
+                  <a:schemeClr val="accent6">
+                    <a:lumMod val="50000"/>
+                  </a:schemeClr>
+                </a:solidFill>
+              </a:rPr>
+              <a:t> </a:t>
+            </a:r>
+            <a:r>
+              <a:rPr lang="en-US" sz="2400" b="1" dirty="0" err="1">
+                <a:solidFill>
+                  <a:schemeClr val="accent6">
+                    <a:lumMod val="50000"/>
+                  </a:schemeClr>
+                </a:solidFill>
+              </a:rPr>
+              <a:t>thực</a:t>
+            </a:r>
+            <a:r>
+              <a:rPr lang="en-US" sz="2400" b="1" dirty="0">
+                <a:solidFill>
+                  <a:schemeClr val="accent6">
+                    <a:lumMod val="50000"/>
+                  </a:schemeClr>
+                </a:solidFill>
+              </a:rPr>
+              <a:t> </a:t>
+            </a:r>
+            <a:r>
+              <a:rPr lang="en-US" sz="2400" b="1" dirty="0" err="1">
+                <a:solidFill>
+                  <a:schemeClr val="accent6">
+                    <a:lumMod val="50000"/>
+                  </a:schemeClr>
+                </a:solidFill>
+              </a:rPr>
+              <a:t>thi</a:t>
+            </a:r>
+            <a:r>
+              <a:rPr lang="en-US" sz="2400" b="1" dirty="0">
+                <a:solidFill>
+                  <a:schemeClr val="accent6">
+                    <a:lumMod val="50000"/>
+                  </a:schemeClr>
+                </a:solidFill>
+              </a:rPr>
+              <a:t> </a:t>
+            </a:r>
+            <a:r>
+              <a:rPr lang="en-US" sz="2400" b="1" dirty="0" err="1">
+                <a:solidFill>
+                  <a:schemeClr val="accent6">
+                    <a:lumMod val="50000"/>
+                  </a:schemeClr>
+                </a:solidFill>
+              </a:rPr>
+              <a:t>cho</a:t>
+            </a:r>
+            <a:r>
+              <a:rPr lang="en-US" sz="2400" b="1" dirty="0">
+                <a:solidFill>
+                  <a:schemeClr val="accent6">
+                    <a:lumMod val="50000"/>
+                  </a:schemeClr>
+                </a:solidFill>
+              </a:rPr>
+              <a:t> </a:t>
+            </a:r>
+            <a:r>
+              <a:rPr lang="en-US" sz="2400" b="1" dirty="0" err="1">
+                <a:solidFill>
+                  <a:schemeClr val="accent6">
+                    <a:lumMod val="50000"/>
+                  </a:schemeClr>
+                </a:solidFill>
+              </a:rPr>
+              <a:t>mỗi</a:t>
+            </a:r>
+            <a:r>
+              <a:rPr lang="en-US" sz="2400" b="1" dirty="0">
+                <a:solidFill>
+                  <a:schemeClr val="accent6">
+                    <a:lumMod val="50000"/>
+                  </a:schemeClr>
+                </a:solidFill>
+              </a:rPr>
+              <a:t> </a:t>
+            </a:r>
+            <a:r>
+              <a:rPr lang="en-US" sz="2400" b="1" dirty="0" err="1">
+                <a:solidFill>
+                  <a:schemeClr val="accent6">
+                    <a:lumMod val="50000"/>
+                  </a:schemeClr>
+                </a:solidFill>
+              </a:rPr>
+              <a:t>phần</a:t>
+            </a:r>
+            <a:r>
+              <a:rPr lang="en-US" sz="2400" b="1" dirty="0">
+                <a:solidFill>
+                  <a:schemeClr val="accent6">
+                    <a:lumMod val="50000"/>
+                  </a:schemeClr>
+                </a:solidFill>
+              </a:rPr>
+              <a:t> </a:t>
+            </a:r>
+            <a:r>
+              <a:rPr lang="en-US" sz="2400" b="1" dirty="0" err="1">
+                <a:solidFill>
+                  <a:schemeClr val="accent6">
+                    <a:lumMod val="50000"/>
+                  </a:schemeClr>
+                </a:solidFill>
+              </a:rPr>
+              <a:t>tử</a:t>
             </a:r>
             <a:endParaRPr lang="en-US" sz="2400" b="1" dirty="0">
               <a:solidFill>
@@ -17634,13 +18334,13 @@
       </p:sp>
       <p:sp>
         <p:nvSpPr>
-          <p:cNvPr id="22" name="TextBox 21"/>
+          <p:cNvPr id="8" name="TextBox 7"/>
           <p:cNvSpPr txBox="1"/>
           <p:nvPr/>
         </p:nvSpPr>
         <p:spPr>
           <a:xfrm>
-            <a:off x="548981" y="3884121"/>
+            <a:off x="548981" y="4420803"/>
             <a:ext cx="8333421" cy="646331"/>
           </a:xfrm>
           <a:prstGeom prst="rect">
@@ -17655,200 +18355,16 @@
           <a:lstStyle/>
           <a:p>
             <a:r>
-              <a:rPr lang="en-US" b="1" dirty="0"/>
-              <a:t>"condition" </a:t>
-            </a:r>
-            <a:r>
-              <a:rPr lang="en-US" dirty="0" err="1"/>
-              <a:t>là</a:t>
-            </a:r>
-            <a:r>
-              <a:rPr lang="en-US" dirty="0"/>
-              <a:t> </a:t>
-            </a:r>
-            <a:r>
-              <a:rPr lang="en-US" dirty="0" err="1"/>
-              <a:t>một</a:t>
-            </a:r>
-            <a:r>
-              <a:rPr lang="en-US" dirty="0"/>
-              <a:t> </a:t>
-            </a:r>
-            <a:r>
-              <a:rPr lang="en-US" dirty="0" err="1"/>
-              <a:t>biểu</a:t>
-            </a:r>
-            <a:r>
-              <a:rPr lang="en-US" dirty="0"/>
-              <a:t> </a:t>
-            </a:r>
-            <a:r>
-              <a:rPr lang="en-US" dirty="0" err="1"/>
-              <a:t>thức</a:t>
-            </a:r>
-            <a:r>
-              <a:rPr lang="en-US" dirty="0"/>
-              <a:t> </a:t>
-            </a:r>
-            <a:r>
-              <a:rPr lang="en-US" dirty="0" err="1"/>
-              <a:t>hoặc</a:t>
-            </a:r>
-            <a:r>
-              <a:rPr lang="en-US" dirty="0"/>
-              <a:t> </a:t>
-            </a:r>
-            <a:r>
-              <a:rPr lang="en-US" dirty="0" err="1"/>
-              <a:t>một</a:t>
-            </a:r>
-            <a:r>
-              <a:rPr lang="en-US" dirty="0"/>
-              <a:t> </a:t>
-            </a:r>
-            <a:r>
-              <a:rPr lang="en-US" dirty="0" err="1"/>
-              <a:t>điều</a:t>
-            </a:r>
-            <a:r>
-              <a:rPr lang="en-US" dirty="0"/>
-              <a:t> </a:t>
-            </a:r>
-            <a:r>
-              <a:rPr lang="en-US" dirty="0" err="1"/>
-              <a:t>kiện</a:t>
-            </a:r>
-            <a:r>
-              <a:rPr lang="en-US" dirty="0"/>
-              <a:t> logic. </a:t>
-            </a:r>
-            <a:r>
-              <a:rPr lang="en-US" dirty="0" err="1"/>
-              <a:t>Vòng</a:t>
-            </a:r>
-            <a:r>
-              <a:rPr lang="en-US" dirty="0"/>
-              <a:t> </a:t>
-            </a:r>
-            <a:r>
-              <a:rPr lang="en-US" dirty="0" err="1"/>
-              <a:t>lặp</a:t>
-            </a:r>
-            <a:r>
-              <a:rPr lang="en-US" dirty="0"/>
-              <a:t> </a:t>
-            </a:r>
-            <a:r>
-              <a:rPr lang="en-US" dirty="0" err="1"/>
-              <a:t>sẽ</a:t>
-            </a:r>
-            <a:r>
-              <a:rPr lang="en-US" dirty="0"/>
-              <a:t> </a:t>
-            </a:r>
-            <a:r>
-              <a:rPr lang="en-US" dirty="0" err="1"/>
-              <a:t>tiếp</a:t>
-            </a:r>
-            <a:r>
-              <a:rPr lang="en-US" dirty="0"/>
-              <a:t> </a:t>
-            </a:r>
-            <a:r>
-              <a:rPr lang="en-US" dirty="0" err="1"/>
-              <a:t>tục</a:t>
-            </a:r>
-            <a:r>
-              <a:rPr lang="en-US" dirty="0"/>
-              <a:t> </a:t>
-            </a:r>
-            <a:r>
-              <a:rPr lang="en-US" dirty="0" err="1"/>
-              <a:t>lặp</a:t>
-            </a:r>
-            <a:r>
-              <a:rPr lang="en-US" dirty="0"/>
-              <a:t> </a:t>
-            </a:r>
-            <a:r>
-              <a:rPr lang="en-US" dirty="0" err="1"/>
-              <a:t>lại</a:t>
-            </a:r>
-            <a:r>
-              <a:rPr lang="en-US" dirty="0"/>
-              <a:t> </a:t>
-            </a:r>
-            <a:r>
-              <a:rPr lang="en-US" dirty="0" err="1"/>
-              <a:t>cho</a:t>
-            </a:r>
-            <a:r>
-              <a:rPr lang="en-US" dirty="0"/>
-              <a:t> </a:t>
-            </a:r>
-            <a:r>
-              <a:rPr lang="en-US" dirty="0" err="1"/>
-              <a:t>đến</a:t>
-            </a:r>
-            <a:r>
-              <a:rPr lang="en-US" dirty="0"/>
-              <a:t> </a:t>
-            </a:r>
-            <a:r>
-              <a:rPr lang="en-US" dirty="0" err="1"/>
-              <a:t>khi</a:t>
-            </a:r>
-            <a:r>
-              <a:rPr lang="en-US" dirty="0"/>
-              <a:t> </a:t>
-            </a:r>
-            <a:r>
-              <a:rPr lang="en-US" dirty="0" err="1"/>
-              <a:t>điều</a:t>
-            </a:r>
-            <a:r>
-              <a:rPr lang="en-US" dirty="0"/>
-              <a:t> </a:t>
-            </a:r>
-            <a:r>
-              <a:rPr lang="en-US" dirty="0" err="1"/>
-              <a:t>kiện</a:t>
-            </a:r>
-            <a:r>
-              <a:rPr lang="en-US" dirty="0"/>
-              <a:t> </a:t>
-            </a:r>
-            <a:r>
-              <a:rPr lang="en-US" dirty="0" err="1"/>
-              <a:t>này</a:t>
-            </a:r>
-            <a:r>
-              <a:rPr lang="en-US" dirty="0"/>
-              <a:t> </a:t>
-            </a:r>
-            <a:r>
-              <a:rPr lang="en-US" dirty="0" err="1"/>
-              <a:t>trở</a:t>
-            </a:r>
-            <a:r>
-              <a:rPr lang="en-US" dirty="0"/>
-              <a:t> </a:t>
-            </a:r>
-            <a:r>
-              <a:rPr lang="en-US" dirty="0" err="1"/>
-              <a:t>thành</a:t>
-            </a:r>
-            <a:r>
-              <a:rPr lang="en-US" dirty="0"/>
-              <a:t> </a:t>
-            </a:r>
-            <a:r>
-              <a:rPr lang="en-US" dirty="0" err="1"/>
-              <a:t>sai</a:t>
-            </a:r>
-            <a:r>
-              <a:rPr lang="en-US" dirty="0"/>
-              <a:t> (False).</a:t>
+              <a:rPr lang="en-US" b="1" dirty="0" err="1" smtClean="0"/>
+              <a:t>Tập_hợp</a:t>
+            </a:r>
+            <a:r>
+              <a:rPr lang="en-US" b="1" dirty="0" smtClean="0"/>
+              <a:t>: </a:t>
+            </a:r>
+            <a:r>
+              <a:rPr lang="vi-VN" dirty="0"/>
+              <a:t>là một tập hợp có thể lặp qua, chẳng hạn như danh sách, chuỗi, hoặc tuple</a:t>
             </a:r>
             <a:endParaRPr lang="en-US" b="1" dirty="0"/>
           </a:p>
@@ -17856,14 +18372,52 @@
       </p:sp>
       <p:sp>
         <p:nvSpPr>
-          <p:cNvPr id="23" name="Rectangle 22"/>
+          <p:cNvPr id="9" name="TextBox 8"/>
+          <p:cNvSpPr txBox="1"/>
+          <p:nvPr/>
+        </p:nvSpPr>
+        <p:spPr>
+          <a:xfrm>
+            <a:off x="548981" y="4026004"/>
+            <a:ext cx="8333421" cy="369332"/>
+          </a:xfrm>
+          <a:prstGeom prst="rect">
+            <a:avLst/>
+          </a:prstGeom>
+          <a:noFill/>
+        </p:spPr>
+        <p:txBody>
+          <a:bodyPr wrap="square" rtlCol="0">
+            <a:spAutoFit/>
+          </a:bodyPr>
+          <a:lstStyle/>
+          <a:p>
+            <a:r>
+              <a:rPr lang="en-US" b="1" dirty="0" err="1" smtClean="0"/>
+              <a:t>Phần_tử_lặp_qua</a:t>
+            </a:r>
+            <a:r>
+              <a:rPr lang="en-US" b="1" dirty="0" smtClean="0"/>
+              <a:t>: </a:t>
+            </a:r>
+            <a:r>
+              <a:rPr lang="vi-VN" dirty="0"/>
+              <a:t>là biến lưu trữ giá trị của phần tử trong mỗi lần lặp</a:t>
+            </a:r>
+            <a:endParaRPr lang="en-US" b="1" dirty="0"/>
+          </a:p>
+        </p:txBody>
+      </p:sp>
+      <p:sp>
+        <p:nvSpPr>
+          <p:cNvPr id="10" name="Rectangle 9"/>
           <p:cNvSpPr/>
           <p:nvPr/>
         </p:nvSpPr>
         <p:spPr>
           <a:xfrm>
-            <a:off x="687205" y="4781645"/>
-            <a:ext cx="3310637" cy="1431823"/>
+            <a:off x="548981" y="5200449"/>
+            <a:ext cx="7988963" cy="1170505"/>
           </a:xfrm>
           <a:prstGeom prst="rect">
             <a:avLst/>
@@ -17905,14 +18459,14 @@
       </p:sp>
       <p:sp>
         <p:nvSpPr>
-          <p:cNvPr id="24" name="TextBox 23"/>
+          <p:cNvPr id="11" name="TextBox 10"/>
           <p:cNvSpPr txBox="1"/>
           <p:nvPr/>
         </p:nvSpPr>
         <p:spPr>
           <a:xfrm>
-            <a:off x="887389" y="4874558"/>
-            <a:ext cx="3206146" cy="1200329"/>
+            <a:off x="749165" y="5293362"/>
+            <a:ext cx="5226333" cy="923330"/>
           </a:xfrm>
           <a:prstGeom prst="rect">
             <a:avLst/>
@@ -17926,15 +18480,39 @@
           <a:lstStyle/>
           <a:p>
             <a:r>
+              <a:rPr lang="en-US" dirty="0" smtClean="0">
+                <a:solidFill>
+                  <a:schemeClr val="bg1"/>
+                </a:solidFill>
+              </a:rPr>
+              <a:t>x </a:t>
+            </a:r>
+            <a:r>
               <a:rPr lang="en-US" dirty="0">
                 <a:solidFill>
                   <a:schemeClr val="bg1"/>
                 </a:solidFill>
               </a:rPr>
-              <a:t>count = </a:t>
-            </a:r>
-            <a:r>
-              <a:rPr lang="en-US" dirty="0">
+              <a:t>= </a:t>
+            </a:r>
+            <a:r>
+              <a:rPr lang="en-US" dirty="0" smtClean="0">
+                <a:solidFill>
+                  <a:schemeClr val="bg1"/>
+                </a:solidFill>
+              </a:rPr>
+              <a:t>range</a:t>
+            </a:r>
+            <a:r>
+              <a:rPr lang="en-US" dirty="0" smtClean="0">
+                <a:solidFill>
+                  <a:srgbClr val="FFC000"/>
+                </a:solidFill>
+              </a:rPr>
+              <a:t>(</a:t>
+            </a:r>
+            <a:r>
+              <a:rPr lang="en-US" dirty="0" smtClean="0">
                 <a:solidFill>
                   <a:schemeClr val="accent6">
                     <a:lumMod val="60000"/>
@@ -17942,49 +18520,18 @@
                   </a:schemeClr>
                 </a:solidFill>
               </a:rPr>
-              <a:t>0</a:t>
-            </a:r>
-            <a:r>
-              <a:rPr lang="en-US" dirty="0">
-                <a:solidFill>
-                  <a:schemeClr val="bg1"/>
-                </a:solidFill>
-              </a:rPr>
-              <a:t> </a:t>
-            </a:r>
-            <a:endParaRPr lang="en-US" dirty="0" smtClean="0">
-              <a:solidFill>
-                <a:schemeClr val="bg1"/>
-              </a:solidFill>
-            </a:endParaRPr>
-          </a:p>
-          <a:p>
-            <a:r>
-              <a:rPr lang="en-US" dirty="0" smtClean="0">
-                <a:solidFill>
-                  <a:srgbClr val="00B0F0"/>
-                </a:solidFill>
-              </a:rPr>
-              <a:t>while</a:t>
-            </a:r>
-            <a:r>
-              <a:rPr lang="en-US" dirty="0" smtClean="0">
-                <a:solidFill>
-                  <a:schemeClr val="bg1"/>
-                </a:solidFill>
-              </a:rPr>
-              <a:t> </a:t>
-            </a:r>
-            <a:r>
-              <a:rPr lang="en-US" dirty="0">
-                <a:solidFill>
-                  <a:schemeClr val="bg1"/>
-                </a:solidFill>
-              </a:rPr>
-              <a:t>count &lt; </a:t>
-            </a:r>
-            <a:r>
-              <a:rPr lang="en-US" dirty="0">
+              <a:t>1</a:t>
+            </a:r>
+            <a:r>
+              <a:rPr lang="en-US" dirty="0" smtClean="0">
+                <a:solidFill>
+                  <a:srgbClr val="FFC000"/>
+                </a:solidFill>
+              </a:rPr>
+              <a:t>,</a:t>
+            </a:r>
+            <a:r>
+              <a:rPr lang="en-US" dirty="0" smtClean="0">
                 <a:solidFill>
                   <a:schemeClr val="accent6">
                     <a:lumMod val="60000"/>
@@ -17992,23 +18539,68 @@
                   </a:schemeClr>
                 </a:solidFill>
               </a:rPr>
-              <a:t>5</a:t>
+              <a:t>6</a:t>
+            </a:r>
+            <a:r>
+              <a:rPr lang="en-US" dirty="0" smtClean="0">
+                <a:solidFill>
+                  <a:srgbClr val="FFC000"/>
+                </a:solidFill>
+              </a:rPr>
+              <a:t>)</a:t>
+            </a:r>
+            <a:r>
+              <a:rPr lang="en-US" dirty="0" smtClean="0">
+                <a:solidFill>
+                  <a:schemeClr val="accent2">
+                    <a:lumMod val="75000"/>
+                  </a:schemeClr>
+                </a:solidFill>
+              </a:rPr>
+              <a:t> </a:t>
+            </a:r>
+          </a:p>
+          <a:p>
+            <a:r>
+              <a:rPr lang="en-US" dirty="0" smtClean="0">
+                <a:solidFill>
+                  <a:srgbClr val="00B0F0"/>
+                </a:solidFill>
+              </a:rPr>
+              <a:t>for</a:t>
+            </a:r>
+            <a:r>
+              <a:rPr lang="en-US" dirty="0" smtClean="0">
+                <a:solidFill>
+                  <a:schemeClr val="bg1"/>
+                </a:solidFill>
+              </a:rPr>
+              <a:t> </a:t>
+            </a:r>
+            <a:r>
+              <a:rPr lang="en-US" dirty="0" err="1" smtClean="0">
+                <a:solidFill>
+                  <a:schemeClr val="bg1"/>
+                </a:solidFill>
+              </a:rPr>
+              <a:t>i</a:t>
+            </a:r>
+            <a:r>
+              <a:rPr lang="en-US" dirty="0" smtClean="0">
+                <a:solidFill>
+                  <a:schemeClr val="bg1"/>
+                </a:solidFill>
+              </a:rPr>
+              <a:t> </a:t>
             </a:r>
             <a:r>
               <a:rPr lang="en-US" dirty="0">
                 <a:solidFill>
-                  <a:schemeClr val="bg1"/>
-                </a:solidFill>
-              </a:rPr>
-              <a:t>: </a:t>
-            </a:r>
-            <a:endParaRPr lang="en-US" dirty="0" smtClean="0">
-              <a:solidFill>
-                <a:schemeClr val="bg1"/>
-              </a:solidFill>
-            </a:endParaRPr>
-          </a:p>
-          <a:p>
+                  <a:srgbClr val="00B0F0"/>
+                </a:solidFill>
+              </a:rPr>
+              <a:t>in</a:t>
+            </a:r>
             <a:r>
               <a:rPr lang="en-US" dirty="0">
                 <a:solidFill>
@@ -18023,127 +18615,57 @@
                   <a:schemeClr val="bg1"/>
                 </a:solidFill>
               </a:rPr>
-              <a:t>        print</a:t>
-            </a:r>
-            <a:r>
-              <a:rPr lang="en-US" dirty="0" smtClean="0">
-                <a:solidFill>
-                  <a:srgbClr val="FFC000"/>
+              <a:t>x:</a:t>
+            </a:r>
+          </a:p>
+          <a:p>
+            <a:r>
+              <a:rPr lang="en-US" dirty="0">
+                <a:solidFill>
+                  <a:schemeClr val="bg1"/>
+                </a:solidFill>
+              </a:rPr>
+              <a:t> </a:t>
+            </a:r>
+            <a:r>
+              <a:rPr lang="en-US" dirty="0" smtClean="0">
+                <a:solidFill>
+                  <a:schemeClr val="bg1"/>
+                </a:solidFill>
+              </a:rPr>
+              <a:t>    print</a:t>
+            </a:r>
+            <a:r>
+              <a:rPr lang="en-US" dirty="0" smtClean="0">
+                <a:solidFill>
+                  <a:srgbClr val="FECC36"/>
                 </a:solidFill>
               </a:rPr>
               <a:t>(</a:t>
             </a:r>
             <a:r>
-              <a:rPr lang="en-US" dirty="0" smtClean="0">
-                <a:solidFill>
-                  <a:schemeClr val="bg1"/>
-                </a:solidFill>
-              </a:rPr>
-              <a:t>count</a:t>
-            </a:r>
-            <a:r>
-              <a:rPr lang="en-US" dirty="0">
-                <a:solidFill>
-                  <a:srgbClr val="FFC000"/>
+              <a:rPr lang="en-US" dirty="0" err="1" smtClean="0">
+                <a:solidFill>
+                  <a:schemeClr val="bg1"/>
+                </a:solidFill>
+              </a:rPr>
+              <a:t>i</a:t>
+            </a:r>
+            <a:r>
+              <a:rPr lang="en-US" dirty="0" smtClean="0">
+                <a:solidFill>
+                  <a:srgbClr val="FECC36"/>
                 </a:solidFill>
               </a:rPr>
               <a:t>)</a:t>
             </a:r>
-            <a:r>
-              <a:rPr lang="en-US" dirty="0">
-                <a:solidFill>
-                  <a:schemeClr val="bg1"/>
-                </a:solidFill>
-              </a:rPr>
-              <a:t> </a:t>
-            </a:r>
-            <a:endParaRPr lang="en-US" dirty="0" smtClean="0">
-              <a:solidFill>
-                <a:schemeClr val="bg1"/>
-              </a:solidFill>
-            </a:endParaRPr>
-          </a:p>
-          <a:p>
-            <a:r>
-              <a:rPr lang="en-US" dirty="0">
-                <a:solidFill>
-                  <a:schemeClr val="bg1"/>
-                </a:solidFill>
-              </a:rPr>
-              <a:t> </a:t>
-            </a:r>
-            <a:r>
-              <a:rPr lang="en-US" dirty="0" smtClean="0">
-                <a:solidFill>
-                  <a:schemeClr val="bg1"/>
-                </a:solidFill>
-              </a:rPr>
-              <a:t>        count </a:t>
-            </a:r>
-            <a:r>
-              <a:rPr lang="en-US" dirty="0">
-                <a:solidFill>
-                  <a:schemeClr val="bg1"/>
-                </a:solidFill>
-              </a:rPr>
-              <a:t>+= </a:t>
-            </a:r>
-            <a:r>
-              <a:rPr lang="en-US" dirty="0">
-                <a:solidFill>
-                  <a:schemeClr val="accent6">
-                    <a:lumMod val="60000"/>
-                    <a:lumOff val="40000"/>
-                  </a:schemeClr>
-                </a:solidFill>
-              </a:rPr>
-              <a:t>1</a:t>
-            </a:r>
-            <a:endParaRPr lang="en-US" dirty="0" smtClean="0">
-              <a:solidFill>
-                <a:schemeClr val="accent6">
-                  <a:lumMod val="60000"/>
-                  <a:lumOff val="40000"/>
-                </a:schemeClr>
-              </a:solidFill>
-            </a:endParaRPr>
-          </a:p>
-        </p:txBody>
-      </p:sp>
-      <p:sp>
-        <p:nvSpPr>
-          <p:cNvPr id="25" name="TextBox 24"/>
-          <p:cNvSpPr txBox="1"/>
-          <p:nvPr/>
-        </p:nvSpPr>
-        <p:spPr>
-          <a:xfrm>
-            <a:off x="4249111" y="4753072"/>
-            <a:ext cx="4321769" cy="1477328"/>
-          </a:xfrm>
-          <a:prstGeom prst="rect">
-            <a:avLst/>
-          </a:prstGeom>
-          <a:noFill/>
-        </p:spPr>
-        <p:txBody>
-          <a:bodyPr wrap="square" rtlCol="0">
-            <a:spAutoFit/>
-          </a:bodyPr>
-          <a:lstStyle/>
-          <a:p>
-            <a:r>
-              <a:rPr lang="vi-VN" dirty="0"/>
-              <a:t>vòng lặp "while" được sử dụng để lặp lại việc in ra giá trị của biến "count" từ 0 đến 4. Mỗi lần lặp, giá trị của "count" được tăng lên 1 và điều kiện "count &lt; 5" được kiểm tra</a:t>
-            </a:r>
-            <a:endParaRPr lang="en-US" b="1" dirty="0"/>
           </a:p>
         </p:txBody>
       </p:sp>
     </p:spTree>
     <p:extLst>
       <p:ext uri="{BB962C8B-B14F-4D97-AF65-F5344CB8AC3E}">
-        <p14:creationId xmlns:p14="http://schemas.microsoft.com/office/powerpoint/2010/main" val="1891690532"/>
+        <p14:creationId xmlns:p14="http://schemas.microsoft.com/office/powerpoint/2010/main" val="3197895249"/>
       </p:ext>
     </p:extLst>
   </p:cSld>
@@ -18313,6 +18835,2116 @@
           <a:p>
             <a:r>
               <a:rPr lang="en-US" b="1" dirty="0" err="1" smtClean="0"/>
+              <a:t>Ví</a:t>
+            </a:r>
+            <a:r>
+              <a:rPr lang="en-US" b="1" dirty="0" smtClean="0"/>
+              <a:t> </a:t>
+            </a:r>
+            <a:r>
+              <a:rPr lang="en-US" b="1" dirty="0" err="1" smtClean="0"/>
+              <a:t>dụ</a:t>
+            </a:r>
+            <a:r>
+              <a:rPr lang="en-US" b="1" dirty="0" smtClean="0"/>
+              <a:t> </a:t>
+            </a:r>
+            <a:r>
+              <a:rPr lang="en-US" b="1" dirty="0" err="1" smtClean="0"/>
+              <a:t>về</a:t>
+            </a:r>
+            <a:r>
+              <a:rPr lang="en-US" b="1" dirty="0" smtClean="0"/>
+              <a:t> </a:t>
+            </a:r>
+            <a:r>
+              <a:rPr lang="en-US" b="1" dirty="0" err="1" smtClean="0"/>
+              <a:t>Vòng</a:t>
+            </a:r>
+            <a:r>
+              <a:rPr lang="en-US" b="1" dirty="0" smtClean="0"/>
+              <a:t> </a:t>
+            </a:r>
+            <a:r>
+              <a:rPr lang="en-US" b="1" dirty="0" err="1" smtClean="0"/>
+              <a:t>lặp</a:t>
+            </a:r>
+            <a:r>
+              <a:rPr lang="en-US" b="1" dirty="0" smtClean="0"/>
+              <a:t> for</a:t>
+            </a:r>
+            <a:endParaRPr lang="en-US" b="1" dirty="0"/>
+          </a:p>
+        </p:txBody>
+      </p:sp>
+      <p:sp>
+        <p:nvSpPr>
+          <p:cNvPr id="10" name="Rectangle 9"/>
+          <p:cNvSpPr/>
+          <p:nvPr/>
+        </p:nvSpPr>
+        <p:spPr>
+          <a:xfrm>
+            <a:off x="548981" y="2485194"/>
+            <a:ext cx="3076721" cy="895959"/>
+          </a:xfrm>
+          <a:prstGeom prst="rect">
+            <a:avLst/>
+          </a:prstGeom>
+          <a:solidFill>
+            <a:schemeClr val="tx1">
+              <a:lumMod val="85000"/>
+              <a:lumOff val="15000"/>
+            </a:schemeClr>
+          </a:solidFill>
+          <a:ln>
+            <a:noFill/>
+          </a:ln>
+        </p:spPr>
+        <p:style>
+          <a:lnRef idx="2">
+            <a:schemeClr val="accent1">
+              <a:shade val="50000"/>
+            </a:schemeClr>
+          </a:lnRef>
+          <a:fillRef idx="1">
+            <a:schemeClr val="accent1"/>
+          </a:fillRef>
+          <a:effectRef idx="0">
+            <a:schemeClr val="accent1"/>
+          </a:effectRef>
+          <a:fontRef idx="minor">
+            <a:schemeClr val="lt1"/>
+          </a:fontRef>
+        </p:style>
+        <p:txBody>
+          <a:bodyPr rtlCol="0" anchor="ctr"/>
+          <a:lstStyle/>
+          <a:p>
+            <a:pPr algn="ctr"/>
+            <a:endParaRPr lang="en-US"/>
+          </a:p>
+        </p:txBody>
+      </p:sp>
+      <p:sp>
+        <p:nvSpPr>
+          <p:cNvPr id="11" name="TextBox 10"/>
+          <p:cNvSpPr txBox="1"/>
+          <p:nvPr/>
+        </p:nvSpPr>
+        <p:spPr>
+          <a:xfrm>
+            <a:off x="749165" y="2578107"/>
+            <a:ext cx="2642621" cy="646331"/>
+          </a:xfrm>
+          <a:prstGeom prst="rect">
+            <a:avLst/>
+          </a:prstGeom>
+          <a:noFill/>
+        </p:spPr>
+        <p:txBody>
+          <a:bodyPr wrap="square" rtlCol="0">
+            <a:spAutoFit/>
+          </a:bodyPr>
+          <a:lstStyle/>
+          <a:p>
+            <a:r>
+              <a:rPr lang="en-US" dirty="0" smtClean="0">
+                <a:solidFill>
+                  <a:srgbClr val="00B0F0"/>
+                </a:solidFill>
+              </a:rPr>
+              <a:t>for</a:t>
+            </a:r>
+            <a:r>
+              <a:rPr lang="en-US" dirty="0" smtClean="0">
+                <a:solidFill>
+                  <a:schemeClr val="bg1"/>
+                </a:solidFill>
+              </a:rPr>
+              <a:t> </a:t>
+            </a:r>
+            <a:r>
+              <a:rPr lang="en-US" dirty="0" err="1" smtClean="0">
+                <a:solidFill>
+                  <a:schemeClr val="bg1"/>
+                </a:solidFill>
+              </a:rPr>
+              <a:t>i</a:t>
+            </a:r>
+            <a:r>
+              <a:rPr lang="en-US" dirty="0" smtClean="0">
+                <a:solidFill>
+                  <a:schemeClr val="bg1"/>
+                </a:solidFill>
+              </a:rPr>
+              <a:t> </a:t>
+            </a:r>
+            <a:r>
+              <a:rPr lang="en-US" dirty="0" smtClean="0">
+                <a:solidFill>
+                  <a:srgbClr val="00B0F0"/>
+                </a:solidFill>
+              </a:rPr>
+              <a:t>in</a:t>
+            </a:r>
+            <a:r>
+              <a:rPr lang="en-US" dirty="0" smtClean="0">
+                <a:solidFill>
+                  <a:schemeClr val="bg1"/>
+                </a:solidFill>
+              </a:rPr>
+              <a:t> range</a:t>
+            </a:r>
+            <a:r>
+              <a:rPr lang="en-US" dirty="0" smtClean="0">
+                <a:solidFill>
+                  <a:srgbClr val="FFC500"/>
+                </a:solidFill>
+              </a:rPr>
+              <a:t>(</a:t>
+            </a:r>
+            <a:r>
+              <a:rPr lang="en-US" dirty="0" smtClean="0">
+                <a:solidFill>
+                  <a:schemeClr val="accent6">
+                    <a:lumMod val="60000"/>
+                    <a:lumOff val="40000"/>
+                  </a:schemeClr>
+                </a:solidFill>
+              </a:rPr>
+              <a:t>1</a:t>
+            </a:r>
+            <a:r>
+              <a:rPr lang="en-US" dirty="0" smtClean="0">
+                <a:solidFill>
+                  <a:schemeClr val="bg1"/>
+                </a:solidFill>
+              </a:rPr>
+              <a:t>, </a:t>
+            </a:r>
+            <a:r>
+              <a:rPr lang="en-US" dirty="0" smtClean="0">
+                <a:solidFill>
+                  <a:schemeClr val="accent6">
+                    <a:lumMod val="60000"/>
+                    <a:lumOff val="40000"/>
+                  </a:schemeClr>
+                </a:solidFill>
+              </a:rPr>
+              <a:t>5</a:t>
+            </a:r>
+            <a:r>
+              <a:rPr lang="en-US" dirty="0" smtClean="0">
+                <a:solidFill>
+                  <a:srgbClr val="FFC500"/>
+                </a:solidFill>
+              </a:rPr>
+              <a:t>)</a:t>
+            </a:r>
+            <a:r>
+              <a:rPr lang="en-US" dirty="0" smtClean="0">
+                <a:solidFill>
+                  <a:schemeClr val="bg1"/>
+                </a:solidFill>
+              </a:rPr>
+              <a:t>:</a:t>
+            </a:r>
+          </a:p>
+          <a:p>
+            <a:r>
+              <a:rPr lang="en-US" dirty="0" smtClean="0">
+                <a:solidFill>
+                  <a:schemeClr val="bg1"/>
+                </a:solidFill>
+              </a:rPr>
+              <a:t>     print</a:t>
+            </a:r>
+            <a:r>
+              <a:rPr lang="en-US" dirty="0" smtClean="0">
+                <a:solidFill>
+                  <a:srgbClr val="FECC36"/>
+                </a:solidFill>
+              </a:rPr>
+              <a:t>(</a:t>
+            </a:r>
+            <a:r>
+              <a:rPr lang="en-US" dirty="0" err="1" smtClean="0">
+                <a:solidFill>
+                  <a:schemeClr val="bg1"/>
+                </a:solidFill>
+              </a:rPr>
+              <a:t>i</a:t>
+            </a:r>
+            <a:r>
+              <a:rPr lang="en-US" dirty="0" smtClean="0">
+                <a:solidFill>
+                  <a:srgbClr val="FECC36"/>
+                </a:solidFill>
+              </a:rPr>
+              <a:t>)</a:t>
+            </a:r>
+          </a:p>
+        </p:txBody>
+      </p:sp>
+      <p:sp>
+        <p:nvSpPr>
+          <p:cNvPr id="12" name="TextBox 11"/>
+          <p:cNvSpPr txBox="1"/>
+          <p:nvPr/>
+        </p:nvSpPr>
+        <p:spPr>
+          <a:xfrm>
+            <a:off x="423469" y="1988742"/>
+            <a:ext cx="3202234" cy="369332"/>
+          </a:xfrm>
+          <a:prstGeom prst="rect">
+            <a:avLst/>
+          </a:prstGeom>
+          <a:noFill/>
+        </p:spPr>
+        <p:txBody>
+          <a:bodyPr wrap="square" rtlCol="0">
+            <a:spAutoFit/>
+          </a:bodyPr>
+          <a:lstStyle/>
+          <a:p>
+            <a:r>
+              <a:rPr lang="en-US" dirty="0" err="1" smtClean="0"/>
+              <a:t>Sử</a:t>
+            </a:r>
+            <a:r>
+              <a:rPr lang="en-US" dirty="0" smtClean="0"/>
+              <a:t> </a:t>
+            </a:r>
+            <a:r>
+              <a:rPr lang="en-US" dirty="0" err="1" smtClean="0"/>
+              <a:t>dụng</a:t>
+            </a:r>
+            <a:r>
+              <a:rPr lang="en-US" dirty="0" smtClean="0"/>
+              <a:t> </a:t>
+            </a:r>
+            <a:r>
+              <a:rPr lang="en-US" dirty="0" err="1" smtClean="0"/>
+              <a:t>với</a:t>
+            </a:r>
+            <a:r>
+              <a:rPr lang="en-US" dirty="0" smtClean="0"/>
+              <a:t> </a:t>
+            </a:r>
+            <a:r>
+              <a:rPr lang="en-US" dirty="0" err="1" smtClean="0"/>
+              <a:t>hàm</a:t>
+            </a:r>
+            <a:r>
+              <a:rPr lang="en-US" dirty="0" smtClean="0"/>
+              <a:t> </a:t>
+            </a:r>
+            <a:r>
+              <a:rPr lang="en-US" b="1" dirty="0" smtClean="0"/>
+              <a:t>range()</a:t>
+            </a:r>
+            <a:endParaRPr lang="en-US" b="1" dirty="0"/>
+          </a:p>
+        </p:txBody>
+      </p:sp>
+      <p:sp>
+        <p:nvSpPr>
+          <p:cNvPr id="13" name="Rectangle 12"/>
+          <p:cNvSpPr/>
+          <p:nvPr/>
+        </p:nvSpPr>
+        <p:spPr>
+          <a:xfrm>
+            <a:off x="4682725" y="2485194"/>
+            <a:ext cx="3076721" cy="895959"/>
+          </a:xfrm>
+          <a:prstGeom prst="rect">
+            <a:avLst/>
+          </a:prstGeom>
+          <a:solidFill>
+            <a:schemeClr val="tx1">
+              <a:lumMod val="85000"/>
+              <a:lumOff val="15000"/>
+            </a:schemeClr>
+          </a:solidFill>
+          <a:ln>
+            <a:noFill/>
+          </a:ln>
+        </p:spPr>
+        <p:style>
+          <a:lnRef idx="2">
+            <a:schemeClr val="accent1">
+              <a:shade val="50000"/>
+            </a:schemeClr>
+          </a:lnRef>
+          <a:fillRef idx="1">
+            <a:schemeClr val="accent1"/>
+          </a:fillRef>
+          <a:effectRef idx="0">
+            <a:schemeClr val="accent1"/>
+          </a:effectRef>
+          <a:fontRef idx="minor">
+            <a:schemeClr val="lt1"/>
+          </a:fontRef>
+        </p:style>
+        <p:txBody>
+          <a:bodyPr rtlCol="0" anchor="ctr"/>
+          <a:lstStyle/>
+          <a:p>
+            <a:pPr algn="ctr"/>
+            <a:endParaRPr lang="en-US"/>
+          </a:p>
+        </p:txBody>
+      </p:sp>
+      <p:sp>
+        <p:nvSpPr>
+          <p:cNvPr id="14" name="TextBox 13"/>
+          <p:cNvSpPr txBox="1"/>
+          <p:nvPr/>
+        </p:nvSpPr>
+        <p:spPr>
+          <a:xfrm>
+            <a:off x="4882909" y="2578107"/>
+            <a:ext cx="2642621" cy="646331"/>
+          </a:xfrm>
+          <a:prstGeom prst="rect">
+            <a:avLst/>
+          </a:prstGeom>
+          <a:noFill/>
+        </p:spPr>
+        <p:txBody>
+          <a:bodyPr wrap="square" rtlCol="0">
+            <a:spAutoFit/>
+          </a:bodyPr>
+          <a:lstStyle/>
+          <a:p>
+            <a:r>
+              <a:rPr lang="en-US" dirty="0" smtClean="0">
+                <a:solidFill>
+                  <a:srgbClr val="00B0F0"/>
+                </a:solidFill>
+              </a:rPr>
+              <a:t>for</a:t>
+            </a:r>
+            <a:r>
+              <a:rPr lang="en-US" dirty="0" smtClean="0">
+                <a:solidFill>
+                  <a:schemeClr val="bg1"/>
+                </a:solidFill>
+              </a:rPr>
+              <a:t> x </a:t>
+            </a:r>
+            <a:r>
+              <a:rPr lang="en-US" dirty="0" smtClean="0">
+                <a:solidFill>
+                  <a:srgbClr val="00B0F0"/>
+                </a:solidFill>
+              </a:rPr>
+              <a:t>in</a:t>
+            </a:r>
+            <a:r>
+              <a:rPr lang="en-US" dirty="0" smtClean="0">
+                <a:solidFill>
+                  <a:schemeClr val="bg1"/>
+                </a:solidFill>
+              </a:rPr>
+              <a:t> </a:t>
+            </a:r>
+            <a:r>
+              <a:rPr lang="en-US" dirty="0" smtClean="0">
+                <a:solidFill>
+                  <a:schemeClr val="accent2">
+                    <a:lumMod val="75000"/>
+                  </a:schemeClr>
+                </a:solidFill>
+              </a:rPr>
+              <a:t>“banana”</a:t>
+            </a:r>
+            <a:r>
+              <a:rPr lang="en-US" dirty="0" smtClean="0">
+                <a:solidFill>
+                  <a:schemeClr val="bg1"/>
+                </a:solidFill>
+              </a:rPr>
+              <a:t>:</a:t>
+            </a:r>
+          </a:p>
+          <a:p>
+            <a:r>
+              <a:rPr lang="en-US" dirty="0" smtClean="0">
+                <a:solidFill>
+                  <a:schemeClr val="bg1"/>
+                </a:solidFill>
+              </a:rPr>
+              <a:t>     print</a:t>
+            </a:r>
+            <a:r>
+              <a:rPr lang="en-US" dirty="0" smtClean="0">
+                <a:solidFill>
+                  <a:srgbClr val="FECC36"/>
+                </a:solidFill>
+              </a:rPr>
+              <a:t>(</a:t>
+            </a:r>
+            <a:r>
+              <a:rPr lang="en-US" dirty="0">
+                <a:solidFill>
+                  <a:schemeClr val="bg1"/>
+                </a:solidFill>
+              </a:rPr>
+              <a:t>x</a:t>
+            </a:r>
+            <a:r>
+              <a:rPr lang="en-US" dirty="0" smtClean="0">
+                <a:solidFill>
+                  <a:srgbClr val="FECC36"/>
+                </a:solidFill>
+              </a:rPr>
+              <a:t>)</a:t>
+            </a:r>
+          </a:p>
+        </p:txBody>
+      </p:sp>
+      <p:sp>
+        <p:nvSpPr>
+          <p:cNvPr id="15" name="TextBox 14"/>
+          <p:cNvSpPr txBox="1"/>
+          <p:nvPr/>
+        </p:nvSpPr>
+        <p:spPr>
+          <a:xfrm>
+            <a:off x="4565767" y="1988742"/>
+            <a:ext cx="2585546" cy="369332"/>
+          </a:xfrm>
+          <a:prstGeom prst="rect">
+            <a:avLst/>
+          </a:prstGeom>
+          <a:noFill/>
+        </p:spPr>
+        <p:txBody>
+          <a:bodyPr wrap="square" rtlCol="0">
+            <a:spAutoFit/>
+          </a:bodyPr>
+          <a:lstStyle/>
+          <a:p>
+            <a:r>
+              <a:rPr lang="en-US" dirty="0" err="1" smtClean="0"/>
+              <a:t>Lặp</a:t>
+            </a:r>
+            <a:r>
+              <a:rPr lang="en-US" dirty="0" smtClean="0"/>
+              <a:t> qua </a:t>
+            </a:r>
+            <a:r>
+              <a:rPr lang="en-US" dirty="0" err="1" smtClean="0"/>
+              <a:t>một</a:t>
+            </a:r>
+            <a:r>
+              <a:rPr lang="en-US" dirty="0" smtClean="0"/>
+              <a:t> string</a:t>
+            </a:r>
+            <a:endParaRPr lang="en-US" b="1" dirty="0"/>
+          </a:p>
+        </p:txBody>
+      </p:sp>
+      <p:sp>
+        <p:nvSpPr>
+          <p:cNvPr id="16" name="TextBox 15"/>
+          <p:cNvSpPr txBox="1"/>
+          <p:nvPr/>
+        </p:nvSpPr>
+        <p:spPr>
+          <a:xfrm>
+            <a:off x="423468" y="3557818"/>
+            <a:ext cx="8333421" cy="369332"/>
+          </a:xfrm>
+          <a:prstGeom prst="rect">
+            <a:avLst/>
+          </a:prstGeom>
+          <a:noFill/>
+        </p:spPr>
+        <p:txBody>
+          <a:bodyPr wrap="square" rtlCol="0">
+            <a:spAutoFit/>
+          </a:bodyPr>
+          <a:lstStyle/>
+          <a:p>
+            <a:r>
+              <a:rPr lang="en-US" dirty="0" err="1" smtClean="0"/>
+              <a:t>Vòng</a:t>
+            </a:r>
+            <a:r>
+              <a:rPr lang="en-US" dirty="0" smtClean="0"/>
+              <a:t> </a:t>
+            </a:r>
+            <a:r>
+              <a:rPr lang="en-US" dirty="0" err="1" smtClean="0"/>
+              <a:t>lặp</a:t>
+            </a:r>
+            <a:r>
+              <a:rPr lang="en-US" dirty="0" smtClean="0"/>
+              <a:t> </a:t>
+            </a:r>
+            <a:r>
+              <a:rPr lang="en-US" dirty="0" err="1" smtClean="0"/>
+              <a:t>với</a:t>
+            </a:r>
+            <a:r>
+              <a:rPr lang="en-US" dirty="0" smtClean="0"/>
+              <a:t> </a:t>
+            </a:r>
+            <a:r>
+              <a:rPr lang="en-US" dirty="0" err="1" smtClean="0"/>
+              <a:t>câu</a:t>
+            </a:r>
+            <a:r>
+              <a:rPr lang="en-US" dirty="0" smtClean="0"/>
+              <a:t> </a:t>
+            </a:r>
+            <a:r>
+              <a:rPr lang="en-US" dirty="0" err="1" smtClean="0"/>
+              <a:t>lệnh</a:t>
+            </a:r>
+            <a:r>
+              <a:rPr lang="en-US" dirty="0" smtClean="0"/>
+              <a:t> </a:t>
+            </a:r>
+            <a:r>
+              <a:rPr lang="en-US" b="1" dirty="0"/>
+              <a:t>break </a:t>
+            </a:r>
+            <a:r>
+              <a:rPr lang="en-US" dirty="0" err="1"/>
+              <a:t>và</a:t>
+            </a:r>
+            <a:r>
+              <a:rPr lang="en-US" b="1" dirty="0"/>
+              <a:t> </a:t>
+            </a:r>
+            <a:r>
+              <a:rPr lang="en-US" b="1" dirty="0" smtClean="0"/>
+              <a:t>continue</a:t>
+            </a:r>
+            <a:r>
+              <a:rPr lang="en-US" dirty="0" smtClean="0"/>
+              <a:t>  </a:t>
+            </a:r>
+            <a:endParaRPr lang="en-US" b="1" dirty="0"/>
+          </a:p>
+        </p:txBody>
+      </p:sp>
+      <p:sp>
+        <p:nvSpPr>
+          <p:cNvPr id="17" name="Rectangle 16"/>
+          <p:cNvSpPr/>
+          <p:nvPr/>
+        </p:nvSpPr>
+        <p:spPr>
+          <a:xfrm>
+            <a:off x="548982" y="4093237"/>
+            <a:ext cx="4333928" cy="2328828"/>
+          </a:xfrm>
+          <a:prstGeom prst="rect">
+            <a:avLst/>
+          </a:prstGeom>
+          <a:solidFill>
+            <a:schemeClr val="tx1">
+              <a:lumMod val="85000"/>
+              <a:lumOff val="15000"/>
+            </a:schemeClr>
+          </a:solidFill>
+          <a:ln>
+            <a:noFill/>
+          </a:ln>
+        </p:spPr>
+        <p:style>
+          <a:lnRef idx="2">
+            <a:schemeClr val="accent1">
+              <a:shade val="50000"/>
+            </a:schemeClr>
+          </a:lnRef>
+          <a:fillRef idx="1">
+            <a:schemeClr val="accent1"/>
+          </a:fillRef>
+          <a:effectRef idx="0">
+            <a:schemeClr val="accent1"/>
+          </a:effectRef>
+          <a:fontRef idx="minor">
+            <a:schemeClr val="lt1"/>
+          </a:fontRef>
+        </p:style>
+        <p:txBody>
+          <a:bodyPr rtlCol="0" anchor="ctr"/>
+          <a:lstStyle/>
+          <a:p>
+            <a:pPr algn="ctr"/>
+            <a:endParaRPr lang="en-US"/>
+          </a:p>
+        </p:txBody>
+      </p:sp>
+      <p:sp>
+        <p:nvSpPr>
+          <p:cNvPr id="19" name="TextBox 18"/>
+          <p:cNvSpPr txBox="1"/>
+          <p:nvPr/>
+        </p:nvSpPr>
+        <p:spPr>
+          <a:xfrm>
+            <a:off x="749166" y="4243874"/>
+            <a:ext cx="3933560" cy="2031325"/>
+          </a:xfrm>
+          <a:prstGeom prst="rect">
+            <a:avLst/>
+          </a:prstGeom>
+          <a:noFill/>
+        </p:spPr>
+        <p:txBody>
+          <a:bodyPr wrap="square" rtlCol="0">
+            <a:spAutoFit/>
+          </a:bodyPr>
+          <a:lstStyle/>
+          <a:p>
+            <a:r>
+              <a:rPr lang="en-US" dirty="0" smtClean="0">
+                <a:solidFill>
+                  <a:schemeClr val="bg1"/>
+                </a:solidFill>
+              </a:rPr>
+              <a:t>x </a:t>
+            </a:r>
+            <a:r>
+              <a:rPr lang="en-US" dirty="0">
+                <a:solidFill>
+                  <a:schemeClr val="bg1"/>
+                </a:solidFill>
+              </a:rPr>
+              <a:t>=</a:t>
+            </a:r>
+            <a:r>
+              <a:rPr lang="en-US" dirty="0">
+                <a:solidFill>
+                  <a:schemeClr val="accent2">
+                    <a:lumMod val="75000"/>
+                  </a:schemeClr>
+                </a:solidFill>
+              </a:rPr>
+              <a:t> </a:t>
+            </a:r>
+            <a:r>
+              <a:rPr lang="en-US" dirty="0">
+                <a:solidFill>
+                  <a:schemeClr val="bg1"/>
+                </a:solidFill>
+              </a:rPr>
+              <a:t>range</a:t>
+            </a:r>
+            <a:r>
+              <a:rPr lang="en-US" dirty="0">
+                <a:solidFill>
+                  <a:srgbClr val="FFC500"/>
+                </a:solidFill>
+              </a:rPr>
+              <a:t>(</a:t>
+            </a:r>
+            <a:r>
+              <a:rPr lang="en-US" dirty="0">
+                <a:solidFill>
+                  <a:schemeClr val="accent6">
+                    <a:lumMod val="60000"/>
+                    <a:lumOff val="40000"/>
+                  </a:schemeClr>
+                </a:solidFill>
+              </a:rPr>
+              <a:t>1</a:t>
+            </a:r>
+            <a:r>
+              <a:rPr lang="en-US" dirty="0">
+                <a:solidFill>
+                  <a:schemeClr val="bg1"/>
+                </a:solidFill>
+              </a:rPr>
+              <a:t>, </a:t>
+            </a:r>
+            <a:r>
+              <a:rPr lang="en-US" dirty="0">
+                <a:solidFill>
+                  <a:schemeClr val="accent6">
+                    <a:lumMod val="60000"/>
+                    <a:lumOff val="40000"/>
+                  </a:schemeClr>
+                </a:solidFill>
+              </a:rPr>
+              <a:t>5</a:t>
+            </a:r>
+            <a:r>
+              <a:rPr lang="en-US" dirty="0" smtClean="0">
+                <a:solidFill>
+                  <a:srgbClr val="FFC500"/>
+                </a:solidFill>
+              </a:rPr>
+              <a:t>)</a:t>
+            </a:r>
+          </a:p>
+          <a:p>
+            <a:r>
+              <a:rPr lang="en-US" dirty="0" smtClean="0">
+                <a:solidFill>
+                  <a:srgbClr val="00B0F0"/>
+                </a:solidFill>
+              </a:rPr>
+              <a:t>for</a:t>
+            </a:r>
+            <a:r>
+              <a:rPr lang="en-US" dirty="0" smtClean="0">
+                <a:solidFill>
+                  <a:schemeClr val="bg1"/>
+                </a:solidFill>
+              </a:rPr>
+              <a:t> </a:t>
+            </a:r>
+            <a:r>
+              <a:rPr lang="en-US" dirty="0" err="1" smtClean="0">
+                <a:solidFill>
+                  <a:schemeClr val="bg1"/>
+                </a:solidFill>
+              </a:rPr>
+              <a:t>i</a:t>
+            </a:r>
+            <a:r>
+              <a:rPr lang="en-US" dirty="0" smtClean="0">
+                <a:solidFill>
+                  <a:schemeClr val="bg1"/>
+                </a:solidFill>
+              </a:rPr>
+              <a:t> </a:t>
+            </a:r>
+            <a:r>
+              <a:rPr lang="en-US" dirty="0">
+                <a:solidFill>
+                  <a:srgbClr val="00B0F0"/>
+                </a:solidFill>
+              </a:rPr>
+              <a:t>in</a:t>
+            </a:r>
+            <a:r>
+              <a:rPr lang="en-US" dirty="0">
+                <a:solidFill>
+                  <a:schemeClr val="bg1"/>
+                </a:solidFill>
+              </a:rPr>
+              <a:t> </a:t>
+            </a:r>
+            <a:r>
+              <a:rPr lang="en-US" dirty="0" smtClean="0">
+                <a:solidFill>
+                  <a:schemeClr val="bg1"/>
+                </a:solidFill>
+              </a:rPr>
+              <a:t>x:</a:t>
+            </a:r>
+          </a:p>
+          <a:p>
+            <a:r>
+              <a:rPr lang="en-US" dirty="0" smtClean="0">
+                <a:solidFill>
+                  <a:schemeClr val="bg1"/>
+                </a:solidFill>
+              </a:rPr>
+              <a:t>      </a:t>
+            </a:r>
+            <a:r>
+              <a:rPr lang="en-US" dirty="0" smtClean="0">
+                <a:solidFill>
+                  <a:srgbClr val="00B0F0"/>
+                </a:solidFill>
+              </a:rPr>
+              <a:t>if</a:t>
+            </a:r>
+            <a:r>
+              <a:rPr lang="en-US" dirty="0" smtClean="0">
+                <a:solidFill>
+                  <a:schemeClr val="bg1"/>
+                </a:solidFill>
+              </a:rPr>
+              <a:t> </a:t>
+            </a:r>
+            <a:r>
+              <a:rPr lang="en-US" dirty="0" err="1" smtClean="0">
+                <a:solidFill>
+                  <a:schemeClr val="bg1"/>
+                </a:solidFill>
+              </a:rPr>
+              <a:t>i</a:t>
+            </a:r>
+            <a:r>
+              <a:rPr lang="en-US" dirty="0" smtClean="0">
+                <a:solidFill>
+                  <a:schemeClr val="bg1"/>
+                </a:solidFill>
+              </a:rPr>
+              <a:t> </a:t>
+            </a:r>
+            <a:r>
+              <a:rPr lang="en-US" dirty="0">
+                <a:solidFill>
+                  <a:schemeClr val="bg1"/>
+                </a:solidFill>
+              </a:rPr>
+              <a:t>== </a:t>
+            </a:r>
+            <a:r>
+              <a:rPr lang="en-US" dirty="0" smtClean="0">
+                <a:solidFill>
+                  <a:schemeClr val="accent2">
+                    <a:lumMod val="75000"/>
+                  </a:schemeClr>
+                </a:solidFill>
+              </a:rPr>
+              <a:t>3</a:t>
+            </a:r>
+            <a:r>
+              <a:rPr lang="en-US" dirty="0" smtClean="0">
+                <a:solidFill>
+                  <a:schemeClr val="bg1"/>
+                </a:solidFill>
+              </a:rPr>
+              <a:t>:</a:t>
+            </a:r>
+          </a:p>
+          <a:p>
+            <a:r>
+              <a:rPr lang="en-US" dirty="0">
+                <a:solidFill>
+                  <a:schemeClr val="bg1"/>
+                </a:solidFill>
+              </a:rPr>
+              <a:t> </a:t>
+            </a:r>
+            <a:r>
+              <a:rPr lang="en-US" dirty="0" smtClean="0">
+                <a:solidFill>
+                  <a:schemeClr val="bg1"/>
+                </a:solidFill>
+              </a:rPr>
+              <a:t>           </a:t>
+            </a:r>
+            <a:r>
+              <a:rPr lang="en-US" dirty="0" smtClean="0">
+                <a:solidFill>
+                  <a:srgbClr val="00B0F0"/>
+                </a:solidFill>
+              </a:rPr>
+              <a:t>continue</a:t>
+            </a:r>
+            <a:r>
+              <a:rPr lang="en-US" dirty="0" smtClean="0">
+                <a:solidFill>
+                  <a:schemeClr val="bg1"/>
+                </a:solidFill>
+              </a:rPr>
+              <a:t> </a:t>
+            </a:r>
+          </a:p>
+          <a:p>
+            <a:r>
+              <a:rPr lang="en-US" dirty="0">
+                <a:solidFill>
+                  <a:schemeClr val="bg1"/>
+                </a:solidFill>
+              </a:rPr>
+              <a:t> </a:t>
+            </a:r>
+            <a:r>
+              <a:rPr lang="en-US" dirty="0" smtClean="0">
+                <a:solidFill>
+                  <a:schemeClr val="bg1"/>
+                </a:solidFill>
+              </a:rPr>
+              <a:t>     print(</a:t>
+            </a:r>
+            <a:r>
+              <a:rPr lang="en-US" dirty="0" err="1" smtClean="0">
+                <a:solidFill>
+                  <a:schemeClr val="bg1"/>
+                </a:solidFill>
+              </a:rPr>
+              <a:t>i</a:t>
+            </a:r>
+            <a:r>
+              <a:rPr lang="en-US" dirty="0" smtClean="0">
+                <a:solidFill>
+                  <a:schemeClr val="bg1"/>
+                </a:solidFill>
+              </a:rPr>
+              <a:t>) </a:t>
+            </a:r>
+          </a:p>
+          <a:p>
+            <a:r>
+              <a:rPr lang="en-US" dirty="0">
+                <a:solidFill>
+                  <a:schemeClr val="bg1"/>
+                </a:solidFill>
+              </a:rPr>
+              <a:t> </a:t>
+            </a:r>
+            <a:r>
+              <a:rPr lang="en-US" dirty="0" smtClean="0">
+                <a:solidFill>
+                  <a:schemeClr val="bg1"/>
+                </a:solidFill>
+              </a:rPr>
+              <a:t>     </a:t>
+            </a:r>
+            <a:r>
+              <a:rPr lang="en-US" dirty="0" smtClean="0">
+                <a:solidFill>
+                  <a:srgbClr val="00B0F0"/>
+                </a:solidFill>
+              </a:rPr>
+              <a:t>if</a:t>
+            </a:r>
+            <a:r>
+              <a:rPr lang="en-US" dirty="0" smtClean="0">
+                <a:solidFill>
+                  <a:schemeClr val="bg1"/>
+                </a:solidFill>
+              </a:rPr>
+              <a:t> </a:t>
+            </a:r>
+            <a:r>
+              <a:rPr lang="en-US" dirty="0" err="1" smtClean="0">
+                <a:solidFill>
+                  <a:schemeClr val="bg1"/>
+                </a:solidFill>
+              </a:rPr>
+              <a:t>i</a:t>
+            </a:r>
+            <a:r>
+              <a:rPr lang="en-US" dirty="0" smtClean="0">
+                <a:solidFill>
+                  <a:schemeClr val="bg1"/>
+                </a:solidFill>
+              </a:rPr>
+              <a:t> </a:t>
+            </a:r>
+            <a:r>
+              <a:rPr lang="en-US" dirty="0">
+                <a:solidFill>
+                  <a:schemeClr val="bg1"/>
+                </a:solidFill>
+              </a:rPr>
+              <a:t>== </a:t>
+            </a:r>
+            <a:r>
+              <a:rPr lang="en-US" dirty="0" smtClean="0">
+                <a:solidFill>
+                  <a:schemeClr val="accent2">
+                    <a:lumMod val="75000"/>
+                  </a:schemeClr>
+                </a:solidFill>
+              </a:rPr>
+              <a:t>4</a:t>
+            </a:r>
+            <a:r>
+              <a:rPr lang="en-US" dirty="0" smtClean="0">
+                <a:solidFill>
+                  <a:schemeClr val="bg1"/>
+                </a:solidFill>
+              </a:rPr>
+              <a:t>:</a:t>
+            </a:r>
+          </a:p>
+          <a:p>
+            <a:r>
+              <a:rPr lang="en-US" dirty="0">
+                <a:solidFill>
+                  <a:schemeClr val="bg1"/>
+                </a:solidFill>
+              </a:rPr>
+              <a:t> </a:t>
+            </a:r>
+            <a:r>
+              <a:rPr lang="en-US" dirty="0" smtClean="0">
+                <a:solidFill>
+                  <a:schemeClr val="bg1"/>
+                </a:solidFill>
+              </a:rPr>
+              <a:t>           </a:t>
+            </a:r>
+            <a:r>
+              <a:rPr lang="en-US" dirty="0" smtClean="0">
+                <a:solidFill>
+                  <a:srgbClr val="00B0F0"/>
+                </a:solidFill>
+              </a:rPr>
+              <a:t>break</a:t>
+            </a:r>
+          </a:p>
+        </p:txBody>
+      </p:sp>
+      <p:sp>
+        <p:nvSpPr>
+          <p:cNvPr id="20" name="TextBox 19"/>
+          <p:cNvSpPr txBox="1"/>
+          <p:nvPr/>
+        </p:nvSpPr>
+        <p:spPr>
+          <a:xfrm>
+            <a:off x="5059263" y="4142609"/>
+            <a:ext cx="3436151" cy="2062103"/>
+          </a:xfrm>
+          <a:prstGeom prst="rect">
+            <a:avLst/>
+          </a:prstGeom>
+          <a:noFill/>
+        </p:spPr>
+        <p:txBody>
+          <a:bodyPr wrap="square" rtlCol="0">
+            <a:spAutoFit/>
+          </a:bodyPr>
+          <a:lstStyle/>
+          <a:p>
+            <a:r>
+              <a:rPr lang="vi-VN" sz="1600" dirty="0"/>
+              <a:t>Trong ví dụ trên, khi gặp phần tử có giá trị là </a:t>
+            </a:r>
+            <a:r>
+              <a:rPr lang="vi-VN" sz="1600" dirty="0" smtClean="0"/>
+              <a:t>“</a:t>
+            </a:r>
+            <a:r>
+              <a:rPr lang="en-US" sz="1600" dirty="0" smtClean="0"/>
+              <a:t>3</a:t>
+            </a:r>
+            <a:r>
+              <a:rPr lang="vi-VN" sz="1600" dirty="0" smtClean="0"/>
+              <a:t>", </a:t>
+            </a:r>
+            <a:r>
+              <a:rPr lang="vi-VN" sz="1600" dirty="0"/>
+              <a:t>câu lệnh "continue" sẽ được thực thi, bỏ qua các câu lệnh phía dưới và chuyển đến phần tử tiếp theo trong vòng lặp. Khi gặp phần tử có giá trị là </a:t>
+            </a:r>
+            <a:r>
+              <a:rPr lang="vi-VN" sz="1600" dirty="0" smtClean="0"/>
+              <a:t>“</a:t>
+            </a:r>
+            <a:r>
+              <a:rPr lang="en-US" sz="1600" dirty="0" smtClean="0"/>
+              <a:t>4</a:t>
+            </a:r>
+            <a:r>
+              <a:rPr lang="vi-VN" sz="1600" dirty="0" smtClean="0"/>
+              <a:t>", </a:t>
+            </a:r>
+            <a:r>
+              <a:rPr lang="vi-VN" sz="1600" dirty="0"/>
+              <a:t>câu lệnh "break" được thực thi, thoát khỏi vòng lặp ngay lập tức.</a:t>
+            </a:r>
+            <a:endParaRPr lang="en-US" sz="1600" b="1" dirty="0"/>
+          </a:p>
+        </p:txBody>
+      </p:sp>
+    </p:spTree>
+    <p:extLst>
+      <p:ext uri="{BB962C8B-B14F-4D97-AF65-F5344CB8AC3E}">
+        <p14:creationId xmlns:p14="http://schemas.microsoft.com/office/powerpoint/2010/main" val="2356822806"/>
+      </p:ext>
+    </p:extLst>
+  </p:cSld>
+  <p:clrMapOvr>
+    <a:masterClrMapping/>
+  </p:clrMapOvr>
+  <p:timing>
+    <p:tnLst>
+      <p:par>
+        <p:cTn id="1" dur="indefinite" restart="never" nodeType="tmRoot"/>
+      </p:par>
+    </p:tnLst>
+  </p:timing>
+</p:sld>
+</file>
+
+<file path=ppt/slides/slide24.xml><?xml version="1.0" encoding="utf-8"?>
+<p:sld xmlns:a="http://schemas.openxmlformats.org/drawingml/2006/main" xmlns:r="http://schemas.openxmlformats.org/officeDocument/2006/relationships" xmlns:p="http://schemas.openxmlformats.org/presentationml/2006/main">
+  <p:cSld>
+    <p:spTree>
+      <p:nvGrpSpPr>
+        <p:cNvPr id="1" name=""/>
+        <p:cNvGrpSpPr/>
+        <p:nvPr/>
+      </p:nvGrpSpPr>
+      <p:grpSpPr>
+        <a:xfrm>
+          <a:off x="0" y="0"/>
+          <a:ext cx="0" cy="0"/>
+          <a:chOff x="0" y="0"/>
+          <a:chExt cx="0" cy="0"/>
+        </a:xfrm>
+      </p:grpSpPr>
+      <p:sp>
+        <p:nvSpPr>
+          <p:cNvPr id="2" name="Slide Number Placeholder 1"/>
+          <p:cNvSpPr>
+            <a:spLocks noGrp="1"/>
+          </p:cNvSpPr>
+          <p:nvPr>
+            <p:ph type="sldNum" sz="quarter" idx="12"/>
+          </p:nvPr>
+        </p:nvSpPr>
+        <p:spPr/>
+        <p:txBody>
+          <a:bodyPr/>
+          <a:lstStyle/>
+          <a:p>
+            <a:fld id="{7D9EC917-02A2-4152-9EE3-DFE2775A77C7}" type="slidenum">
+              <a:rPr lang="en-US" smtClean="0"/>
+              <a:pPr/>
+              <a:t>24</a:t>
+            </a:fld>
+            <a:endParaRPr lang="en-US"/>
+          </a:p>
+        </p:txBody>
+      </p:sp>
+      <p:sp>
+        <p:nvSpPr>
+          <p:cNvPr id="3" name="Text Placeholder 2"/>
+          <p:cNvSpPr>
+            <a:spLocks noGrp="1"/>
+          </p:cNvSpPr>
+          <p:nvPr>
+            <p:ph type="body" sz="quarter" idx="13"/>
+          </p:nvPr>
+        </p:nvSpPr>
+        <p:spPr/>
+        <p:txBody>
+          <a:bodyPr/>
+          <a:lstStyle/>
+          <a:p>
+            <a:r>
+              <a:rPr lang="en-US" dirty="0" smtClean="0"/>
+              <a:t>3.4 </a:t>
+            </a:r>
+            <a:r>
+              <a:rPr lang="en-US" dirty="0" err="1" smtClean="0"/>
+              <a:t>Vòng</a:t>
+            </a:r>
+            <a:r>
+              <a:rPr lang="en-US" dirty="0" smtClean="0"/>
+              <a:t> </a:t>
+            </a:r>
+            <a:r>
+              <a:rPr lang="en-US" dirty="0" err="1" smtClean="0"/>
+              <a:t>lặp</a:t>
+            </a:r>
+            <a:r>
+              <a:rPr lang="en-US" dirty="0" smtClean="0"/>
+              <a:t> </a:t>
+            </a:r>
+            <a:r>
+              <a:rPr lang="en-US" dirty="0" err="1" smtClean="0"/>
+              <a:t>trong</a:t>
+            </a:r>
+            <a:r>
+              <a:rPr lang="en-US" dirty="0" smtClean="0"/>
+              <a:t> Python</a:t>
+            </a:r>
+            <a:endParaRPr lang="en-US" dirty="0"/>
+          </a:p>
+        </p:txBody>
+      </p:sp>
+      <p:pic>
+        <p:nvPicPr>
+          <p:cNvPr id="4" name="Picture 2" descr="https://www.python.org/static/apple-touch-icon-precomposed.png"/>
+          <p:cNvPicPr>
+            <a:picLocks noChangeAspect="1" noChangeArrowheads="1"/>
+          </p:cNvPicPr>
+          <p:nvPr/>
+        </p:nvPicPr>
+        <p:blipFill>
+          <a:blip r:embed="rId2">
+            <a:extLst>
+              <a:ext uri="{28A0092B-C50C-407E-A947-70E740481C1C}">
+                <a14:useLocalDpi xmlns:a14="http://schemas.microsoft.com/office/drawing/2010/main" val="0"/>
+              </a:ext>
+            </a:extLst>
+          </a:blip>
+          <a:srcRect/>
+          <a:stretch>
+            <a:fillRect/>
+          </a:stretch>
+        </p:blipFill>
+        <p:spPr bwMode="auto">
+          <a:xfrm>
+            <a:off x="548981" y="1479187"/>
+            <a:ext cx="450480" cy="450481"/>
+          </a:xfrm>
+          <a:prstGeom prst="rect">
+            <a:avLst/>
+          </a:prstGeom>
+          <a:noFill/>
+          <a:extLst>
+            <a:ext uri="{909E8E84-426E-40DD-AFC4-6F175D3DCCD1}">
+              <a14:hiddenFill xmlns:a14="http://schemas.microsoft.com/office/drawing/2010/main">
+                <a:solidFill>
+                  <a:srgbClr val="FFFFFF"/>
+                </a:solidFill>
+              </a14:hiddenFill>
+            </a:ext>
+          </a:extLst>
+        </p:spPr>
+      </p:pic>
+      <p:sp>
+        <p:nvSpPr>
+          <p:cNvPr id="5" name="TextBox 4"/>
+          <p:cNvSpPr txBox="1"/>
+          <p:nvPr/>
+        </p:nvSpPr>
+        <p:spPr>
+          <a:xfrm>
+            <a:off x="1041993" y="1519761"/>
+            <a:ext cx="7068814" cy="369332"/>
+          </a:xfrm>
+          <a:prstGeom prst="rect">
+            <a:avLst/>
+          </a:prstGeom>
+          <a:noFill/>
+        </p:spPr>
+        <p:txBody>
+          <a:bodyPr wrap="square" rtlCol="0">
+            <a:spAutoFit/>
+          </a:bodyPr>
+          <a:lstStyle/>
+          <a:p>
+            <a:r>
+              <a:rPr lang="en-US" b="1" dirty="0" err="1" smtClean="0"/>
+              <a:t>Vòng</a:t>
+            </a:r>
+            <a:r>
+              <a:rPr lang="en-US" b="1" dirty="0" smtClean="0"/>
+              <a:t> </a:t>
+            </a:r>
+            <a:r>
+              <a:rPr lang="en-US" b="1" dirty="0" err="1" smtClean="0"/>
+              <a:t>lặp</a:t>
+            </a:r>
+            <a:r>
+              <a:rPr lang="en-US" b="1" dirty="0" smtClean="0"/>
+              <a:t> while</a:t>
+            </a:r>
+            <a:endParaRPr lang="en-US" b="1" dirty="0"/>
+          </a:p>
+        </p:txBody>
+      </p:sp>
+      <p:sp>
+        <p:nvSpPr>
+          <p:cNvPr id="18" name="TextBox 17"/>
+          <p:cNvSpPr txBox="1"/>
+          <p:nvPr/>
+        </p:nvSpPr>
+        <p:spPr>
+          <a:xfrm>
+            <a:off x="548981" y="1988742"/>
+            <a:ext cx="8207908" cy="646331"/>
+          </a:xfrm>
+          <a:prstGeom prst="rect">
+            <a:avLst/>
+          </a:prstGeom>
+          <a:noFill/>
+        </p:spPr>
+        <p:txBody>
+          <a:bodyPr wrap="square" rtlCol="0">
+            <a:spAutoFit/>
+          </a:bodyPr>
+          <a:lstStyle/>
+          <a:p>
+            <a:r>
+              <a:rPr lang="vi-VN" dirty="0"/>
+              <a:t>Vòng lặp "while" được sử dụng để lặp lại một khối mã miễn là điều kiện </a:t>
+            </a:r>
+            <a:r>
+              <a:rPr lang="vi-VN" b="1" dirty="0"/>
+              <a:t>đúng</a:t>
+            </a:r>
+            <a:r>
+              <a:rPr lang="vi-VN" dirty="0"/>
+              <a:t> (True). Cú pháp của vòng lặp "while" như sau:</a:t>
+            </a:r>
+            <a:endParaRPr lang="en-US" b="1" dirty="0"/>
+          </a:p>
+        </p:txBody>
+      </p:sp>
+      <p:sp>
+        <p:nvSpPr>
+          <p:cNvPr id="21" name="TextBox 20"/>
+          <p:cNvSpPr txBox="1"/>
+          <p:nvPr/>
+        </p:nvSpPr>
+        <p:spPr>
+          <a:xfrm>
+            <a:off x="581918" y="2792133"/>
+            <a:ext cx="7988963" cy="830997"/>
+          </a:xfrm>
+          <a:prstGeom prst="rect">
+            <a:avLst/>
+          </a:prstGeom>
+          <a:noFill/>
+        </p:spPr>
+        <p:txBody>
+          <a:bodyPr wrap="square" rtlCol="0">
+            <a:spAutoFit/>
+          </a:bodyPr>
+          <a:lstStyle/>
+          <a:p>
+            <a:r>
+              <a:rPr lang="en-US" sz="2400" b="1" dirty="0" smtClean="0"/>
+              <a:t>while </a:t>
+            </a:r>
+            <a:r>
+              <a:rPr lang="en-US" sz="2400" b="1" dirty="0" smtClean="0">
+                <a:solidFill>
+                  <a:schemeClr val="accent2">
+                    <a:lumMod val="75000"/>
+                  </a:schemeClr>
+                </a:solidFill>
+              </a:rPr>
+              <a:t>&lt;điều kiện kiểm tra&gt;</a:t>
+            </a:r>
+            <a:r>
+              <a:rPr lang="en-US" sz="2400" b="1" dirty="0" smtClean="0"/>
+              <a:t>:</a:t>
+            </a:r>
+          </a:p>
+          <a:p>
+            <a:r>
+              <a:rPr lang="en-US" sz="2400" b="1" dirty="0">
+                <a:solidFill>
+                  <a:srgbClr val="FF0000"/>
+                </a:solidFill>
+              </a:rPr>
+              <a:t> </a:t>
+            </a:r>
+            <a:r>
+              <a:rPr lang="en-US" sz="2400" b="1" dirty="0" smtClean="0">
+                <a:solidFill>
+                  <a:srgbClr val="FF0000"/>
+                </a:solidFill>
+              </a:rPr>
+              <a:t>   </a:t>
+            </a:r>
+            <a:r>
+              <a:rPr lang="en-US" sz="2400" b="1" dirty="0">
+                <a:solidFill>
+                  <a:schemeClr val="accent6">
+                    <a:lumMod val="50000"/>
+                  </a:schemeClr>
+                </a:solidFill>
+              </a:rPr>
+              <a:t># Các câu lệnh thực thi </a:t>
+            </a:r>
+            <a:r>
+              <a:rPr lang="en-US" sz="2400" b="1" dirty="0" smtClean="0">
+                <a:solidFill>
+                  <a:schemeClr val="accent6">
+                    <a:lumMod val="50000"/>
+                  </a:schemeClr>
+                </a:solidFill>
+              </a:rPr>
+              <a:t>khi điều kiện đúng</a:t>
+            </a:r>
+            <a:endParaRPr lang="en-US" sz="2400" b="1" dirty="0">
+              <a:solidFill>
+                <a:schemeClr val="accent6">
+                  <a:lumMod val="50000"/>
+                </a:schemeClr>
+              </a:solidFill>
+            </a:endParaRPr>
+          </a:p>
+        </p:txBody>
+      </p:sp>
+      <p:sp>
+        <p:nvSpPr>
+          <p:cNvPr id="22" name="TextBox 21"/>
+          <p:cNvSpPr txBox="1"/>
+          <p:nvPr/>
+        </p:nvSpPr>
+        <p:spPr>
+          <a:xfrm>
+            <a:off x="548981" y="3884121"/>
+            <a:ext cx="8333421" cy="646331"/>
+          </a:xfrm>
+          <a:prstGeom prst="rect">
+            <a:avLst/>
+          </a:prstGeom>
+          <a:noFill/>
+        </p:spPr>
+        <p:txBody>
+          <a:bodyPr wrap="square" rtlCol="0">
+            <a:spAutoFit/>
+          </a:bodyPr>
+          <a:lstStyle/>
+          <a:p>
+            <a:r>
+              <a:rPr lang="en-US" b="1" dirty="0"/>
+              <a:t>"condition" </a:t>
+            </a:r>
+            <a:r>
+              <a:rPr lang="en-US" dirty="0" err="1"/>
+              <a:t>là</a:t>
+            </a:r>
+            <a:r>
+              <a:rPr lang="en-US" dirty="0"/>
+              <a:t> </a:t>
+            </a:r>
+            <a:r>
+              <a:rPr lang="en-US" dirty="0" err="1"/>
+              <a:t>một</a:t>
+            </a:r>
+            <a:r>
+              <a:rPr lang="en-US" dirty="0"/>
+              <a:t> </a:t>
+            </a:r>
+            <a:r>
+              <a:rPr lang="en-US" dirty="0" err="1"/>
+              <a:t>biểu</a:t>
+            </a:r>
+            <a:r>
+              <a:rPr lang="en-US" dirty="0"/>
+              <a:t> </a:t>
+            </a:r>
+            <a:r>
+              <a:rPr lang="en-US" dirty="0" err="1"/>
+              <a:t>thức</a:t>
+            </a:r>
+            <a:r>
+              <a:rPr lang="en-US" dirty="0"/>
+              <a:t> </a:t>
+            </a:r>
+            <a:r>
+              <a:rPr lang="en-US" dirty="0" err="1"/>
+              <a:t>hoặc</a:t>
+            </a:r>
+            <a:r>
+              <a:rPr lang="en-US" dirty="0"/>
+              <a:t> </a:t>
+            </a:r>
+            <a:r>
+              <a:rPr lang="en-US" dirty="0" err="1"/>
+              <a:t>một</a:t>
+            </a:r>
+            <a:r>
+              <a:rPr lang="en-US" dirty="0"/>
+              <a:t> </a:t>
+            </a:r>
+            <a:r>
+              <a:rPr lang="en-US" dirty="0" err="1"/>
+              <a:t>điều</a:t>
+            </a:r>
+            <a:r>
+              <a:rPr lang="en-US" dirty="0"/>
+              <a:t> </a:t>
+            </a:r>
+            <a:r>
+              <a:rPr lang="en-US" dirty="0" err="1"/>
+              <a:t>kiện</a:t>
+            </a:r>
+            <a:r>
+              <a:rPr lang="en-US" dirty="0"/>
+              <a:t> logic. </a:t>
+            </a:r>
+            <a:r>
+              <a:rPr lang="en-US" dirty="0" err="1"/>
+              <a:t>Vòng</a:t>
+            </a:r>
+            <a:r>
+              <a:rPr lang="en-US" dirty="0"/>
+              <a:t> </a:t>
+            </a:r>
+            <a:r>
+              <a:rPr lang="en-US" dirty="0" err="1"/>
+              <a:t>lặp</a:t>
+            </a:r>
+            <a:r>
+              <a:rPr lang="en-US" dirty="0"/>
+              <a:t> </a:t>
+            </a:r>
+            <a:r>
+              <a:rPr lang="en-US" dirty="0" err="1"/>
+              <a:t>sẽ</a:t>
+            </a:r>
+            <a:r>
+              <a:rPr lang="en-US" dirty="0"/>
+              <a:t> </a:t>
+            </a:r>
+            <a:r>
+              <a:rPr lang="en-US" dirty="0" err="1"/>
+              <a:t>tiếp</a:t>
+            </a:r>
+            <a:r>
+              <a:rPr lang="en-US" dirty="0"/>
+              <a:t> </a:t>
+            </a:r>
+            <a:r>
+              <a:rPr lang="en-US" dirty="0" err="1"/>
+              <a:t>tục</a:t>
+            </a:r>
+            <a:r>
+              <a:rPr lang="en-US" dirty="0"/>
+              <a:t> </a:t>
+            </a:r>
+            <a:r>
+              <a:rPr lang="en-US" dirty="0" err="1"/>
+              <a:t>lặp</a:t>
+            </a:r>
+            <a:r>
+              <a:rPr lang="en-US" dirty="0"/>
+              <a:t> </a:t>
+            </a:r>
+            <a:r>
+              <a:rPr lang="en-US" dirty="0" err="1"/>
+              <a:t>lại</a:t>
+            </a:r>
+            <a:r>
+              <a:rPr lang="en-US" dirty="0"/>
+              <a:t> </a:t>
+            </a:r>
+            <a:r>
+              <a:rPr lang="en-US" dirty="0" err="1"/>
+              <a:t>cho</a:t>
+            </a:r>
+            <a:r>
+              <a:rPr lang="en-US" dirty="0"/>
+              <a:t> </a:t>
+            </a:r>
+            <a:r>
+              <a:rPr lang="en-US" dirty="0" err="1"/>
+              <a:t>đến</a:t>
+            </a:r>
+            <a:r>
+              <a:rPr lang="en-US" dirty="0"/>
+              <a:t> </a:t>
+            </a:r>
+            <a:r>
+              <a:rPr lang="en-US" dirty="0" err="1"/>
+              <a:t>khi</a:t>
+            </a:r>
+            <a:r>
+              <a:rPr lang="en-US" dirty="0"/>
+              <a:t> </a:t>
+            </a:r>
+            <a:r>
+              <a:rPr lang="en-US" dirty="0" err="1"/>
+              <a:t>điều</a:t>
+            </a:r>
+            <a:r>
+              <a:rPr lang="en-US" dirty="0"/>
+              <a:t> </a:t>
+            </a:r>
+            <a:r>
+              <a:rPr lang="en-US" dirty="0" err="1"/>
+              <a:t>kiện</a:t>
+            </a:r>
+            <a:r>
+              <a:rPr lang="en-US" dirty="0"/>
+              <a:t> </a:t>
+            </a:r>
+            <a:r>
+              <a:rPr lang="en-US" dirty="0" err="1"/>
+              <a:t>này</a:t>
+            </a:r>
+            <a:r>
+              <a:rPr lang="en-US" dirty="0"/>
+              <a:t> </a:t>
+            </a:r>
+            <a:r>
+              <a:rPr lang="en-US" dirty="0" err="1"/>
+              <a:t>trở</a:t>
+            </a:r>
+            <a:r>
+              <a:rPr lang="en-US" dirty="0"/>
+              <a:t> </a:t>
+            </a:r>
+            <a:r>
+              <a:rPr lang="en-US" dirty="0" err="1"/>
+              <a:t>thành</a:t>
+            </a:r>
+            <a:r>
+              <a:rPr lang="en-US" dirty="0"/>
+              <a:t> </a:t>
+            </a:r>
+            <a:r>
+              <a:rPr lang="en-US" dirty="0" err="1"/>
+              <a:t>sai</a:t>
+            </a:r>
+            <a:r>
+              <a:rPr lang="en-US" dirty="0"/>
+              <a:t> (False).</a:t>
+            </a:r>
+            <a:endParaRPr lang="en-US" b="1" dirty="0"/>
+          </a:p>
+        </p:txBody>
+      </p:sp>
+      <p:sp>
+        <p:nvSpPr>
+          <p:cNvPr id="23" name="Rectangle 22"/>
+          <p:cNvSpPr/>
+          <p:nvPr/>
+        </p:nvSpPr>
+        <p:spPr>
+          <a:xfrm>
+            <a:off x="687205" y="4781645"/>
+            <a:ext cx="3310637" cy="1431823"/>
+          </a:xfrm>
+          <a:prstGeom prst="rect">
+            <a:avLst/>
+          </a:prstGeom>
+          <a:solidFill>
+            <a:schemeClr val="tx1">
+              <a:lumMod val="85000"/>
+              <a:lumOff val="15000"/>
+            </a:schemeClr>
+          </a:solidFill>
+          <a:ln>
+            <a:noFill/>
+          </a:ln>
+        </p:spPr>
+        <p:style>
+          <a:lnRef idx="2">
+            <a:schemeClr val="accent1">
+              <a:shade val="50000"/>
+            </a:schemeClr>
+          </a:lnRef>
+          <a:fillRef idx="1">
+            <a:schemeClr val="accent1"/>
+          </a:fillRef>
+          <a:effectRef idx="0">
+            <a:schemeClr val="accent1"/>
+          </a:effectRef>
+          <a:fontRef idx="minor">
+            <a:schemeClr val="lt1"/>
+          </a:fontRef>
+        </p:style>
+        <p:txBody>
+          <a:bodyPr rtlCol="0" anchor="ctr"/>
+          <a:lstStyle/>
+          <a:p>
+            <a:pPr algn="ctr"/>
+            <a:endParaRPr lang="en-US"/>
+          </a:p>
+        </p:txBody>
+      </p:sp>
+      <p:sp>
+        <p:nvSpPr>
+          <p:cNvPr id="24" name="TextBox 23"/>
+          <p:cNvSpPr txBox="1"/>
+          <p:nvPr/>
+        </p:nvSpPr>
+        <p:spPr>
+          <a:xfrm>
+            <a:off x="887389" y="4874558"/>
+            <a:ext cx="3206146" cy="1200329"/>
+          </a:xfrm>
+          <a:prstGeom prst="rect">
+            <a:avLst/>
+          </a:prstGeom>
+          <a:noFill/>
+        </p:spPr>
+        <p:txBody>
+          <a:bodyPr wrap="square" rtlCol="0">
+            <a:spAutoFit/>
+          </a:bodyPr>
+          <a:lstStyle/>
+          <a:p>
+            <a:r>
+              <a:rPr lang="en-US" dirty="0">
+                <a:solidFill>
+                  <a:schemeClr val="bg1"/>
+                </a:solidFill>
+              </a:rPr>
+              <a:t>count = </a:t>
+            </a:r>
+            <a:r>
+              <a:rPr lang="en-US" dirty="0">
+                <a:solidFill>
+                  <a:schemeClr val="accent6">
+                    <a:lumMod val="60000"/>
+                    <a:lumOff val="40000"/>
+                  </a:schemeClr>
+                </a:solidFill>
+              </a:rPr>
+              <a:t>0</a:t>
+            </a:r>
+            <a:r>
+              <a:rPr lang="en-US" dirty="0">
+                <a:solidFill>
+                  <a:schemeClr val="bg1"/>
+                </a:solidFill>
+              </a:rPr>
+              <a:t> </a:t>
+            </a:r>
+            <a:endParaRPr lang="en-US" dirty="0" smtClean="0">
+              <a:solidFill>
+                <a:schemeClr val="bg1"/>
+              </a:solidFill>
+            </a:endParaRPr>
+          </a:p>
+          <a:p>
+            <a:r>
+              <a:rPr lang="en-US" dirty="0" smtClean="0">
+                <a:solidFill>
+                  <a:srgbClr val="00B0F0"/>
+                </a:solidFill>
+              </a:rPr>
+              <a:t>while</a:t>
+            </a:r>
+            <a:r>
+              <a:rPr lang="en-US" dirty="0" smtClean="0">
+                <a:solidFill>
+                  <a:schemeClr val="bg1"/>
+                </a:solidFill>
+              </a:rPr>
+              <a:t> </a:t>
+            </a:r>
+            <a:r>
+              <a:rPr lang="en-US" dirty="0">
+                <a:solidFill>
+                  <a:schemeClr val="bg1"/>
+                </a:solidFill>
+              </a:rPr>
+              <a:t>count &lt; </a:t>
+            </a:r>
+            <a:r>
+              <a:rPr lang="en-US" dirty="0">
+                <a:solidFill>
+                  <a:schemeClr val="accent6">
+                    <a:lumMod val="60000"/>
+                    <a:lumOff val="40000"/>
+                  </a:schemeClr>
+                </a:solidFill>
+              </a:rPr>
+              <a:t>5</a:t>
+            </a:r>
+            <a:r>
+              <a:rPr lang="en-US" dirty="0">
+                <a:solidFill>
+                  <a:schemeClr val="bg1"/>
+                </a:solidFill>
+              </a:rPr>
+              <a:t>: </a:t>
+            </a:r>
+            <a:endParaRPr lang="en-US" dirty="0" smtClean="0">
+              <a:solidFill>
+                <a:schemeClr val="bg1"/>
+              </a:solidFill>
+            </a:endParaRPr>
+          </a:p>
+          <a:p>
+            <a:r>
+              <a:rPr lang="en-US" dirty="0">
+                <a:solidFill>
+                  <a:schemeClr val="bg1"/>
+                </a:solidFill>
+              </a:rPr>
+              <a:t> </a:t>
+            </a:r>
+            <a:r>
+              <a:rPr lang="en-US" dirty="0" smtClean="0">
+                <a:solidFill>
+                  <a:schemeClr val="bg1"/>
+                </a:solidFill>
+              </a:rPr>
+              <a:t>        print</a:t>
+            </a:r>
+            <a:r>
+              <a:rPr lang="en-US" dirty="0" smtClean="0">
+                <a:solidFill>
+                  <a:srgbClr val="FFC000"/>
+                </a:solidFill>
+              </a:rPr>
+              <a:t>(</a:t>
+            </a:r>
+            <a:r>
+              <a:rPr lang="en-US" dirty="0" smtClean="0">
+                <a:solidFill>
+                  <a:schemeClr val="bg1"/>
+                </a:solidFill>
+              </a:rPr>
+              <a:t>count</a:t>
+            </a:r>
+            <a:r>
+              <a:rPr lang="en-US" dirty="0">
+                <a:solidFill>
+                  <a:srgbClr val="FFC000"/>
+                </a:solidFill>
+              </a:rPr>
+              <a:t>)</a:t>
+            </a:r>
+            <a:r>
+              <a:rPr lang="en-US" dirty="0">
+                <a:solidFill>
+                  <a:schemeClr val="bg1"/>
+                </a:solidFill>
+              </a:rPr>
+              <a:t> </a:t>
+            </a:r>
+            <a:endParaRPr lang="en-US" dirty="0" smtClean="0">
+              <a:solidFill>
+                <a:schemeClr val="bg1"/>
+              </a:solidFill>
+            </a:endParaRPr>
+          </a:p>
+          <a:p>
+            <a:r>
+              <a:rPr lang="en-US" dirty="0">
+                <a:solidFill>
+                  <a:schemeClr val="bg1"/>
+                </a:solidFill>
+              </a:rPr>
+              <a:t> </a:t>
+            </a:r>
+            <a:r>
+              <a:rPr lang="en-US" dirty="0" smtClean="0">
+                <a:solidFill>
+                  <a:schemeClr val="bg1"/>
+                </a:solidFill>
+              </a:rPr>
+              <a:t>        count </a:t>
+            </a:r>
+            <a:r>
+              <a:rPr lang="en-US" dirty="0">
+                <a:solidFill>
+                  <a:schemeClr val="bg1"/>
+                </a:solidFill>
+              </a:rPr>
+              <a:t>+= </a:t>
+            </a:r>
+            <a:r>
+              <a:rPr lang="en-US" dirty="0">
+                <a:solidFill>
+                  <a:schemeClr val="accent6">
+                    <a:lumMod val="60000"/>
+                    <a:lumOff val="40000"/>
+                  </a:schemeClr>
+                </a:solidFill>
+              </a:rPr>
+              <a:t>1</a:t>
+            </a:r>
+            <a:endParaRPr lang="en-US" dirty="0" smtClean="0">
+              <a:solidFill>
+                <a:schemeClr val="accent6">
+                  <a:lumMod val="60000"/>
+                  <a:lumOff val="40000"/>
+                </a:schemeClr>
+              </a:solidFill>
+            </a:endParaRPr>
+          </a:p>
+        </p:txBody>
+      </p:sp>
+      <p:sp>
+        <p:nvSpPr>
+          <p:cNvPr id="25" name="TextBox 24"/>
+          <p:cNvSpPr txBox="1"/>
+          <p:nvPr/>
+        </p:nvSpPr>
+        <p:spPr>
+          <a:xfrm>
+            <a:off x="4249111" y="4753072"/>
+            <a:ext cx="4321769" cy="1477328"/>
+          </a:xfrm>
+          <a:prstGeom prst="rect">
+            <a:avLst/>
+          </a:prstGeom>
+          <a:noFill/>
+        </p:spPr>
+        <p:txBody>
+          <a:bodyPr wrap="square" rtlCol="0">
+            <a:spAutoFit/>
+          </a:bodyPr>
+          <a:lstStyle/>
+          <a:p>
+            <a:r>
+              <a:rPr lang="vi-VN" dirty="0"/>
+              <a:t>vòng lặp "while" được sử dụng để lặp lại việc in ra giá trị của biến "count" từ 0 đến 4. Mỗi lần lặp, giá trị của "count" được tăng lên 1 và điều kiện "count &lt; 5" được kiểm tra</a:t>
+            </a:r>
+            <a:endParaRPr lang="en-US" b="1" dirty="0"/>
+          </a:p>
+        </p:txBody>
+      </p:sp>
+    </p:spTree>
+    <p:extLst>
+      <p:ext uri="{BB962C8B-B14F-4D97-AF65-F5344CB8AC3E}">
+        <p14:creationId xmlns:p14="http://schemas.microsoft.com/office/powerpoint/2010/main" val="1891690532"/>
+      </p:ext>
+    </p:extLst>
+  </p:cSld>
+  <p:clrMapOvr>
+    <a:masterClrMapping/>
+  </p:clrMapOvr>
+  <p:timing>
+    <p:tnLst>
+      <p:par>
+        <p:cTn id="1" dur="indefinite" restart="never" nodeType="tmRoot"/>
+      </p:par>
+    </p:tnLst>
+  </p:timing>
+</p:sld>
+</file>
+
+<file path=ppt/slides/slide25.xml><?xml version="1.0" encoding="utf-8"?>
+<p:sld xmlns:a="http://schemas.openxmlformats.org/drawingml/2006/main" xmlns:r="http://schemas.openxmlformats.org/officeDocument/2006/relationships" xmlns:p="http://schemas.openxmlformats.org/presentationml/2006/main">
+  <p:cSld>
+    <p:spTree>
+      <p:nvGrpSpPr>
+        <p:cNvPr id="1" name=""/>
+        <p:cNvGrpSpPr/>
+        <p:nvPr/>
+      </p:nvGrpSpPr>
+      <p:grpSpPr>
+        <a:xfrm>
+          <a:off x="0" y="0"/>
+          <a:ext cx="0" cy="0"/>
+          <a:chOff x="0" y="0"/>
+          <a:chExt cx="0" cy="0"/>
+        </a:xfrm>
+      </p:grpSpPr>
+      <p:sp>
+        <p:nvSpPr>
+          <p:cNvPr id="2" name="Slide Number Placeholder 1"/>
+          <p:cNvSpPr>
+            <a:spLocks noGrp="1"/>
+          </p:cNvSpPr>
+          <p:nvPr>
+            <p:ph type="sldNum" sz="quarter" idx="12"/>
+          </p:nvPr>
+        </p:nvSpPr>
+        <p:spPr/>
+        <p:txBody>
+          <a:bodyPr/>
+          <a:lstStyle/>
+          <a:p>
+            <a:fld id="{7D9EC917-02A2-4152-9EE3-DFE2775A77C7}" type="slidenum">
+              <a:rPr lang="en-US" smtClean="0"/>
+              <a:pPr/>
+              <a:t>25</a:t>
+            </a:fld>
+            <a:endParaRPr lang="en-US"/>
+          </a:p>
+        </p:txBody>
+      </p:sp>
+      <p:sp>
+        <p:nvSpPr>
+          <p:cNvPr id="3" name="Text Placeholder 2"/>
+          <p:cNvSpPr>
+            <a:spLocks noGrp="1"/>
+          </p:cNvSpPr>
+          <p:nvPr>
+            <p:ph type="body" sz="quarter" idx="13"/>
+          </p:nvPr>
+        </p:nvSpPr>
+        <p:spPr/>
+        <p:txBody>
+          <a:bodyPr/>
+          <a:lstStyle/>
+          <a:p>
+            <a:r>
+              <a:rPr lang="en-US" dirty="0" smtClean="0"/>
+              <a:t>3.4 </a:t>
+            </a:r>
+            <a:r>
+              <a:rPr lang="en-US" dirty="0" err="1" smtClean="0"/>
+              <a:t>Vòng</a:t>
+            </a:r>
+            <a:r>
+              <a:rPr lang="en-US" dirty="0" smtClean="0"/>
+              <a:t> </a:t>
+            </a:r>
+            <a:r>
+              <a:rPr lang="en-US" dirty="0" err="1" smtClean="0"/>
+              <a:t>lặp</a:t>
+            </a:r>
+            <a:r>
+              <a:rPr lang="en-US" dirty="0" smtClean="0"/>
+              <a:t> </a:t>
+            </a:r>
+            <a:r>
+              <a:rPr lang="en-US" dirty="0" err="1" smtClean="0"/>
+              <a:t>trong</a:t>
+            </a:r>
+            <a:r>
+              <a:rPr lang="en-US" dirty="0" smtClean="0"/>
+              <a:t> Python</a:t>
+            </a:r>
+            <a:endParaRPr lang="en-US" dirty="0"/>
+          </a:p>
+        </p:txBody>
+      </p:sp>
+      <p:pic>
+        <p:nvPicPr>
+          <p:cNvPr id="4" name="Picture 2" descr="https://www.python.org/static/apple-touch-icon-precomposed.png"/>
+          <p:cNvPicPr>
+            <a:picLocks noChangeAspect="1" noChangeArrowheads="1"/>
+          </p:cNvPicPr>
+          <p:nvPr/>
+        </p:nvPicPr>
+        <p:blipFill>
+          <a:blip r:embed="rId2">
+            <a:extLst>
+              <a:ext uri="{28A0092B-C50C-407E-A947-70E740481C1C}">
+                <a14:useLocalDpi xmlns:a14="http://schemas.microsoft.com/office/drawing/2010/main" val="0"/>
+              </a:ext>
+            </a:extLst>
+          </a:blip>
+          <a:srcRect/>
+          <a:stretch>
+            <a:fillRect/>
+          </a:stretch>
+        </p:blipFill>
+        <p:spPr bwMode="auto">
+          <a:xfrm>
+            <a:off x="548981" y="1479187"/>
+            <a:ext cx="450480" cy="450481"/>
+          </a:xfrm>
+          <a:prstGeom prst="rect">
+            <a:avLst/>
+          </a:prstGeom>
+          <a:noFill/>
+          <a:extLst>
+            <a:ext uri="{909E8E84-426E-40DD-AFC4-6F175D3DCCD1}">
+              <a14:hiddenFill xmlns:a14="http://schemas.microsoft.com/office/drawing/2010/main">
+                <a:solidFill>
+                  <a:srgbClr val="FFFFFF"/>
+                </a:solidFill>
+              </a14:hiddenFill>
+            </a:ext>
+          </a:extLst>
+        </p:spPr>
+      </p:pic>
+      <p:sp>
+        <p:nvSpPr>
+          <p:cNvPr id="5" name="TextBox 4"/>
+          <p:cNvSpPr txBox="1"/>
+          <p:nvPr/>
+        </p:nvSpPr>
+        <p:spPr>
+          <a:xfrm>
+            <a:off x="1041993" y="1519761"/>
+            <a:ext cx="7068814" cy="369332"/>
+          </a:xfrm>
+          <a:prstGeom prst="rect">
+            <a:avLst/>
+          </a:prstGeom>
+          <a:noFill/>
+        </p:spPr>
+        <p:txBody>
+          <a:bodyPr wrap="square" rtlCol="0">
+            <a:spAutoFit/>
+          </a:bodyPr>
+          <a:lstStyle/>
+          <a:p>
+            <a:r>
+              <a:rPr lang="en-US" b="1" dirty="0" err="1" smtClean="0"/>
               <a:t>Điều</a:t>
             </a:r>
             <a:r>
@@ -19004,7 +21636,7 @@
 </p:sld>
 </file>
 
-<file path=ppt/slides/slide24.xml><?xml version="1.0" encoding="utf-8"?>
+<file path=ppt/slides/slide26.xml><?xml version="1.0" encoding="utf-8"?>
 <p:sld xmlns:a="http://schemas.openxmlformats.org/drawingml/2006/main" xmlns:r="http://schemas.openxmlformats.org/officeDocument/2006/relationships" xmlns:p="http://schemas.openxmlformats.org/presentationml/2006/main">
   <p:cSld>
     <p:spTree>
@@ -26745,7 +29377,9 @@
             <a:r>
               <a:rPr lang="en-US" dirty="0" smtClean="0">
                 <a:solidFill>
-                  <a:schemeClr val="bg1"/>
+                  <a:schemeClr val="accent2">
+                    <a:lumMod val="75000"/>
+                  </a:schemeClr>
                 </a:solidFill>
               </a:rPr>
               <a:t>“12 + 7”</a:t>
@@ -27361,7 +29995,9 @@
             <a:r>
               <a:rPr lang="en-US" dirty="0" smtClean="0">
                 <a:solidFill>
-                  <a:schemeClr val="bg1"/>
+                  <a:schemeClr val="accent2">
+                    <a:lumMod val="75000"/>
+                  </a:schemeClr>
                 </a:solidFill>
               </a:rPr>
               <a:t>“</a:t>
@@ -27369,7 +30005,9 @@
             <a:r>
               <a:rPr lang="en-US" dirty="0" err="1" smtClean="0">
                 <a:solidFill>
-                  <a:schemeClr val="bg1"/>
+                  <a:schemeClr val="accent2">
+                    <a:lumMod val="75000"/>
+                  </a:schemeClr>
                 </a:solidFill>
               </a:rPr>
               <a:t>Nhập</a:t>
@@ -27377,7 +30015,9 @@
             <a:r>
               <a:rPr lang="en-US" dirty="0" smtClean="0">
                 <a:solidFill>
-                  <a:schemeClr val="bg1"/>
+                  <a:schemeClr val="accent2">
+                    <a:lumMod val="75000"/>
+                  </a:schemeClr>
                 </a:solidFill>
               </a:rPr>
               <a:t> </a:t>
@@ -27385,7 +30025,9 @@
             <a:r>
               <a:rPr lang="en-US" dirty="0" err="1" smtClean="0">
                 <a:solidFill>
-                  <a:schemeClr val="bg1"/>
+                  <a:schemeClr val="accent2">
+                    <a:lumMod val="75000"/>
+                  </a:schemeClr>
                 </a:solidFill>
               </a:rPr>
               <a:t>vào</a:t>
@@ -27393,7 +30035,9 @@
             <a:r>
               <a:rPr lang="en-US" dirty="0" smtClean="0">
                 <a:solidFill>
-                  <a:schemeClr val="bg1"/>
+                  <a:schemeClr val="accent2">
+                    <a:lumMod val="75000"/>
+                  </a:schemeClr>
                 </a:solidFill>
               </a:rPr>
               <a:t> </a:t>
@@ -27401,7 +30045,9 @@
             <a:r>
               <a:rPr lang="en-US" dirty="0" err="1" smtClean="0">
                 <a:solidFill>
-                  <a:schemeClr val="bg1"/>
+                  <a:schemeClr val="accent2">
+                    <a:lumMod val="75000"/>
+                  </a:schemeClr>
                 </a:solidFill>
               </a:rPr>
               <a:t>biểu</a:t>
@@ -27409,7 +30055,9 @@
             <a:r>
               <a:rPr lang="en-US" dirty="0" smtClean="0">
                 <a:solidFill>
-                  <a:schemeClr val="bg1"/>
+                  <a:schemeClr val="accent2">
+                    <a:lumMod val="75000"/>
+                  </a:schemeClr>
                 </a:solidFill>
               </a:rPr>
               <a:t> </a:t>
@@ -27417,7 +30065,9 @@
             <a:r>
               <a:rPr lang="en-US" dirty="0" err="1" smtClean="0">
                 <a:solidFill>
-                  <a:schemeClr val="bg1"/>
+                  <a:schemeClr val="accent2">
+                    <a:lumMod val="75000"/>
+                  </a:schemeClr>
                 </a:solidFill>
               </a:rPr>
               <a:t>thức</a:t>
@@ -27425,7 +30075,9 @@
             <a:r>
               <a:rPr lang="en-US" dirty="0" smtClean="0">
                 <a:solidFill>
-                  <a:schemeClr val="bg1"/>
+                  <a:schemeClr val="accent2">
+                    <a:lumMod val="75000"/>
+                  </a:schemeClr>
                 </a:solidFill>
               </a:rPr>
               <a:t> </a:t>
@@ -27433,7 +30085,9 @@
             <a:r>
               <a:rPr lang="en-US" dirty="0" err="1" smtClean="0">
                 <a:solidFill>
-                  <a:schemeClr val="bg1"/>
+                  <a:schemeClr val="accent2">
+                    <a:lumMod val="75000"/>
+                  </a:schemeClr>
                 </a:solidFill>
               </a:rPr>
               <a:t>toán</a:t>
@@ -27441,7 +30095,9 @@
             <a:r>
               <a:rPr lang="en-US" dirty="0" smtClean="0">
                 <a:solidFill>
-                  <a:schemeClr val="bg1"/>
+                  <a:schemeClr val="accent2">
+                    <a:lumMod val="75000"/>
+                  </a:schemeClr>
                 </a:solidFill>
               </a:rPr>
               <a:t> </a:t>
@@ -27449,7 +30105,9 @@
             <a:r>
               <a:rPr lang="en-US" dirty="0" err="1" smtClean="0">
                 <a:solidFill>
-                  <a:schemeClr val="bg1"/>
+                  <a:schemeClr val="accent2">
+                    <a:lumMod val="75000"/>
+                  </a:schemeClr>
                 </a:solidFill>
               </a:rPr>
               <a:t>học</a:t>
@@ -27457,7 +30115,9 @@
             <a:r>
               <a:rPr lang="en-US" dirty="0" smtClean="0">
                 <a:solidFill>
-                  <a:schemeClr val="bg1"/>
+                  <a:schemeClr val="accent2">
+                    <a:lumMod val="75000"/>
+                  </a:schemeClr>
                 </a:solidFill>
               </a:rPr>
               <a:t>: ”</a:t>
@@ -27499,7 +30159,9 @@
             <a:r>
               <a:rPr lang="en-US" dirty="0" smtClean="0">
                 <a:solidFill>
-                  <a:schemeClr val="bg1"/>
+                  <a:schemeClr val="accent2">
+                    <a:lumMod val="75000"/>
+                  </a:schemeClr>
                 </a:solidFill>
               </a:rPr>
               <a:t>“</a:t>
@@ -27507,7 +30169,9 @@
             <a:r>
               <a:rPr lang="en-US" dirty="0" err="1" smtClean="0">
                 <a:solidFill>
-                  <a:schemeClr val="bg1"/>
+                  <a:schemeClr val="accent2">
+                    <a:lumMod val="75000"/>
+                  </a:schemeClr>
                 </a:solidFill>
               </a:rPr>
               <a:t>Giá</a:t>
@@ -27515,7 +30179,9 @@
             <a:r>
               <a:rPr lang="en-US" dirty="0" smtClean="0">
                 <a:solidFill>
-                  <a:schemeClr val="bg1"/>
+                  <a:schemeClr val="accent2">
+                    <a:lumMod val="75000"/>
+                  </a:schemeClr>
                 </a:solidFill>
               </a:rPr>
               <a:t> </a:t>
@@ -27523,7 +30189,9 @@
             <a:r>
               <a:rPr lang="en-US" dirty="0" err="1" smtClean="0">
                 <a:solidFill>
-                  <a:schemeClr val="bg1"/>
+                  <a:schemeClr val="accent2">
+                    <a:lumMod val="75000"/>
+                  </a:schemeClr>
                 </a:solidFill>
               </a:rPr>
               <a:t>trị</a:t>
@@ -27531,7 +30199,9 @@
             <a:r>
               <a:rPr lang="en-US" dirty="0" smtClean="0">
                 <a:solidFill>
-                  <a:schemeClr val="bg1"/>
+                  <a:schemeClr val="accent2">
+                    <a:lumMod val="75000"/>
+                  </a:schemeClr>
                 </a:solidFill>
               </a:rPr>
               <a:t> </a:t>
@@ -27539,7 +30209,9 @@
             <a:r>
               <a:rPr lang="en-US" dirty="0" err="1" smtClean="0">
                 <a:solidFill>
-                  <a:schemeClr val="bg1"/>
+                  <a:schemeClr val="accent2">
+                    <a:lumMod val="75000"/>
+                  </a:schemeClr>
                 </a:solidFill>
               </a:rPr>
               <a:t>của</a:t>
@@ -27547,7 +30219,9 @@
             <a:r>
               <a:rPr lang="en-US" dirty="0" smtClean="0">
                 <a:solidFill>
-                  <a:schemeClr val="bg1"/>
+                  <a:schemeClr val="accent2">
+                    <a:lumMod val="75000"/>
+                  </a:schemeClr>
                 </a:solidFill>
               </a:rPr>
               <a:t> </a:t>
@@ -27555,7 +30229,9 @@
             <a:r>
               <a:rPr lang="en-US" dirty="0" err="1" smtClean="0">
                 <a:solidFill>
-                  <a:schemeClr val="bg1"/>
+                  <a:schemeClr val="accent2">
+                    <a:lumMod val="75000"/>
+                  </a:schemeClr>
                 </a:solidFill>
               </a:rPr>
               <a:t>biểu</a:t>
@@ -27563,7 +30239,9 @@
             <a:r>
               <a:rPr lang="en-US" dirty="0" smtClean="0">
                 <a:solidFill>
-                  <a:schemeClr val="bg1"/>
+                  <a:schemeClr val="accent2">
+                    <a:lumMod val="75000"/>
+                  </a:schemeClr>
                 </a:solidFill>
               </a:rPr>
               <a:t> </a:t>
@@ -27571,7 +30249,9 @@
             <a:r>
               <a:rPr lang="en-US" dirty="0" err="1" smtClean="0">
                 <a:solidFill>
-                  <a:schemeClr val="bg1"/>
+                  <a:schemeClr val="accent2">
+                    <a:lumMod val="75000"/>
+                  </a:schemeClr>
                 </a:solidFill>
               </a:rPr>
               <a:t>thức</a:t>
@@ -27579,7 +30259,9 @@
             <a:r>
               <a:rPr lang="en-US" dirty="0" smtClean="0">
                 <a:solidFill>
-                  <a:schemeClr val="bg1"/>
+                  <a:schemeClr val="accent2">
+                    <a:lumMod val="75000"/>
+                  </a:schemeClr>
                 </a:solidFill>
               </a:rPr>
               <a:t> x </a:t>
@@ -27587,7 +30269,9 @@
             <a:r>
               <a:rPr lang="en-US" dirty="0" err="1" smtClean="0">
                 <a:solidFill>
-                  <a:schemeClr val="bg1"/>
+                  <a:schemeClr val="accent2">
+                    <a:lumMod val="75000"/>
+                  </a:schemeClr>
                 </a:solidFill>
               </a:rPr>
               <a:t>là</a:t>
@@ -27595,10 +30279,20 @@
             <a:r>
               <a:rPr lang="en-US" dirty="0" smtClean="0">
                 <a:solidFill>
-                  <a:schemeClr val="bg1"/>
-                </a:solidFill>
-              </a:rPr>
-              <a:t>”, x</a:t>
+                  <a:schemeClr val="accent2">
+                    <a:lumMod val="75000"/>
+                  </a:schemeClr>
+                </a:solidFill>
+              </a:rPr>
+              <a:t>”</a:t>
+            </a:r>
+            <a:r>
+              <a:rPr lang="en-US" dirty="0" smtClean="0">
+                <a:solidFill>
+                  <a:schemeClr val="bg1"/>
+                </a:solidFill>
+              </a:rPr>
+              <a:t>, x</a:t>
             </a:r>
             <a:r>
               <a:rPr lang="en-US" dirty="0" smtClean="0">
@@ -27976,7 +30670,9 @@
             <a:r>
               <a:rPr lang="en-US" sz="1700" dirty="0" smtClean="0">
                 <a:solidFill>
-                  <a:schemeClr val="bg1"/>
+                  <a:schemeClr val="accent2">
+                    <a:lumMod val="75000"/>
+                  </a:schemeClr>
                 </a:solidFill>
               </a:rPr>
               <a:t>“</a:t>
@@ -27984,7 +30680,9 @@
             <a:r>
               <a:rPr lang="en-US" sz="1700" dirty="0" err="1" smtClean="0">
                 <a:solidFill>
-                  <a:schemeClr val="bg1"/>
+                  <a:schemeClr val="accent2">
+                    <a:lumMod val="75000"/>
+                  </a:schemeClr>
                 </a:solidFill>
               </a:rPr>
               <a:t>Nhập</a:t>
@@ -27992,7 +30690,9 @@
             <a:r>
               <a:rPr lang="en-US" sz="1700" dirty="0" smtClean="0">
                 <a:solidFill>
-                  <a:schemeClr val="bg1"/>
+                  <a:schemeClr val="accent2">
+                    <a:lumMod val="75000"/>
+                  </a:schemeClr>
                 </a:solidFill>
               </a:rPr>
               <a:t> </a:t>
@@ -28000,7 +30700,9 @@
             <a:r>
               <a:rPr lang="en-US" sz="1700" dirty="0" err="1" smtClean="0">
                 <a:solidFill>
-                  <a:schemeClr val="bg1"/>
+                  <a:schemeClr val="accent2">
+                    <a:lumMod val="75000"/>
+                  </a:schemeClr>
                 </a:solidFill>
               </a:rPr>
               <a:t>vào</a:t>
@@ -28008,7 +30710,9 @@
             <a:r>
               <a:rPr lang="en-US" sz="1700" dirty="0" smtClean="0">
                 <a:solidFill>
-                  <a:schemeClr val="bg1"/>
+                  <a:schemeClr val="accent2">
+                    <a:lumMod val="75000"/>
+                  </a:schemeClr>
                 </a:solidFill>
               </a:rPr>
               <a:t> </a:t>
@@ -28016,7 +30720,9 @@
             <a:r>
               <a:rPr lang="en-US" sz="1700" dirty="0" err="1" smtClean="0">
                 <a:solidFill>
-                  <a:schemeClr val="bg1"/>
+                  <a:schemeClr val="accent2">
+                    <a:lumMod val="75000"/>
+                  </a:schemeClr>
                 </a:solidFill>
               </a:rPr>
               <a:t>các</a:t>
@@ -28024,7 +30730,9 @@
             <a:r>
               <a:rPr lang="en-US" sz="1700" dirty="0" smtClean="0">
                 <a:solidFill>
-                  <a:schemeClr val="bg1"/>
+                  <a:schemeClr val="accent2">
+                    <a:lumMod val="75000"/>
+                  </a:schemeClr>
                 </a:solidFill>
               </a:rPr>
               <a:t> </a:t>
@@ -28032,7 +30740,9 @@
             <a:r>
               <a:rPr lang="en-US" sz="1700" dirty="0" err="1" smtClean="0">
                 <a:solidFill>
-                  <a:schemeClr val="bg1"/>
+                  <a:schemeClr val="accent2">
+                    <a:lumMod val="75000"/>
+                  </a:schemeClr>
                 </a:solidFill>
               </a:rPr>
               <a:t>số</a:t>
@@ -28040,7 +30750,9 @@
             <a:r>
               <a:rPr lang="en-US" sz="1700" dirty="0" smtClean="0">
                 <a:solidFill>
-                  <a:schemeClr val="bg1"/>
+                  <a:schemeClr val="accent2">
+                    <a:lumMod val="75000"/>
+                  </a:schemeClr>
                 </a:solidFill>
               </a:rPr>
               <a:t> m, n, p (</a:t>
@@ -28048,7 +30760,9 @@
             <a:r>
               <a:rPr lang="en-US" sz="1700" dirty="0" err="1" smtClean="0">
                 <a:solidFill>
-                  <a:schemeClr val="bg1"/>
+                  <a:schemeClr val="accent2">
+                    <a:lumMod val="75000"/>
+                  </a:schemeClr>
                 </a:solidFill>
               </a:rPr>
               <a:t>cách</a:t>
@@ -28056,7 +30770,9 @@
             <a:r>
               <a:rPr lang="en-US" sz="1700" dirty="0" smtClean="0">
                 <a:solidFill>
-                  <a:schemeClr val="bg1"/>
+                  <a:schemeClr val="accent2">
+                    <a:lumMod val="75000"/>
+                  </a:schemeClr>
                 </a:solidFill>
               </a:rPr>
               <a:t> </a:t>
@@ -28064,7 +30780,9 @@
             <a:r>
               <a:rPr lang="en-US" sz="1700" dirty="0" err="1" smtClean="0">
                 <a:solidFill>
-                  <a:schemeClr val="bg1"/>
+                  <a:schemeClr val="accent2">
+                    <a:lumMod val="75000"/>
+                  </a:schemeClr>
                 </a:solidFill>
               </a:rPr>
               <a:t>nhau</a:t>
@@ -28072,7 +30790,9 @@
             <a:r>
               <a:rPr lang="en-US" sz="1700" dirty="0" smtClean="0">
                 <a:solidFill>
-                  <a:schemeClr val="bg1"/>
+                  <a:schemeClr val="accent2">
+                    <a:lumMod val="75000"/>
+                  </a:schemeClr>
                 </a:solidFill>
               </a:rPr>
               <a:t> </a:t>
@@ -28080,7 +30800,9 @@
             <a:r>
               <a:rPr lang="en-US" sz="1700" dirty="0" err="1" smtClean="0">
                 <a:solidFill>
-                  <a:schemeClr val="bg1"/>
+                  <a:schemeClr val="accent2">
+                    <a:lumMod val="75000"/>
+                  </a:schemeClr>
                 </a:solidFill>
               </a:rPr>
               <a:t>bởi</a:t>
@@ -28088,7 +30810,9 @@
             <a:r>
               <a:rPr lang="en-US" sz="1700" dirty="0" smtClean="0">
                 <a:solidFill>
-                  <a:schemeClr val="bg1"/>
+                  <a:schemeClr val="accent2">
+                    <a:lumMod val="75000"/>
+                  </a:schemeClr>
                 </a:solidFill>
               </a:rPr>
               <a:t> </a:t>
@@ -28096,7 +30820,9 @@
             <a:r>
               <a:rPr lang="en-US" sz="1700" dirty="0" err="1" smtClean="0">
                 <a:solidFill>
-                  <a:schemeClr val="bg1"/>
+                  <a:schemeClr val="accent2">
+                    <a:lumMod val="75000"/>
+                  </a:schemeClr>
                 </a:solidFill>
               </a:rPr>
               <a:t>dấu</a:t>
@@ -28104,7 +30830,9 @@
             <a:r>
               <a:rPr lang="en-US" sz="1700" dirty="0" smtClean="0">
                 <a:solidFill>
-                  <a:schemeClr val="bg1"/>
+                  <a:schemeClr val="accent2">
+                    <a:lumMod val="75000"/>
+                  </a:schemeClr>
                 </a:solidFill>
               </a:rPr>
               <a:t> </a:t>
@@ -28112,7 +30840,9 @@
             <a:r>
               <a:rPr lang="en-US" sz="1700" dirty="0" err="1" smtClean="0">
                 <a:solidFill>
-                  <a:schemeClr val="bg1"/>
+                  <a:schemeClr val="accent2">
+                    <a:lumMod val="75000"/>
+                  </a:schemeClr>
                 </a:solidFill>
               </a:rPr>
               <a:t>phẩy</a:t>
@@ -28120,7 +30850,9 @@
             <a:r>
               <a:rPr lang="en-US" sz="1700" dirty="0" smtClean="0">
                 <a:solidFill>
-                  <a:schemeClr val="bg1"/>
+                  <a:schemeClr val="accent2">
+                    <a:lumMod val="75000"/>
+                  </a:schemeClr>
                 </a:solidFill>
               </a:rPr>
               <a:t>) ”</a:t>
@@ -28162,7 +30894,9 @@
             <a:r>
               <a:rPr lang="en-US" sz="1700" dirty="0" smtClean="0">
                 <a:solidFill>
-                  <a:schemeClr val="bg1"/>
+                  <a:schemeClr val="accent2">
+                    <a:lumMod val="75000"/>
+                  </a:schemeClr>
                 </a:solidFill>
               </a:rPr>
               <a:t>“</a:t>
@@ -28170,7 +30904,9 @@
             <a:r>
               <a:rPr lang="en-US" sz="1700" dirty="0" err="1" smtClean="0">
                 <a:solidFill>
-                  <a:schemeClr val="bg1"/>
+                  <a:schemeClr val="accent2">
+                    <a:lumMod val="75000"/>
+                  </a:schemeClr>
                 </a:solidFill>
               </a:rPr>
               <a:t>Các</a:t>
@@ -28178,7 +30914,9 @@
             <a:r>
               <a:rPr lang="en-US" sz="1700" dirty="0" smtClean="0">
                 <a:solidFill>
-                  <a:schemeClr val="bg1"/>
+                  <a:schemeClr val="accent2">
+                    <a:lumMod val="75000"/>
+                  </a:schemeClr>
                 </a:solidFill>
               </a:rPr>
               <a:t> </a:t>
@@ -28186,7 +30924,9 @@
             <a:r>
               <a:rPr lang="en-US" sz="1700" dirty="0" err="1" smtClean="0">
                 <a:solidFill>
-                  <a:schemeClr val="bg1"/>
+                  <a:schemeClr val="accent2">
+                    <a:lumMod val="75000"/>
+                  </a:schemeClr>
                 </a:solidFill>
               </a:rPr>
               <a:t>số</a:t>
@@ -28194,7 +30934,9 @@
             <a:r>
               <a:rPr lang="en-US" sz="1700" dirty="0" smtClean="0">
                 <a:solidFill>
-                  <a:schemeClr val="bg1"/>
+                  <a:schemeClr val="accent2">
+                    <a:lumMod val="75000"/>
+                  </a:schemeClr>
                 </a:solidFill>
               </a:rPr>
               <a:t> </a:t>
@@ -28202,7 +30944,9 @@
             <a:r>
               <a:rPr lang="en-US" sz="1700" dirty="0" err="1" smtClean="0">
                 <a:solidFill>
-                  <a:schemeClr val="bg1"/>
+                  <a:schemeClr val="accent2">
+                    <a:lumMod val="75000"/>
+                  </a:schemeClr>
                 </a:solidFill>
               </a:rPr>
               <a:t>đã</a:t>
@@ -28210,7 +30954,9 @@
             <a:r>
               <a:rPr lang="en-US" sz="1700" dirty="0" smtClean="0">
                 <a:solidFill>
-                  <a:schemeClr val="bg1"/>
+                  <a:schemeClr val="accent2">
+                    <a:lumMod val="75000"/>
+                  </a:schemeClr>
                 </a:solidFill>
               </a:rPr>
               <a:t> </a:t>
@@ -28218,7 +30964,9 @@
             <a:r>
               <a:rPr lang="en-US" sz="1700" dirty="0" err="1" smtClean="0">
                 <a:solidFill>
-                  <a:schemeClr val="bg1"/>
+                  <a:schemeClr val="accent2">
+                    <a:lumMod val="75000"/>
+                  </a:schemeClr>
                 </a:solidFill>
               </a:rPr>
               <a:t>nhập</a:t>
@@ -28226,7 +30974,9 @@
             <a:r>
               <a:rPr lang="en-US" sz="1700" dirty="0" smtClean="0">
                 <a:solidFill>
-                  <a:schemeClr val="bg1"/>
+                  <a:schemeClr val="accent2">
+                    <a:lumMod val="75000"/>
+                  </a:schemeClr>
                 </a:solidFill>
               </a:rPr>
               <a:t> </a:t>
@@ -28234,7 +30984,9 @@
             <a:r>
               <a:rPr lang="en-US" sz="1700" dirty="0" err="1" smtClean="0">
                 <a:solidFill>
-                  <a:schemeClr val="bg1"/>
+                  <a:schemeClr val="accent2">
+                    <a:lumMod val="75000"/>
+                  </a:schemeClr>
                 </a:solidFill>
               </a:rPr>
               <a:t>là</a:t>
@@ -28242,10 +30994,20 @@
             <a:r>
               <a:rPr lang="en-US" sz="1700" dirty="0" smtClean="0">
                 <a:solidFill>
-                  <a:schemeClr val="bg1"/>
-                </a:solidFill>
-              </a:rPr>
-              <a:t>”, </a:t>
+                  <a:schemeClr val="accent2">
+                    <a:lumMod val="75000"/>
+                  </a:schemeClr>
+                </a:solidFill>
+              </a:rPr>
+              <a:t>”</a:t>
+            </a:r>
+            <a:r>
+              <a:rPr lang="en-US" sz="1700" dirty="0" smtClean="0">
+                <a:solidFill>
+                  <a:schemeClr val="bg1"/>
+                </a:solidFill>
+              </a:rPr>
+              <a:t>, </a:t>
             </a:r>
             <a:r>
               <a:rPr lang="en-US" sz="1700" dirty="0" err="1" smtClean="0">
